--- a/doc/SELEC_Poster.pptx
+++ b/doc/SELEC_Poster.pptx
@@ -150,7 +150,24 @@
 
 <file path=ppt/comments/modernComment_104_F5B474A0.xml><?xml version="1.0" encoding="utf-8"?>
 <p188:cmLst xmlns:a="http://schemas.openxmlformats.org/drawingml/2006/main" xmlns:r="http://schemas.openxmlformats.org/officeDocument/2006/relationships" xmlns:p188="http://schemas.microsoft.com/office/powerpoint/2018/8/main">
-  <p188:cm id="{0C5C91EB-75B5-45DA-A656-FCFA84E99257}" authorId="{4BD27356-B558-249B-7465-34B869C51AFE}" created="2022-03-15T08:59:35.525">
+  <p188:cm id="{AE3C5A41-A44D-40F7-962E-77AFAA65785E}" authorId="{4BD27356-B558-249B-7465-34B869C51AFE}" created="2022-03-15T17:13:23.450">
+    <ac:deMkLst xmlns:ac="http://schemas.microsoft.com/office/drawing/2013/main/command">
+      <pc:docMk xmlns:pc="http://schemas.microsoft.com/office/powerpoint/2013/main/command"/>
+      <pc:sldMk xmlns:pc="http://schemas.microsoft.com/office/powerpoint/2013/main/command" cId="4122244256" sldId="260"/>
+      <ac:graphicFrameMk id="63" creationId="{CF40F623-E67F-4E1A-8DE4-4363173B72A8}"/>
+    </ac:deMkLst>
+    <p188:txBody>
+      <a:bodyPr/>
+      <a:lstStyle/>
+      <a:p>
+        <a:r>
+          <a:rPr lang="en-US"/>
+          <a:t>i hate this table visually lol, its a pain to format. can we swap this info in some way ?</a:t>
+        </a:r>
+      </a:p>
+    </p188:txBody>
+  </p188:cm>
+  <p188:cm id="{C68C710D-8BF8-4D1F-80C5-CD911AEE66BA}" authorId="{4BD27356-B558-249B-7465-34B869C51AFE}" created="2022-03-15T17:17:59.786">
     <ac:deMkLst xmlns:ac="http://schemas.microsoft.com/office/drawing/2013/main/command">
       <pc:docMk xmlns:pc="http://schemas.microsoft.com/office/powerpoint/2013/main/command"/>
       <pc:sldMk xmlns:pc="http://schemas.microsoft.com/office/powerpoint/2013/main/command" cId="4122244256" sldId="260"/>
@@ -162,7 +179,7 @@
       <a:p>
         <a:r>
           <a:rPr lang="en-US"/>
-          <a:t>plot is too tiny but ill fix later, im tire lol</a:t>
+          <a:t>plot is small. eh, we'll deal</a:t>
         </a:r>
       </a:p>
     </p188:txBody>
@@ -619,7 +636,7 @@
           <a:p>
             <a:fld id="{FC6F42E8-B668-4F31-8C27-D58F2408A3E2}" type="datetimeFigureOut">
               <a:rPr lang="en-US" smtClean="0"/>
-              <a:t>3/14/2022</a:t>
+              <a:t>3/15/2022</a:t>
             </a:fld>
             <a:endParaRPr lang="en-US"/>
           </a:p>
@@ -5779,7 +5796,7 @@
           <a:p>
             <a:fld id="{6D09DAF5-55DF-4039-B216-8AB1E20D2DB7}" type="datetimeFigureOut">
               <a:rPr lang="en-US" smtClean="0"/>
-              <a:t>3/14/2022</a:t>
+              <a:t>3/15/2022</a:t>
             </a:fld>
             <a:endParaRPr lang="en-US"/>
           </a:p>
@@ -10104,8 +10121,8 @@
         </p:nvSpPr>
         <p:spPr>
           <a:xfrm>
-            <a:off x="3164174" y="1896954"/>
-            <a:ext cx="2827380" cy="4722533"/>
+            <a:off x="3078552" y="1871986"/>
+            <a:ext cx="2946765" cy="4747501"/>
           </a:xfrm>
           <a:prstGeom prst="rect">
             <a:avLst/>
@@ -10157,8 +10174,8 @@
         </p:nvSpPr>
         <p:spPr>
           <a:xfrm>
-            <a:off x="301198" y="1889745"/>
-            <a:ext cx="2732358" cy="3338858"/>
+            <a:off x="215821" y="3333133"/>
+            <a:ext cx="2789479" cy="3338858"/>
           </a:xfrm>
           <a:prstGeom prst="rect">
             <a:avLst/>
@@ -10210,8 +10227,8 @@
         </p:nvSpPr>
         <p:spPr>
           <a:xfrm>
-            <a:off x="6105720" y="1901212"/>
-            <a:ext cx="2765190" cy="2663213"/>
+            <a:off x="6105720" y="1871987"/>
+            <a:ext cx="2839584" cy="2238863"/>
           </a:xfrm>
           <a:prstGeom prst="rect">
             <a:avLst/>
@@ -10263,8 +10280,8 @@
         </p:nvSpPr>
         <p:spPr>
           <a:xfrm>
-            <a:off x="6105719" y="4620578"/>
-            <a:ext cx="2759764" cy="1192011"/>
+            <a:off x="6105719" y="4177492"/>
+            <a:ext cx="2822458" cy="1635097"/>
           </a:xfrm>
           <a:prstGeom prst="rect">
             <a:avLst/>
@@ -10316,8 +10333,8 @@
         </p:nvSpPr>
         <p:spPr>
           <a:xfrm>
-            <a:off x="301198" y="5286033"/>
-            <a:ext cx="2732358" cy="1342456"/>
+            <a:off x="215822" y="1871986"/>
+            <a:ext cx="2791694" cy="1402012"/>
           </a:xfrm>
           <a:prstGeom prst="rect">
             <a:avLst/>
@@ -10367,7 +10384,7 @@
         </p:nvSpPr>
         <p:spPr>
           <a:xfrm>
-            <a:off x="347331" y="970713"/>
+            <a:off x="342913" y="958491"/>
             <a:ext cx="2633109" cy="201124"/>
           </a:xfrm>
           <a:prstGeom prst="rect">
@@ -10429,8 +10446,8 @@
         </p:nvSpPr>
         <p:spPr>
           <a:xfrm>
-            <a:off x="6105720" y="5868742"/>
-            <a:ext cx="2759764" cy="757912"/>
+            <a:off x="6105719" y="5868742"/>
+            <a:ext cx="2822457" cy="757912"/>
           </a:xfrm>
           <a:prstGeom prst="rect">
             <a:avLst/>
@@ -10480,7 +10497,7 @@
         </p:nvSpPr>
         <p:spPr>
           <a:xfrm>
-            <a:off x="350822" y="1932318"/>
+            <a:off x="294004" y="3358340"/>
             <a:ext cx="2633109" cy="201124"/>
           </a:xfrm>
           <a:prstGeom prst="rect">
@@ -10540,7 +10557,7 @@
         </p:nvSpPr>
         <p:spPr>
           <a:xfrm>
-            <a:off x="3255444" y="1930956"/>
+            <a:off x="3232222" y="1907984"/>
             <a:ext cx="2633109" cy="201124"/>
           </a:xfrm>
           <a:prstGeom prst="rect">
@@ -10600,7 +10617,7 @@
         </p:nvSpPr>
         <p:spPr>
           <a:xfrm>
-            <a:off x="6155342" y="4624458"/>
+            <a:off x="6193006" y="4215938"/>
             <a:ext cx="2633109" cy="201124"/>
           </a:xfrm>
           <a:prstGeom prst="rect">
@@ -10641,7 +10658,7 @@
                   <a:srgbClr val="545454"/>
                 </a:solidFill>
               </a:rPr>
-              <a:t>Conclusion and Future Outlook</a:t>
+              <a:t>Conclusion</a:t>
             </a:r>
           </a:p>
         </p:txBody>
@@ -10660,7 +10677,67 @@
         </p:nvSpPr>
         <p:spPr>
           <a:xfrm>
-            <a:off x="6169047" y="5896856"/>
+            <a:off x="6176087" y="5899757"/>
+            <a:ext cx="2672476" cy="201124"/>
+          </a:xfrm>
+          <a:prstGeom prst="rect">
+            <a:avLst/>
+          </a:prstGeom>
+          <a:solidFill>
+            <a:srgbClr val="FFBD59">
+              <a:alpha val="69804"/>
+            </a:srgbClr>
+          </a:solidFill>
+          <a:ln>
+            <a:noFill/>
+          </a:ln>
+          <a:effectLst/>
+        </p:spPr>
+        <p:style>
+          <a:lnRef idx="1">
+            <a:schemeClr val="accent1"/>
+          </a:lnRef>
+          <a:fillRef idx="3">
+            <a:schemeClr val="accent1"/>
+          </a:fillRef>
+          <a:effectRef idx="2">
+            <a:schemeClr val="accent1"/>
+          </a:effectRef>
+          <a:fontRef idx="minor">
+            <a:schemeClr val="lt1"/>
+          </a:fontRef>
+        </p:style>
+        <p:txBody>
+          <a:bodyPr rtlCol="0" anchor="ctr"/>
+          <a:lstStyle/>
+          <a:p>
+            <a:pPr algn="ctr"/>
+            <a:r>
+              <a:rPr lang="en-US" sz="1400" b="1" dirty="0">
+                <a:solidFill>
+                  <a:srgbClr val="545454"/>
+                </a:solidFill>
+              </a:rPr>
+              <a:t>Acknowledgements</a:t>
+            </a:r>
+          </a:p>
+        </p:txBody>
+      </p:sp>
+      <p:sp>
+        <p:nvSpPr>
+          <p:cNvPr id="30" name="Rectangle 29">
+            <a:extLst>
+              <a:ext uri="{FF2B5EF4-FFF2-40B4-BE49-F238E27FC236}">
+                <a16:creationId xmlns:a16="http://schemas.microsoft.com/office/drawing/2014/main" id="{003F1834-9AB2-4F69-AE25-0F13602618FE}"/>
+              </a:ext>
+            </a:extLst>
+          </p:cNvPr>
+          <p:cNvSpPr/>
+          <p:nvPr/>
+        </p:nvSpPr>
+        <p:spPr>
+          <a:xfrm>
+            <a:off x="294005" y="1904613"/>
             <a:ext cx="2633109" cy="201124"/>
           </a:xfrm>
           <a:prstGeom prst="rect">
@@ -10701,67 +10778,7 @@
                   <a:srgbClr val="545454"/>
                 </a:solidFill>
               </a:rPr>
-              <a:t>Acknowledgements</a:t>
-            </a:r>
-          </a:p>
-        </p:txBody>
-      </p:sp>
-      <p:sp>
-        <p:nvSpPr>
-          <p:cNvPr id="30" name="Rectangle 29">
-            <a:extLst>
-              <a:ext uri="{FF2B5EF4-FFF2-40B4-BE49-F238E27FC236}">
-                <a16:creationId xmlns:a16="http://schemas.microsoft.com/office/drawing/2014/main" id="{003F1834-9AB2-4F69-AE25-0F13602618FE}"/>
-              </a:ext>
-            </a:extLst>
-          </p:cNvPr>
-          <p:cNvSpPr/>
-          <p:nvPr/>
-        </p:nvSpPr>
-        <p:spPr>
-          <a:xfrm>
-            <a:off x="350822" y="5340364"/>
-            <a:ext cx="2633109" cy="201124"/>
-          </a:xfrm>
-          <a:prstGeom prst="rect">
-            <a:avLst/>
-          </a:prstGeom>
-          <a:solidFill>
-            <a:srgbClr val="FFBD59">
-              <a:alpha val="69804"/>
-            </a:srgbClr>
-          </a:solidFill>
-          <a:ln>
-            <a:noFill/>
-          </a:ln>
-          <a:effectLst/>
-        </p:spPr>
-        <p:style>
-          <a:lnRef idx="1">
-            <a:schemeClr val="accent1"/>
-          </a:lnRef>
-          <a:fillRef idx="3">
-            <a:schemeClr val="accent1"/>
-          </a:fillRef>
-          <a:effectRef idx="2">
-            <a:schemeClr val="accent1"/>
-          </a:effectRef>
-          <a:fontRef idx="minor">
-            <a:schemeClr val="lt1"/>
-          </a:fontRef>
-        </p:style>
-        <p:txBody>
-          <a:bodyPr rtlCol="0" anchor="ctr"/>
-          <a:lstStyle/>
-          <a:p>
-            <a:pPr algn="ctr"/>
-            <a:r>
-              <a:rPr lang="en-US" sz="1400" b="1" dirty="0">
-                <a:solidFill>
-                  <a:srgbClr val="545454"/>
-                </a:solidFill>
-              </a:rPr>
-              <a:t>Design Space</a:t>
+              <a:t>Graphical User Interface</a:t>
             </a:r>
           </a:p>
         </p:txBody>
@@ -11014,7 +11031,7 @@
         </p:nvSpPr>
         <p:spPr>
           <a:xfrm>
-            <a:off x="462954" y="5036627"/>
+            <a:off x="396989" y="6506054"/>
             <a:ext cx="2334124" cy="222096"/>
           </a:xfrm>
           <a:prstGeom prst="rect">
@@ -11116,53 +11133,6 @@
           </a:p>
         </p:txBody>
       </p:sp>
-      <p:pic>
-        <p:nvPicPr>
-          <p:cNvPr id="1032" name="Picture 8">
-            <a:extLst>
-              <a:ext uri="{FF2B5EF4-FFF2-40B4-BE49-F238E27FC236}">
-                <a16:creationId xmlns:a16="http://schemas.microsoft.com/office/drawing/2014/main" id="{0F1EAE26-78CF-4969-8299-9D0E890FF2B2}"/>
-              </a:ext>
-            </a:extLst>
-          </p:cNvPr>
-          <p:cNvPicPr>
-            <a:picLocks noChangeAspect="1" noChangeArrowheads="1"/>
-          </p:cNvPicPr>
-          <p:nvPr/>
-        </p:nvPicPr>
-        <p:blipFill>
-          <a:blip r:embed="rId5">
-            <a:extLst>
-              <a:ext uri="{28A0092B-C50C-407E-A947-70E740481C1C}">
-                <a14:useLocalDpi xmlns:a14="http://schemas.microsoft.com/office/drawing/2010/main" val="0"/>
-              </a:ext>
-            </a:extLst>
-          </a:blip>
-          <a:srcRect/>
-          <a:stretch>
-            <a:fillRect/>
-          </a:stretch>
-        </p:blipFill>
-        <p:spPr bwMode="auto">
-          <a:xfrm>
-            <a:off x="3586512" y="4649580"/>
-            <a:ext cx="1797215" cy="1800550"/>
-          </a:xfrm>
-          <a:prstGeom prst="rect">
-            <a:avLst/>
-          </a:prstGeom>
-          <a:noFill/>
-          <a:extLst>
-            <a:ext uri="{909E8E84-426E-40DD-AFC4-6F175D3DCCD1}">
-              <a14:hiddenFill xmlns:a14="http://schemas.microsoft.com/office/drawing/2010/main">
-                <a:solidFill>
-                  <a:srgbClr val="FFFFFF"/>
-                </a:solidFill>
-              </a14:hiddenFill>
-            </a:ext>
-          </a:extLst>
-        </p:spPr>
-      </p:pic>
       <p:sp>
         <p:nvSpPr>
           <p:cNvPr id="39" name="Title 1">
@@ -11179,8 +11149,8 @@
         </p:nvSpPr>
         <p:spPr>
           <a:xfrm>
-            <a:off x="301196" y="2172473"/>
-            <a:ext cx="2732359" cy="568556"/>
+            <a:off x="227576" y="3571865"/>
+            <a:ext cx="2739691" cy="568556"/>
           </a:xfrm>
           <a:prstGeom prst="rect">
             <a:avLst/>
@@ -11241,10 +11211,10 @@
       </p:sp>
       <p:grpSp>
         <p:nvGrpSpPr>
-          <p:cNvPr id="36" name="Group 35">
+          <p:cNvPr id="9" name="Group 8">
             <a:extLst>
               <a:ext uri="{FF2B5EF4-FFF2-40B4-BE49-F238E27FC236}">
-                <a16:creationId xmlns:a16="http://schemas.microsoft.com/office/drawing/2014/main" id="{FB696677-2E30-43E2-8EC8-225142464013}"/>
+                <a16:creationId xmlns:a16="http://schemas.microsoft.com/office/drawing/2014/main" id="{B763A396-800E-4E12-B014-4511D2488C81}"/>
               </a:ext>
             </a:extLst>
           </p:cNvPr>
@@ -11253,18 +11223,18 @@
         </p:nvGrpSpPr>
         <p:grpSpPr>
           <a:xfrm>
-            <a:off x="376232" y="5834870"/>
-            <a:ext cx="1339240" cy="710780"/>
-            <a:chOff x="681273" y="5616373"/>
-            <a:chExt cx="1746063" cy="807363"/>
+            <a:off x="1798764" y="5666221"/>
+            <a:ext cx="1115828" cy="812402"/>
+            <a:chOff x="1796166" y="5553924"/>
+            <a:chExt cx="1139427" cy="886744"/>
           </a:xfrm>
         </p:grpSpPr>
         <p:grpSp>
           <p:nvGrpSpPr>
-            <p:cNvPr id="35" name="Group 34">
+            <p:cNvPr id="8" name="Group 7">
               <a:extLst>
                 <a:ext uri="{FF2B5EF4-FFF2-40B4-BE49-F238E27FC236}">
-                  <a16:creationId xmlns:a16="http://schemas.microsoft.com/office/drawing/2014/main" id="{B90236FB-0E69-4A1F-B9E7-AF8797746459}"/>
+                  <a16:creationId xmlns:a16="http://schemas.microsoft.com/office/drawing/2014/main" id="{D0E2E39A-C5D9-4C78-837B-32B89089EA2E}"/>
                 </a:ext>
               </a:extLst>
             </p:cNvPr>
@@ -11273,241 +11243,432 @@
           </p:nvGrpSpPr>
           <p:grpSpPr>
             <a:xfrm>
-              <a:off x="681273" y="5616373"/>
-              <a:ext cx="1701866" cy="783510"/>
-              <a:chOff x="661141" y="5658237"/>
-              <a:chExt cx="2012468" cy="847439"/>
+              <a:off x="1796166" y="5767739"/>
+              <a:ext cx="1139427" cy="672929"/>
+              <a:chOff x="1687363" y="5728001"/>
+              <a:chExt cx="1365892" cy="710782"/>
             </a:xfrm>
           </p:grpSpPr>
-          <p:sp>
-            <p:nvSpPr>
-              <p:cNvPr id="10" name="Rectangle 9">
+          <p:grpSp>
+            <p:nvGrpSpPr>
+              <p:cNvPr id="35" name="Group 34">
                 <a:extLst>
                   <a:ext uri="{FF2B5EF4-FFF2-40B4-BE49-F238E27FC236}">
-                    <a16:creationId xmlns:a16="http://schemas.microsoft.com/office/drawing/2014/main" id="{9BFB7DAC-2109-4E46-BA6C-BDEA7052E745}"/>
+                    <a16:creationId xmlns:a16="http://schemas.microsoft.com/office/drawing/2014/main" id="{B90236FB-0E69-4A1F-B9E7-AF8797746459}"/>
                   </a:ext>
                 </a:extLst>
               </p:cNvPr>
-              <p:cNvSpPr/>
+              <p:cNvGrpSpPr/>
+              <p:nvPr/>
+            </p:nvGrpSpPr>
+            <p:grpSpPr>
+              <a:xfrm>
+                <a:off x="1687363" y="5728001"/>
+                <a:ext cx="1305341" cy="689776"/>
+                <a:chOff x="661141" y="5658241"/>
+                <a:chExt cx="2012468" cy="847435"/>
+              </a:xfrm>
+            </p:grpSpPr>
+            <p:sp>
+              <p:nvSpPr>
+                <p:cNvPr id="10" name="Rectangle 9">
+                  <a:extLst>
+                    <a:ext uri="{FF2B5EF4-FFF2-40B4-BE49-F238E27FC236}">
+                      <a16:creationId xmlns:a16="http://schemas.microsoft.com/office/drawing/2014/main" id="{9BFB7DAC-2109-4E46-BA6C-BDEA7052E745}"/>
+                    </a:ext>
+                  </a:extLst>
+                </p:cNvPr>
+                <p:cNvSpPr/>
+                <p:nvPr/>
+              </p:nvSpPr>
+              <p:spPr>
+                <a:xfrm>
+                  <a:off x="661141" y="5658241"/>
+                  <a:ext cx="2012468" cy="847435"/>
+                </a:xfrm>
+                <a:prstGeom prst="rect">
+                  <a:avLst/>
+                </a:prstGeom>
+                <a:solidFill>
+                  <a:schemeClr val="tx2">
+                    <a:lumMod val="85000"/>
+                  </a:schemeClr>
+                </a:solidFill>
+                <a:ln>
+                  <a:solidFill>
+                    <a:schemeClr val="accent4">
+                      <a:lumMod val="50000"/>
+                    </a:schemeClr>
+                  </a:solidFill>
+                </a:ln>
+                <a:effectLst/>
+              </p:spPr>
+              <p:style>
+                <a:lnRef idx="1">
+                  <a:schemeClr val="accent1"/>
+                </a:lnRef>
+                <a:fillRef idx="3">
+                  <a:schemeClr val="accent1"/>
+                </a:fillRef>
+                <a:effectRef idx="2">
+                  <a:schemeClr val="accent1"/>
+                </a:effectRef>
+                <a:fontRef idx="minor">
+                  <a:schemeClr val="lt1"/>
+                </a:fontRef>
+              </p:style>
+              <p:txBody>
+                <a:bodyPr rtlCol="0" anchor="ctr"/>
+                <a:lstStyle/>
+                <a:p>
+                  <a:pPr algn="ctr"/>
+                  <a:endParaRPr lang="en-US"/>
+                </a:p>
+              </p:txBody>
+            </p:sp>
+            <p:sp>
+              <p:nvSpPr>
+                <p:cNvPr id="41" name="Rectangle 40">
+                  <a:extLst>
+                    <a:ext uri="{FF2B5EF4-FFF2-40B4-BE49-F238E27FC236}">
+                      <a16:creationId xmlns:a16="http://schemas.microsoft.com/office/drawing/2014/main" id="{3EEB2B1E-0482-44B4-8849-E5E389425906}"/>
+                    </a:ext>
+                  </a:extLst>
+                </p:cNvPr>
+                <p:cNvSpPr/>
+                <p:nvPr/>
+              </p:nvSpPr>
+              <p:spPr>
+                <a:xfrm>
+                  <a:off x="661141" y="5659451"/>
+                  <a:ext cx="2012468" cy="371050"/>
+                </a:xfrm>
+                <a:prstGeom prst="rect">
+                  <a:avLst/>
+                </a:prstGeom>
+                <a:solidFill>
+                  <a:srgbClr val="5271FF">
+                    <a:alpha val="60000"/>
+                  </a:srgbClr>
+                </a:solidFill>
+                <a:ln>
+                  <a:solidFill>
+                    <a:schemeClr val="accent4">
+                      <a:lumMod val="50000"/>
+                    </a:schemeClr>
+                  </a:solidFill>
+                </a:ln>
+                <a:effectLst/>
+              </p:spPr>
+              <p:style>
+                <a:lnRef idx="1">
+                  <a:schemeClr val="accent1"/>
+                </a:lnRef>
+                <a:fillRef idx="3">
+                  <a:schemeClr val="accent1"/>
+                </a:fillRef>
+                <a:effectRef idx="2">
+                  <a:schemeClr val="accent1"/>
+                </a:effectRef>
+                <a:fontRef idx="minor">
+                  <a:schemeClr val="lt1"/>
+                </a:fontRef>
+              </p:style>
+              <p:txBody>
+                <a:bodyPr rtlCol="0" anchor="ctr"/>
+                <a:lstStyle/>
+                <a:p>
+                  <a:pPr algn="ctr"/>
+                  <a:endParaRPr lang="en-US" dirty="0"/>
+                </a:p>
+              </p:txBody>
+            </p:sp>
+            <p:sp>
+              <p:nvSpPr>
+                <p:cNvPr id="43" name="Rectangle 42">
+                  <a:extLst>
+                    <a:ext uri="{FF2B5EF4-FFF2-40B4-BE49-F238E27FC236}">
+                      <a16:creationId xmlns:a16="http://schemas.microsoft.com/office/drawing/2014/main" id="{50119318-BDDE-4A03-8640-F872C2A0F6DC}"/>
+                    </a:ext>
+                  </a:extLst>
+                </p:cNvPr>
+                <p:cNvSpPr/>
+                <p:nvPr/>
+              </p:nvSpPr>
+              <p:spPr>
+                <a:xfrm>
+                  <a:off x="1931194" y="5658241"/>
+                  <a:ext cx="742414" cy="371050"/>
+                </a:xfrm>
+                <a:prstGeom prst="rect">
+                  <a:avLst/>
+                </a:prstGeom>
+                <a:solidFill>
+                  <a:srgbClr val="FFBD59"/>
+                </a:solidFill>
+                <a:ln>
+                  <a:solidFill>
+                    <a:schemeClr val="accent4">
+                      <a:lumMod val="50000"/>
+                    </a:schemeClr>
+                  </a:solidFill>
+                </a:ln>
+                <a:effectLst/>
+              </p:spPr>
+              <p:style>
+                <a:lnRef idx="1">
+                  <a:schemeClr val="accent1"/>
+                </a:lnRef>
+                <a:fillRef idx="3">
+                  <a:schemeClr val="accent1"/>
+                </a:fillRef>
+                <a:effectRef idx="2">
+                  <a:schemeClr val="accent1"/>
+                </a:effectRef>
+                <a:fontRef idx="minor">
+                  <a:schemeClr val="lt1"/>
+                </a:fontRef>
+              </p:style>
+              <p:txBody>
+                <a:bodyPr rtlCol="0" anchor="ctr"/>
+                <a:lstStyle/>
+                <a:p>
+                  <a:pPr algn="ctr"/>
+                  <a:endParaRPr lang="en-US"/>
+                </a:p>
+              </p:txBody>
+            </p:sp>
+            <p:sp>
+              <p:nvSpPr>
+                <p:cNvPr id="42" name="Rectangle 41">
+                  <a:extLst>
+                    <a:ext uri="{FF2B5EF4-FFF2-40B4-BE49-F238E27FC236}">
+                      <a16:creationId xmlns:a16="http://schemas.microsoft.com/office/drawing/2014/main" id="{A46B4586-6B16-42EA-9CA8-01070E75345A}"/>
+                    </a:ext>
+                  </a:extLst>
+                </p:cNvPr>
+                <p:cNvSpPr/>
+                <p:nvPr/>
+              </p:nvSpPr>
+              <p:spPr>
+                <a:xfrm>
+                  <a:off x="2198818" y="5658246"/>
+                  <a:ext cx="474789" cy="372260"/>
+                </a:xfrm>
+                <a:prstGeom prst="rect">
+                  <a:avLst/>
+                </a:prstGeom>
+                <a:solidFill>
+                  <a:srgbClr val="FF5757"/>
+                </a:solidFill>
+                <a:ln>
+                  <a:solidFill>
+                    <a:schemeClr val="accent4">
+                      <a:lumMod val="50000"/>
+                    </a:schemeClr>
+                  </a:solidFill>
+                </a:ln>
+                <a:effectLst/>
+              </p:spPr>
+              <p:style>
+                <a:lnRef idx="1">
+                  <a:schemeClr val="accent1"/>
+                </a:lnRef>
+                <a:fillRef idx="3">
+                  <a:schemeClr val="accent1"/>
+                </a:fillRef>
+                <a:effectRef idx="2">
+                  <a:schemeClr val="accent1"/>
+                </a:effectRef>
+                <a:fontRef idx="minor">
+                  <a:schemeClr val="lt1"/>
+                </a:fontRef>
+              </p:style>
+              <p:txBody>
+                <a:bodyPr rtlCol="0" anchor="ctr"/>
+                <a:lstStyle/>
+                <a:p>
+                  <a:pPr algn="ctr"/>
+                  <a:endParaRPr lang="en-US"/>
+                </a:p>
+              </p:txBody>
+            </p:sp>
+          </p:grpSp>
+          <p:sp>
+            <p:nvSpPr>
+              <p:cNvPr id="45" name="Title 1">
+                <a:extLst>
+                  <a:ext uri="{FF2B5EF4-FFF2-40B4-BE49-F238E27FC236}">
+                    <a16:creationId xmlns:a16="http://schemas.microsoft.com/office/drawing/2014/main" id="{6CC551B0-E647-45C5-A4A5-AF669360F122}"/>
+                  </a:ext>
+                </a:extLst>
+              </p:cNvPr>
+              <p:cNvSpPr txBox="1">
+                <a:spLocks/>
+              </p:cNvSpPr>
               <p:nvPr/>
             </p:nvSpPr>
             <p:spPr>
               <a:xfrm>
-                <a:off x="661141" y="5658241"/>
-                <a:ext cx="2012468" cy="847435"/>
+                <a:off x="1747914" y="5777575"/>
+                <a:ext cx="675210" cy="320447"/>
               </a:xfrm>
               <a:prstGeom prst="rect">
                 <a:avLst/>
               </a:prstGeom>
-              <a:solidFill>
-                <a:schemeClr val="tx2">
-                  <a:lumMod val="85000"/>
-                </a:schemeClr>
-              </a:solidFill>
-              <a:ln>
-                <a:solidFill>
-                  <a:schemeClr val="accent4">
-                    <a:lumMod val="50000"/>
-                  </a:schemeClr>
-                </a:solidFill>
-              </a:ln>
-              <a:effectLst/>
             </p:spPr>
-            <p:style>
-              <a:lnRef idx="1">
-                <a:schemeClr val="accent1"/>
-              </a:lnRef>
-              <a:fillRef idx="3">
-                <a:schemeClr val="accent1"/>
-              </a:fillRef>
-              <a:effectRef idx="2">
-                <a:schemeClr val="accent1"/>
-              </a:effectRef>
-              <a:fontRef idx="minor">
-                <a:schemeClr val="lt1"/>
-              </a:fontRef>
-            </p:style>
             <p:txBody>
-              <a:bodyPr rtlCol="0" anchor="ctr"/>
-              <a:lstStyle/>
+              <a:bodyPr anchor="t"/>
+              <a:lstStyle>
+                <a:lvl1pPr algn="l" defTabSz="342900" rtl="0" eaLnBrk="1" latinLnBrk="0" hangingPunct="1">
+                  <a:spcBef>
+                    <a:spcPct val="0"/>
+                  </a:spcBef>
+                  <a:buNone/>
+                  <a:defRPr sz="3750" b="1" i="0" kern="1200">
+                    <a:solidFill>
+                      <a:schemeClr val="tx2"/>
+                    </a:solidFill>
+                    <a:latin typeface="Encode Sans Normal Black" charset="0"/>
+                    <a:ea typeface="Encode Sans Normal Black" charset="0"/>
+                    <a:cs typeface="Encode Sans Normal Black" charset="0"/>
+                  </a:defRPr>
+                </a:lvl1pPr>
+              </a:lstStyle>
               <a:p>
                 <a:pPr algn="ctr"/>
-                <a:endParaRPr lang="en-US"/>
+                <a:r>
+                  <a:rPr lang="en-US" sz="700" dirty="0">
+                    <a:solidFill>
+                      <a:srgbClr val="545454"/>
+                    </a:solidFill>
+                    <a:latin typeface="Arial" panose="020B0604020202020204" pitchFamily="34" charset="0"/>
+                    <a:cs typeface="Arial" panose="020B0604020202020204" pitchFamily="34" charset="0"/>
+                  </a:rPr>
+                  <a:t>Training</a:t>
+                </a:r>
               </a:p>
             </p:txBody>
           </p:sp>
           <p:sp>
             <p:nvSpPr>
-              <p:cNvPr id="41" name="Rectangle 40">
+              <p:cNvPr id="46" name="Title 1">
                 <a:extLst>
                   <a:ext uri="{FF2B5EF4-FFF2-40B4-BE49-F238E27FC236}">
-                    <a16:creationId xmlns:a16="http://schemas.microsoft.com/office/drawing/2014/main" id="{3EEB2B1E-0482-44B4-8849-E5E389425906}"/>
+                    <a16:creationId xmlns:a16="http://schemas.microsoft.com/office/drawing/2014/main" id="{0ABA66DF-5033-4D22-B225-303FF97E2367}"/>
                   </a:ext>
                 </a:extLst>
               </p:cNvPr>
-              <p:cNvSpPr/>
+              <p:cNvSpPr txBox="1">
+                <a:spLocks/>
+              </p:cNvSpPr>
               <p:nvPr/>
             </p:nvSpPr>
             <p:spPr>
               <a:xfrm>
-                <a:off x="661141" y="5659451"/>
-                <a:ext cx="2012468" cy="371050"/>
+                <a:off x="1687363" y="6118336"/>
+                <a:ext cx="1305340" cy="320447"/>
               </a:xfrm>
               <a:prstGeom prst="rect">
                 <a:avLst/>
               </a:prstGeom>
-              <a:solidFill>
-                <a:srgbClr val="5271FF"/>
-              </a:solidFill>
-              <a:ln>
-                <a:solidFill>
-                  <a:schemeClr val="accent4">
-                    <a:lumMod val="50000"/>
-                  </a:schemeClr>
-                </a:solidFill>
-              </a:ln>
-              <a:effectLst/>
             </p:spPr>
-            <p:style>
-              <a:lnRef idx="1">
-                <a:schemeClr val="accent1"/>
-              </a:lnRef>
-              <a:fillRef idx="3">
-                <a:schemeClr val="accent1"/>
-              </a:fillRef>
-              <a:effectRef idx="2">
-                <a:schemeClr val="accent1"/>
-              </a:effectRef>
-              <a:fontRef idx="minor">
-                <a:schemeClr val="lt1"/>
-              </a:fontRef>
-            </p:style>
             <p:txBody>
-              <a:bodyPr rtlCol="0" anchor="ctr"/>
-              <a:lstStyle/>
+              <a:bodyPr anchor="t"/>
+              <a:lstStyle>
+                <a:lvl1pPr algn="l" defTabSz="342900" rtl="0" eaLnBrk="1" latinLnBrk="0" hangingPunct="1">
+                  <a:spcBef>
+                    <a:spcPct val="0"/>
+                  </a:spcBef>
+                  <a:buNone/>
+                  <a:defRPr sz="3750" b="1" i="0" kern="1200">
+                    <a:solidFill>
+                      <a:schemeClr val="tx2"/>
+                    </a:solidFill>
+                    <a:latin typeface="Encode Sans Normal Black" charset="0"/>
+                    <a:ea typeface="Encode Sans Normal Black" charset="0"/>
+                    <a:cs typeface="Encode Sans Normal Black" charset="0"/>
+                  </a:defRPr>
+                </a:lvl1pPr>
+              </a:lstStyle>
               <a:p>
                 <a:pPr algn="ctr"/>
-                <a:endParaRPr lang="en-US" dirty="0"/>
+                <a:r>
+                  <a:rPr lang="en-US" sz="700" dirty="0">
+                    <a:solidFill>
+                      <a:srgbClr val="545454"/>
+                    </a:solidFill>
+                    <a:latin typeface="Arial" panose="020B0604020202020204" pitchFamily="34" charset="0"/>
+                    <a:cs typeface="Arial" panose="020B0604020202020204" pitchFamily="34" charset="0"/>
+                  </a:rPr>
+                  <a:t>Design Space</a:t>
+                </a:r>
               </a:p>
             </p:txBody>
           </p:sp>
           <p:sp>
             <p:nvSpPr>
-              <p:cNvPr id="43" name="Rectangle 42">
+              <p:cNvPr id="47" name="Title 1">
                 <a:extLst>
                   <a:ext uri="{FF2B5EF4-FFF2-40B4-BE49-F238E27FC236}">
-                    <a16:creationId xmlns:a16="http://schemas.microsoft.com/office/drawing/2014/main" id="{50119318-BDDE-4A03-8640-F872C2A0F6DC}"/>
+                    <a16:creationId xmlns:a16="http://schemas.microsoft.com/office/drawing/2014/main" id="{BAEA9284-E9A7-4FFC-A471-68F7C64A45A0}"/>
                   </a:ext>
                 </a:extLst>
               </p:cNvPr>
-              <p:cNvSpPr/>
+              <p:cNvSpPr txBox="1">
+                <a:spLocks/>
+              </p:cNvSpPr>
               <p:nvPr/>
             </p:nvSpPr>
             <p:spPr>
               <a:xfrm>
-                <a:off x="1931194" y="5658241"/>
-                <a:ext cx="742414" cy="371050"/>
+                <a:off x="2586632" y="5785736"/>
+                <a:ext cx="466623" cy="320447"/>
               </a:xfrm>
               <a:prstGeom prst="rect">
                 <a:avLst/>
               </a:prstGeom>
-              <a:solidFill>
-                <a:srgbClr val="FFBD59"/>
-              </a:solidFill>
-              <a:ln>
-                <a:solidFill>
-                  <a:schemeClr val="accent4">
-                    <a:lumMod val="50000"/>
-                  </a:schemeClr>
-                </a:solidFill>
-              </a:ln>
-              <a:effectLst/>
             </p:spPr>
-            <p:style>
-              <a:lnRef idx="1">
-                <a:schemeClr val="accent1"/>
-              </a:lnRef>
-              <a:fillRef idx="3">
-                <a:schemeClr val="accent1"/>
-              </a:fillRef>
-              <a:effectRef idx="2">
-                <a:schemeClr val="accent1"/>
-              </a:effectRef>
-              <a:fontRef idx="minor">
-                <a:schemeClr val="lt1"/>
-              </a:fontRef>
-            </p:style>
             <p:txBody>
-              <a:bodyPr rtlCol="0" anchor="ctr"/>
-              <a:lstStyle/>
+              <a:bodyPr anchor="t"/>
+              <a:lstStyle>
+                <a:lvl1pPr algn="l" defTabSz="342900" rtl="0" eaLnBrk="1" latinLnBrk="0" hangingPunct="1">
+                  <a:spcBef>
+                    <a:spcPct val="0"/>
+                  </a:spcBef>
+                  <a:buNone/>
+                  <a:defRPr sz="3750" b="1" i="0" kern="1200">
+                    <a:solidFill>
+                      <a:schemeClr val="tx2"/>
+                    </a:solidFill>
+                    <a:latin typeface="Encode Sans Normal Black" charset="0"/>
+                    <a:ea typeface="Encode Sans Normal Black" charset="0"/>
+                    <a:cs typeface="Encode Sans Normal Black" charset="0"/>
+                  </a:defRPr>
+                </a:lvl1pPr>
+              </a:lstStyle>
               <a:p>
                 <a:pPr algn="ctr"/>
-                <a:endParaRPr lang="en-US"/>
-              </a:p>
-            </p:txBody>
-          </p:sp>
-          <p:sp>
-            <p:nvSpPr>
-              <p:cNvPr id="42" name="Rectangle 41">
-                <a:extLst>
-                  <a:ext uri="{FF2B5EF4-FFF2-40B4-BE49-F238E27FC236}">
-                    <a16:creationId xmlns:a16="http://schemas.microsoft.com/office/drawing/2014/main" id="{A46B4586-6B16-42EA-9CA8-01070E75345A}"/>
-                  </a:ext>
-                </a:extLst>
-              </p:cNvPr>
-              <p:cNvSpPr/>
-              <p:nvPr/>
-            </p:nvSpPr>
-            <p:spPr>
-              <a:xfrm>
-                <a:off x="2198818" y="5658237"/>
-                <a:ext cx="474790" cy="372260"/>
-              </a:xfrm>
-              <a:prstGeom prst="rect">
-                <a:avLst/>
-              </a:prstGeom>
-              <a:solidFill>
-                <a:srgbClr val="FF5757"/>
-              </a:solidFill>
-              <a:ln>
-                <a:solidFill>
-                  <a:schemeClr val="accent4">
-                    <a:lumMod val="50000"/>
-                  </a:schemeClr>
-                </a:solidFill>
-              </a:ln>
-              <a:effectLst/>
-            </p:spPr>
-            <p:style>
-              <a:lnRef idx="1">
-                <a:schemeClr val="accent1"/>
-              </a:lnRef>
-              <a:fillRef idx="3">
-                <a:schemeClr val="accent1"/>
-              </a:fillRef>
-              <a:effectRef idx="2">
-                <a:schemeClr val="accent1"/>
-              </a:effectRef>
-              <a:fontRef idx="minor">
-                <a:schemeClr val="lt1"/>
-              </a:fontRef>
-            </p:style>
-            <p:txBody>
-              <a:bodyPr rtlCol="0" anchor="ctr"/>
-              <a:lstStyle/>
-              <a:p>
-                <a:pPr algn="ctr"/>
-                <a:endParaRPr lang="en-US"/>
+                <a:r>
+                  <a:rPr lang="en-US" sz="700" dirty="0">
+                    <a:solidFill>
+                      <a:srgbClr val="545454"/>
+                    </a:solidFill>
+                    <a:latin typeface="Arial" panose="020B0604020202020204" pitchFamily="34" charset="0"/>
+                    <a:cs typeface="Arial" panose="020B0604020202020204" pitchFamily="34" charset="0"/>
+                  </a:rPr>
+                  <a:t>Test</a:t>
+                </a:r>
               </a:p>
             </p:txBody>
           </p:sp>
         </p:grpSp>
         <p:sp>
           <p:nvSpPr>
-            <p:cNvPr id="45" name="Title 1">
+            <p:cNvPr id="49" name="Title 1">
               <a:extLst>
                 <a:ext uri="{FF2B5EF4-FFF2-40B4-BE49-F238E27FC236}">
-                  <a16:creationId xmlns:a16="http://schemas.microsoft.com/office/drawing/2014/main" id="{6CC551B0-E647-45C5-A4A5-AF669360F122}"/>
+                  <a16:creationId xmlns:a16="http://schemas.microsoft.com/office/drawing/2014/main" id="{D675CB5B-918E-475F-ACF1-FB0BFA8FC479}"/>
                 </a:ext>
               </a:extLst>
             </p:cNvPr>
@@ -11518,66 +11679,8 @@
           </p:nvSpPr>
           <p:spPr>
             <a:xfrm>
-              <a:off x="760218" y="5672681"/>
-              <a:ext cx="880319" cy="363990"/>
-            </a:xfrm>
-            <a:prstGeom prst="rect">
-              <a:avLst/>
-            </a:prstGeom>
-          </p:spPr>
-          <p:txBody>
-            <a:bodyPr anchor="t"/>
-            <a:lstStyle>
-              <a:lvl1pPr algn="l" defTabSz="342900" rtl="0" eaLnBrk="1" latinLnBrk="0" hangingPunct="1">
-                <a:spcBef>
-                  <a:spcPct val="0"/>
-                </a:spcBef>
-                <a:buNone/>
-                <a:defRPr sz="3750" b="1" i="0" kern="1200">
-                  <a:solidFill>
-                    <a:schemeClr val="tx2"/>
-                  </a:solidFill>
-                  <a:latin typeface="Encode Sans Normal Black" charset="0"/>
-                  <a:ea typeface="Encode Sans Normal Black" charset="0"/>
-                  <a:cs typeface="Encode Sans Normal Black" charset="0"/>
-                </a:defRPr>
-              </a:lvl1pPr>
-            </a:lstStyle>
-            <a:p>
-              <a:pPr algn="ctr"/>
-              <a:r>
-                <a:rPr lang="en-US" sz="700" dirty="0">
-                  <a:solidFill>
-                    <a:schemeClr val="accent3">
-                      <a:lumMod val="85000"/>
-                    </a:schemeClr>
-                  </a:solidFill>
-                  <a:latin typeface="Arial" panose="020B0604020202020204" pitchFamily="34" charset="0"/>
-                  <a:cs typeface="Arial" panose="020B0604020202020204" pitchFamily="34" charset="0"/>
-                </a:rPr>
-                <a:t>Training</a:t>
-              </a:r>
-            </a:p>
-          </p:txBody>
-        </p:sp>
-        <p:sp>
-          <p:nvSpPr>
-            <p:cNvPr id="46" name="Title 1">
-              <a:extLst>
-                <a:ext uri="{FF2B5EF4-FFF2-40B4-BE49-F238E27FC236}">
-                  <a16:creationId xmlns:a16="http://schemas.microsoft.com/office/drawing/2014/main" id="{0ABA66DF-5033-4D22-B225-303FF97E2367}"/>
-                </a:ext>
-              </a:extLst>
-            </p:cNvPr>
-            <p:cNvSpPr txBox="1">
-              <a:spLocks/>
-            </p:cNvSpPr>
-            <p:nvPr/>
-          </p:nvSpPr>
-          <p:spPr>
-            <a:xfrm>
-              <a:off x="681273" y="6059746"/>
-              <a:ext cx="1701865" cy="363990"/>
+              <a:off x="2249581" y="5553924"/>
+              <a:ext cx="622571" cy="193928"/>
             </a:xfrm>
             <a:prstGeom prst="rect">
               <a:avLst/>
@@ -11611,171 +11714,59 @@
                   <a:latin typeface="Arial" panose="020B0604020202020204" pitchFamily="34" charset="0"/>
                   <a:cs typeface="Arial" panose="020B0604020202020204" pitchFamily="34" charset="0"/>
                 </a:rPr>
-                <a:t>Design Space</a:t>
+                <a:t>Validation</a:t>
               </a:r>
             </a:p>
           </p:txBody>
         </p:sp>
-        <p:sp>
-          <p:nvSpPr>
-            <p:cNvPr id="47" name="Title 1">
+        <p:cxnSp>
+          <p:nvCxnSpPr>
+            <p:cNvPr id="38" name="Straight Arrow Connector 37">
               <a:extLst>
                 <a:ext uri="{FF2B5EF4-FFF2-40B4-BE49-F238E27FC236}">
-                  <a16:creationId xmlns:a16="http://schemas.microsoft.com/office/drawing/2014/main" id="{BAEA9284-E9A7-4FFC-A471-68F7C64A45A0}"/>
+                  <a16:creationId xmlns:a16="http://schemas.microsoft.com/office/drawing/2014/main" id="{E2083C35-50E2-465A-BC40-C1F7ADCBD3D6}"/>
                 </a:ext>
               </a:extLst>
             </p:cNvPr>
-            <p:cNvSpPr txBox="1">
-              <a:spLocks/>
-            </p:cNvSpPr>
+            <p:cNvCxnSpPr>
+              <a:cxnSpLocks/>
+            </p:cNvCxnSpPr>
             <p:nvPr/>
-          </p:nvSpPr>
+          </p:nvCxnSpPr>
           <p:spPr>
             <a:xfrm>
-              <a:off x="1928429" y="5669099"/>
-              <a:ext cx="498907" cy="363990"/>
+              <a:off x="2559099" y="5710228"/>
+              <a:ext cx="3513" cy="180207"/>
             </a:xfrm>
-            <a:prstGeom prst="rect">
+            <a:prstGeom prst="straightConnector1">
               <a:avLst/>
             </a:prstGeom>
+            <a:ln>
+              <a:solidFill>
+                <a:schemeClr val="accent4">
+                  <a:lumMod val="50000"/>
+                </a:schemeClr>
+              </a:solidFill>
+              <a:tailEnd type="triangle"/>
+            </a:ln>
+            <a:effectLst/>
           </p:spPr>
-          <p:txBody>
-            <a:bodyPr anchor="t"/>
-            <a:lstStyle>
-              <a:lvl1pPr algn="l" defTabSz="342900" rtl="0" eaLnBrk="1" latinLnBrk="0" hangingPunct="1">
-                <a:spcBef>
-                  <a:spcPct val="0"/>
-                </a:spcBef>
-                <a:buNone/>
-                <a:defRPr sz="3750" b="1" i="0" kern="1200">
-                  <a:solidFill>
-                    <a:schemeClr val="tx2"/>
-                  </a:solidFill>
-                  <a:latin typeface="Encode Sans Normal Black" charset="0"/>
-                  <a:ea typeface="Encode Sans Normal Black" charset="0"/>
-                  <a:cs typeface="Encode Sans Normal Black" charset="0"/>
-                </a:defRPr>
-              </a:lvl1pPr>
-            </a:lstStyle>
-            <a:p>
-              <a:pPr algn="ctr"/>
-              <a:r>
-                <a:rPr lang="en-US" sz="700" dirty="0">
-                  <a:solidFill>
-                    <a:srgbClr val="545454"/>
-                  </a:solidFill>
-                  <a:latin typeface="Arial" panose="020B0604020202020204" pitchFamily="34" charset="0"/>
-                  <a:cs typeface="Arial" panose="020B0604020202020204" pitchFamily="34" charset="0"/>
-                </a:rPr>
-                <a:t>Test</a:t>
-              </a:r>
-            </a:p>
-          </p:txBody>
-        </p:sp>
+          <p:style>
+            <a:lnRef idx="2">
+              <a:schemeClr val="accent1"/>
+            </a:lnRef>
+            <a:fillRef idx="0">
+              <a:schemeClr val="accent1"/>
+            </a:fillRef>
+            <a:effectRef idx="1">
+              <a:schemeClr val="accent1"/>
+            </a:effectRef>
+            <a:fontRef idx="minor">
+              <a:schemeClr val="tx1"/>
+            </a:fontRef>
+          </p:style>
+        </p:cxnSp>
       </p:grpSp>
-      <p:sp>
-        <p:nvSpPr>
-          <p:cNvPr id="49" name="Title 1">
-            <a:extLst>
-              <a:ext uri="{FF2B5EF4-FFF2-40B4-BE49-F238E27FC236}">
-                <a16:creationId xmlns:a16="http://schemas.microsoft.com/office/drawing/2014/main" id="{D675CB5B-918E-475F-ACF1-FB0BFA8FC479}"/>
-              </a:ext>
-            </a:extLst>
-          </p:cNvPr>
-          <p:cNvSpPr txBox="1">
-            <a:spLocks/>
-          </p:cNvSpPr>
-          <p:nvPr/>
-        </p:nvSpPr>
-        <p:spPr>
-          <a:xfrm>
-            <a:off x="971073" y="5625916"/>
-            <a:ext cx="622571" cy="193928"/>
-          </a:xfrm>
-          <a:prstGeom prst="rect">
-            <a:avLst/>
-          </a:prstGeom>
-        </p:spPr>
-        <p:txBody>
-          <a:bodyPr anchor="t"/>
-          <a:lstStyle>
-            <a:lvl1pPr algn="l" defTabSz="342900" rtl="0" eaLnBrk="1" latinLnBrk="0" hangingPunct="1">
-              <a:spcBef>
-                <a:spcPct val="0"/>
-              </a:spcBef>
-              <a:buNone/>
-              <a:defRPr sz="3750" b="1" i="0" kern="1200">
-                <a:solidFill>
-                  <a:schemeClr val="tx2"/>
-                </a:solidFill>
-                <a:latin typeface="Encode Sans Normal Black" charset="0"/>
-                <a:ea typeface="Encode Sans Normal Black" charset="0"/>
-                <a:cs typeface="Encode Sans Normal Black" charset="0"/>
-              </a:defRPr>
-            </a:lvl1pPr>
-          </a:lstStyle>
-          <a:p>
-            <a:pPr algn="ctr"/>
-            <a:r>
-              <a:rPr lang="en-US" sz="700" dirty="0">
-                <a:solidFill>
-                  <a:srgbClr val="545454"/>
-                </a:solidFill>
-                <a:latin typeface="Arial" panose="020B0604020202020204" pitchFamily="34" charset="0"/>
-                <a:cs typeface="Arial" panose="020B0604020202020204" pitchFamily="34" charset="0"/>
-              </a:rPr>
-              <a:t>Validation</a:t>
-            </a:r>
-          </a:p>
-        </p:txBody>
-      </p:sp>
-      <p:cxnSp>
-        <p:nvCxnSpPr>
-          <p:cNvPr id="38" name="Straight Arrow Connector 37">
-            <a:extLst>
-              <a:ext uri="{FF2B5EF4-FFF2-40B4-BE49-F238E27FC236}">
-                <a16:creationId xmlns:a16="http://schemas.microsoft.com/office/drawing/2014/main" id="{E2083C35-50E2-465A-BC40-C1F7ADCBD3D6}"/>
-              </a:ext>
-            </a:extLst>
-          </p:cNvPr>
-          <p:cNvCxnSpPr>
-            <a:cxnSpLocks/>
-          </p:cNvCxnSpPr>
-          <p:nvPr/>
-        </p:nvCxnSpPr>
-        <p:spPr>
-          <a:xfrm>
-            <a:off x="1281538" y="5784634"/>
-            <a:ext cx="3513" cy="180207"/>
-          </a:xfrm>
-          <a:prstGeom prst="straightConnector1">
-            <a:avLst/>
-          </a:prstGeom>
-          <a:ln>
-            <a:solidFill>
-              <a:schemeClr val="accent4">
-                <a:lumMod val="50000"/>
-              </a:schemeClr>
-            </a:solidFill>
-            <a:tailEnd type="triangle"/>
-          </a:ln>
-          <a:effectLst/>
-        </p:spPr>
-        <p:style>
-          <a:lnRef idx="2">
-            <a:schemeClr val="accent1"/>
-          </a:lnRef>
-          <a:fillRef idx="0">
-            <a:schemeClr val="accent1"/>
-          </a:fillRef>
-          <a:effectRef idx="1">
-            <a:schemeClr val="accent1"/>
-          </a:effectRef>
-          <a:fontRef idx="minor">
-            <a:schemeClr val="tx1"/>
-          </a:fontRef>
-        </p:style>
-      </p:cxnSp>
       <p:grpSp>
         <p:nvGrpSpPr>
           <p:cNvPr id="61" name="Group 60">
@@ -11790,7 +11781,7 @@
         </p:nvGrpSpPr>
         <p:grpSpPr>
           <a:xfrm>
-            <a:off x="369771" y="2688690"/>
+            <a:off x="294004" y="4101022"/>
             <a:ext cx="1351479" cy="2292214"/>
             <a:chOff x="415389" y="2714210"/>
             <a:chExt cx="1351479" cy="2292214"/>
@@ -12682,7 +12673,7 @@
           <p:nvPr/>
         </p:nvPicPr>
         <p:blipFill rotWithShape="1">
-          <a:blip r:embed="rId6">
+          <a:blip r:embed="rId5">
             <a:extLst>
               <a:ext uri="{28A0092B-C50C-407E-A947-70E740481C1C}">
                 <a14:useLocalDpi xmlns:a14="http://schemas.microsoft.com/office/drawing/2010/main" val="0"/>
@@ -12694,8 +12685,8 @@
         </p:blipFill>
         <p:spPr>
           <a:xfrm>
-            <a:off x="7293139" y="2793234"/>
-            <a:ext cx="1559419" cy="901720"/>
+            <a:off x="7265568" y="2933890"/>
+            <a:ext cx="1687502" cy="975783"/>
           </a:xfrm>
           <a:prstGeom prst="rect">
             <a:avLst/>
@@ -12717,14 +12708,14 @@
           <p:nvPr/>
         </p:nvPicPr>
         <p:blipFill rotWithShape="1">
-          <a:blip r:embed="rId7"/>
+          <a:blip r:embed="rId6"/>
           <a:srcRect r="23302"/>
           <a:stretch/>
         </p:blipFill>
         <p:spPr>
           <a:xfrm>
-            <a:off x="6206623" y="2676667"/>
-            <a:ext cx="1068164" cy="1114446"/>
+            <a:off x="6156492" y="2894244"/>
+            <a:ext cx="1121228" cy="1169808"/>
           </a:xfrm>
           <a:prstGeom prst="rect">
             <a:avLst/>
@@ -12745,7 +12736,7 @@
         </p:nvSpPr>
         <p:spPr>
           <a:xfrm>
-            <a:off x="6155343" y="1937422"/>
+            <a:off x="6193007" y="1909346"/>
             <a:ext cx="2633109" cy="201124"/>
           </a:xfrm>
           <a:prstGeom prst="rect">
@@ -12786,7 +12777,7 @@
                   <a:srgbClr val="545454"/>
                 </a:solidFill>
               </a:rPr>
-              <a:t>Visualization</a:t>
+              <a:t>Data Visualization</a:t>
             </a:r>
           </a:p>
         </p:txBody>
@@ -12807,8 +12798,8 @@
         </p:nvSpPr>
         <p:spPr>
           <a:xfrm>
-            <a:off x="6163561" y="2163939"/>
-            <a:ext cx="2624889" cy="532241"/>
+            <a:off x="227576" y="2098528"/>
+            <a:ext cx="2699538" cy="337829"/>
           </a:xfrm>
           <a:prstGeom prst="rect">
             <a:avLst/>
@@ -12835,17 +12826,17 @@
           <a:p>
             <a:pPr algn="just"/>
             <a:r>
-              <a:rPr lang="en-US" sz="800" b="0" dirty="0">
+              <a:rPr lang="en-US" sz="750" b="0" dirty="0">
                 <a:solidFill>
                   <a:srgbClr val="545454"/>
                 </a:solidFill>
                 <a:latin typeface="Arial" panose="020B0604020202020204" pitchFamily="34" charset="0"/>
                 <a:cs typeface="Arial" panose="020B0604020202020204" pitchFamily="34" charset="0"/>
               </a:rPr>
-              <a:t>To broaden the audience, a GUI was developed for SELEC using </a:t>
-            </a:r>
-            <a:r>
-              <a:rPr lang="en-US" sz="800" b="0" dirty="0" err="1">
+              <a:t>To facilitate the user experience, a GUI was developed for SELEC using </a:t>
+            </a:r>
+            <a:r>
+              <a:rPr lang="en-US" sz="750" b="0" dirty="0" err="1">
                 <a:solidFill>
                   <a:srgbClr val="545454"/>
                 </a:solidFill>
@@ -12855,14 +12846,14 @@
               <a:t>Streamlit</a:t>
             </a:r>
             <a:r>
-              <a:rPr lang="en-US" sz="800" b="0" dirty="0">
+              <a:rPr lang="en-US" sz="750" b="0" dirty="0">
                 <a:solidFill>
                   <a:srgbClr val="545454"/>
                 </a:solidFill>
                 <a:latin typeface="Arial" panose="020B0604020202020204" pitchFamily="34" charset="0"/>
                 <a:cs typeface="Arial" panose="020B0604020202020204" pitchFamily="34" charset="0"/>
               </a:rPr>
-              <a:t>. The user chooses desired parameters(will list) from a dropdown menu.</a:t>
+              <a:t>. </a:t>
             </a:r>
           </a:p>
         </p:txBody>
@@ -12883,8 +12874,8 @@
         </p:nvSpPr>
         <p:spPr>
           <a:xfrm>
-            <a:off x="6159451" y="3847266"/>
-            <a:ext cx="2624889" cy="695768"/>
+            <a:off x="6113486" y="2134085"/>
+            <a:ext cx="2745462" cy="800607"/>
           </a:xfrm>
           <a:prstGeom prst="rect">
             <a:avLst/>
@@ -12911,17 +12902,17 @@
           <a:p>
             <a:pPr algn="just"/>
             <a:r>
-              <a:rPr lang="en-US" sz="800" b="0" dirty="0">
+              <a:rPr lang="en-US" sz="750" b="0" dirty="0">
                 <a:solidFill>
                   <a:srgbClr val="545454"/>
                 </a:solidFill>
                 <a:latin typeface="Arial" panose="020B0604020202020204" pitchFamily="34" charset="0"/>
                 <a:cs typeface="Arial" panose="020B0604020202020204" pitchFamily="34" charset="0"/>
               </a:rPr>
-              <a:t>Results are visualized using </a:t>
-            </a:r>
-            <a:r>
-              <a:rPr lang="en-US" sz="800" b="0" dirty="0" err="1">
+              <a:t>Comparisons of the available electrolytes is facilitated through data visualization, which was achieved using </a:t>
+            </a:r>
+            <a:r>
+              <a:rPr lang="en-US" sz="750" b="0" dirty="0" err="1">
                 <a:solidFill>
                   <a:srgbClr val="545454"/>
                 </a:solidFill>
@@ -12931,99 +12922,14 @@
               <a:t>Plotly</a:t>
             </a:r>
             <a:r>
-              <a:rPr lang="en-US" sz="800" b="0" dirty="0">
+              <a:rPr lang="en-US" sz="750" b="0" dirty="0">
                 <a:solidFill>
                   <a:srgbClr val="545454"/>
                 </a:solidFill>
                 <a:latin typeface="Arial" panose="020B0604020202020204" pitchFamily="34" charset="0"/>
                 <a:cs typeface="Arial" panose="020B0604020202020204" pitchFamily="34" charset="0"/>
               </a:rPr>
-              <a:t>. A 3D visualization of the predicted charge and discharge capacity with respect to cycle number, in addition to a 2D visualization of  coulombic/energy efficiency is shown on the GUI.</a:t>
-            </a:r>
-          </a:p>
-        </p:txBody>
-      </p:sp>
-      <p:sp>
-        <p:nvSpPr>
-          <p:cNvPr id="84" name="Title 1">
-            <a:extLst>
-              <a:ext uri="{FF2B5EF4-FFF2-40B4-BE49-F238E27FC236}">
-                <a16:creationId xmlns:a16="http://schemas.microsoft.com/office/drawing/2014/main" id="{4B488649-F58F-4C21-BAD8-4C955EA4E779}"/>
-              </a:ext>
-            </a:extLst>
-          </p:cNvPr>
-          <p:cNvSpPr txBox="1">
-            <a:spLocks/>
-          </p:cNvSpPr>
-          <p:nvPr/>
-        </p:nvSpPr>
-        <p:spPr>
-          <a:xfrm>
-            <a:off x="1671674" y="5782938"/>
-            <a:ext cx="1284374" cy="753826"/>
-          </a:xfrm>
-          <a:prstGeom prst="rect">
-            <a:avLst/>
-          </a:prstGeom>
-        </p:spPr>
-        <p:txBody>
-          <a:bodyPr anchor="t"/>
-          <a:lstStyle>
-            <a:lvl1pPr algn="l" defTabSz="342900" rtl="0" eaLnBrk="1" latinLnBrk="0" hangingPunct="1">
-              <a:spcBef>
-                <a:spcPct val="0"/>
-              </a:spcBef>
-              <a:buNone/>
-              <a:defRPr sz="3750" b="1" i="0" kern="1200">
-                <a:solidFill>
-                  <a:schemeClr val="tx2"/>
-                </a:solidFill>
-                <a:latin typeface="Encode Sans Normal Black" charset="0"/>
-                <a:ea typeface="Encode Sans Normal Black" charset="0"/>
-                <a:cs typeface="Encode Sans Normal Black" charset="0"/>
-              </a:defRPr>
-            </a:lvl1pPr>
-          </a:lstStyle>
-          <a:p>
-            <a:pPr algn="just"/>
-            <a:r>
-              <a:rPr lang="en-US" sz="850" b="0" dirty="0">
-                <a:solidFill>
-                  <a:srgbClr val="545454"/>
-                </a:solidFill>
-                <a:highlight>
-                  <a:srgbClr val="FFFF00"/>
-                </a:highlight>
-                <a:latin typeface="Arial" panose="020B0604020202020204" pitchFamily="34" charset="0"/>
-                <a:cs typeface="Arial" panose="020B0604020202020204" pitchFamily="34" charset="0"/>
-              </a:rPr>
-              <a:t>Can we have a quick </a:t>
-            </a:r>
-            <a:r>
-              <a:rPr lang="en-US" sz="850" b="0" dirty="0" err="1">
-                <a:solidFill>
-                  <a:srgbClr val="545454"/>
-                </a:solidFill>
-                <a:highlight>
-                  <a:srgbClr val="FFFF00"/>
-                </a:highlight>
-                <a:latin typeface="Arial" panose="020B0604020202020204" pitchFamily="34" charset="0"/>
-                <a:cs typeface="Arial" panose="020B0604020202020204" pitchFamily="34" charset="0"/>
-              </a:rPr>
-              <a:t>schpeal</a:t>
-            </a:r>
-            <a:r>
-              <a:rPr lang="en-US" sz="850" b="0" dirty="0">
-                <a:solidFill>
-                  <a:srgbClr val="545454"/>
-                </a:solidFill>
-                <a:highlight>
-                  <a:srgbClr val="FFFF00"/>
-                </a:highlight>
-                <a:latin typeface="Arial" panose="020B0604020202020204" pitchFamily="34" charset="0"/>
-                <a:cs typeface="Arial" panose="020B0604020202020204" pitchFamily="34" charset="0"/>
-              </a:rPr>
-              <a:t> about design space here?</a:t>
+              <a:t>. An interactive 3D visualization of the predicted charge and discharge capacity with respect to cycle number, in addition to a 2D visualization of coulombic and energy efficiency is shown on the GUI. </a:t>
             </a:r>
           </a:p>
         </p:txBody>
@@ -13044,8 +12950,8 @@
         </p:nvSpPr>
         <p:spPr>
           <a:xfrm>
-            <a:off x="1790586" y="2688690"/>
-            <a:ext cx="1117194" cy="2235766"/>
+            <a:off x="1661717" y="4104892"/>
+            <a:ext cx="1117194" cy="1633927"/>
           </a:xfrm>
           <a:prstGeom prst="rect">
             <a:avLst/>
@@ -13082,7 +12988,78 @@
                 <a:latin typeface="Arial" panose="020B0604020202020204" pitchFamily="34" charset="0"/>
                 <a:cs typeface="Arial" panose="020B0604020202020204" pitchFamily="34" charset="0"/>
               </a:rPr>
-              <a:t>Placeholder for example of encoder (or even text! Any content will really do! If no content, I’ll center the flow chart </a:t>
+              <a:t>Placeholder for example of encoder (or even text! Any content will really do! If no content, I’ll center the flow chart</a:t>
+            </a:r>
+          </a:p>
+          <a:p>
+            <a:pPr algn="just"/>
+            <a:endParaRPr lang="en-US" sz="850" b="0" dirty="0">
+              <a:solidFill>
+                <a:srgbClr val="545454"/>
+              </a:solidFill>
+              <a:highlight>
+                <a:srgbClr val="FFFF00"/>
+              </a:highlight>
+              <a:latin typeface="Arial" panose="020B0604020202020204" pitchFamily="34" charset="0"/>
+              <a:cs typeface="Arial" panose="020B0604020202020204" pitchFamily="34" charset="0"/>
+            </a:endParaRPr>
+          </a:p>
+          <a:p>
+            <a:pPr algn="just"/>
+            <a:r>
+              <a:rPr lang="en-US" sz="850" b="0" dirty="0">
+                <a:solidFill>
+                  <a:srgbClr val="545454"/>
+                </a:solidFill>
+                <a:highlight>
+                  <a:srgbClr val="FFFF00"/>
+                </a:highlight>
+                <a:latin typeface="Arial" panose="020B0604020202020204" pitchFamily="34" charset="0"/>
+                <a:cs typeface="Arial" panose="020B0604020202020204" pitchFamily="34" charset="0"/>
+              </a:rPr>
+              <a:t>Can we have a quick </a:t>
+            </a:r>
+            <a:r>
+              <a:rPr lang="en-US" sz="850" b="0" dirty="0" err="1">
+                <a:solidFill>
+                  <a:srgbClr val="545454"/>
+                </a:solidFill>
+                <a:highlight>
+                  <a:srgbClr val="FFFF00"/>
+                </a:highlight>
+                <a:latin typeface="Arial" panose="020B0604020202020204" pitchFamily="34" charset="0"/>
+                <a:cs typeface="Arial" panose="020B0604020202020204" pitchFamily="34" charset="0"/>
+              </a:rPr>
+              <a:t>schpeal</a:t>
+            </a:r>
+            <a:r>
+              <a:rPr lang="en-US" sz="850" b="0" dirty="0">
+                <a:solidFill>
+                  <a:srgbClr val="545454"/>
+                </a:solidFill>
+                <a:highlight>
+                  <a:srgbClr val="FFFF00"/>
+                </a:highlight>
+                <a:latin typeface="Arial" panose="020B0604020202020204" pitchFamily="34" charset="0"/>
+                <a:cs typeface="Arial" panose="020B0604020202020204" pitchFamily="34" charset="0"/>
+              </a:rPr>
+              <a:t> about design space here?</a:t>
+            </a:r>
+          </a:p>
+          <a:p>
+            <a:pPr algn="just"/>
+            <a:r>
+              <a:rPr lang="en-US" sz="850" b="0" dirty="0">
+                <a:solidFill>
+                  <a:srgbClr val="545454"/>
+                </a:solidFill>
+                <a:highlight>
+                  <a:srgbClr val="FFFF00"/>
+                </a:highlight>
+                <a:latin typeface="Arial" panose="020B0604020202020204" pitchFamily="34" charset="0"/>
+                <a:cs typeface="Arial" panose="020B0604020202020204" pitchFamily="34" charset="0"/>
+              </a:rPr>
+              <a:t> </a:t>
             </a:r>
           </a:p>
         </p:txBody>
@@ -13103,8 +13080,8 @@
         </p:nvSpPr>
         <p:spPr>
           <a:xfrm>
-            <a:off x="3211452" y="2205544"/>
-            <a:ext cx="2633108" cy="2235766"/>
+            <a:off x="3149834" y="2249400"/>
+            <a:ext cx="2781524" cy="1249172"/>
           </a:xfrm>
           <a:prstGeom prst="rect">
             <a:avLst/>
@@ -13131,108 +13108,57 @@
           <a:p>
             <a:pPr algn="just"/>
             <a:r>
-              <a:rPr lang="en-US" sz="850" b="0" dirty="0" err="1">
+              <a:rPr lang="en-US" sz="700" b="0" dirty="0">
                 <a:solidFill>
                   <a:srgbClr val="545454"/>
                 </a:solidFill>
-                <a:highlight>
-                  <a:srgbClr val="FFFF00"/>
-                </a:highlight>
                 <a:latin typeface="Arial" panose="020B0604020202020204" pitchFamily="34" charset="0"/>
                 <a:cs typeface="Arial" panose="020B0604020202020204" pitchFamily="34" charset="0"/>
               </a:rPr>
-              <a:t>Machiiiineeee</a:t>
-            </a:r>
-            <a:r>
-              <a:rPr lang="en-US" sz="850" b="0" dirty="0">
+              <a:t>To find the right fit for SELEC, five different regression models (k-NN, decision tree, random forest, support vector, Gaussian process) were compared. Each model was fitted and tested to a training and validation set prior to a training and testing set, with the loss function being root mean squared error (RMSE).</a:t>
+            </a:r>
+          </a:p>
+          <a:p>
+            <a:pPr algn="just"/>
+            <a:endParaRPr lang="en-US" sz="700" b="0" dirty="0">
+              <a:solidFill>
+                <a:srgbClr val="545454"/>
+              </a:solidFill>
+              <a:latin typeface="Arial" panose="020B0604020202020204" pitchFamily="34" charset="0"/>
+              <a:cs typeface="Arial" panose="020B0604020202020204" pitchFamily="34" charset="0"/>
+            </a:endParaRPr>
+          </a:p>
+          <a:p>
+            <a:pPr algn="just"/>
+            <a:r>
+              <a:rPr lang="en-US" sz="700" b="0" dirty="0">
                 <a:solidFill>
                   <a:srgbClr val="545454"/>
                 </a:solidFill>
-                <a:highlight>
-                  <a:srgbClr val="FFFF00"/>
-                </a:highlight>
                 <a:latin typeface="Arial" panose="020B0604020202020204" pitchFamily="34" charset="0"/>
                 <a:cs typeface="Arial" panose="020B0604020202020204" pitchFamily="34" charset="0"/>
               </a:rPr>
-              <a:t> </a:t>
-            </a:r>
-            <a:r>
-              <a:rPr lang="en-US" sz="850" b="0" dirty="0" err="1">
+              <a:t>The </a:t>
+            </a:r>
+            <a:r>
+              <a:rPr lang="en-US" sz="700" dirty="0">
                 <a:solidFill>
                   <a:srgbClr val="545454"/>
                 </a:solidFill>
-                <a:highlight>
-                  <a:srgbClr val="FFFF00"/>
-                </a:highlight>
                 <a:latin typeface="Arial" panose="020B0604020202020204" pitchFamily="34" charset="0"/>
                 <a:cs typeface="Arial" panose="020B0604020202020204" pitchFamily="34" charset="0"/>
               </a:rPr>
-              <a:t>learningggggggg</a:t>
-            </a:r>
-            <a:endParaRPr lang="en-US" sz="850" b="0" dirty="0">
-              <a:solidFill>
-                <a:srgbClr val="545454"/>
-              </a:solidFill>
-              <a:highlight>
-                <a:srgbClr val="FFFF00"/>
-              </a:highlight>
-              <a:latin typeface="Arial" panose="020B0604020202020204" pitchFamily="34" charset="0"/>
-              <a:cs typeface="Arial" panose="020B0604020202020204" pitchFamily="34" charset="0"/>
-            </a:endParaRPr>
-          </a:p>
-          <a:p>
-            <a:pPr algn="just"/>
-            <a:endParaRPr lang="en-US" sz="850" b="0" dirty="0">
-              <a:solidFill>
-                <a:srgbClr val="545454"/>
-              </a:solidFill>
-              <a:highlight>
-                <a:srgbClr val="FFFF00"/>
-              </a:highlight>
-              <a:latin typeface="Arial" panose="020B0604020202020204" pitchFamily="34" charset="0"/>
-              <a:cs typeface="Arial" panose="020B0604020202020204" pitchFamily="34" charset="0"/>
-            </a:endParaRPr>
-          </a:p>
-          <a:p>
-            <a:pPr algn="just"/>
-            <a:endParaRPr lang="en-US" sz="850" b="0" dirty="0">
-              <a:solidFill>
-                <a:srgbClr val="545454"/>
-              </a:solidFill>
-              <a:highlight>
-                <a:srgbClr val="FFFF00"/>
-              </a:highlight>
-              <a:latin typeface="Arial" panose="020B0604020202020204" pitchFamily="34" charset="0"/>
-              <a:cs typeface="Arial" panose="020B0604020202020204" pitchFamily="34" charset="0"/>
-            </a:endParaRPr>
-          </a:p>
-          <a:p>
-            <a:pPr algn="just"/>
-            <a:r>
-              <a:rPr lang="en-US" sz="850" b="0" dirty="0" err="1">
+              <a:t>k-NN model </a:t>
+            </a:r>
+            <a:r>
+              <a:rPr lang="en-US" sz="700" b="0" dirty="0">
                 <a:solidFill>
                   <a:srgbClr val="545454"/>
                 </a:solidFill>
-                <a:highlight>
-                  <a:srgbClr val="FFFF00"/>
-                </a:highlight>
                 <a:latin typeface="Arial" panose="020B0604020202020204" pitchFamily="34" charset="0"/>
                 <a:cs typeface="Arial" panose="020B0604020202020204" pitchFamily="34" charset="0"/>
               </a:rPr>
-              <a:t>Alll</a:t>
-            </a:r>
-            <a:r>
-              <a:rPr lang="en-US" sz="850" b="0" dirty="0">
-                <a:solidFill>
-                  <a:srgbClr val="545454"/>
-                </a:solidFill>
-                <a:highlight>
-                  <a:srgbClr val="FFFF00"/>
-                </a:highlight>
-                <a:latin typeface="Arial" panose="020B0604020202020204" pitchFamily="34" charset="0"/>
-                <a:cs typeface="Arial" panose="020B0604020202020204" pitchFamily="34" charset="0"/>
-              </a:rPr>
-              <a:t> the machine learning!</a:t>
+              <a:t>displayed the best results for most performance metrics. The validation and test RMSE are similar, indicating the model is not overfitting.</a:t>
             </a:r>
           </a:p>
         </p:txBody>
@@ -13253,8 +13179,8 @@
         </p:nvSpPr>
         <p:spPr>
           <a:xfrm>
-            <a:off x="6119418" y="4837407"/>
-            <a:ext cx="2561627" cy="918596"/>
+            <a:off x="6145759" y="4443791"/>
+            <a:ext cx="2713356" cy="742498"/>
           </a:xfrm>
           <a:prstGeom prst="rect">
             <a:avLst/>
@@ -13281,7 +13207,17 @@
           <a:p>
             <a:pPr algn="just"/>
             <a:r>
-              <a:rPr lang="en-US" sz="850" b="0" dirty="0">
+              <a:rPr lang="en-US" sz="700" b="0" dirty="0">
+                <a:solidFill>
+                  <a:srgbClr val="545454"/>
+                </a:solidFill>
+                <a:latin typeface="Arial" panose="020B0604020202020204" pitchFamily="34" charset="0"/>
+                <a:cs typeface="Arial" panose="020B0604020202020204" pitchFamily="34" charset="0"/>
+              </a:rPr>
+              <a:t>A program to compare battery electrolytes based on predicted battery performance gauged by capacity and efficiency was created. Open-source data was processed through one hot encoding, a k-NN model was developed and optimized, and results were presented on a GUI. </a:t>
+            </a:r>
+            <a:r>
+              <a:rPr lang="en-US" sz="700" b="0" dirty="0">
                 <a:solidFill>
                   <a:srgbClr val="545454"/>
                 </a:solidFill>
@@ -13291,7 +13227,2930 @@
                 <a:latin typeface="Arial" panose="020B0604020202020204" pitchFamily="34" charset="0"/>
                 <a:cs typeface="Arial" panose="020B0604020202020204" pitchFamily="34" charset="0"/>
               </a:rPr>
-              <a:t>We achieved this, and we want to do that.</a:t>
+              <a:t>[add specific numbers here, ex: RMSE]</a:t>
+            </a:r>
+          </a:p>
+        </p:txBody>
+      </p:sp>
+      <p:pic>
+        <p:nvPicPr>
+          <p:cNvPr id="20" name="Picture 19">
+            <a:extLst>
+              <a:ext uri="{FF2B5EF4-FFF2-40B4-BE49-F238E27FC236}">
+                <a16:creationId xmlns:a16="http://schemas.microsoft.com/office/drawing/2014/main" id="{E8E7A235-AFAD-4361-AF64-7ECA8C932690}"/>
+              </a:ext>
+            </a:extLst>
+          </p:cNvPr>
+          <p:cNvPicPr>
+            <a:picLocks noChangeAspect="1"/>
+          </p:cNvPicPr>
+          <p:nvPr/>
+        </p:nvPicPr>
+        <p:blipFill>
+          <a:blip r:embed="rId7"/>
+          <a:stretch>
+            <a:fillRect/>
+          </a:stretch>
+        </p:blipFill>
+        <p:spPr>
+          <a:xfrm>
+            <a:off x="1679187" y="2314058"/>
+            <a:ext cx="1173278" cy="913008"/>
+          </a:xfrm>
+          <a:prstGeom prst="rect">
+            <a:avLst/>
+          </a:prstGeom>
+        </p:spPr>
+      </p:pic>
+      <p:sp>
+        <p:nvSpPr>
+          <p:cNvPr id="69" name="Title 1">
+            <a:extLst>
+              <a:ext uri="{FF2B5EF4-FFF2-40B4-BE49-F238E27FC236}">
+                <a16:creationId xmlns:a16="http://schemas.microsoft.com/office/drawing/2014/main" id="{3BB7BACE-D42E-4895-B01C-6369CE82C0E5}"/>
+              </a:ext>
+            </a:extLst>
+          </p:cNvPr>
+          <p:cNvSpPr txBox="1">
+            <a:spLocks/>
+          </p:cNvSpPr>
+          <p:nvPr/>
+        </p:nvSpPr>
+        <p:spPr>
+          <a:xfrm>
+            <a:off x="227576" y="2379014"/>
+            <a:ext cx="1314635" cy="827308"/>
+          </a:xfrm>
+          <a:prstGeom prst="rect">
+            <a:avLst/>
+          </a:prstGeom>
+        </p:spPr>
+        <p:txBody>
+          <a:bodyPr anchor="t"/>
+          <a:lstStyle>
+            <a:lvl1pPr algn="l" defTabSz="342900" rtl="0" eaLnBrk="1" latinLnBrk="0" hangingPunct="1">
+              <a:spcBef>
+                <a:spcPct val="0"/>
+              </a:spcBef>
+              <a:buNone/>
+              <a:defRPr sz="3750" b="1" i="0" kern="1200">
+                <a:solidFill>
+                  <a:schemeClr val="tx2"/>
+                </a:solidFill>
+                <a:latin typeface="Encode Sans Normal Black" charset="0"/>
+                <a:ea typeface="Encode Sans Normal Black" charset="0"/>
+                <a:cs typeface="Encode Sans Normal Black" charset="0"/>
+              </a:defRPr>
+            </a:lvl1pPr>
+          </a:lstStyle>
+          <a:p>
+            <a:pPr algn="just"/>
+            <a:r>
+              <a:rPr lang="en-US" sz="750" b="0" dirty="0">
+                <a:solidFill>
+                  <a:srgbClr val="545454"/>
+                </a:solidFill>
+                <a:latin typeface="Arial" panose="020B0604020202020204" pitchFamily="34" charset="0"/>
+                <a:cs typeface="Arial" panose="020B0604020202020204" pitchFamily="34" charset="0"/>
+              </a:rPr>
+              <a:t>The user chooses the desired anode, cathode, temperature, C-rate, and cycle number from a dropdown menu, which feeds into the data preparation algorithm.</a:t>
+            </a:r>
+          </a:p>
+        </p:txBody>
+      </p:sp>
+      <p:grpSp>
+        <p:nvGrpSpPr>
+          <p:cNvPr id="22" name="Group 21">
+            <a:extLst>
+              <a:ext uri="{FF2B5EF4-FFF2-40B4-BE49-F238E27FC236}">
+                <a16:creationId xmlns:a16="http://schemas.microsoft.com/office/drawing/2014/main" id="{080AE280-A689-4CA6-8DE8-C67DD042BB04}"/>
+              </a:ext>
+            </a:extLst>
+          </p:cNvPr>
+          <p:cNvGrpSpPr>
+            <a:grpSpLocks noChangeAspect="1"/>
+          </p:cNvGrpSpPr>
+          <p:nvPr/>
+        </p:nvGrpSpPr>
+        <p:grpSpPr>
+          <a:xfrm>
+            <a:off x="3341122" y="3266436"/>
+            <a:ext cx="2461756" cy="1218377"/>
+            <a:chOff x="3186331" y="2796680"/>
+            <a:chExt cx="2715058" cy="1343741"/>
+          </a:xfrm>
+        </p:grpSpPr>
+        <p:pic>
+          <p:nvPicPr>
+            <p:cNvPr id="1032" name="Picture 8">
+              <a:extLst>
+                <a:ext uri="{FF2B5EF4-FFF2-40B4-BE49-F238E27FC236}">
+                  <a16:creationId xmlns:a16="http://schemas.microsoft.com/office/drawing/2014/main" id="{0F1EAE26-78CF-4969-8299-9D0E890FF2B2}"/>
+                </a:ext>
+              </a:extLst>
+            </p:cNvPr>
+            <p:cNvPicPr>
+              <a:picLocks noChangeAspect="1" noChangeArrowheads="1"/>
+            </p:cNvPicPr>
+            <p:nvPr/>
+          </p:nvPicPr>
+          <p:blipFill>
+            <a:blip r:embed="rId8">
+              <a:extLst>
+                <a:ext uri="{28A0092B-C50C-407E-A947-70E740481C1C}">
+                  <a14:useLocalDpi xmlns:a14="http://schemas.microsoft.com/office/drawing/2010/main" val="0"/>
+                </a:ext>
+              </a:extLst>
+            </a:blip>
+            <a:srcRect/>
+            <a:stretch>
+              <a:fillRect/>
+            </a:stretch>
+          </p:blipFill>
+          <p:spPr bwMode="auto">
+            <a:xfrm>
+              <a:off x="3186331" y="2796681"/>
+              <a:ext cx="1341252" cy="1343740"/>
+            </a:xfrm>
+            <a:prstGeom prst="rect">
+              <a:avLst/>
+            </a:prstGeom>
+            <a:noFill/>
+            <a:extLst>
+              <a:ext uri="{909E8E84-426E-40DD-AFC4-6F175D3DCCD1}">
+                <a14:hiddenFill xmlns:a14="http://schemas.microsoft.com/office/drawing/2010/main">
+                  <a:solidFill>
+                    <a:srgbClr val="FFFFFF"/>
+                  </a:solidFill>
+                </a14:hiddenFill>
+              </a:ext>
+            </a:extLst>
+          </p:spPr>
+        </p:pic>
+        <p:pic>
+          <p:nvPicPr>
+            <p:cNvPr id="1028" name="Picture 4">
+              <a:extLst>
+                <a:ext uri="{FF2B5EF4-FFF2-40B4-BE49-F238E27FC236}">
+                  <a16:creationId xmlns:a16="http://schemas.microsoft.com/office/drawing/2014/main" id="{DD4E1754-68FF-4784-95E9-9B6329873893}"/>
+                </a:ext>
+              </a:extLst>
+            </p:cNvPr>
+            <p:cNvPicPr>
+              <a:picLocks noChangeAspect="1" noChangeArrowheads="1"/>
+            </p:cNvPicPr>
+            <p:nvPr/>
+          </p:nvPicPr>
+          <p:blipFill>
+            <a:blip r:embed="rId9">
+              <a:extLst>
+                <a:ext uri="{28A0092B-C50C-407E-A947-70E740481C1C}">
+                  <a14:useLocalDpi xmlns:a14="http://schemas.microsoft.com/office/drawing/2010/main" val="0"/>
+                </a:ext>
+              </a:extLst>
+            </a:blip>
+            <a:srcRect/>
+            <a:stretch>
+              <a:fillRect/>
+            </a:stretch>
+          </p:blipFill>
+          <p:spPr bwMode="auto">
+            <a:xfrm>
+              <a:off x="4560136" y="2796680"/>
+              <a:ext cx="1341253" cy="1343741"/>
+            </a:xfrm>
+            <a:prstGeom prst="rect">
+              <a:avLst/>
+            </a:prstGeom>
+            <a:noFill/>
+            <a:extLst>
+              <a:ext uri="{909E8E84-426E-40DD-AFC4-6F175D3DCCD1}">
+                <a14:hiddenFill xmlns:a14="http://schemas.microsoft.com/office/drawing/2010/main">
+                  <a:solidFill>
+                    <a:srgbClr val="FFFFFF"/>
+                  </a:solidFill>
+                </a14:hiddenFill>
+              </a:ext>
+            </a:extLst>
+          </p:spPr>
+        </p:pic>
+      </p:grpSp>
+      <p:sp>
+        <p:nvSpPr>
+          <p:cNvPr id="73" name="Title 1">
+            <a:extLst>
+              <a:ext uri="{FF2B5EF4-FFF2-40B4-BE49-F238E27FC236}">
+                <a16:creationId xmlns:a16="http://schemas.microsoft.com/office/drawing/2014/main" id="{41724265-E32D-4540-9BAD-6709C75E116D}"/>
+              </a:ext>
+            </a:extLst>
+          </p:cNvPr>
+          <p:cNvSpPr txBox="1">
+            <a:spLocks/>
+          </p:cNvSpPr>
+          <p:nvPr/>
+        </p:nvSpPr>
+        <p:spPr>
+          <a:xfrm>
+            <a:off x="3144492" y="2098528"/>
+            <a:ext cx="2670437" cy="201124"/>
+          </a:xfrm>
+          <a:prstGeom prst="rect">
+            <a:avLst/>
+          </a:prstGeom>
+        </p:spPr>
+        <p:txBody>
+          <a:bodyPr anchor="t"/>
+          <a:lstStyle>
+            <a:lvl1pPr algn="l" defTabSz="342900" rtl="0" eaLnBrk="1" latinLnBrk="0" hangingPunct="1">
+              <a:spcBef>
+                <a:spcPct val="0"/>
+              </a:spcBef>
+              <a:buNone/>
+              <a:defRPr sz="3750" b="1" i="0" kern="1200">
+                <a:solidFill>
+                  <a:schemeClr val="tx2"/>
+                </a:solidFill>
+                <a:latin typeface="Encode Sans Normal Black" charset="0"/>
+                <a:ea typeface="Encode Sans Normal Black" charset="0"/>
+                <a:cs typeface="Encode Sans Normal Black" charset="0"/>
+              </a:defRPr>
+            </a:lvl1pPr>
+          </a:lstStyle>
+          <a:p>
+            <a:pPr algn="just"/>
+            <a:r>
+              <a:rPr lang="en-US" sz="850" dirty="0">
+                <a:solidFill>
+                  <a:srgbClr val="4B2E84"/>
+                </a:solidFill>
+                <a:latin typeface="Arial" panose="020B0604020202020204" pitchFamily="34" charset="0"/>
+                <a:cs typeface="Arial" panose="020B0604020202020204" pitchFamily="34" charset="0"/>
+              </a:rPr>
+              <a:t>Technology Review</a:t>
+            </a:r>
+          </a:p>
+        </p:txBody>
+      </p:sp>
+      <p:sp>
+        <p:nvSpPr>
+          <p:cNvPr id="74" name="Title 1">
+            <a:extLst>
+              <a:ext uri="{FF2B5EF4-FFF2-40B4-BE49-F238E27FC236}">
+                <a16:creationId xmlns:a16="http://schemas.microsoft.com/office/drawing/2014/main" id="{AA574F7D-951D-48B1-97E7-A458CFD30E28}"/>
+              </a:ext>
+            </a:extLst>
+          </p:cNvPr>
+          <p:cNvSpPr txBox="1">
+            <a:spLocks/>
+          </p:cNvSpPr>
+          <p:nvPr/>
+        </p:nvSpPr>
+        <p:spPr>
+          <a:xfrm>
+            <a:off x="3143090" y="4618382"/>
+            <a:ext cx="2757468" cy="417166"/>
+          </a:xfrm>
+          <a:prstGeom prst="rect">
+            <a:avLst/>
+          </a:prstGeom>
+        </p:spPr>
+        <p:txBody>
+          <a:bodyPr anchor="t"/>
+          <a:lstStyle>
+            <a:lvl1pPr algn="l" defTabSz="342900" rtl="0" eaLnBrk="1" latinLnBrk="0" hangingPunct="1">
+              <a:spcBef>
+                <a:spcPct val="0"/>
+              </a:spcBef>
+              <a:buNone/>
+              <a:defRPr sz="3750" b="1" i="0" kern="1200">
+                <a:solidFill>
+                  <a:schemeClr val="tx2"/>
+                </a:solidFill>
+                <a:latin typeface="Encode Sans Normal Black" charset="0"/>
+                <a:ea typeface="Encode Sans Normal Black" charset="0"/>
+                <a:cs typeface="Encode Sans Normal Black" charset="0"/>
+              </a:defRPr>
+            </a:lvl1pPr>
+          </a:lstStyle>
+          <a:p>
+            <a:pPr algn="just"/>
+            <a:r>
+              <a:rPr lang="en-US" sz="700" dirty="0" err="1">
+                <a:solidFill>
+                  <a:srgbClr val="545454"/>
+                </a:solidFill>
+                <a:latin typeface="Arial" panose="020B0604020202020204" pitchFamily="34" charset="0"/>
+                <a:cs typeface="Arial" panose="020B0604020202020204" pitchFamily="34" charset="0"/>
+              </a:rPr>
+              <a:t>GridSearchCV</a:t>
+            </a:r>
+            <a:r>
+              <a:rPr lang="en-US" sz="700" b="0" dirty="0">
+                <a:solidFill>
+                  <a:srgbClr val="545454"/>
+                </a:solidFill>
+                <a:latin typeface="Arial" panose="020B0604020202020204" pitchFamily="34" charset="0"/>
+                <a:cs typeface="Arial" panose="020B0604020202020204" pitchFamily="34" charset="0"/>
+              </a:rPr>
+              <a:t> was used to find the best hyperparameters for each metric. </a:t>
+            </a:r>
+            <a:r>
+              <a:rPr lang="en-US" sz="700" b="0" dirty="0">
+                <a:solidFill>
+                  <a:srgbClr val="545454"/>
+                </a:solidFill>
+                <a:highlight>
+                  <a:srgbClr val="FFFF00"/>
+                </a:highlight>
+                <a:latin typeface="Arial" panose="020B0604020202020204" pitchFamily="34" charset="0"/>
+                <a:cs typeface="Arial" panose="020B0604020202020204" pitchFamily="34" charset="0"/>
+              </a:rPr>
+              <a:t>[two methods used, statement here, will highlight info on table]</a:t>
+            </a:r>
+          </a:p>
+        </p:txBody>
+      </p:sp>
+      <p:sp>
+        <p:nvSpPr>
+          <p:cNvPr id="75" name="Title 1">
+            <a:extLst>
+              <a:ext uri="{FF2B5EF4-FFF2-40B4-BE49-F238E27FC236}">
+                <a16:creationId xmlns:a16="http://schemas.microsoft.com/office/drawing/2014/main" id="{7C234C90-A7C1-4C23-8888-37BF1456A149}"/>
+              </a:ext>
+            </a:extLst>
+          </p:cNvPr>
+          <p:cNvSpPr txBox="1">
+            <a:spLocks/>
+          </p:cNvSpPr>
+          <p:nvPr/>
+        </p:nvSpPr>
+        <p:spPr>
+          <a:xfrm>
+            <a:off x="3145794" y="4462835"/>
+            <a:ext cx="2670437" cy="201124"/>
+          </a:xfrm>
+          <a:prstGeom prst="rect">
+            <a:avLst/>
+          </a:prstGeom>
+        </p:spPr>
+        <p:txBody>
+          <a:bodyPr anchor="t"/>
+          <a:lstStyle>
+            <a:lvl1pPr algn="l" defTabSz="342900" rtl="0" eaLnBrk="1" latinLnBrk="0" hangingPunct="1">
+              <a:spcBef>
+                <a:spcPct val="0"/>
+              </a:spcBef>
+              <a:buNone/>
+              <a:defRPr sz="3750" b="1" i="0" kern="1200">
+                <a:solidFill>
+                  <a:schemeClr val="tx2"/>
+                </a:solidFill>
+                <a:latin typeface="Encode Sans Normal Black" charset="0"/>
+                <a:ea typeface="Encode Sans Normal Black" charset="0"/>
+                <a:cs typeface="Encode Sans Normal Black" charset="0"/>
+              </a:defRPr>
+            </a:lvl1pPr>
+          </a:lstStyle>
+          <a:p>
+            <a:pPr algn="just"/>
+            <a:r>
+              <a:rPr lang="en-US" sz="850" dirty="0">
+                <a:solidFill>
+                  <a:srgbClr val="4B2E84"/>
+                </a:solidFill>
+                <a:latin typeface="Arial" panose="020B0604020202020204" pitchFamily="34" charset="0"/>
+                <a:cs typeface="Arial" panose="020B0604020202020204" pitchFamily="34" charset="0"/>
+              </a:rPr>
+              <a:t>Hyperparameter Optimization</a:t>
+            </a:r>
+          </a:p>
+        </p:txBody>
+      </p:sp>
+      <p:sp>
+        <p:nvSpPr>
+          <p:cNvPr id="37" name="Rectangle 6">
+            <a:extLst>
+              <a:ext uri="{FF2B5EF4-FFF2-40B4-BE49-F238E27FC236}">
+                <a16:creationId xmlns:a16="http://schemas.microsoft.com/office/drawing/2014/main" id="{BE1F67A1-CB3A-4FCC-A098-A53ADBB28B95}"/>
+              </a:ext>
+            </a:extLst>
+          </p:cNvPr>
+          <p:cNvSpPr>
+            <a:spLocks noChangeArrowheads="1"/>
+          </p:cNvSpPr>
+          <p:nvPr/>
+        </p:nvSpPr>
+        <p:spPr bwMode="auto">
+          <a:xfrm>
+            <a:off x="575137" y="3500937"/>
+            <a:ext cx="184731" cy="276999"/>
+          </a:xfrm>
+          <a:prstGeom prst="rect">
+            <a:avLst/>
+          </a:prstGeom>
+          <a:noFill/>
+          <a:ln>
+            <a:noFill/>
+          </a:ln>
+          <a:effectLst/>
+          <a:extLst>
+            <a:ext uri="{909E8E84-426E-40DD-AFC4-6F175D3DCCD1}">
+              <a14:hiddenFill xmlns:a14="http://schemas.microsoft.com/office/drawing/2010/main">
+                <a:solidFill>
+                  <a:schemeClr val="accent1"/>
+                </a:solidFill>
+              </a14:hiddenFill>
+            </a:ext>
+            <a:ext uri="{91240B29-F687-4F45-9708-019B960494DF}">
+              <a14:hiddenLine xmlns:a14="http://schemas.microsoft.com/office/drawing/2010/main" w="9525">
+                <a:solidFill>
+                  <a:schemeClr val="tx1"/>
+                </a:solidFill>
+                <a:miter lim="800000"/>
+                <a:headEnd/>
+                <a:tailEnd/>
+              </a14:hiddenLine>
+            </a:ext>
+            <a:ext uri="{AF507438-7753-43E0-B8FC-AC1667EBCBE1}">
+              <a14:hiddenEffects xmlns:a14="http://schemas.microsoft.com/office/drawing/2010/main">
+                <a:effectLst>
+                  <a:outerShdw dist="35921" dir="2700000" algn="ctr" rotWithShape="0">
+                    <a:schemeClr val="bg2"/>
+                  </a:outerShdw>
+                </a:effectLst>
+              </a14:hiddenEffects>
+            </a:ext>
+          </a:extLst>
+        </p:spPr>
+        <p:txBody>
+          <a:bodyPr vert="horz" wrap="none" lIns="91440" tIns="45720" rIns="91440" bIns="45720" numCol="1" anchor="ctr" anchorCtr="0" compatLnSpc="1">
+            <a:prstTxWarp prst="textNoShape">
+              <a:avLst/>
+            </a:prstTxWarp>
+            <a:spAutoFit/>
+          </a:bodyPr>
+          <a:lstStyle/>
+          <a:p>
+            <a:endParaRPr lang="en-US" sz="1200"/>
+          </a:p>
+        </p:txBody>
+      </p:sp>
+      <p:graphicFrame>
+        <p:nvGraphicFramePr>
+          <p:cNvPr id="63" name="Table 63">
+            <a:extLst>
+              <a:ext uri="{FF2B5EF4-FFF2-40B4-BE49-F238E27FC236}">
+                <a16:creationId xmlns:a16="http://schemas.microsoft.com/office/drawing/2014/main" id="{CF40F623-E67F-4E1A-8DE4-4363173B72A8}"/>
+              </a:ext>
+            </a:extLst>
+          </p:cNvPr>
+          <p:cNvGraphicFramePr>
+            <a:graphicFrameLocks noGrp="1"/>
+          </p:cNvGraphicFramePr>
+          <p:nvPr>
+            <p:extLst>
+              <p:ext uri="{D42A27DB-BD31-4B8C-83A1-F6EECF244321}">
+                <p14:modId xmlns:p14="http://schemas.microsoft.com/office/powerpoint/2010/main" val="1393230773"/>
+              </p:ext>
+            </p:extLst>
+          </p:nvPr>
+        </p:nvGraphicFramePr>
+        <p:xfrm>
+          <a:off x="3093379" y="5029868"/>
+          <a:ext cx="2914311" cy="1558290"/>
+        </p:xfrm>
+        <a:graphic>
+          <a:graphicData uri="http://schemas.openxmlformats.org/drawingml/2006/table">
+            <a:tbl>
+              <a:tblPr firstRow="1" bandRow="1">
+                <a:tableStyleId>{5C22544A-7EE6-4342-B048-85BDC9FD1C3A}</a:tableStyleId>
+              </a:tblPr>
+              <a:tblGrid>
+                <a:gridCol w="457519">
+                  <a:extLst>
+                    <a:ext uri="{9D8B030D-6E8A-4147-A177-3AD203B41FA5}">
+                      <a16:colId xmlns:a16="http://schemas.microsoft.com/office/drawing/2014/main" val="450626200"/>
+                    </a:ext>
+                  </a:extLst>
+                </a:gridCol>
+                <a:gridCol w="392542">
+                  <a:extLst>
+                    <a:ext uri="{9D8B030D-6E8A-4147-A177-3AD203B41FA5}">
+                      <a16:colId xmlns:a16="http://schemas.microsoft.com/office/drawing/2014/main" val="1639336887"/>
+                    </a:ext>
+                  </a:extLst>
+                </a:gridCol>
+                <a:gridCol w="422024">
+                  <a:extLst>
+                    <a:ext uri="{9D8B030D-6E8A-4147-A177-3AD203B41FA5}">
+                      <a16:colId xmlns:a16="http://schemas.microsoft.com/office/drawing/2014/main" val="1218308308"/>
+                    </a:ext>
+                  </a:extLst>
+                </a:gridCol>
+                <a:gridCol w="371243">
+                  <a:extLst>
+                    <a:ext uri="{9D8B030D-6E8A-4147-A177-3AD203B41FA5}">
+                      <a16:colId xmlns:a16="http://schemas.microsoft.com/office/drawing/2014/main" val="2282985911"/>
+                    </a:ext>
+                  </a:extLst>
+                </a:gridCol>
+                <a:gridCol w="415775">
+                  <a:extLst>
+                    <a:ext uri="{9D8B030D-6E8A-4147-A177-3AD203B41FA5}">
+                      <a16:colId xmlns:a16="http://schemas.microsoft.com/office/drawing/2014/main" val="828192895"/>
+                    </a:ext>
+                  </a:extLst>
+                </a:gridCol>
+                <a:gridCol w="433431">
+                  <a:extLst>
+                    <a:ext uri="{9D8B030D-6E8A-4147-A177-3AD203B41FA5}">
+                      <a16:colId xmlns:a16="http://schemas.microsoft.com/office/drawing/2014/main" val="2991921853"/>
+                    </a:ext>
+                  </a:extLst>
+                </a:gridCol>
+                <a:gridCol w="421777">
+                  <a:extLst>
+                    <a:ext uri="{9D8B030D-6E8A-4147-A177-3AD203B41FA5}">
+                      <a16:colId xmlns:a16="http://schemas.microsoft.com/office/drawing/2014/main" val="2899607104"/>
+                    </a:ext>
+                  </a:extLst>
+                </a:gridCol>
+              </a:tblGrid>
+              <a:tr h="321403">
+                <a:tc>
+                  <a:txBody>
+                    <a:bodyPr/>
+                    <a:lstStyle/>
+                    <a:p>
+                      <a:pPr algn="ctr" rtl="0" fontAlgn="ctr">
+                        <a:spcBef>
+                          <a:spcPts val="0"/>
+                        </a:spcBef>
+                        <a:spcAft>
+                          <a:spcPts val="0"/>
+                        </a:spcAft>
+                      </a:pPr>
+                      <a:r>
+                        <a:rPr lang="en-US" sz="450" b="1" i="0" u="none" strike="noStrike" dirty="0">
+                          <a:solidFill>
+                            <a:srgbClr val="000000"/>
+                          </a:solidFill>
+                          <a:effectLst/>
+                          <a:latin typeface="Arial" panose="020B0604020202020204" pitchFamily="34" charset="0"/>
+                        </a:rPr>
+                        <a:t>k-NN Regression</a:t>
+                      </a:r>
+                      <a:endParaRPr lang="en-US" sz="450" dirty="0">
+                        <a:effectLst/>
+                      </a:endParaRPr>
+                    </a:p>
+                  </a:txBody>
+                  <a:tcPr marL="66675" marR="66675" marT="66675" marB="66675" anchor="ctr">
+                    <a:lnL w="12700" cap="flat" cmpd="sng" algn="ctr">
+                      <a:noFill/>
+                      <a:prstDash val="solid"/>
+                      <a:round/>
+                      <a:headEnd type="none" w="med" len="med"/>
+                      <a:tailEnd type="none" w="med" len="med"/>
+                    </a:lnL>
+                    <a:lnR w="12700" cap="flat" cmpd="sng" algn="ctr">
+                      <a:solidFill>
+                        <a:srgbClr val="545454"/>
+                      </a:solidFill>
+                      <a:prstDash val="solid"/>
+                      <a:round/>
+                      <a:headEnd type="none" w="med" len="med"/>
+                      <a:tailEnd type="none" w="med" len="med"/>
+                    </a:lnR>
+                    <a:lnT w="12700" cap="flat" cmpd="sng" algn="ctr">
+                      <a:solidFill>
+                        <a:srgbClr val="545454"/>
+                      </a:solidFill>
+                      <a:prstDash val="solid"/>
+                      <a:round/>
+                      <a:headEnd type="none" w="med" len="med"/>
+                      <a:tailEnd type="none" w="med" len="med"/>
+                    </a:lnT>
+                    <a:lnB w="12700" cap="flat" cmpd="sng" algn="ctr">
+                      <a:solidFill>
+                        <a:srgbClr val="545454"/>
+                      </a:solidFill>
+                      <a:prstDash val="solid"/>
+                      <a:round/>
+                      <a:headEnd type="none" w="med" len="med"/>
+                      <a:tailEnd type="none" w="med" len="med"/>
+                    </a:lnB>
+                    <a:lnTlToBr w="12700" cmpd="sng">
+                      <a:noFill/>
+                      <a:prstDash val="solid"/>
+                    </a:lnTlToBr>
+                    <a:lnBlToTr w="12700" cmpd="sng">
+                      <a:noFill/>
+                      <a:prstDash val="solid"/>
+                    </a:lnBlToTr>
+                    <a:solidFill>
+                      <a:schemeClr val="accent3"/>
+                    </a:solidFill>
+                  </a:tcPr>
+                </a:tc>
+                <a:tc>
+                  <a:txBody>
+                    <a:bodyPr/>
+                    <a:lstStyle/>
+                    <a:p>
+                      <a:pPr algn="ctr" rtl="0" fontAlgn="ctr">
+                        <a:spcBef>
+                          <a:spcPts val="0"/>
+                        </a:spcBef>
+                        <a:spcAft>
+                          <a:spcPts val="0"/>
+                        </a:spcAft>
+                      </a:pPr>
+                      <a:r>
+                        <a:rPr lang="en-US" sz="450" b="1" i="0" u="none" strike="noStrike" dirty="0">
+                          <a:solidFill>
+                            <a:srgbClr val="000000"/>
+                          </a:solidFill>
+                          <a:effectLst/>
+                          <a:latin typeface="Arial" panose="020B0604020202020204" pitchFamily="34" charset="0"/>
+                        </a:rPr>
+                        <a:t>Charge Capacity (Ah)</a:t>
+                      </a:r>
+                      <a:endParaRPr lang="en-US" sz="450" dirty="0">
+                        <a:effectLst/>
+                      </a:endParaRPr>
+                    </a:p>
+                  </a:txBody>
+                  <a:tcPr marL="66675" marR="66675" marT="66675" marB="66675" anchor="ctr">
+                    <a:lnL w="12700" cap="flat" cmpd="sng" algn="ctr">
+                      <a:solidFill>
+                        <a:srgbClr val="545454"/>
+                      </a:solidFill>
+                      <a:prstDash val="solid"/>
+                      <a:round/>
+                      <a:headEnd type="none" w="med" len="med"/>
+                      <a:tailEnd type="none" w="med" len="med"/>
+                    </a:lnL>
+                    <a:lnR w="12700" cmpd="sng">
+                      <a:noFill/>
+                    </a:lnR>
+                    <a:lnT w="12700" cap="flat" cmpd="sng" algn="ctr">
+                      <a:solidFill>
+                        <a:srgbClr val="545454"/>
+                      </a:solidFill>
+                      <a:prstDash val="solid"/>
+                      <a:round/>
+                      <a:headEnd type="none" w="med" len="med"/>
+                      <a:tailEnd type="none" w="med" len="med"/>
+                    </a:lnT>
+                    <a:lnB w="12700" cap="flat" cmpd="sng" algn="ctr">
+                      <a:solidFill>
+                        <a:srgbClr val="545454"/>
+                      </a:solidFill>
+                      <a:prstDash val="solid"/>
+                      <a:round/>
+                      <a:headEnd type="none" w="med" len="med"/>
+                      <a:tailEnd type="none" w="med" len="med"/>
+                    </a:lnB>
+                    <a:lnTlToBr w="12700" cmpd="sng">
+                      <a:noFill/>
+                      <a:prstDash val="solid"/>
+                    </a:lnTlToBr>
+                    <a:lnBlToTr w="12700" cmpd="sng">
+                      <a:noFill/>
+                      <a:prstDash val="solid"/>
+                    </a:lnBlToTr>
+                    <a:solidFill>
+                      <a:schemeClr val="accent3"/>
+                    </a:solidFill>
+                  </a:tcPr>
+                </a:tc>
+                <a:tc>
+                  <a:txBody>
+                    <a:bodyPr/>
+                    <a:lstStyle/>
+                    <a:p>
+                      <a:pPr algn="ctr" rtl="0" fontAlgn="ctr">
+                        <a:spcBef>
+                          <a:spcPts val="0"/>
+                        </a:spcBef>
+                        <a:spcAft>
+                          <a:spcPts val="0"/>
+                        </a:spcAft>
+                      </a:pPr>
+                      <a:r>
+                        <a:rPr lang="en-US" sz="450" b="1" i="0" u="none" strike="noStrike" dirty="0">
+                          <a:solidFill>
+                            <a:srgbClr val="000000"/>
+                          </a:solidFill>
+                          <a:effectLst/>
+                          <a:latin typeface="Arial" panose="020B0604020202020204" pitchFamily="34" charset="0"/>
+                        </a:rPr>
+                        <a:t>Discharge Capacity (Ah)</a:t>
+                      </a:r>
+                      <a:endParaRPr lang="en-US" sz="450" dirty="0">
+                        <a:effectLst/>
+                      </a:endParaRPr>
+                    </a:p>
+                  </a:txBody>
+                  <a:tcPr marL="66675" marR="66675" marT="66675" marB="66675" anchor="ctr">
+                    <a:lnL w="12700" cmpd="sng">
+                      <a:noFill/>
+                    </a:lnL>
+                    <a:lnR w="12700" cmpd="sng">
+                      <a:noFill/>
+                    </a:lnR>
+                    <a:lnT w="12700" cap="flat" cmpd="sng" algn="ctr">
+                      <a:solidFill>
+                        <a:srgbClr val="545454"/>
+                      </a:solidFill>
+                      <a:prstDash val="solid"/>
+                      <a:round/>
+                      <a:headEnd type="none" w="med" len="med"/>
+                      <a:tailEnd type="none" w="med" len="med"/>
+                    </a:lnT>
+                    <a:lnB w="12700" cap="flat" cmpd="sng" algn="ctr">
+                      <a:solidFill>
+                        <a:srgbClr val="545454"/>
+                      </a:solidFill>
+                      <a:prstDash val="solid"/>
+                      <a:round/>
+                      <a:headEnd type="none" w="med" len="med"/>
+                      <a:tailEnd type="none" w="med" len="med"/>
+                    </a:lnB>
+                    <a:lnTlToBr w="12700" cmpd="sng">
+                      <a:noFill/>
+                      <a:prstDash val="solid"/>
+                    </a:lnTlToBr>
+                    <a:lnBlToTr w="12700" cmpd="sng">
+                      <a:noFill/>
+                      <a:prstDash val="solid"/>
+                    </a:lnBlToTr>
+                    <a:solidFill>
+                      <a:schemeClr val="accent3"/>
+                    </a:solidFill>
+                  </a:tcPr>
+                </a:tc>
+                <a:tc>
+                  <a:txBody>
+                    <a:bodyPr/>
+                    <a:lstStyle/>
+                    <a:p>
+                      <a:pPr algn="ctr" rtl="0" fontAlgn="ctr">
+                        <a:spcBef>
+                          <a:spcPts val="0"/>
+                        </a:spcBef>
+                        <a:spcAft>
+                          <a:spcPts val="0"/>
+                        </a:spcAft>
+                      </a:pPr>
+                      <a:r>
+                        <a:rPr lang="en-US" sz="450" b="1" i="0" u="none" strike="noStrike" dirty="0">
+                          <a:solidFill>
+                            <a:srgbClr val="000000"/>
+                          </a:solidFill>
+                          <a:effectLst/>
+                          <a:latin typeface="Arial" panose="020B0604020202020204" pitchFamily="34" charset="0"/>
+                        </a:rPr>
+                        <a:t>Charge Energy (</a:t>
+                      </a:r>
+                      <a:r>
+                        <a:rPr lang="en-US" sz="450" b="1" i="0" u="none" strike="noStrike" dirty="0" err="1">
+                          <a:solidFill>
+                            <a:srgbClr val="000000"/>
+                          </a:solidFill>
+                          <a:effectLst/>
+                          <a:latin typeface="Arial" panose="020B0604020202020204" pitchFamily="34" charset="0"/>
+                        </a:rPr>
+                        <a:t>Wh</a:t>
+                      </a:r>
+                      <a:r>
+                        <a:rPr lang="en-US" sz="450" b="1" i="0" u="none" strike="noStrike" dirty="0">
+                          <a:solidFill>
+                            <a:srgbClr val="000000"/>
+                          </a:solidFill>
+                          <a:effectLst/>
+                          <a:latin typeface="Arial" panose="020B0604020202020204" pitchFamily="34" charset="0"/>
+                        </a:rPr>
+                        <a:t>)</a:t>
+                      </a:r>
+                      <a:endParaRPr lang="en-US" sz="450" dirty="0">
+                        <a:effectLst/>
+                      </a:endParaRPr>
+                    </a:p>
+                  </a:txBody>
+                  <a:tcPr marL="66675" marR="66675" marT="66675" marB="66675" anchor="ctr">
+                    <a:lnL w="12700" cmpd="sng">
+                      <a:noFill/>
+                    </a:lnL>
+                    <a:lnR w="12700" cmpd="sng">
+                      <a:noFill/>
+                    </a:lnR>
+                    <a:lnT w="12700" cap="flat" cmpd="sng" algn="ctr">
+                      <a:solidFill>
+                        <a:srgbClr val="545454"/>
+                      </a:solidFill>
+                      <a:prstDash val="solid"/>
+                      <a:round/>
+                      <a:headEnd type="none" w="med" len="med"/>
+                      <a:tailEnd type="none" w="med" len="med"/>
+                    </a:lnT>
+                    <a:lnB w="12700" cap="flat" cmpd="sng" algn="ctr">
+                      <a:solidFill>
+                        <a:srgbClr val="545454"/>
+                      </a:solidFill>
+                      <a:prstDash val="solid"/>
+                      <a:round/>
+                      <a:headEnd type="none" w="med" len="med"/>
+                      <a:tailEnd type="none" w="med" len="med"/>
+                    </a:lnB>
+                    <a:lnTlToBr w="12700" cmpd="sng">
+                      <a:noFill/>
+                      <a:prstDash val="solid"/>
+                    </a:lnTlToBr>
+                    <a:lnBlToTr w="12700" cmpd="sng">
+                      <a:noFill/>
+                      <a:prstDash val="solid"/>
+                    </a:lnBlToTr>
+                    <a:solidFill>
+                      <a:schemeClr val="accent3"/>
+                    </a:solidFill>
+                  </a:tcPr>
+                </a:tc>
+                <a:tc>
+                  <a:txBody>
+                    <a:bodyPr/>
+                    <a:lstStyle/>
+                    <a:p>
+                      <a:pPr algn="ctr" rtl="0" fontAlgn="ctr">
+                        <a:spcBef>
+                          <a:spcPts val="0"/>
+                        </a:spcBef>
+                        <a:spcAft>
+                          <a:spcPts val="0"/>
+                        </a:spcAft>
+                      </a:pPr>
+                      <a:r>
+                        <a:rPr lang="en-US" sz="450" b="1" i="0" u="none" strike="noStrike" dirty="0">
+                          <a:solidFill>
+                            <a:srgbClr val="000000"/>
+                          </a:solidFill>
+                          <a:effectLst/>
+                          <a:latin typeface="Arial" panose="020B0604020202020204" pitchFamily="34" charset="0"/>
+                        </a:rPr>
+                        <a:t>Discharge Energy (</a:t>
+                      </a:r>
+                      <a:r>
+                        <a:rPr lang="en-US" sz="450" b="1" i="0" u="none" strike="noStrike" dirty="0" err="1">
+                          <a:solidFill>
+                            <a:srgbClr val="000000"/>
+                          </a:solidFill>
+                          <a:effectLst/>
+                          <a:latin typeface="Arial" panose="020B0604020202020204" pitchFamily="34" charset="0"/>
+                        </a:rPr>
+                        <a:t>Wh</a:t>
+                      </a:r>
+                      <a:r>
+                        <a:rPr lang="en-US" sz="450" b="1" i="0" u="none" strike="noStrike" dirty="0">
+                          <a:solidFill>
+                            <a:srgbClr val="000000"/>
+                          </a:solidFill>
+                          <a:effectLst/>
+                          <a:latin typeface="Arial" panose="020B0604020202020204" pitchFamily="34" charset="0"/>
+                        </a:rPr>
+                        <a:t>)</a:t>
+                      </a:r>
+                      <a:endParaRPr lang="en-US" sz="450" dirty="0">
+                        <a:effectLst/>
+                      </a:endParaRPr>
+                    </a:p>
+                  </a:txBody>
+                  <a:tcPr marL="66675" marR="66675" marT="66675" marB="66675" anchor="ctr">
+                    <a:lnL w="12700" cmpd="sng">
+                      <a:noFill/>
+                    </a:lnL>
+                    <a:lnR w="12700" cmpd="sng">
+                      <a:noFill/>
+                    </a:lnR>
+                    <a:lnT w="12700" cap="flat" cmpd="sng" algn="ctr">
+                      <a:solidFill>
+                        <a:srgbClr val="545454"/>
+                      </a:solidFill>
+                      <a:prstDash val="solid"/>
+                      <a:round/>
+                      <a:headEnd type="none" w="med" len="med"/>
+                      <a:tailEnd type="none" w="med" len="med"/>
+                    </a:lnT>
+                    <a:lnB w="12700" cap="flat" cmpd="sng" algn="ctr">
+                      <a:solidFill>
+                        <a:srgbClr val="545454"/>
+                      </a:solidFill>
+                      <a:prstDash val="solid"/>
+                      <a:round/>
+                      <a:headEnd type="none" w="med" len="med"/>
+                      <a:tailEnd type="none" w="med" len="med"/>
+                    </a:lnB>
+                    <a:lnTlToBr w="12700" cmpd="sng">
+                      <a:noFill/>
+                      <a:prstDash val="solid"/>
+                    </a:lnTlToBr>
+                    <a:lnBlToTr w="12700" cmpd="sng">
+                      <a:noFill/>
+                      <a:prstDash val="solid"/>
+                    </a:lnBlToTr>
+                    <a:solidFill>
+                      <a:schemeClr val="accent3"/>
+                    </a:solidFill>
+                  </a:tcPr>
+                </a:tc>
+                <a:tc>
+                  <a:txBody>
+                    <a:bodyPr/>
+                    <a:lstStyle/>
+                    <a:p>
+                      <a:pPr algn="ctr" rtl="0" fontAlgn="ctr">
+                        <a:spcBef>
+                          <a:spcPts val="0"/>
+                        </a:spcBef>
+                        <a:spcAft>
+                          <a:spcPts val="0"/>
+                        </a:spcAft>
+                      </a:pPr>
+                      <a:r>
+                        <a:rPr lang="en-US" sz="450" b="1" i="0" u="none" strike="noStrike" dirty="0">
+                          <a:solidFill>
+                            <a:srgbClr val="000000"/>
+                          </a:solidFill>
+                          <a:effectLst/>
+                          <a:latin typeface="Arial" panose="020B0604020202020204" pitchFamily="34" charset="0"/>
+                        </a:rPr>
+                        <a:t>Coulombic Efficiency (%)</a:t>
+                      </a:r>
+                      <a:endParaRPr lang="en-US" sz="450" dirty="0">
+                        <a:effectLst/>
+                      </a:endParaRPr>
+                    </a:p>
+                  </a:txBody>
+                  <a:tcPr marL="66675" marR="66675" marT="66675" marB="66675" anchor="ctr">
+                    <a:lnL w="12700" cmpd="sng">
+                      <a:noFill/>
+                    </a:lnL>
+                    <a:lnR w="12700" cmpd="sng">
+                      <a:noFill/>
+                    </a:lnR>
+                    <a:lnT w="12700" cap="flat" cmpd="sng" algn="ctr">
+                      <a:solidFill>
+                        <a:srgbClr val="545454"/>
+                      </a:solidFill>
+                      <a:prstDash val="solid"/>
+                      <a:round/>
+                      <a:headEnd type="none" w="med" len="med"/>
+                      <a:tailEnd type="none" w="med" len="med"/>
+                    </a:lnT>
+                    <a:lnB w="12700" cap="flat" cmpd="sng" algn="ctr">
+                      <a:solidFill>
+                        <a:srgbClr val="545454"/>
+                      </a:solidFill>
+                      <a:prstDash val="solid"/>
+                      <a:round/>
+                      <a:headEnd type="none" w="med" len="med"/>
+                      <a:tailEnd type="none" w="med" len="med"/>
+                    </a:lnB>
+                    <a:lnTlToBr w="12700" cmpd="sng">
+                      <a:noFill/>
+                      <a:prstDash val="solid"/>
+                    </a:lnTlToBr>
+                    <a:lnBlToTr w="12700" cmpd="sng">
+                      <a:noFill/>
+                      <a:prstDash val="solid"/>
+                    </a:lnBlToTr>
+                    <a:solidFill>
+                      <a:schemeClr val="accent3"/>
+                    </a:solidFill>
+                  </a:tcPr>
+                </a:tc>
+                <a:tc>
+                  <a:txBody>
+                    <a:bodyPr/>
+                    <a:lstStyle/>
+                    <a:p>
+                      <a:pPr algn="ctr" rtl="0" fontAlgn="ctr">
+                        <a:spcBef>
+                          <a:spcPts val="0"/>
+                        </a:spcBef>
+                        <a:spcAft>
+                          <a:spcPts val="0"/>
+                        </a:spcAft>
+                      </a:pPr>
+                      <a:r>
+                        <a:rPr lang="en-US" sz="450" b="1" i="0" u="none" strike="noStrike" dirty="0">
+                          <a:solidFill>
+                            <a:srgbClr val="000000"/>
+                          </a:solidFill>
+                          <a:effectLst/>
+                          <a:latin typeface="Arial" panose="020B0604020202020204" pitchFamily="34" charset="0"/>
+                        </a:rPr>
+                        <a:t>Energy Efficiency (%)</a:t>
+                      </a:r>
+                      <a:endParaRPr lang="en-US" sz="450" dirty="0">
+                        <a:effectLst/>
+                      </a:endParaRPr>
+                    </a:p>
+                  </a:txBody>
+                  <a:tcPr marL="66675" marR="66675" marT="66675" marB="66675" anchor="ctr">
+                    <a:lnL w="12700" cmpd="sng">
+                      <a:noFill/>
+                    </a:lnL>
+                    <a:lnR w="12700" cap="flat" cmpd="sng" algn="ctr">
+                      <a:noFill/>
+                      <a:prstDash val="solid"/>
+                      <a:round/>
+                      <a:headEnd type="none" w="med" len="med"/>
+                      <a:tailEnd type="none" w="med" len="med"/>
+                    </a:lnR>
+                    <a:lnT w="12700" cap="flat" cmpd="sng" algn="ctr">
+                      <a:solidFill>
+                        <a:srgbClr val="545454"/>
+                      </a:solidFill>
+                      <a:prstDash val="solid"/>
+                      <a:round/>
+                      <a:headEnd type="none" w="med" len="med"/>
+                      <a:tailEnd type="none" w="med" len="med"/>
+                    </a:lnT>
+                    <a:lnB w="12700" cap="flat" cmpd="sng" algn="ctr">
+                      <a:solidFill>
+                        <a:srgbClr val="545454"/>
+                      </a:solidFill>
+                      <a:prstDash val="solid"/>
+                      <a:round/>
+                      <a:headEnd type="none" w="med" len="med"/>
+                      <a:tailEnd type="none" w="med" len="med"/>
+                    </a:lnB>
+                    <a:lnTlToBr w="12700" cmpd="sng">
+                      <a:noFill/>
+                      <a:prstDash val="solid"/>
+                    </a:lnTlToBr>
+                    <a:lnBlToTr w="12700" cmpd="sng">
+                      <a:noFill/>
+                      <a:prstDash val="solid"/>
+                    </a:lnBlToTr>
+                    <a:solidFill>
+                      <a:schemeClr val="accent3"/>
+                    </a:solidFill>
+                  </a:tcPr>
+                </a:tc>
+                <a:extLst>
+                  <a:ext uri="{0D108BD9-81ED-4DB2-BD59-A6C34878D82A}">
+                    <a16:rowId xmlns:a16="http://schemas.microsoft.com/office/drawing/2014/main" val="2772205661"/>
+                  </a:ext>
+                </a:extLst>
+              </a:tr>
+              <a:tr h="343071">
+                <a:tc>
+                  <a:txBody>
+                    <a:bodyPr/>
+                    <a:lstStyle/>
+                    <a:p>
+                      <a:pPr algn="ctr" rtl="0" fontAlgn="ctr">
+                        <a:spcBef>
+                          <a:spcPts val="0"/>
+                        </a:spcBef>
+                        <a:spcAft>
+                          <a:spcPts val="0"/>
+                        </a:spcAft>
+                      </a:pPr>
+                      <a:r>
+                        <a:rPr lang="en-US" sz="500" b="1" i="0" u="none" strike="noStrike" dirty="0">
+                          <a:solidFill>
+                            <a:srgbClr val="000000"/>
+                          </a:solidFill>
+                          <a:effectLst/>
+                          <a:latin typeface="Arial" panose="020B0604020202020204" pitchFamily="34" charset="0"/>
+                        </a:rPr>
+                        <a:t>Hyper parameter Algorithm</a:t>
+                      </a:r>
+                      <a:endParaRPr lang="en-US" sz="500" dirty="0">
+                        <a:effectLst/>
+                      </a:endParaRPr>
+                    </a:p>
+                  </a:txBody>
+                  <a:tcPr marL="66675" marR="66675" marT="66675" marB="66675" anchor="ctr">
+                    <a:lnL w="12700" cmpd="sng">
+                      <a:noFill/>
+                    </a:lnL>
+                    <a:lnR w="12700" cap="flat" cmpd="sng" algn="ctr">
+                      <a:solidFill>
+                        <a:srgbClr val="545454"/>
+                      </a:solidFill>
+                      <a:prstDash val="solid"/>
+                      <a:round/>
+                      <a:headEnd type="none" w="med" len="med"/>
+                      <a:tailEnd type="none" w="med" len="med"/>
+                    </a:lnR>
+                    <a:lnT w="12700" cap="flat" cmpd="sng" algn="ctr">
+                      <a:solidFill>
+                        <a:srgbClr val="545454"/>
+                      </a:solidFill>
+                      <a:prstDash val="solid"/>
+                      <a:round/>
+                      <a:headEnd type="none" w="med" len="med"/>
+                      <a:tailEnd type="none" w="med" len="med"/>
+                    </a:lnT>
+                    <a:lnB w="12700" cmpd="sng">
+                      <a:noFill/>
+                    </a:lnB>
+                    <a:lnTlToBr w="12700" cmpd="sng">
+                      <a:noFill/>
+                      <a:prstDash val="solid"/>
+                    </a:lnTlToBr>
+                    <a:lnBlToTr w="12700" cmpd="sng">
+                      <a:noFill/>
+                      <a:prstDash val="solid"/>
+                    </a:lnBlToTr>
+                    <a:solidFill>
+                      <a:schemeClr val="accent3"/>
+                    </a:solidFill>
+                  </a:tcPr>
+                </a:tc>
+                <a:tc>
+                  <a:txBody>
+                    <a:bodyPr/>
+                    <a:lstStyle/>
+                    <a:p>
+                      <a:pPr algn="ctr" rtl="0" fontAlgn="ctr">
+                        <a:spcBef>
+                          <a:spcPts val="0"/>
+                        </a:spcBef>
+                        <a:spcAft>
+                          <a:spcPts val="0"/>
+                        </a:spcAft>
+                      </a:pPr>
+                      <a:r>
+                        <a:rPr lang="en-US" sz="600" b="0" i="0" u="none" strike="noStrike" dirty="0">
+                          <a:solidFill>
+                            <a:srgbClr val="000000"/>
+                          </a:solidFill>
+                          <a:effectLst/>
+                          <a:latin typeface="Arial" panose="020B0604020202020204" pitchFamily="34" charset="0"/>
+                        </a:rPr>
+                        <a:t>auto</a:t>
+                      </a:r>
+                      <a:endParaRPr lang="en-US" sz="600" dirty="0">
+                        <a:effectLst/>
+                      </a:endParaRPr>
+                    </a:p>
+                  </a:txBody>
+                  <a:tcPr marL="66675" marR="66675" marT="66675" marB="66675" anchor="ctr">
+                    <a:lnL w="12700" cap="flat" cmpd="sng" algn="ctr">
+                      <a:solidFill>
+                        <a:srgbClr val="545454"/>
+                      </a:solidFill>
+                      <a:prstDash val="solid"/>
+                      <a:round/>
+                      <a:headEnd type="none" w="med" len="med"/>
+                      <a:tailEnd type="none" w="med" len="med"/>
+                    </a:lnL>
+                    <a:lnR w="12700" cmpd="sng">
+                      <a:noFill/>
+                    </a:lnR>
+                    <a:lnT w="12700" cap="flat" cmpd="sng" algn="ctr">
+                      <a:solidFill>
+                        <a:srgbClr val="545454"/>
+                      </a:solidFill>
+                      <a:prstDash val="solid"/>
+                      <a:round/>
+                      <a:headEnd type="none" w="med" len="med"/>
+                      <a:tailEnd type="none" w="med" len="med"/>
+                    </a:lnT>
+                    <a:lnB w="12700" cmpd="sng">
+                      <a:noFill/>
+                    </a:lnB>
+                    <a:lnTlToBr w="12700" cmpd="sng">
+                      <a:noFill/>
+                      <a:prstDash val="solid"/>
+                    </a:lnTlToBr>
+                    <a:lnBlToTr w="12700" cmpd="sng">
+                      <a:noFill/>
+                      <a:prstDash val="solid"/>
+                    </a:lnBlToTr>
+                    <a:solidFill>
+                      <a:schemeClr val="accent3"/>
+                    </a:solidFill>
+                  </a:tcPr>
+                </a:tc>
+                <a:tc>
+                  <a:txBody>
+                    <a:bodyPr/>
+                    <a:lstStyle/>
+                    <a:p>
+                      <a:pPr algn="ctr" rtl="0" fontAlgn="ctr">
+                        <a:spcBef>
+                          <a:spcPts val="0"/>
+                        </a:spcBef>
+                        <a:spcAft>
+                          <a:spcPts val="0"/>
+                        </a:spcAft>
+                      </a:pPr>
+                      <a:r>
+                        <a:rPr lang="en-US" sz="600" b="0" i="0" u="none" strike="noStrike" dirty="0">
+                          <a:solidFill>
+                            <a:srgbClr val="000000"/>
+                          </a:solidFill>
+                          <a:effectLst/>
+                          <a:latin typeface="Arial" panose="020B0604020202020204" pitchFamily="34" charset="0"/>
+                        </a:rPr>
+                        <a:t>auto </a:t>
+                      </a:r>
+                      <a:endParaRPr lang="en-US" sz="600" dirty="0">
+                        <a:effectLst/>
+                      </a:endParaRPr>
+                    </a:p>
+                  </a:txBody>
+                  <a:tcPr marL="66675" marR="66675" marT="66675" marB="66675" anchor="ctr">
+                    <a:lnL w="12700" cmpd="sng">
+                      <a:noFill/>
+                    </a:lnL>
+                    <a:lnR w="12700" cmpd="sng">
+                      <a:noFill/>
+                    </a:lnR>
+                    <a:lnT w="12700" cap="flat" cmpd="sng" algn="ctr">
+                      <a:solidFill>
+                        <a:srgbClr val="545454"/>
+                      </a:solidFill>
+                      <a:prstDash val="solid"/>
+                      <a:round/>
+                      <a:headEnd type="none" w="med" len="med"/>
+                      <a:tailEnd type="none" w="med" len="med"/>
+                    </a:lnT>
+                    <a:lnB w="12700" cmpd="sng">
+                      <a:noFill/>
+                    </a:lnB>
+                    <a:lnTlToBr w="12700" cmpd="sng">
+                      <a:noFill/>
+                      <a:prstDash val="solid"/>
+                    </a:lnTlToBr>
+                    <a:lnBlToTr w="12700" cmpd="sng">
+                      <a:noFill/>
+                      <a:prstDash val="solid"/>
+                    </a:lnBlToTr>
+                    <a:solidFill>
+                      <a:schemeClr val="accent3"/>
+                    </a:solidFill>
+                  </a:tcPr>
+                </a:tc>
+                <a:tc>
+                  <a:txBody>
+                    <a:bodyPr/>
+                    <a:lstStyle/>
+                    <a:p>
+                      <a:pPr algn="ctr" rtl="0" fontAlgn="ctr">
+                        <a:spcBef>
+                          <a:spcPts val="0"/>
+                        </a:spcBef>
+                        <a:spcAft>
+                          <a:spcPts val="0"/>
+                        </a:spcAft>
+                      </a:pPr>
+                      <a:r>
+                        <a:rPr lang="en-US" sz="600" b="0" i="0" u="none" strike="noStrike" dirty="0">
+                          <a:solidFill>
+                            <a:srgbClr val="000000"/>
+                          </a:solidFill>
+                          <a:effectLst/>
+                          <a:latin typeface="Arial" panose="020B0604020202020204" pitchFamily="34" charset="0"/>
+                        </a:rPr>
+                        <a:t>auto</a:t>
+                      </a:r>
+                      <a:endParaRPr lang="en-US" sz="600" dirty="0">
+                        <a:effectLst/>
+                      </a:endParaRPr>
+                    </a:p>
+                  </a:txBody>
+                  <a:tcPr marL="66675" marR="66675" marT="66675" marB="66675" anchor="ctr">
+                    <a:lnL w="12700" cmpd="sng">
+                      <a:noFill/>
+                    </a:lnL>
+                    <a:lnR w="12700" cmpd="sng">
+                      <a:noFill/>
+                    </a:lnR>
+                    <a:lnT w="12700" cap="flat" cmpd="sng" algn="ctr">
+                      <a:solidFill>
+                        <a:srgbClr val="545454"/>
+                      </a:solidFill>
+                      <a:prstDash val="solid"/>
+                      <a:round/>
+                      <a:headEnd type="none" w="med" len="med"/>
+                      <a:tailEnd type="none" w="med" len="med"/>
+                    </a:lnT>
+                    <a:lnB w="12700" cmpd="sng">
+                      <a:noFill/>
+                    </a:lnB>
+                    <a:lnTlToBr w="12700" cmpd="sng">
+                      <a:noFill/>
+                      <a:prstDash val="solid"/>
+                    </a:lnTlToBr>
+                    <a:lnBlToTr w="12700" cmpd="sng">
+                      <a:noFill/>
+                      <a:prstDash val="solid"/>
+                    </a:lnBlToTr>
+                    <a:solidFill>
+                      <a:schemeClr val="accent3"/>
+                    </a:solidFill>
+                  </a:tcPr>
+                </a:tc>
+                <a:tc>
+                  <a:txBody>
+                    <a:bodyPr/>
+                    <a:lstStyle/>
+                    <a:p>
+                      <a:pPr algn="ctr" rtl="0" fontAlgn="ctr">
+                        <a:spcBef>
+                          <a:spcPts val="0"/>
+                        </a:spcBef>
+                        <a:spcAft>
+                          <a:spcPts val="0"/>
+                        </a:spcAft>
+                      </a:pPr>
+                      <a:r>
+                        <a:rPr lang="en-US" sz="600" b="0" i="0" u="none" strike="noStrike" dirty="0">
+                          <a:solidFill>
+                            <a:srgbClr val="000000"/>
+                          </a:solidFill>
+                          <a:effectLst/>
+                          <a:latin typeface="Arial" panose="020B0604020202020204" pitchFamily="34" charset="0"/>
+                        </a:rPr>
+                        <a:t>auto</a:t>
+                      </a:r>
+                      <a:endParaRPr lang="en-US" sz="600" dirty="0">
+                        <a:effectLst/>
+                      </a:endParaRPr>
+                    </a:p>
+                  </a:txBody>
+                  <a:tcPr marL="66675" marR="66675" marT="66675" marB="66675" anchor="ctr">
+                    <a:lnL w="12700" cmpd="sng">
+                      <a:noFill/>
+                    </a:lnL>
+                    <a:lnR w="12700" cmpd="sng">
+                      <a:noFill/>
+                    </a:lnR>
+                    <a:lnT w="12700" cap="flat" cmpd="sng" algn="ctr">
+                      <a:solidFill>
+                        <a:srgbClr val="545454"/>
+                      </a:solidFill>
+                      <a:prstDash val="solid"/>
+                      <a:round/>
+                      <a:headEnd type="none" w="med" len="med"/>
+                      <a:tailEnd type="none" w="med" len="med"/>
+                    </a:lnT>
+                    <a:lnB w="12700" cmpd="sng">
+                      <a:noFill/>
+                    </a:lnB>
+                    <a:lnTlToBr w="12700" cmpd="sng">
+                      <a:noFill/>
+                      <a:prstDash val="solid"/>
+                    </a:lnTlToBr>
+                    <a:lnBlToTr w="12700" cmpd="sng">
+                      <a:noFill/>
+                      <a:prstDash val="solid"/>
+                    </a:lnBlToTr>
+                    <a:solidFill>
+                      <a:schemeClr val="accent3"/>
+                    </a:solidFill>
+                  </a:tcPr>
+                </a:tc>
+                <a:tc>
+                  <a:txBody>
+                    <a:bodyPr/>
+                    <a:lstStyle/>
+                    <a:p>
+                      <a:pPr algn="ctr" rtl="0" fontAlgn="ctr">
+                        <a:spcBef>
+                          <a:spcPts val="0"/>
+                        </a:spcBef>
+                        <a:spcAft>
+                          <a:spcPts val="0"/>
+                        </a:spcAft>
+                      </a:pPr>
+                      <a:r>
+                        <a:rPr lang="en-US" sz="600" b="0" i="0" u="none" strike="noStrike" dirty="0" err="1">
+                          <a:solidFill>
+                            <a:srgbClr val="000000"/>
+                          </a:solidFill>
+                          <a:effectLst/>
+                          <a:latin typeface="Arial" panose="020B0604020202020204" pitchFamily="34" charset="0"/>
+                        </a:rPr>
+                        <a:t>ball_tree</a:t>
+                      </a:r>
+                      <a:endParaRPr lang="en-US" sz="600" dirty="0">
+                        <a:effectLst/>
+                      </a:endParaRPr>
+                    </a:p>
+                  </a:txBody>
+                  <a:tcPr marL="66675" marR="66675" marT="66675" marB="66675" anchor="ctr">
+                    <a:lnL w="12700" cmpd="sng">
+                      <a:noFill/>
+                    </a:lnL>
+                    <a:lnR w="12700" cmpd="sng">
+                      <a:noFill/>
+                    </a:lnR>
+                    <a:lnT w="12700" cap="flat" cmpd="sng" algn="ctr">
+                      <a:solidFill>
+                        <a:srgbClr val="545454"/>
+                      </a:solidFill>
+                      <a:prstDash val="solid"/>
+                      <a:round/>
+                      <a:headEnd type="none" w="med" len="med"/>
+                      <a:tailEnd type="none" w="med" len="med"/>
+                    </a:lnT>
+                    <a:lnB w="12700" cmpd="sng">
+                      <a:noFill/>
+                    </a:lnB>
+                    <a:lnTlToBr w="12700" cmpd="sng">
+                      <a:noFill/>
+                      <a:prstDash val="solid"/>
+                    </a:lnTlToBr>
+                    <a:lnBlToTr w="12700" cmpd="sng">
+                      <a:noFill/>
+                      <a:prstDash val="solid"/>
+                    </a:lnBlToTr>
+                    <a:solidFill>
+                      <a:schemeClr val="accent3"/>
+                    </a:solidFill>
+                  </a:tcPr>
+                </a:tc>
+                <a:tc>
+                  <a:txBody>
+                    <a:bodyPr/>
+                    <a:lstStyle/>
+                    <a:p>
+                      <a:pPr algn="ctr" rtl="0" fontAlgn="ctr">
+                        <a:spcBef>
+                          <a:spcPts val="0"/>
+                        </a:spcBef>
+                        <a:spcAft>
+                          <a:spcPts val="0"/>
+                        </a:spcAft>
+                      </a:pPr>
+                      <a:r>
+                        <a:rPr lang="en-US" sz="600" b="0" i="0" u="none" strike="noStrike" dirty="0">
+                          <a:solidFill>
+                            <a:srgbClr val="000000"/>
+                          </a:solidFill>
+                          <a:effectLst/>
+                          <a:latin typeface="Arial" panose="020B0604020202020204" pitchFamily="34" charset="0"/>
+                        </a:rPr>
+                        <a:t>auto</a:t>
+                      </a:r>
+                      <a:endParaRPr lang="en-US" sz="600" dirty="0">
+                        <a:effectLst/>
+                      </a:endParaRPr>
+                    </a:p>
+                  </a:txBody>
+                  <a:tcPr marL="66675" marR="66675" marT="66675" marB="66675" anchor="ctr">
+                    <a:lnL w="12700" cmpd="sng">
+                      <a:noFill/>
+                    </a:lnL>
+                    <a:lnR w="12700" cmpd="sng">
+                      <a:noFill/>
+                    </a:lnR>
+                    <a:lnT w="12700" cap="flat" cmpd="sng" algn="ctr">
+                      <a:solidFill>
+                        <a:srgbClr val="545454"/>
+                      </a:solidFill>
+                      <a:prstDash val="solid"/>
+                      <a:round/>
+                      <a:headEnd type="none" w="med" len="med"/>
+                      <a:tailEnd type="none" w="med" len="med"/>
+                    </a:lnT>
+                    <a:lnB w="12700" cmpd="sng">
+                      <a:noFill/>
+                    </a:lnB>
+                    <a:lnTlToBr w="12700" cmpd="sng">
+                      <a:noFill/>
+                      <a:prstDash val="solid"/>
+                    </a:lnTlToBr>
+                    <a:lnBlToTr w="12700" cmpd="sng">
+                      <a:noFill/>
+                      <a:prstDash val="solid"/>
+                    </a:lnBlToTr>
+                    <a:solidFill>
+                      <a:schemeClr val="accent3"/>
+                    </a:solidFill>
+                  </a:tcPr>
+                </a:tc>
+                <a:extLst>
+                  <a:ext uri="{0D108BD9-81ED-4DB2-BD59-A6C34878D82A}">
+                    <a16:rowId xmlns:a16="http://schemas.microsoft.com/office/drawing/2014/main" val="3387094887"/>
+                  </a:ext>
+                </a:extLst>
+              </a:tr>
+              <a:tr h="229029">
+                <a:tc>
+                  <a:txBody>
+                    <a:bodyPr/>
+                    <a:lstStyle/>
+                    <a:p>
+                      <a:pPr marL="0" marR="0" lvl="0" indent="0" algn="ctr" defTabSz="342900" rtl="0" eaLnBrk="1" fontAlgn="ctr" latinLnBrk="0" hangingPunct="1">
+                        <a:lnSpc>
+                          <a:spcPct val="100000"/>
+                        </a:lnSpc>
+                        <a:spcBef>
+                          <a:spcPts val="0"/>
+                        </a:spcBef>
+                        <a:spcAft>
+                          <a:spcPts val="0"/>
+                        </a:spcAft>
+                        <a:buClrTx/>
+                        <a:buSzTx/>
+                        <a:buFontTx/>
+                        <a:buNone/>
+                        <a:tabLst/>
+                        <a:defRPr/>
+                      </a:pPr>
+                      <a:r>
+                        <a:rPr lang="en-US" sz="500" b="1" i="0" u="none" strike="noStrike" dirty="0">
+                          <a:solidFill>
+                            <a:srgbClr val="000000"/>
+                          </a:solidFill>
+                          <a:effectLst/>
+                          <a:latin typeface="Arial" panose="020B0604020202020204" pitchFamily="34" charset="0"/>
+                          <a:cs typeface="Arial" panose="020B0604020202020204" pitchFamily="34" charset="0"/>
+                        </a:rPr>
+                        <a:t>n-neighbors</a:t>
+                      </a:r>
+                      <a:endParaRPr lang="en-US" sz="500" dirty="0">
+                        <a:solidFill>
+                          <a:srgbClr val="000000"/>
+                        </a:solidFill>
+                        <a:effectLst/>
+                        <a:latin typeface="Arial" panose="020B0604020202020204" pitchFamily="34" charset="0"/>
+                        <a:cs typeface="Arial" panose="020B0604020202020204" pitchFamily="34" charset="0"/>
+                      </a:endParaRPr>
+                    </a:p>
+                  </a:txBody>
+                  <a:tcPr marL="66675" marR="66675" marT="66675" marB="66675" anchor="ctr">
+                    <a:lnL w="12700" cmpd="sng">
+                      <a:noFill/>
+                    </a:lnL>
+                    <a:lnR w="12700" cap="flat" cmpd="sng" algn="ctr">
+                      <a:solidFill>
+                        <a:srgbClr val="545454"/>
+                      </a:solidFill>
+                      <a:prstDash val="solid"/>
+                      <a:round/>
+                      <a:headEnd type="none" w="med" len="med"/>
+                      <a:tailEnd type="none" w="med" len="med"/>
+                    </a:lnR>
+                    <a:lnT w="12700" cmpd="sng">
+                      <a:noFill/>
+                    </a:lnT>
+                    <a:lnB w="12700" cmpd="sng">
+                      <a:noFill/>
+                    </a:lnB>
+                    <a:lnTlToBr w="12700" cmpd="sng">
+                      <a:noFill/>
+                      <a:prstDash val="solid"/>
+                    </a:lnTlToBr>
+                    <a:lnBlToTr w="12700" cmpd="sng">
+                      <a:noFill/>
+                      <a:prstDash val="solid"/>
+                    </a:lnBlToTr>
+                    <a:solidFill>
+                      <a:schemeClr val="accent3"/>
+                    </a:solidFill>
+                  </a:tcPr>
+                </a:tc>
+                <a:tc>
+                  <a:txBody>
+                    <a:bodyPr/>
+                    <a:lstStyle/>
+                    <a:p>
+                      <a:pPr algn="ctr" rtl="0" fontAlgn="ctr">
+                        <a:spcBef>
+                          <a:spcPts val="0"/>
+                        </a:spcBef>
+                        <a:spcAft>
+                          <a:spcPts val="0"/>
+                        </a:spcAft>
+                      </a:pPr>
+                      <a:r>
+                        <a:rPr lang="en-US" sz="600" b="0" i="0" u="none" strike="noStrike" dirty="0">
+                          <a:solidFill>
+                            <a:srgbClr val="000000"/>
+                          </a:solidFill>
+                          <a:effectLst/>
+                          <a:latin typeface="Arial" panose="020B0604020202020204" pitchFamily="34" charset="0"/>
+                          <a:cs typeface="Arial" panose="020B0604020202020204" pitchFamily="34" charset="0"/>
+                        </a:rPr>
+                        <a:t>11</a:t>
+                      </a:r>
+                      <a:endParaRPr lang="en-US" sz="600" dirty="0">
+                        <a:solidFill>
+                          <a:srgbClr val="000000"/>
+                        </a:solidFill>
+                        <a:effectLst/>
+                        <a:latin typeface="Arial" panose="020B0604020202020204" pitchFamily="34" charset="0"/>
+                        <a:cs typeface="Arial" panose="020B0604020202020204" pitchFamily="34" charset="0"/>
+                      </a:endParaRPr>
+                    </a:p>
+                  </a:txBody>
+                  <a:tcPr marL="66675" marR="66675" marT="66675" marB="66675" anchor="ctr">
+                    <a:lnL w="12700" cap="flat" cmpd="sng" algn="ctr">
+                      <a:solidFill>
+                        <a:srgbClr val="545454"/>
+                      </a:solidFill>
+                      <a:prstDash val="solid"/>
+                      <a:round/>
+                      <a:headEnd type="none" w="med" len="med"/>
+                      <a:tailEnd type="none" w="med" len="med"/>
+                    </a:lnL>
+                    <a:lnR w="12700" cmpd="sng">
+                      <a:noFill/>
+                    </a:lnR>
+                    <a:lnT w="12700" cmpd="sng">
+                      <a:noFill/>
+                    </a:lnT>
+                    <a:lnB w="12700" cmpd="sng">
+                      <a:noFill/>
+                    </a:lnB>
+                    <a:lnTlToBr w="12700" cmpd="sng">
+                      <a:noFill/>
+                      <a:prstDash val="solid"/>
+                    </a:lnTlToBr>
+                    <a:lnBlToTr w="12700" cmpd="sng">
+                      <a:noFill/>
+                      <a:prstDash val="solid"/>
+                    </a:lnBlToTr>
+                    <a:solidFill>
+                      <a:schemeClr val="accent3"/>
+                    </a:solidFill>
+                  </a:tcPr>
+                </a:tc>
+                <a:tc>
+                  <a:txBody>
+                    <a:bodyPr/>
+                    <a:lstStyle/>
+                    <a:p>
+                      <a:pPr algn="ctr" rtl="0" fontAlgn="ctr">
+                        <a:spcBef>
+                          <a:spcPts val="0"/>
+                        </a:spcBef>
+                        <a:spcAft>
+                          <a:spcPts val="0"/>
+                        </a:spcAft>
+                      </a:pPr>
+                      <a:r>
+                        <a:rPr lang="en-US" sz="600" b="0" i="0" u="none" strike="noStrike" dirty="0">
+                          <a:solidFill>
+                            <a:srgbClr val="000000"/>
+                          </a:solidFill>
+                          <a:effectLst/>
+                          <a:latin typeface="Arial" panose="020B0604020202020204" pitchFamily="34" charset="0"/>
+                          <a:cs typeface="Arial" panose="020B0604020202020204" pitchFamily="34" charset="0"/>
+                        </a:rPr>
+                        <a:t>11</a:t>
+                      </a:r>
+                      <a:endParaRPr lang="en-US" sz="600" dirty="0">
+                        <a:solidFill>
+                          <a:srgbClr val="000000"/>
+                        </a:solidFill>
+                        <a:effectLst/>
+                        <a:latin typeface="Arial" panose="020B0604020202020204" pitchFamily="34" charset="0"/>
+                        <a:cs typeface="Arial" panose="020B0604020202020204" pitchFamily="34" charset="0"/>
+                      </a:endParaRPr>
+                    </a:p>
+                  </a:txBody>
+                  <a:tcPr marL="66675" marR="66675" marT="66675" marB="66675" anchor="ctr">
+                    <a:lnL w="12700" cmpd="sng">
+                      <a:noFill/>
+                    </a:lnL>
+                    <a:lnR w="12700" cmpd="sng">
+                      <a:noFill/>
+                    </a:lnR>
+                    <a:lnT w="12700" cmpd="sng">
+                      <a:noFill/>
+                    </a:lnT>
+                    <a:lnB w="12700" cmpd="sng">
+                      <a:noFill/>
+                    </a:lnB>
+                    <a:lnTlToBr w="12700" cmpd="sng">
+                      <a:noFill/>
+                      <a:prstDash val="solid"/>
+                    </a:lnTlToBr>
+                    <a:lnBlToTr w="12700" cmpd="sng">
+                      <a:noFill/>
+                      <a:prstDash val="solid"/>
+                    </a:lnBlToTr>
+                    <a:solidFill>
+                      <a:schemeClr val="accent3"/>
+                    </a:solidFill>
+                  </a:tcPr>
+                </a:tc>
+                <a:tc>
+                  <a:txBody>
+                    <a:bodyPr/>
+                    <a:lstStyle/>
+                    <a:p>
+                      <a:pPr algn="ctr" rtl="0" fontAlgn="ctr">
+                        <a:spcBef>
+                          <a:spcPts val="0"/>
+                        </a:spcBef>
+                        <a:spcAft>
+                          <a:spcPts val="0"/>
+                        </a:spcAft>
+                      </a:pPr>
+                      <a:r>
+                        <a:rPr lang="en-US" sz="600" b="0" i="0" u="none" strike="noStrike" dirty="0">
+                          <a:solidFill>
+                            <a:srgbClr val="000000"/>
+                          </a:solidFill>
+                          <a:effectLst/>
+                          <a:latin typeface="Arial" panose="020B0604020202020204" pitchFamily="34" charset="0"/>
+                          <a:cs typeface="Arial" panose="020B0604020202020204" pitchFamily="34" charset="0"/>
+                        </a:rPr>
+                        <a:t>11</a:t>
+                      </a:r>
+                      <a:endParaRPr lang="en-US" sz="600" dirty="0">
+                        <a:solidFill>
+                          <a:srgbClr val="000000"/>
+                        </a:solidFill>
+                        <a:effectLst/>
+                        <a:latin typeface="Arial" panose="020B0604020202020204" pitchFamily="34" charset="0"/>
+                        <a:cs typeface="Arial" panose="020B0604020202020204" pitchFamily="34" charset="0"/>
+                      </a:endParaRPr>
+                    </a:p>
+                  </a:txBody>
+                  <a:tcPr marL="66675" marR="66675" marT="66675" marB="66675" anchor="ctr">
+                    <a:lnL w="12700" cmpd="sng">
+                      <a:noFill/>
+                    </a:lnL>
+                    <a:lnR w="12700" cmpd="sng">
+                      <a:noFill/>
+                    </a:lnR>
+                    <a:lnT w="12700" cmpd="sng">
+                      <a:noFill/>
+                    </a:lnT>
+                    <a:lnB w="12700" cmpd="sng">
+                      <a:noFill/>
+                    </a:lnB>
+                    <a:lnTlToBr w="12700" cmpd="sng">
+                      <a:noFill/>
+                      <a:prstDash val="solid"/>
+                    </a:lnTlToBr>
+                    <a:lnBlToTr w="12700" cmpd="sng">
+                      <a:noFill/>
+                      <a:prstDash val="solid"/>
+                    </a:lnBlToTr>
+                    <a:solidFill>
+                      <a:schemeClr val="accent3"/>
+                    </a:solidFill>
+                  </a:tcPr>
+                </a:tc>
+                <a:tc>
+                  <a:txBody>
+                    <a:bodyPr/>
+                    <a:lstStyle/>
+                    <a:p>
+                      <a:pPr algn="ctr" rtl="0" fontAlgn="ctr">
+                        <a:spcBef>
+                          <a:spcPts val="0"/>
+                        </a:spcBef>
+                        <a:spcAft>
+                          <a:spcPts val="0"/>
+                        </a:spcAft>
+                      </a:pPr>
+                      <a:r>
+                        <a:rPr lang="en-US" sz="600" dirty="0">
+                          <a:solidFill>
+                            <a:srgbClr val="000000"/>
+                          </a:solidFill>
+                          <a:effectLst/>
+                          <a:latin typeface="Arial" panose="020B0604020202020204" pitchFamily="34" charset="0"/>
+                          <a:cs typeface="Arial" panose="020B0604020202020204" pitchFamily="34" charset="0"/>
+                        </a:rPr>
+                        <a:t>12</a:t>
+                      </a:r>
+                    </a:p>
+                  </a:txBody>
+                  <a:tcPr marL="66675" marR="66675" marT="66675" marB="66675" anchor="ctr">
+                    <a:lnL w="12700" cmpd="sng">
+                      <a:noFill/>
+                    </a:lnL>
+                    <a:lnR w="12700" cmpd="sng">
+                      <a:noFill/>
+                    </a:lnR>
+                    <a:lnT w="12700" cmpd="sng">
+                      <a:noFill/>
+                    </a:lnT>
+                    <a:lnB w="12700" cmpd="sng">
+                      <a:noFill/>
+                    </a:lnB>
+                    <a:lnTlToBr w="12700" cmpd="sng">
+                      <a:noFill/>
+                      <a:prstDash val="solid"/>
+                    </a:lnTlToBr>
+                    <a:lnBlToTr w="12700" cmpd="sng">
+                      <a:noFill/>
+                      <a:prstDash val="solid"/>
+                    </a:lnBlToTr>
+                    <a:solidFill>
+                      <a:schemeClr val="accent3"/>
+                    </a:solidFill>
+                  </a:tcPr>
+                </a:tc>
+                <a:tc>
+                  <a:txBody>
+                    <a:bodyPr/>
+                    <a:lstStyle/>
+                    <a:p>
+                      <a:pPr algn="ctr" rtl="0" fontAlgn="ctr">
+                        <a:spcBef>
+                          <a:spcPts val="0"/>
+                        </a:spcBef>
+                        <a:spcAft>
+                          <a:spcPts val="0"/>
+                        </a:spcAft>
+                      </a:pPr>
+                      <a:r>
+                        <a:rPr lang="en-US" sz="600" dirty="0">
+                          <a:solidFill>
+                            <a:srgbClr val="000000"/>
+                          </a:solidFill>
+                          <a:effectLst/>
+                          <a:latin typeface="Arial" panose="020B0604020202020204" pitchFamily="34" charset="0"/>
+                          <a:cs typeface="Arial" panose="020B0604020202020204" pitchFamily="34" charset="0"/>
+                        </a:rPr>
+                        <a:t>46</a:t>
+                      </a:r>
+                    </a:p>
+                  </a:txBody>
+                  <a:tcPr marL="66675" marR="66675" marT="66675" marB="66675" anchor="ctr">
+                    <a:lnL w="12700" cmpd="sng">
+                      <a:noFill/>
+                    </a:lnL>
+                    <a:lnR w="12700" cmpd="sng">
+                      <a:noFill/>
+                    </a:lnR>
+                    <a:lnT w="12700" cmpd="sng">
+                      <a:noFill/>
+                    </a:lnT>
+                    <a:lnB w="12700" cmpd="sng">
+                      <a:noFill/>
+                    </a:lnB>
+                    <a:lnTlToBr w="12700" cmpd="sng">
+                      <a:noFill/>
+                      <a:prstDash val="solid"/>
+                    </a:lnTlToBr>
+                    <a:lnBlToTr w="12700" cmpd="sng">
+                      <a:noFill/>
+                      <a:prstDash val="solid"/>
+                    </a:lnBlToTr>
+                    <a:solidFill>
+                      <a:schemeClr val="accent3"/>
+                    </a:solidFill>
+                  </a:tcPr>
+                </a:tc>
+                <a:tc>
+                  <a:txBody>
+                    <a:bodyPr/>
+                    <a:lstStyle/>
+                    <a:p>
+                      <a:pPr algn="ctr" rtl="0" fontAlgn="ctr">
+                        <a:spcBef>
+                          <a:spcPts val="0"/>
+                        </a:spcBef>
+                        <a:spcAft>
+                          <a:spcPts val="0"/>
+                        </a:spcAft>
+                      </a:pPr>
+                      <a:r>
+                        <a:rPr lang="en-US" sz="600" dirty="0">
+                          <a:solidFill>
+                            <a:srgbClr val="000000"/>
+                          </a:solidFill>
+                          <a:effectLst/>
+                          <a:latin typeface="Arial" panose="020B0604020202020204" pitchFamily="34" charset="0"/>
+                          <a:cs typeface="Arial" panose="020B0604020202020204" pitchFamily="34" charset="0"/>
+                        </a:rPr>
+                        <a:t>4</a:t>
+                      </a:r>
+                    </a:p>
+                  </a:txBody>
+                  <a:tcPr marL="66675" marR="66675" marT="66675" marB="66675" anchor="ctr">
+                    <a:lnL w="12700" cmpd="sng">
+                      <a:noFill/>
+                    </a:lnL>
+                    <a:lnR w="12700" cmpd="sng">
+                      <a:noFill/>
+                    </a:lnR>
+                    <a:lnT w="12700" cmpd="sng">
+                      <a:noFill/>
+                    </a:lnT>
+                    <a:lnB w="12700" cmpd="sng">
+                      <a:noFill/>
+                    </a:lnB>
+                    <a:lnTlToBr w="12700" cmpd="sng">
+                      <a:noFill/>
+                      <a:prstDash val="solid"/>
+                    </a:lnTlToBr>
+                    <a:lnBlToTr w="12700" cmpd="sng">
+                      <a:noFill/>
+                      <a:prstDash val="solid"/>
+                    </a:lnBlToTr>
+                    <a:solidFill>
+                      <a:schemeClr val="accent3"/>
+                    </a:solidFill>
+                  </a:tcPr>
+                </a:tc>
+                <a:extLst>
+                  <a:ext uri="{0D108BD9-81ED-4DB2-BD59-A6C34878D82A}">
+                    <a16:rowId xmlns:a16="http://schemas.microsoft.com/office/drawing/2014/main" val="3421719422"/>
+                  </a:ext>
+                </a:extLst>
+              </a:tr>
+              <a:tr h="270845">
+                <a:tc>
+                  <a:txBody>
+                    <a:bodyPr/>
+                    <a:lstStyle/>
+                    <a:p>
+                      <a:pPr algn="ctr" rtl="0" fontAlgn="ctr">
+                        <a:spcBef>
+                          <a:spcPts val="0"/>
+                        </a:spcBef>
+                        <a:spcAft>
+                          <a:spcPts val="0"/>
+                        </a:spcAft>
+                      </a:pPr>
+                      <a:r>
+                        <a:rPr lang="en-US" sz="500" b="1" i="0" u="none" strike="noStrike" dirty="0">
+                          <a:solidFill>
+                            <a:srgbClr val="000000"/>
+                          </a:solidFill>
+                          <a:effectLst/>
+                          <a:latin typeface="Arial" panose="020B0604020202020204" pitchFamily="34" charset="0"/>
+                        </a:rPr>
+                        <a:t>Validation RMSE</a:t>
+                      </a:r>
+                      <a:endParaRPr lang="en-US" sz="500" dirty="0">
+                        <a:effectLst/>
+                      </a:endParaRPr>
+                    </a:p>
+                  </a:txBody>
+                  <a:tcPr marL="66675" marR="66675" marT="66675" marB="66675" anchor="ctr">
+                    <a:lnL w="12700" cmpd="sng">
+                      <a:noFill/>
+                    </a:lnL>
+                    <a:lnR w="12700" cap="flat" cmpd="sng" algn="ctr">
+                      <a:solidFill>
+                        <a:srgbClr val="545454"/>
+                      </a:solidFill>
+                      <a:prstDash val="solid"/>
+                      <a:round/>
+                      <a:headEnd type="none" w="med" len="med"/>
+                      <a:tailEnd type="none" w="med" len="med"/>
+                    </a:lnR>
+                    <a:lnT w="12700" cmpd="sng">
+                      <a:noFill/>
+                    </a:lnT>
+                    <a:lnB w="12700" cmpd="sng">
+                      <a:noFill/>
+                    </a:lnB>
+                    <a:lnTlToBr w="12700" cmpd="sng">
+                      <a:noFill/>
+                      <a:prstDash val="solid"/>
+                    </a:lnTlToBr>
+                    <a:lnBlToTr w="12700" cmpd="sng">
+                      <a:noFill/>
+                      <a:prstDash val="solid"/>
+                    </a:lnBlToTr>
+                    <a:solidFill>
+                      <a:schemeClr val="accent3"/>
+                    </a:solidFill>
+                  </a:tcPr>
+                </a:tc>
+                <a:tc>
+                  <a:txBody>
+                    <a:bodyPr/>
+                    <a:lstStyle/>
+                    <a:p>
+                      <a:pPr algn="ctr" rtl="0" fontAlgn="ctr">
+                        <a:spcBef>
+                          <a:spcPts val="0"/>
+                        </a:spcBef>
+                        <a:spcAft>
+                          <a:spcPts val="0"/>
+                        </a:spcAft>
+                      </a:pPr>
+                      <a:r>
+                        <a:rPr lang="en-US" sz="600" b="0" i="0" u="none" strike="noStrike" dirty="0">
+                          <a:solidFill>
+                            <a:srgbClr val="000000"/>
+                          </a:solidFill>
+                          <a:effectLst/>
+                          <a:latin typeface="Arial" panose="020B0604020202020204" pitchFamily="34" charset="0"/>
+                        </a:rPr>
+                        <a:t>0.5440</a:t>
+                      </a:r>
+                      <a:endParaRPr lang="en-US" sz="600" dirty="0">
+                        <a:effectLst/>
+                      </a:endParaRPr>
+                    </a:p>
+                  </a:txBody>
+                  <a:tcPr marL="66675" marR="66675" marT="66675" marB="66675" anchor="ctr">
+                    <a:lnL w="12700" cap="flat" cmpd="sng" algn="ctr">
+                      <a:solidFill>
+                        <a:srgbClr val="545454"/>
+                      </a:solidFill>
+                      <a:prstDash val="solid"/>
+                      <a:round/>
+                      <a:headEnd type="none" w="med" len="med"/>
+                      <a:tailEnd type="none" w="med" len="med"/>
+                    </a:lnL>
+                    <a:lnR w="12700" cmpd="sng">
+                      <a:noFill/>
+                    </a:lnR>
+                    <a:lnT w="12700" cmpd="sng">
+                      <a:noFill/>
+                    </a:lnT>
+                    <a:lnB w="12700" cmpd="sng">
+                      <a:noFill/>
+                    </a:lnB>
+                    <a:lnTlToBr w="12700" cmpd="sng">
+                      <a:noFill/>
+                      <a:prstDash val="solid"/>
+                    </a:lnTlToBr>
+                    <a:lnBlToTr w="12700" cmpd="sng">
+                      <a:noFill/>
+                      <a:prstDash val="solid"/>
+                    </a:lnBlToTr>
+                    <a:solidFill>
+                      <a:schemeClr val="accent3"/>
+                    </a:solidFill>
+                  </a:tcPr>
+                </a:tc>
+                <a:tc>
+                  <a:txBody>
+                    <a:bodyPr/>
+                    <a:lstStyle/>
+                    <a:p>
+                      <a:pPr algn="ctr" rtl="0" fontAlgn="ctr">
+                        <a:spcBef>
+                          <a:spcPts val="0"/>
+                        </a:spcBef>
+                        <a:spcAft>
+                          <a:spcPts val="0"/>
+                        </a:spcAft>
+                      </a:pPr>
+                      <a:r>
+                        <a:rPr lang="en-US" sz="600" b="0" i="0" u="none" strike="noStrike" dirty="0">
+                          <a:solidFill>
+                            <a:srgbClr val="000000"/>
+                          </a:solidFill>
+                          <a:effectLst/>
+                          <a:latin typeface="Arial" panose="020B0604020202020204" pitchFamily="34" charset="0"/>
+                        </a:rPr>
+                        <a:t>0.5424</a:t>
+                      </a:r>
+                      <a:endParaRPr lang="en-US" sz="600" dirty="0">
+                        <a:effectLst/>
+                      </a:endParaRPr>
+                    </a:p>
+                  </a:txBody>
+                  <a:tcPr marL="66675" marR="66675" marT="66675" marB="66675" anchor="ctr">
+                    <a:lnL w="12700" cmpd="sng">
+                      <a:noFill/>
+                    </a:lnL>
+                    <a:lnR w="12700" cmpd="sng">
+                      <a:noFill/>
+                    </a:lnR>
+                    <a:lnT w="12700" cmpd="sng">
+                      <a:noFill/>
+                    </a:lnT>
+                    <a:lnB w="12700" cmpd="sng">
+                      <a:noFill/>
+                    </a:lnB>
+                    <a:lnTlToBr w="12700" cmpd="sng">
+                      <a:noFill/>
+                      <a:prstDash val="solid"/>
+                    </a:lnTlToBr>
+                    <a:lnBlToTr w="12700" cmpd="sng">
+                      <a:noFill/>
+                      <a:prstDash val="solid"/>
+                    </a:lnBlToTr>
+                    <a:solidFill>
+                      <a:schemeClr val="accent3"/>
+                    </a:solidFill>
+                  </a:tcPr>
+                </a:tc>
+                <a:tc>
+                  <a:txBody>
+                    <a:bodyPr/>
+                    <a:lstStyle/>
+                    <a:p>
+                      <a:pPr algn="ctr" rtl="0" fontAlgn="ctr">
+                        <a:spcBef>
+                          <a:spcPts val="0"/>
+                        </a:spcBef>
+                        <a:spcAft>
+                          <a:spcPts val="0"/>
+                        </a:spcAft>
+                      </a:pPr>
+                      <a:r>
+                        <a:rPr lang="en-US" sz="600" b="0" i="0" u="none" strike="noStrike" dirty="0">
+                          <a:solidFill>
+                            <a:srgbClr val="000000"/>
+                          </a:solidFill>
+                          <a:effectLst/>
+                          <a:latin typeface="Arial" panose="020B0604020202020204" pitchFamily="34" charset="0"/>
+                        </a:rPr>
+                        <a:t>2.0969</a:t>
+                      </a:r>
+                      <a:endParaRPr lang="en-US" sz="600" dirty="0">
+                        <a:effectLst/>
+                      </a:endParaRPr>
+                    </a:p>
+                  </a:txBody>
+                  <a:tcPr marL="66675" marR="66675" marT="66675" marB="66675" anchor="ctr">
+                    <a:lnL w="12700" cmpd="sng">
+                      <a:noFill/>
+                    </a:lnL>
+                    <a:lnR w="12700" cmpd="sng">
+                      <a:noFill/>
+                    </a:lnR>
+                    <a:lnT w="12700" cmpd="sng">
+                      <a:noFill/>
+                    </a:lnT>
+                    <a:lnB w="12700" cmpd="sng">
+                      <a:noFill/>
+                    </a:lnB>
+                    <a:lnTlToBr w="12700" cmpd="sng">
+                      <a:noFill/>
+                      <a:prstDash val="solid"/>
+                    </a:lnTlToBr>
+                    <a:lnBlToTr w="12700" cmpd="sng">
+                      <a:noFill/>
+                      <a:prstDash val="solid"/>
+                    </a:lnBlToTr>
+                    <a:solidFill>
+                      <a:schemeClr val="accent3"/>
+                    </a:solidFill>
+                  </a:tcPr>
+                </a:tc>
+                <a:tc>
+                  <a:txBody>
+                    <a:bodyPr/>
+                    <a:lstStyle/>
+                    <a:p>
+                      <a:pPr algn="ctr" rtl="0" fontAlgn="ctr">
+                        <a:spcBef>
+                          <a:spcPts val="0"/>
+                        </a:spcBef>
+                        <a:spcAft>
+                          <a:spcPts val="0"/>
+                        </a:spcAft>
+                      </a:pPr>
+                      <a:r>
+                        <a:rPr lang="en-US" sz="600" b="0" i="0" u="none" strike="noStrike" dirty="0">
+                          <a:solidFill>
+                            <a:srgbClr val="000000"/>
+                          </a:solidFill>
+                          <a:effectLst/>
+                          <a:latin typeface="Arial" panose="020B0604020202020204" pitchFamily="34" charset="0"/>
+                        </a:rPr>
+                        <a:t>1.8568</a:t>
+                      </a:r>
+                      <a:endParaRPr lang="en-US" sz="600" dirty="0">
+                        <a:effectLst/>
+                      </a:endParaRPr>
+                    </a:p>
+                  </a:txBody>
+                  <a:tcPr marL="66675" marR="66675" marT="66675" marB="66675" anchor="ctr">
+                    <a:lnL w="12700" cmpd="sng">
+                      <a:noFill/>
+                    </a:lnL>
+                    <a:lnR w="12700" cmpd="sng">
+                      <a:noFill/>
+                    </a:lnR>
+                    <a:lnT w="12700" cmpd="sng">
+                      <a:noFill/>
+                    </a:lnT>
+                    <a:lnB w="12700" cmpd="sng">
+                      <a:noFill/>
+                    </a:lnB>
+                    <a:lnTlToBr w="12700" cmpd="sng">
+                      <a:noFill/>
+                      <a:prstDash val="solid"/>
+                    </a:lnTlToBr>
+                    <a:lnBlToTr w="12700" cmpd="sng">
+                      <a:noFill/>
+                      <a:prstDash val="solid"/>
+                    </a:lnBlToTr>
+                    <a:solidFill>
+                      <a:schemeClr val="accent3"/>
+                    </a:solidFill>
+                  </a:tcPr>
+                </a:tc>
+                <a:tc>
+                  <a:txBody>
+                    <a:bodyPr/>
+                    <a:lstStyle/>
+                    <a:p>
+                      <a:pPr algn="ctr" rtl="0" fontAlgn="ctr">
+                        <a:spcBef>
+                          <a:spcPts val="0"/>
+                        </a:spcBef>
+                        <a:spcAft>
+                          <a:spcPts val="0"/>
+                        </a:spcAft>
+                      </a:pPr>
+                      <a:r>
+                        <a:rPr lang="en-US" sz="600" b="0" i="0" u="none" strike="noStrike" dirty="0">
+                          <a:solidFill>
+                            <a:srgbClr val="000000"/>
+                          </a:solidFill>
+                          <a:effectLst/>
+                          <a:latin typeface="Arial" panose="020B0604020202020204" pitchFamily="34" charset="0"/>
+                        </a:rPr>
+                        <a:t>0.5201</a:t>
+                      </a:r>
+                      <a:endParaRPr lang="en-US" sz="600" dirty="0">
+                        <a:effectLst/>
+                      </a:endParaRPr>
+                    </a:p>
+                  </a:txBody>
+                  <a:tcPr marL="66675" marR="66675" marT="66675" marB="66675" anchor="ctr">
+                    <a:lnL w="12700" cmpd="sng">
+                      <a:noFill/>
+                    </a:lnL>
+                    <a:lnR w="12700" cmpd="sng">
+                      <a:noFill/>
+                    </a:lnR>
+                    <a:lnT w="12700" cmpd="sng">
+                      <a:noFill/>
+                    </a:lnT>
+                    <a:lnB w="12700" cmpd="sng">
+                      <a:noFill/>
+                    </a:lnB>
+                    <a:lnTlToBr w="12700" cmpd="sng">
+                      <a:noFill/>
+                      <a:prstDash val="solid"/>
+                    </a:lnTlToBr>
+                    <a:lnBlToTr w="12700" cmpd="sng">
+                      <a:noFill/>
+                      <a:prstDash val="solid"/>
+                    </a:lnBlToTr>
+                    <a:solidFill>
+                      <a:schemeClr val="accent3"/>
+                    </a:solidFill>
+                  </a:tcPr>
+                </a:tc>
+                <a:tc>
+                  <a:txBody>
+                    <a:bodyPr/>
+                    <a:lstStyle/>
+                    <a:p>
+                      <a:pPr algn="ctr" rtl="0" fontAlgn="ctr">
+                        <a:spcBef>
+                          <a:spcPts val="0"/>
+                        </a:spcBef>
+                        <a:spcAft>
+                          <a:spcPts val="0"/>
+                        </a:spcAft>
+                      </a:pPr>
+                      <a:r>
+                        <a:rPr lang="en-US" sz="600" b="0" i="0" u="none" strike="noStrike" dirty="0">
+                          <a:solidFill>
+                            <a:srgbClr val="000000"/>
+                          </a:solidFill>
+                          <a:effectLst/>
+                          <a:latin typeface="Arial" panose="020B0604020202020204" pitchFamily="34" charset="0"/>
+                        </a:rPr>
+                        <a:t>2.1423</a:t>
+                      </a:r>
+                      <a:endParaRPr lang="en-US" sz="600" dirty="0">
+                        <a:effectLst/>
+                      </a:endParaRPr>
+                    </a:p>
+                  </a:txBody>
+                  <a:tcPr marL="66675" marR="66675" marT="66675" marB="66675" anchor="ctr">
+                    <a:lnL w="12700" cmpd="sng">
+                      <a:noFill/>
+                    </a:lnL>
+                    <a:lnR w="12700" cmpd="sng">
+                      <a:noFill/>
+                    </a:lnR>
+                    <a:lnT w="12700" cmpd="sng">
+                      <a:noFill/>
+                    </a:lnT>
+                    <a:lnB w="12700" cmpd="sng">
+                      <a:noFill/>
+                    </a:lnB>
+                    <a:lnTlToBr w="12700" cmpd="sng">
+                      <a:noFill/>
+                      <a:prstDash val="solid"/>
+                    </a:lnTlToBr>
+                    <a:lnBlToTr w="12700" cmpd="sng">
+                      <a:noFill/>
+                      <a:prstDash val="solid"/>
+                    </a:lnBlToTr>
+                    <a:solidFill>
+                      <a:schemeClr val="accent3"/>
+                    </a:solidFill>
+                  </a:tcPr>
+                </a:tc>
+                <a:extLst>
+                  <a:ext uri="{0D108BD9-81ED-4DB2-BD59-A6C34878D82A}">
+                    <a16:rowId xmlns:a16="http://schemas.microsoft.com/office/drawing/2014/main" val="4293330717"/>
+                  </a:ext>
+                </a:extLst>
+              </a:tr>
+              <a:tr h="270845">
+                <a:tc>
+                  <a:txBody>
+                    <a:bodyPr/>
+                    <a:lstStyle/>
+                    <a:p>
+                      <a:pPr algn="ctr" rtl="0" fontAlgn="ctr">
+                        <a:spcBef>
+                          <a:spcPts val="0"/>
+                        </a:spcBef>
+                        <a:spcAft>
+                          <a:spcPts val="0"/>
+                        </a:spcAft>
+                      </a:pPr>
+                      <a:r>
+                        <a:rPr lang="en-US" sz="500" b="1" i="0" u="none" strike="noStrike" dirty="0">
+                          <a:solidFill>
+                            <a:srgbClr val="000000"/>
+                          </a:solidFill>
+                          <a:effectLst/>
+                          <a:latin typeface="Arial" panose="020B0604020202020204" pitchFamily="34" charset="0"/>
+                        </a:rPr>
+                        <a:t>Test RMSE</a:t>
+                      </a:r>
+                      <a:endParaRPr lang="en-US" sz="500" dirty="0">
+                        <a:effectLst/>
+                      </a:endParaRPr>
+                    </a:p>
+                  </a:txBody>
+                  <a:tcPr marL="66675" marR="66675" marT="66675" marB="66675" anchor="ctr">
+                    <a:lnL w="12700" cmpd="sng">
+                      <a:noFill/>
+                    </a:lnL>
+                    <a:lnR w="12700" cap="flat" cmpd="sng" algn="ctr">
+                      <a:solidFill>
+                        <a:srgbClr val="545454"/>
+                      </a:solidFill>
+                      <a:prstDash val="solid"/>
+                      <a:round/>
+                      <a:headEnd type="none" w="med" len="med"/>
+                      <a:tailEnd type="none" w="med" len="med"/>
+                    </a:lnR>
+                    <a:lnT w="12700" cmpd="sng">
+                      <a:noFill/>
+                    </a:lnT>
+                    <a:lnB w="12700" cap="flat" cmpd="sng" algn="ctr">
+                      <a:solidFill>
+                        <a:srgbClr val="545454"/>
+                      </a:solidFill>
+                      <a:prstDash val="solid"/>
+                      <a:round/>
+                      <a:headEnd type="none" w="med" len="med"/>
+                      <a:tailEnd type="none" w="med" len="med"/>
+                    </a:lnB>
+                    <a:lnTlToBr w="12700" cmpd="sng">
+                      <a:noFill/>
+                      <a:prstDash val="solid"/>
+                    </a:lnTlToBr>
+                    <a:lnBlToTr w="12700" cmpd="sng">
+                      <a:noFill/>
+                      <a:prstDash val="solid"/>
+                    </a:lnBlToTr>
+                    <a:solidFill>
+                      <a:schemeClr val="accent3"/>
+                    </a:solidFill>
+                  </a:tcPr>
+                </a:tc>
+                <a:tc>
+                  <a:txBody>
+                    <a:bodyPr/>
+                    <a:lstStyle/>
+                    <a:p>
+                      <a:pPr algn="ctr" rtl="0" fontAlgn="ctr">
+                        <a:spcBef>
+                          <a:spcPts val="0"/>
+                        </a:spcBef>
+                        <a:spcAft>
+                          <a:spcPts val="0"/>
+                        </a:spcAft>
+                      </a:pPr>
+                      <a:r>
+                        <a:rPr lang="en-US" sz="600" b="0" i="0" u="none" strike="noStrike" dirty="0">
+                          <a:solidFill>
+                            <a:srgbClr val="000000"/>
+                          </a:solidFill>
+                          <a:effectLst/>
+                          <a:latin typeface="Arial" panose="020B0604020202020204" pitchFamily="34" charset="0"/>
+                        </a:rPr>
+                        <a:t>0.5378</a:t>
+                      </a:r>
+                      <a:endParaRPr lang="en-US" sz="600" dirty="0">
+                        <a:effectLst/>
+                      </a:endParaRPr>
+                    </a:p>
+                  </a:txBody>
+                  <a:tcPr marL="66675" marR="66675" marT="66675" marB="66675" anchor="ctr">
+                    <a:lnL w="12700" cap="flat" cmpd="sng" algn="ctr">
+                      <a:solidFill>
+                        <a:srgbClr val="545454"/>
+                      </a:solidFill>
+                      <a:prstDash val="solid"/>
+                      <a:round/>
+                      <a:headEnd type="none" w="med" len="med"/>
+                      <a:tailEnd type="none" w="med" len="med"/>
+                    </a:lnL>
+                    <a:lnR w="12700" cmpd="sng">
+                      <a:noFill/>
+                    </a:lnR>
+                    <a:lnT w="12700" cmpd="sng">
+                      <a:noFill/>
+                    </a:lnT>
+                    <a:lnB w="12700" cap="flat" cmpd="sng" algn="ctr">
+                      <a:solidFill>
+                        <a:srgbClr val="545454"/>
+                      </a:solidFill>
+                      <a:prstDash val="solid"/>
+                      <a:round/>
+                      <a:headEnd type="none" w="med" len="med"/>
+                      <a:tailEnd type="none" w="med" len="med"/>
+                    </a:lnB>
+                    <a:lnTlToBr w="12700" cmpd="sng">
+                      <a:noFill/>
+                      <a:prstDash val="solid"/>
+                    </a:lnTlToBr>
+                    <a:lnBlToTr w="12700" cmpd="sng">
+                      <a:noFill/>
+                      <a:prstDash val="solid"/>
+                    </a:lnBlToTr>
+                    <a:solidFill>
+                      <a:schemeClr val="accent3"/>
+                    </a:solidFill>
+                  </a:tcPr>
+                </a:tc>
+                <a:tc>
+                  <a:txBody>
+                    <a:bodyPr/>
+                    <a:lstStyle/>
+                    <a:p>
+                      <a:pPr algn="ctr" rtl="0" fontAlgn="ctr">
+                        <a:spcBef>
+                          <a:spcPts val="0"/>
+                        </a:spcBef>
+                        <a:spcAft>
+                          <a:spcPts val="0"/>
+                        </a:spcAft>
+                      </a:pPr>
+                      <a:r>
+                        <a:rPr lang="en-US" sz="600" b="0" i="0" u="none" strike="noStrike" dirty="0">
+                          <a:solidFill>
+                            <a:srgbClr val="000000"/>
+                          </a:solidFill>
+                          <a:effectLst/>
+                          <a:latin typeface="Arial" panose="020B0604020202020204" pitchFamily="34" charset="0"/>
+                        </a:rPr>
+                        <a:t>0.5390</a:t>
+                      </a:r>
+                      <a:endParaRPr lang="en-US" sz="600" dirty="0">
+                        <a:effectLst/>
+                      </a:endParaRPr>
+                    </a:p>
+                  </a:txBody>
+                  <a:tcPr marL="66675" marR="66675" marT="66675" marB="66675" anchor="ctr">
+                    <a:lnL w="12700" cmpd="sng">
+                      <a:noFill/>
+                    </a:lnL>
+                    <a:lnR w="12700" cmpd="sng">
+                      <a:noFill/>
+                    </a:lnR>
+                    <a:lnT w="12700" cmpd="sng">
+                      <a:noFill/>
+                    </a:lnT>
+                    <a:lnB w="12700" cap="flat" cmpd="sng" algn="ctr">
+                      <a:solidFill>
+                        <a:srgbClr val="545454"/>
+                      </a:solidFill>
+                      <a:prstDash val="solid"/>
+                      <a:round/>
+                      <a:headEnd type="none" w="med" len="med"/>
+                      <a:tailEnd type="none" w="med" len="med"/>
+                    </a:lnB>
+                    <a:lnTlToBr w="12700" cmpd="sng">
+                      <a:noFill/>
+                      <a:prstDash val="solid"/>
+                    </a:lnTlToBr>
+                    <a:lnBlToTr w="12700" cmpd="sng">
+                      <a:noFill/>
+                      <a:prstDash val="solid"/>
+                    </a:lnBlToTr>
+                    <a:solidFill>
+                      <a:schemeClr val="accent3"/>
+                    </a:solidFill>
+                  </a:tcPr>
+                </a:tc>
+                <a:tc>
+                  <a:txBody>
+                    <a:bodyPr/>
+                    <a:lstStyle/>
+                    <a:p>
+                      <a:pPr algn="ctr" rtl="0" fontAlgn="ctr">
+                        <a:spcBef>
+                          <a:spcPts val="0"/>
+                        </a:spcBef>
+                        <a:spcAft>
+                          <a:spcPts val="0"/>
+                        </a:spcAft>
+                      </a:pPr>
+                      <a:r>
+                        <a:rPr lang="en-US" sz="600" b="0" i="0" u="none" strike="noStrike" dirty="0">
+                          <a:solidFill>
+                            <a:srgbClr val="000000"/>
+                          </a:solidFill>
+                          <a:effectLst/>
+                          <a:latin typeface="Arial" panose="020B0604020202020204" pitchFamily="34" charset="0"/>
+                        </a:rPr>
+                        <a:t>2.1046</a:t>
+                      </a:r>
+                      <a:endParaRPr lang="en-US" sz="600" dirty="0">
+                        <a:effectLst/>
+                      </a:endParaRPr>
+                    </a:p>
+                  </a:txBody>
+                  <a:tcPr marL="66675" marR="66675" marT="66675" marB="66675" anchor="ctr">
+                    <a:lnL w="12700" cmpd="sng">
+                      <a:noFill/>
+                    </a:lnL>
+                    <a:lnR w="12700" cmpd="sng">
+                      <a:noFill/>
+                    </a:lnR>
+                    <a:lnT w="12700" cmpd="sng">
+                      <a:noFill/>
+                    </a:lnT>
+                    <a:lnB w="12700" cap="flat" cmpd="sng" algn="ctr">
+                      <a:solidFill>
+                        <a:srgbClr val="545454"/>
+                      </a:solidFill>
+                      <a:prstDash val="solid"/>
+                      <a:round/>
+                      <a:headEnd type="none" w="med" len="med"/>
+                      <a:tailEnd type="none" w="med" len="med"/>
+                    </a:lnB>
+                    <a:lnTlToBr w="12700" cmpd="sng">
+                      <a:noFill/>
+                      <a:prstDash val="solid"/>
+                    </a:lnTlToBr>
+                    <a:lnBlToTr w="12700" cmpd="sng">
+                      <a:noFill/>
+                      <a:prstDash val="solid"/>
+                    </a:lnBlToTr>
+                    <a:solidFill>
+                      <a:schemeClr val="accent3"/>
+                    </a:solidFill>
+                  </a:tcPr>
+                </a:tc>
+                <a:tc>
+                  <a:txBody>
+                    <a:bodyPr/>
+                    <a:lstStyle/>
+                    <a:p>
+                      <a:pPr algn="ctr" rtl="0" fontAlgn="ctr">
+                        <a:spcBef>
+                          <a:spcPts val="0"/>
+                        </a:spcBef>
+                        <a:spcAft>
+                          <a:spcPts val="0"/>
+                        </a:spcAft>
+                      </a:pPr>
+                      <a:r>
+                        <a:rPr lang="en-US" sz="600" b="0" i="0" u="none" strike="noStrike" dirty="0">
+                          <a:solidFill>
+                            <a:srgbClr val="000000"/>
+                          </a:solidFill>
+                          <a:effectLst/>
+                          <a:latin typeface="Arial" panose="020B0604020202020204" pitchFamily="34" charset="0"/>
+                        </a:rPr>
+                        <a:t>1.8581</a:t>
+                      </a:r>
+                      <a:endParaRPr lang="en-US" sz="600" dirty="0">
+                        <a:effectLst/>
+                      </a:endParaRPr>
+                    </a:p>
+                  </a:txBody>
+                  <a:tcPr marL="66675" marR="66675" marT="66675" marB="66675" anchor="ctr">
+                    <a:lnL w="12700" cmpd="sng">
+                      <a:noFill/>
+                    </a:lnL>
+                    <a:lnR w="12700" cmpd="sng">
+                      <a:noFill/>
+                    </a:lnR>
+                    <a:lnT w="12700" cmpd="sng">
+                      <a:noFill/>
+                    </a:lnT>
+                    <a:lnB w="12700" cap="flat" cmpd="sng" algn="ctr">
+                      <a:solidFill>
+                        <a:srgbClr val="545454"/>
+                      </a:solidFill>
+                      <a:prstDash val="solid"/>
+                      <a:round/>
+                      <a:headEnd type="none" w="med" len="med"/>
+                      <a:tailEnd type="none" w="med" len="med"/>
+                    </a:lnB>
+                    <a:lnTlToBr w="12700" cmpd="sng">
+                      <a:noFill/>
+                      <a:prstDash val="solid"/>
+                    </a:lnTlToBr>
+                    <a:lnBlToTr w="12700" cmpd="sng">
+                      <a:noFill/>
+                      <a:prstDash val="solid"/>
+                    </a:lnBlToTr>
+                    <a:solidFill>
+                      <a:schemeClr val="accent3"/>
+                    </a:solidFill>
+                  </a:tcPr>
+                </a:tc>
+                <a:tc>
+                  <a:txBody>
+                    <a:bodyPr/>
+                    <a:lstStyle/>
+                    <a:p>
+                      <a:pPr algn="ctr" rtl="0" fontAlgn="ctr">
+                        <a:spcBef>
+                          <a:spcPts val="0"/>
+                        </a:spcBef>
+                        <a:spcAft>
+                          <a:spcPts val="0"/>
+                        </a:spcAft>
+                      </a:pPr>
+                      <a:r>
+                        <a:rPr lang="en-US" sz="600" b="0" i="0" u="none" strike="noStrike" dirty="0">
+                          <a:solidFill>
+                            <a:srgbClr val="000000"/>
+                          </a:solidFill>
+                          <a:effectLst/>
+                          <a:latin typeface="Arial" panose="020B0604020202020204" pitchFamily="34" charset="0"/>
+                        </a:rPr>
+                        <a:t>1.3717</a:t>
+                      </a:r>
+                      <a:endParaRPr lang="en-US" sz="600" dirty="0">
+                        <a:effectLst/>
+                      </a:endParaRPr>
+                    </a:p>
+                  </a:txBody>
+                  <a:tcPr marL="66675" marR="66675" marT="66675" marB="66675" anchor="ctr">
+                    <a:lnL w="12700" cmpd="sng">
+                      <a:noFill/>
+                    </a:lnL>
+                    <a:lnR w="12700" cmpd="sng">
+                      <a:noFill/>
+                    </a:lnR>
+                    <a:lnT w="12700" cmpd="sng">
+                      <a:noFill/>
+                    </a:lnT>
+                    <a:lnB w="12700" cap="flat" cmpd="sng" algn="ctr">
+                      <a:solidFill>
+                        <a:srgbClr val="545454"/>
+                      </a:solidFill>
+                      <a:prstDash val="solid"/>
+                      <a:round/>
+                      <a:headEnd type="none" w="med" len="med"/>
+                      <a:tailEnd type="none" w="med" len="med"/>
+                    </a:lnB>
+                    <a:lnTlToBr w="12700" cmpd="sng">
+                      <a:noFill/>
+                      <a:prstDash val="solid"/>
+                    </a:lnTlToBr>
+                    <a:lnBlToTr w="12700" cmpd="sng">
+                      <a:noFill/>
+                      <a:prstDash val="solid"/>
+                    </a:lnBlToTr>
+                    <a:solidFill>
+                      <a:schemeClr val="accent3"/>
+                    </a:solidFill>
+                  </a:tcPr>
+                </a:tc>
+                <a:tc>
+                  <a:txBody>
+                    <a:bodyPr/>
+                    <a:lstStyle/>
+                    <a:p>
+                      <a:pPr algn="ctr" rtl="0" fontAlgn="ctr">
+                        <a:spcBef>
+                          <a:spcPts val="0"/>
+                        </a:spcBef>
+                        <a:spcAft>
+                          <a:spcPts val="0"/>
+                        </a:spcAft>
+                      </a:pPr>
+                      <a:r>
+                        <a:rPr lang="en-US" sz="600" b="0" i="0" u="none" strike="noStrike" dirty="0">
+                          <a:solidFill>
+                            <a:srgbClr val="000000"/>
+                          </a:solidFill>
+                          <a:effectLst/>
+                          <a:latin typeface="Arial" panose="020B0604020202020204" pitchFamily="34" charset="0"/>
+                        </a:rPr>
+                        <a:t>2.8914</a:t>
+                      </a:r>
+                      <a:endParaRPr lang="en-US" sz="600" dirty="0">
+                        <a:effectLst/>
+                      </a:endParaRPr>
+                    </a:p>
+                  </a:txBody>
+                  <a:tcPr marL="66675" marR="66675" marT="66675" marB="66675" anchor="ctr">
+                    <a:lnL w="12700" cmpd="sng">
+                      <a:noFill/>
+                    </a:lnL>
+                    <a:lnR w="12700" cmpd="sng">
+                      <a:noFill/>
+                    </a:lnR>
+                    <a:lnT w="12700" cmpd="sng">
+                      <a:noFill/>
+                    </a:lnT>
+                    <a:lnB w="12700" cap="flat" cmpd="sng" algn="ctr">
+                      <a:solidFill>
+                        <a:srgbClr val="545454"/>
+                      </a:solidFill>
+                      <a:prstDash val="solid"/>
+                      <a:round/>
+                      <a:headEnd type="none" w="med" len="med"/>
+                      <a:tailEnd type="none" w="med" len="med"/>
+                    </a:lnB>
+                    <a:lnTlToBr w="12700" cmpd="sng">
+                      <a:noFill/>
+                      <a:prstDash val="solid"/>
+                    </a:lnTlToBr>
+                    <a:lnBlToTr w="12700" cmpd="sng">
+                      <a:noFill/>
+                      <a:prstDash val="solid"/>
+                    </a:lnBlToTr>
+                    <a:solidFill>
+                      <a:schemeClr val="accent3"/>
+                    </a:solidFill>
+                  </a:tcPr>
+                </a:tc>
+                <a:extLst>
+                  <a:ext uri="{0D108BD9-81ED-4DB2-BD59-A6C34878D82A}">
+                    <a16:rowId xmlns:a16="http://schemas.microsoft.com/office/drawing/2014/main" val="50052697"/>
+                  </a:ext>
+                </a:extLst>
+              </a:tr>
+            </a:tbl>
+          </a:graphicData>
+        </a:graphic>
+      </p:graphicFrame>
+      <p:sp>
+        <p:nvSpPr>
+          <p:cNvPr id="89" name="Title 1">
+            <a:extLst>
+              <a:ext uri="{FF2B5EF4-FFF2-40B4-BE49-F238E27FC236}">
+                <a16:creationId xmlns:a16="http://schemas.microsoft.com/office/drawing/2014/main" id="{7462060E-77CF-4475-B73D-BF5423119C7A}"/>
+              </a:ext>
+            </a:extLst>
+          </p:cNvPr>
+          <p:cNvSpPr txBox="1">
+            <a:spLocks/>
+          </p:cNvSpPr>
+          <p:nvPr/>
+        </p:nvSpPr>
+        <p:spPr>
+          <a:xfrm>
+            <a:off x="6163562" y="5283560"/>
+            <a:ext cx="2706286" cy="565724"/>
+          </a:xfrm>
+          <a:prstGeom prst="rect">
+            <a:avLst/>
+          </a:prstGeom>
+        </p:spPr>
+        <p:txBody>
+          <a:bodyPr anchor="t"/>
+          <a:lstStyle>
+            <a:lvl1pPr algn="l" defTabSz="342900" rtl="0" eaLnBrk="1" latinLnBrk="0" hangingPunct="1">
+              <a:spcBef>
+                <a:spcPct val="0"/>
+              </a:spcBef>
+              <a:buNone/>
+              <a:defRPr sz="3750" b="1" i="0" kern="1200">
+                <a:solidFill>
+                  <a:schemeClr val="tx2"/>
+                </a:solidFill>
+                <a:latin typeface="Encode Sans Normal Black" charset="0"/>
+                <a:ea typeface="Encode Sans Normal Black" charset="0"/>
+                <a:cs typeface="Encode Sans Normal Black" charset="0"/>
+              </a:defRPr>
+            </a:lvl1pPr>
+          </a:lstStyle>
+          <a:p>
+            <a:pPr marL="228600" indent="-228600" algn="just">
+              <a:buFont typeface="+mj-lt"/>
+              <a:buAutoNum type="arabicPeriod"/>
+            </a:pPr>
+            <a:r>
+              <a:rPr lang="en-US" sz="700" b="0" dirty="0">
+                <a:solidFill>
+                  <a:srgbClr val="545454"/>
+                </a:solidFill>
+                <a:latin typeface="Arial" panose="020B0604020202020204" pitchFamily="34" charset="0"/>
+                <a:cs typeface="Arial" panose="020B0604020202020204" pitchFamily="34" charset="0"/>
+              </a:rPr>
+              <a:t>Describe cathode input with physically meaningful features (ex: tortuosity, porosity, conductivity)</a:t>
+            </a:r>
+          </a:p>
+          <a:p>
+            <a:pPr marL="228600" indent="-228600" algn="just">
+              <a:buFont typeface="+mj-lt"/>
+              <a:buAutoNum type="arabicPeriod"/>
+            </a:pPr>
+            <a:r>
+              <a:rPr lang="en-US" sz="700" b="0" dirty="0">
+                <a:solidFill>
+                  <a:srgbClr val="545454"/>
+                </a:solidFill>
+                <a:latin typeface="Arial" panose="020B0604020202020204" pitchFamily="34" charset="0"/>
+                <a:cs typeface="Arial" panose="020B0604020202020204" pitchFamily="34" charset="0"/>
+              </a:rPr>
+              <a:t>Predict battery mechanisms for different systems</a:t>
+            </a:r>
+          </a:p>
+          <a:p>
+            <a:pPr marL="228600" indent="-228600" algn="just">
+              <a:buFont typeface="+mj-lt"/>
+              <a:buAutoNum type="arabicPeriod"/>
+            </a:pPr>
+            <a:r>
+              <a:rPr lang="en-US" sz="700" b="0" dirty="0">
+                <a:solidFill>
+                  <a:srgbClr val="545454"/>
+                </a:solidFill>
+                <a:latin typeface="Arial" panose="020B0604020202020204" pitchFamily="34" charset="0"/>
+                <a:cs typeface="Arial" panose="020B0604020202020204" pitchFamily="34" charset="0"/>
+              </a:rPr>
+              <a:t>User uploads their own data </a:t>
+            </a:r>
+          </a:p>
+        </p:txBody>
+      </p:sp>
+      <p:sp>
+        <p:nvSpPr>
+          <p:cNvPr id="90" name="Title 1">
+            <a:extLst>
+              <a:ext uri="{FF2B5EF4-FFF2-40B4-BE49-F238E27FC236}">
+                <a16:creationId xmlns:a16="http://schemas.microsoft.com/office/drawing/2014/main" id="{2649412D-75AB-4370-89ED-A8BACD95A6BC}"/>
+              </a:ext>
+            </a:extLst>
+          </p:cNvPr>
+          <p:cNvSpPr txBox="1">
+            <a:spLocks/>
+          </p:cNvSpPr>
+          <p:nvPr/>
+        </p:nvSpPr>
+        <p:spPr>
+          <a:xfrm>
+            <a:off x="6142360" y="5119089"/>
+            <a:ext cx="2670437" cy="201124"/>
+          </a:xfrm>
+          <a:prstGeom prst="rect">
+            <a:avLst/>
+          </a:prstGeom>
+        </p:spPr>
+        <p:txBody>
+          <a:bodyPr anchor="t"/>
+          <a:lstStyle>
+            <a:lvl1pPr algn="l" defTabSz="342900" rtl="0" eaLnBrk="1" latinLnBrk="0" hangingPunct="1">
+              <a:spcBef>
+                <a:spcPct val="0"/>
+              </a:spcBef>
+              <a:buNone/>
+              <a:defRPr sz="3750" b="1" i="0" kern="1200">
+                <a:solidFill>
+                  <a:schemeClr val="tx2"/>
+                </a:solidFill>
+                <a:latin typeface="Encode Sans Normal Black" charset="0"/>
+                <a:ea typeface="Encode Sans Normal Black" charset="0"/>
+                <a:cs typeface="Encode Sans Normal Black" charset="0"/>
+              </a:defRPr>
+            </a:lvl1pPr>
+          </a:lstStyle>
+          <a:p>
+            <a:pPr algn="just"/>
+            <a:r>
+              <a:rPr lang="en-US" sz="850" dirty="0">
+                <a:solidFill>
+                  <a:srgbClr val="4B2E84"/>
+                </a:solidFill>
+                <a:latin typeface="Arial" panose="020B0604020202020204" pitchFamily="34" charset="0"/>
+                <a:cs typeface="Arial" panose="020B0604020202020204" pitchFamily="34" charset="0"/>
+              </a:rPr>
+              <a:t>Future Implementations</a:t>
             </a:r>
           </a:p>
         </p:txBody>

--- a/doc/SELEC_Poster.pptx
+++ b/doc/SELEC_Poster.pptx
@@ -10,10 +10,7 @@
     <p:sldMasterId id="2147483700" r:id="rId6"/>
   </p:sldMasterIdLst>
   <p:sldIdLst>
-    <p:sldId id="257" r:id="rId7"/>
-    <p:sldId id="258" r:id="rId8"/>
-    <p:sldId id="259" r:id="rId9"/>
-    <p:sldId id="260" r:id="rId10"/>
+    <p:sldId id="260" r:id="rId7"/>
   </p:sldIdLst>
   <p:sldSz cx="9144000" cy="6858000" type="screen4x3"/>
   <p:notesSz cx="6858000" cy="9144000"/>
@@ -124,28 +121,6 @@
 <p188:authorLst xmlns:a="http://schemas.openxmlformats.org/drawingml/2006/main" xmlns:r="http://schemas.openxmlformats.org/officeDocument/2006/relationships" xmlns:p188="http://schemas.microsoft.com/office/powerpoint/2018/8/main">
   <p188:author id="{4BD27356-B558-249B-7465-34B869C51AFE}" name="roselee3" initials="r" userId="roselee3" providerId="None"/>
 </p188:authorLst>
-</file>
-
-<file path=ppt/comments/modernComment_102_78200534.xml><?xml version="1.0" encoding="utf-8"?>
-<p188:cmLst xmlns:a="http://schemas.openxmlformats.org/drawingml/2006/main" xmlns:r="http://schemas.openxmlformats.org/officeDocument/2006/relationships" xmlns:p188="http://schemas.microsoft.com/office/powerpoint/2018/8/main">
-  <p188:cm id="{EEFCBA25-51D1-43BA-A93C-6D71991C52C6}" authorId="{4BD27356-B558-249B-7465-34B869C51AFE}" created="2022-03-11T23:48:18.423">
-    <ac:deMkLst xmlns:ac="http://schemas.microsoft.com/office/drawing/2013/main/command">
-      <pc:docMk xmlns:pc="http://schemas.microsoft.com/office/powerpoint/2013/main/command"/>
-      <pc:sldMk xmlns:pc="http://schemas.microsoft.com/office/powerpoint/2013/main/command" cId="2015364404" sldId="258"/>
-      <ac:picMk id="4" creationId="{3D1CB8D8-0351-4A8D-8892-895765B77071}"/>
-    </ac:deMkLst>
-    <p188:txBody>
-      <a:bodyPr/>
-      <a:lstStyle/>
-      <a:p>
-        <a:r>
-          <a:rPr lang="en-US"/>
-          <a:t>the transparent edit is not that high quality</a:t>
-        </a:r>
-      </a:p>
-    </p188:txBody>
-  </p188:cm>
-</p188:cmLst>
 </file>
 
 <file path=ppt/comments/modernComment_104_F5B474A0.xml><?xml version="1.0" encoding="utf-8"?>
@@ -829,164 +804,6 @@
 </file>
 
 <file path=ppt/slideLayouts/slideLayout13.xml><?xml version="1.0" encoding="utf-8"?>
-<p:sldLayout xmlns:a="http://schemas.openxmlformats.org/drawingml/2006/main" xmlns:r="http://schemas.openxmlformats.org/officeDocument/2006/relationships" xmlns:p="http://schemas.openxmlformats.org/presentationml/2006/main" userDrawn="1">
-  <p:cSld name="3_Title Slide">
-    <p:spTree>
-      <p:nvGrpSpPr>
-        <p:cNvPr id="1" name=""/>
-        <p:cNvGrpSpPr/>
-        <p:nvPr/>
-      </p:nvGrpSpPr>
-      <p:grpSpPr>
-        <a:xfrm>
-          <a:off x="0" y="0"/>
-          <a:ext cx="0" cy="0"/>
-          <a:chOff x="0" y="0"/>
-          <a:chExt cx="0" cy="0"/>
-        </a:xfrm>
-      </p:grpSpPr>
-      <p:sp>
-        <p:nvSpPr>
-          <p:cNvPr id="13" name="Rectangle 12">
-            <a:extLst>
-              <a:ext uri="{FF2B5EF4-FFF2-40B4-BE49-F238E27FC236}">
-                <a16:creationId xmlns:a16="http://schemas.microsoft.com/office/drawing/2014/main" id="{7F65A28A-ACEF-4800-A31C-86A80A46684F}"/>
-              </a:ext>
-            </a:extLst>
-          </p:cNvPr>
-          <p:cNvSpPr/>
-          <p:nvPr/>
-        </p:nvSpPr>
-        <p:spPr>
-          <a:xfrm>
-            <a:off x="8735208" y="6549930"/>
-            <a:ext cx="408791" cy="297312"/>
-          </a:xfrm>
-          <a:prstGeom prst="rect">
-            <a:avLst/>
-          </a:prstGeom>
-          <a:solidFill>
-            <a:schemeClr val="tx1"/>
-          </a:solidFill>
-          <a:ln>
-            <a:noFill/>
-          </a:ln>
-          <a:effectLst/>
-        </p:spPr>
-        <p:style>
-          <a:lnRef idx="1">
-            <a:schemeClr val="accent1"/>
-          </a:lnRef>
-          <a:fillRef idx="3">
-            <a:schemeClr val="accent1"/>
-          </a:fillRef>
-          <a:effectRef idx="2">
-            <a:schemeClr val="accent1"/>
-          </a:effectRef>
-          <a:fontRef idx="minor">
-            <a:schemeClr val="lt1"/>
-          </a:fontRef>
-        </p:style>
-        <p:txBody>
-          <a:bodyPr rtlCol="0" anchor="ctr"/>
-          <a:lstStyle/>
-          <a:p>
-            <a:pPr algn="ctr"/>
-            <a:endParaRPr lang="en-US"/>
-          </a:p>
-        </p:txBody>
-      </p:sp>
-      <p:sp>
-        <p:nvSpPr>
-          <p:cNvPr id="9" name="Title Placeholder 6">
-            <a:extLst>
-              <a:ext uri="{FF2B5EF4-FFF2-40B4-BE49-F238E27FC236}">
-                <a16:creationId xmlns:a16="http://schemas.microsoft.com/office/drawing/2014/main" id="{BBFD3CEE-67CE-4275-93BC-A24B895FFD34}"/>
-              </a:ext>
-            </a:extLst>
-          </p:cNvPr>
-          <p:cNvSpPr>
-            <a:spLocks noGrp="1"/>
-          </p:cNvSpPr>
-          <p:nvPr>
-            <p:ph type="title"/>
-          </p:nvPr>
-        </p:nvSpPr>
-        <p:spPr>
-          <a:xfrm>
-            <a:off x="1371420" y="37330"/>
-            <a:ext cx="7713336" cy="724090"/>
-          </a:xfrm>
-          <a:prstGeom prst="rect">
-            <a:avLst/>
-          </a:prstGeom>
-        </p:spPr>
-        <p:txBody>
-          <a:bodyPr vert="horz" lIns="91440" tIns="45720" rIns="91440" bIns="45720" rtlCol="0" anchor="ctr">
-            <a:normAutofit/>
-          </a:bodyPr>
-          <a:lstStyle/>
-          <a:p>
-            <a:r>
-              <a:rPr lang="en-US" dirty="0"/>
-              <a:t>Click to edit Master title style</a:t>
-            </a:r>
-          </a:p>
-        </p:txBody>
-      </p:sp>
-      <p:sp>
-        <p:nvSpPr>
-          <p:cNvPr id="10" name="Text Placeholder 7">
-            <a:extLst>
-              <a:ext uri="{FF2B5EF4-FFF2-40B4-BE49-F238E27FC236}">
-                <a16:creationId xmlns:a16="http://schemas.microsoft.com/office/drawing/2014/main" id="{FB6B54CF-9888-485E-BEEB-5387625BD0E3}"/>
-              </a:ext>
-            </a:extLst>
-          </p:cNvPr>
-          <p:cNvSpPr>
-            <a:spLocks noGrp="1"/>
-          </p:cNvSpPr>
-          <p:nvPr>
-            <p:ph idx="1"/>
-          </p:nvPr>
-        </p:nvSpPr>
-        <p:spPr>
-          <a:xfrm>
-            <a:off x="1371421" y="704168"/>
-            <a:ext cx="7713336" cy="395948"/>
-          </a:xfrm>
-          <a:prstGeom prst="rect">
-            <a:avLst/>
-          </a:prstGeom>
-        </p:spPr>
-        <p:txBody>
-          <a:bodyPr vert="horz" lIns="91440" tIns="45720" rIns="91440" bIns="45720" rtlCol="0">
-            <a:normAutofit/>
-          </a:bodyPr>
-          <a:lstStyle/>
-          <a:p>
-            <a:pPr lvl="0"/>
-            <a:r>
-              <a:rPr lang="en-US" dirty="0"/>
-              <a:t>Names</a:t>
-            </a:r>
-          </a:p>
-        </p:txBody>
-      </p:sp>
-    </p:spTree>
-    <p:extLst>
-      <p:ext uri="{BB962C8B-B14F-4D97-AF65-F5344CB8AC3E}">
-        <p14:creationId xmlns:p14="http://schemas.microsoft.com/office/powerpoint/2010/main" val="760239170"/>
-      </p:ext>
-    </p:extLst>
-  </p:cSld>
-  <p:clrMapOvr>
-    <a:masterClrMapping/>
-  </p:clrMapOvr>
-</p:sldLayout>
-</file>
-
-<file path=ppt/slideLayouts/slideLayout14.xml><?xml version="1.0" encoding="utf-8"?>
 <p:sldLayout xmlns:a="http://schemas.openxmlformats.org/drawingml/2006/main" xmlns:r="http://schemas.openxmlformats.org/officeDocument/2006/relationships" xmlns:p="http://schemas.openxmlformats.org/presentationml/2006/main" preserve="1">
   <p:cSld name="1_Title Slide">
     <p:bg>
@@ -1164,7 +981,7 @@
 </p:sldLayout>
 </file>
 
-<file path=ppt/slideLayouts/slideLayout15.xml><?xml version="1.0" encoding="utf-8"?>
+<file path=ppt/slideLayouts/slideLayout14.xml><?xml version="1.0" encoding="utf-8"?>
 <p:sldLayout xmlns:a="http://schemas.openxmlformats.org/drawingml/2006/main" xmlns:r="http://schemas.openxmlformats.org/officeDocument/2006/relationships" xmlns:p="http://schemas.openxmlformats.org/presentationml/2006/main" preserve="1">
   <p:cSld name="Header + Subheader + Content">
     <p:spTree>
@@ -1496,7 +1313,7 @@
 </p:sldLayout>
 </file>
 
-<file path=ppt/slideLayouts/slideLayout16.xml><?xml version="1.0" encoding="utf-8"?>
+<file path=ppt/slideLayouts/slideLayout15.xml><?xml version="1.0" encoding="utf-8"?>
 <p:sldLayout xmlns:a="http://schemas.openxmlformats.org/drawingml/2006/main" xmlns:r="http://schemas.openxmlformats.org/officeDocument/2006/relationships" xmlns:p="http://schemas.openxmlformats.org/presentationml/2006/main" preserve="1">
   <p:cSld name="Header + Content">
     <p:bg>
@@ -1755,7 +1572,7 @@
 </p:sldLayout>
 </file>
 
-<file path=ppt/slideLayouts/slideLayout17.xml><?xml version="1.0" encoding="utf-8"?>
+<file path=ppt/slideLayouts/slideLayout16.xml><?xml version="1.0" encoding="utf-8"?>
 <p:sldLayout xmlns:a="http://schemas.openxmlformats.org/drawingml/2006/main" xmlns:r="http://schemas.openxmlformats.org/officeDocument/2006/relationships" xmlns:p="http://schemas.openxmlformats.org/presentationml/2006/main" preserve="1">
   <p:cSld name="Header + Graphic">
     <p:bg>
@@ -1946,7 +1763,7 @@
 </p:sldLayout>
 </file>
 
-<file path=ppt/slideLayouts/slideLayout18.xml><?xml version="1.0" encoding="utf-8"?>
+<file path=ppt/slideLayouts/slideLayout17.xml><?xml version="1.0" encoding="utf-8"?>
 <p:sldLayout xmlns:a="http://schemas.openxmlformats.org/drawingml/2006/main" xmlns:r="http://schemas.openxmlformats.org/officeDocument/2006/relationships" xmlns:p="http://schemas.openxmlformats.org/presentationml/2006/main" preserve="1">
   <p:cSld name="1_Title Slide">
     <p:spTree>
@@ -2119,7 +1936,7 @@
 </p:sldLayout>
 </file>
 
-<file path=ppt/slideLayouts/slideLayout19.xml><?xml version="1.0" encoding="utf-8"?>
+<file path=ppt/slideLayouts/slideLayout18.xml><?xml version="1.0" encoding="utf-8"?>
 <p:sldLayout xmlns:a="http://schemas.openxmlformats.org/drawingml/2006/main" xmlns:r="http://schemas.openxmlformats.org/officeDocument/2006/relationships" xmlns:p="http://schemas.openxmlformats.org/presentationml/2006/main" preserve="1">
   <p:cSld name="Header + SubHeader + Content">
     <p:spTree>
@@ -2454,345 +2271,7 @@
 </p:sldLayout>
 </file>
 
-<file path=ppt/slideLayouts/slideLayout2.xml><?xml version="1.0" encoding="utf-8"?>
-<p:sldLayout xmlns:a="http://schemas.openxmlformats.org/drawingml/2006/main" xmlns:r="http://schemas.openxmlformats.org/officeDocument/2006/relationships" xmlns:p="http://schemas.openxmlformats.org/presentationml/2006/main" preserve="1">
-  <p:cSld name="Header + Subheader + Content">
-    <p:spTree>
-      <p:nvGrpSpPr>
-        <p:cNvPr id="1" name=""/>
-        <p:cNvGrpSpPr/>
-        <p:nvPr/>
-      </p:nvGrpSpPr>
-      <p:grpSpPr>
-        <a:xfrm>
-          <a:off x="0" y="0"/>
-          <a:ext cx="0" cy="0"/>
-          <a:chOff x="0" y="0"/>
-          <a:chExt cx="0" cy="0"/>
-        </a:xfrm>
-      </p:grpSpPr>
-      <p:sp>
-        <p:nvSpPr>
-          <p:cNvPr id="4" name="Text Placeholder 9"/>
-          <p:cNvSpPr>
-            <a:spLocks noGrp="1"/>
-          </p:cNvSpPr>
-          <p:nvPr>
-            <p:ph type="body" sz="quarter" idx="11" hasCustomPrompt="1"/>
-          </p:nvPr>
-        </p:nvSpPr>
-        <p:spPr>
-          <a:xfrm>
-            <a:off x="659307" y="2320239"/>
-            <a:ext cx="8197114" cy="3810086"/>
-          </a:xfrm>
-          <a:prstGeom prst="rect">
-            <a:avLst/>
-          </a:prstGeom>
-        </p:spPr>
-        <p:txBody>
-          <a:bodyPr/>
-          <a:lstStyle>
-            <a:lvl1pPr marL="257175" indent="-257175">
-              <a:buFont typeface="Lucida Grande"/>
-              <a:buChar char="&gt;"/>
-              <a:defRPr sz="1800" b="1" i="0" baseline="0">
-                <a:solidFill>
-                  <a:srgbClr val="4B2E83"/>
-                </a:solidFill>
-                <a:latin typeface="Open Sans"/>
-                <a:cs typeface="Open Sans"/>
-              </a:defRPr>
-            </a:lvl1pPr>
-            <a:lvl2pPr>
-              <a:defRPr sz="1500" b="1" i="0" baseline="0">
-                <a:solidFill>
-                  <a:srgbClr val="4B2E83"/>
-                </a:solidFill>
-                <a:latin typeface="Open Sans"/>
-                <a:cs typeface="Open Sans"/>
-              </a:defRPr>
-            </a:lvl2pPr>
-            <a:lvl3pPr marL="857250" indent="-171450">
-              <a:buSzPct val="100000"/>
-              <a:buFont typeface="Lucida Grande"/>
-              <a:buChar char="&gt;"/>
-              <a:defRPr sz="1350" b="1" i="0" baseline="0">
-                <a:solidFill>
-                  <a:srgbClr val="4B2E83"/>
-                </a:solidFill>
-                <a:latin typeface="Open Sans"/>
-                <a:cs typeface="Open Sans"/>
-              </a:defRPr>
-            </a:lvl3pPr>
-            <a:lvl4pPr>
-              <a:defRPr sz="1200" b="1" i="0" baseline="0">
-                <a:solidFill>
-                  <a:srgbClr val="4B2E83"/>
-                </a:solidFill>
-                <a:latin typeface="Open Sans"/>
-                <a:cs typeface="Open Sans"/>
-              </a:defRPr>
-            </a:lvl4pPr>
-            <a:lvl5pPr marL="1543050" indent="-171450">
-              <a:buFont typeface="Lucida Grande"/>
-              <a:buChar char="&gt;"/>
-              <a:defRPr sz="1050" b="1" i="0" baseline="0">
-                <a:solidFill>
-                  <a:srgbClr val="4B2E83"/>
-                </a:solidFill>
-                <a:latin typeface="Open Sans"/>
-                <a:cs typeface="Open Sans"/>
-              </a:defRPr>
-            </a:lvl5pPr>
-          </a:lstStyle>
-          <a:p>
-            <a:pPr lvl="0"/>
-            <a:r>
-              <a:rPr lang="en-US" dirty="0"/>
-              <a:t>Content here (Open Sans Bold, 24 pt.)</a:t>
-            </a:r>
-          </a:p>
-          <a:p>
-            <a:pPr lvl="1"/>
-            <a:r>
-              <a:rPr lang="en-US" dirty="0"/>
-              <a:t>Second level (Open Sans Bold, 20)</a:t>
-            </a:r>
-          </a:p>
-          <a:p>
-            <a:pPr lvl="2"/>
-            <a:r>
-              <a:rPr lang="en-US" dirty="0"/>
-              <a:t>Third level (Open Sans Bold, 18)</a:t>
-            </a:r>
-          </a:p>
-          <a:p>
-            <a:pPr lvl="3"/>
-            <a:r>
-              <a:rPr lang="en-US" dirty="0"/>
-              <a:t>Fourth level (Open Sans Bold, 16)</a:t>
-            </a:r>
-          </a:p>
-          <a:p>
-            <a:pPr lvl="4"/>
-            <a:r>
-              <a:rPr lang="en-US" dirty="0"/>
-              <a:t>Fifth level (Open Sans Bold, 14)</a:t>
-            </a:r>
-          </a:p>
-        </p:txBody>
-      </p:sp>
-      <p:sp>
-        <p:nvSpPr>
-          <p:cNvPr id="6" name="Text Placeholder 5"/>
-          <p:cNvSpPr>
-            <a:spLocks noGrp="1"/>
-          </p:cNvSpPr>
-          <p:nvPr>
-            <p:ph type="body" sz="quarter" idx="12" hasCustomPrompt="1"/>
-          </p:nvPr>
-        </p:nvSpPr>
-        <p:spPr>
-          <a:xfrm>
-            <a:off x="671758" y="1730667"/>
-            <a:ext cx="8184662" cy="411171"/>
-          </a:xfrm>
-          <a:prstGeom prst="rect">
-            <a:avLst/>
-          </a:prstGeom>
-        </p:spPr>
-        <p:txBody>
-          <a:bodyPr>
-            <a:noAutofit/>
-          </a:bodyPr>
-          <a:lstStyle>
-            <a:lvl1pPr marL="0" indent="0">
-              <a:lnSpc>
-                <a:spcPct val="90000"/>
-              </a:lnSpc>
-              <a:buNone/>
-              <a:defRPr sz="1800" b="0" i="0" baseline="0">
-                <a:solidFill>
-                  <a:srgbClr val="4B2E83"/>
-                </a:solidFill>
-                <a:latin typeface="Uni Sans Regular"/>
-                <a:cs typeface="Uni Sans Regular"/>
-              </a:defRPr>
-            </a:lvl1pPr>
-            <a:lvl2pPr marL="342900" indent="0">
-              <a:buNone/>
-              <a:defRPr b="0" i="0">
-                <a:solidFill>
-                  <a:srgbClr val="E8D3A2"/>
-                </a:solidFill>
-                <a:latin typeface="Encode Sans Normal Black"/>
-                <a:cs typeface="Encode Sans Normal Black"/>
-              </a:defRPr>
-            </a:lvl2pPr>
-            <a:lvl3pPr marL="685800" indent="0">
-              <a:buNone/>
-              <a:defRPr b="0" i="0">
-                <a:solidFill>
-                  <a:srgbClr val="E8D3A2"/>
-                </a:solidFill>
-                <a:latin typeface="Encode Sans Normal Black"/>
-                <a:cs typeface="Encode Sans Normal Black"/>
-              </a:defRPr>
-            </a:lvl3pPr>
-            <a:lvl4pPr marL="1028700" indent="0">
-              <a:buNone/>
-              <a:defRPr b="0" i="0">
-                <a:solidFill>
-                  <a:srgbClr val="E8D3A2"/>
-                </a:solidFill>
-                <a:latin typeface="Encode Sans Normal Black"/>
-                <a:cs typeface="Encode Sans Normal Black"/>
-              </a:defRPr>
-            </a:lvl4pPr>
-            <a:lvl5pPr marL="1371600" indent="0">
-              <a:buNone/>
-              <a:defRPr b="0" i="0">
-                <a:solidFill>
-                  <a:srgbClr val="E8D3A2"/>
-                </a:solidFill>
-                <a:latin typeface="Encode Sans Normal Black"/>
-                <a:cs typeface="Encode Sans Normal Black"/>
-              </a:defRPr>
-            </a:lvl5pPr>
-          </a:lstStyle>
-          <a:p>
-            <a:pPr lvl="0"/>
-            <a:r>
-              <a:rPr lang="en-US" dirty="0"/>
-              <a:t>SUB-HEADER HERE (UNI SANS LIGHT, 24 PT.)</a:t>
-            </a:r>
-          </a:p>
-        </p:txBody>
-      </p:sp>
-      <p:pic>
-        <p:nvPicPr>
-          <p:cNvPr id="9" name="Picture 8" descr="Wordmark_center_Purple_HEX.png"/>
-          <p:cNvPicPr>
-            <a:picLocks noChangeAspect="1"/>
-          </p:cNvPicPr>
-          <p:nvPr/>
-        </p:nvPicPr>
-        <p:blipFill>
-          <a:blip r:embed="rId2">
-            <a:extLst>
-              <a:ext uri="{28A0092B-C50C-407E-A947-70E740481C1C}">
-                <a14:useLocalDpi xmlns:a14="http://schemas.microsoft.com/office/drawing/2010/main" val="0"/>
-              </a:ext>
-            </a:extLst>
-          </a:blip>
-          <a:stretch>
-            <a:fillRect/>
-          </a:stretch>
-        </p:blipFill>
-        <p:spPr>
-          <a:xfrm>
-            <a:off x="6382157" y="6487457"/>
-            <a:ext cx="2425295" cy="163374"/>
-          </a:xfrm>
-          <a:prstGeom prst="rect">
-            <a:avLst/>
-          </a:prstGeom>
-        </p:spPr>
-      </p:pic>
-      <p:pic>
-        <p:nvPicPr>
-          <p:cNvPr id="8" name="Picture 7" descr="Bar_RtAngle_7502_RGB.png"/>
-          <p:cNvPicPr>
-            <a:picLocks noChangeAspect="1"/>
-          </p:cNvPicPr>
-          <p:nvPr/>
-        </p:nvPicPr>
-        <p:blipFill>
-          <a:blip r:embed="rId3">
-            <a:extLst>
-              <a:ext uri="{28A0092B-C50C-407E-A947-70E740481C1C}">
-                <a14:useLocalDpi xmlns:a14="http://schemas.microsoft.com/office/drawing/2010/main" val="0"/>
-              </a:ext>
-            </a:extLst>
-          </a:blip>
-          <a:stretch>
-            <a:fillRect/>
-          </a:stretch>
-        </p:blipFill>
-        <p:spPr>
-          <a:xfrm>
-            <a:off x="784225" y="1437805"/>
-            <a:ext cx="1358184" cy="67050"/>
-          </a:xfrm>
-          <a:prstGeom prst="rect">
-            <a:avLst/>
-          </a:prstGeom>
-        </p:spPr>
-      </p:pic>
-      <p:sp>
-        <p:nvSpPr>
-          <p:cNvPr id="2" name="Title 1"/>
-          <p:cNvSpPr>
-            <a:spLocks noGrp="1"/>
-          </p:cNvSpPr>
-          <p:nvPr>
-            <p:ph type="title" hasCustomPrompt="1"/>
-          </p:nvPr>
-        </p:nvSpPr>
-        <p:spPr>
-          <a:xfrm>
-            <a:off x="671756" y="371511"/>
-            <a:ext cx="8184663" cy="991998"/>
-          </a:xfrm>
-          <a:prstGeom prst="rect">
-            <a:avLst/>
-          </a:prstGeom>
-        </p:spPr>
-        <p:txBody>
-          <a:bodyPr anchor="b"/>
-          <a:lstStyle>
-            <a:lvl1pPr algn="l">
-              <a:defRPr sz="2250" b="1" i="0">
-                <a:solidFill>
-                  <a:srgbClr val="4B2E83"/>
-                </a:solidFill>
-                <a:latin typeface="Encode Sans Normal Black" charset="0"/>
-                <a:ea typeface="Encode Sans Normal Black" charset="0"/>
-                <a:cs typeface="Encode Sans Normal Black" charset="0"/>
-              </a:defRPr>
-            </a:lvl1pPr>
-          </a:lstStyle>
-          <a:p>
-            <a:pPr lvl="0"/>
-            <a:r>
-              <a:rPr lang="en-US" dirty="0"/>
-              <a:t>HEADER HERE </a:t>
-            </a:r>
-            <a:br>
-              <a:rPr lang="en-US" dirty="0"/>
-            </a:br>
-            <a:r>
-              <a:rPr lang="en-US" dirty="0"/>
-              <a:t>(ENCODE NORMAL BLACK, 30 PT.)</a:t>
-            </a:r>
-          </a:p>
-        </p:txBody>
-      </p:sp>
-    </p:spTree>
-    <p:extLst>
-      <p:ext uri="{BB962C8B-B14F-4D97-AF65-F5344CB8AC3E}">
-        <p14:creationId xmlns:p14="http://schemas.microsoft.com/office/powerpoint/2010/main" val="1608832504"/>
-      </p:ext>
-    </p:extLst>
-  </p:cSld>
-  <p:clrMapOvr>
-    <a:masterClrMapping/>
-  </p:clrMapOvr>
-</p:sldLayout>
-</file>
-
-<file path=ppt/slideLayouts/slideLayout20.xml><?xml version="1.0" encoding="utf-8"?>
+<file path=ppt/slideLayouts/slideLayout19.xml><?xml version="1.0" encoding="utf-8"?>
 <p:sldLayout xmlns:a="http://schemas.openxmlformats.org/drawingml/2006/main" xmlns:r="http://schemas.openxmlformats.org/officeDocument/2006/relationships" xmlns:p="http://schemas.openxmlformats.org/presentationml/2006/main" preserve="1">
   <p:cSld name="Header + Content">
     <p:spTree>
@@ -3040,7 +2519,345 @@
 </p:sldLayout>
 </file>
 
-<file path=ppt/slideLayouts/slideLayout21.xml><?xml version="1.0" encoding="utf-8"?>
+<file path=ppt/slideLayouts/slideLayout2.xml><?xml version="1.0" encoding="utf-8"?>
+<p:sldLayout xmlns:a="http://schemas.openxmlformats.org/drawingml/2006/main" xmlns:r="http://schemas.openxmlformats.org/officeDocument/2006/relationships" xmlns:p="http://schemas.openxmlformats.org/presentationml/2006/main" preserve="1">
+  <p:cSld name="Header + Subheader + Content">
+    <p:spTree>
+      <p:nvGrpSpPr>
+        <p:cNvPr id="1" name=""/>
+        <p:cNvGrpSpPr/>
+        <p:nvPr/>
+      </p:nvGrpSpPr>
+      <p:grpSpPr>
+        <a:xfrm>
+          <a:off x="0" y="0"/>
+          <a:ext cx="0" cy="0"/>
+          <a:chOff x="0" y="0"/>
+          <a:chExt cx="0" cy="0"/>
+        </a:xfrm>
+      </p:grpSpPr>
+      <p:sp>
+        <p:nvSpPr>
+          <p:cNvPr id="4" name="Text Placeholder 9"/>
+          <p:cNvSpPr>
+            <a:spLocks noGrp="1"/>
+          </p:cNvSpPr>
+          <p:nvPr>
+            <p:ph type="body" sz="quarter" idx="11" hasCustomPrompt="1"/>
+          </p:nvPr>
+        </p:nvSpPr>
+        <p:spPr>
+          <a:xfrm>
+            <a:off x="659307" y="2320239"/>
+            <a:ext cx="8197114" cy="3810086"/>
+          </a:xfrm>
+          <a:prstGeom prst="rect">
+            <a:avLst/>
+          </a:prstGeom>
+        </p:spPr>
+        <p:txBody>
+          <a:bodyPr/>
+          <a:lstStyle>
+            <a:lvl1pPr marL="257175" indent="-257175">
+              <a:buFont typeface="Lucida Grande"/>
+              <a:buChar char="&gt;"/>
+              <a:defRPr sz="1800" b="1" i="0" baseline="0">
+                <a:solidFill>
+                  <a:srgbClr val="4B2E83"/>
+                </a:solidFill>
+                <a:latin typeface="Open Sans"/>
+                <a:cs typeface="Open Sans"/>
+              </a:defRPr>
+            </a:lvl1pPr>
+            <a:lvl2pPr>
+              <a:defRPr sz="1500" b="1" i="0" baseline="0">
+                <a:solidFill>
+                  <a:srgbClr val="4B2E83"/>
+                </a:solidFill>
+                <a:latin typeface="Open Sans"/>
+                <a:cs typeface="Open Sans"/>
+              </a:defRPr>
+            </a:lvl2pPr>
+            <a:lvl3pPr marL="857250" indent="-171450">
+              <a:buSzPct val="100000"/>
+              <a:buFont typeface="Lucida Grande"/>
+              <a:buChar char="&gt;"/>
+              <a:defRPr sz="1350" b="1" i="0" baseline="0">
+                <a:solidFill>
+                  <a:srgbClr val="4B2E83"/>
+                </a:solidFill>
+                <a:latin typeface="Open Sans"/>
+                <a:cs typeface="Open Sans"/>
+              </a:defRPr>
+            </a:lvl3pPr>
+            <a:lvl4pPr>
+              <a:defRPr sz="1200" b="1" i="0" baseline="0">
+                <a:solidFill>
+                  <a:srgbClr val="4B2E83"/>
+                </a:solidFill>
+                <a:latin typeface="Open Sans"/>
+                <a:cs typeface="Open Sans"/>
+              </a:defRPr>
+            </a:lvl4pPr>
+            <a:lvl5pPr marL="1543050" indent="-171450">
+              <a:buFont typeface="Lucida Grande"/>
+              <a:buChar char="&gt;"/>
+              <a:defRPr sz="1050" b="1" i="0" baseline="0">
+                <a:solidFill>
+                  <a:srgbClr val="4B2E83"/>
+                </a:solidFill>
+                <a:latin typeface="Open Sans"/>
+                <a:cs typeface="Open Sans"/>
+              </a:defRPr>
+            </a:lvl5pPr>
+          </a:lstStyle>
+          <a:p>
+            <a:pPr lvl="0"/>
+            <a:r>
+              <a:rPr lang="en-US" dirty="0"/>
+              <a:t>Content here (Open Sans Bold, 24 pt.)</a:t>
+            </a:r>
+          </a:p>
+          <a:p>
+            <a:pPr lvl="1"/>
+            <a:r>
+              <a:rPr lang="en-US" dirty="0"/>
+              <a:t>Second level (Open Sans Bold, 20)</a:t>
+            </a:r>
+          </a:p>
+          <a:p>
+            <a:pPr lvl="2"/>
+            <a:r>
+              <a:rPr lang="en-US" dirty="0"/>
+              <a:t>Third level (Open Sans Bold, 18)</a:t>
+            </a:r>
+          </a:p>
+          <a:p>
+            <a:pPr lvl="3"/>
+            <a:r>
+              <a:rPr lang="en-US" dirty="0"/>
+              <a:t>Fourth level (Open Sans Bold, 16)</a:t>
+            </a:r>
+          </a:p>
+          <a:p>
+            <a:pPr lvl="4"/>
+            <a:r>
+              <a:rPr lang="en-US" dirty="0"/>
+              <a:t>Fifth level (Open Sans Bold, 14)</a:t>
+            </a:r>
+          </a:p>
+        </p:txBody>
+      </p:sp>
+      <p:sp>
+        <p:nvSpPr>
+          <p:cNvPr id="6" name="Text Placeholder 5"/>
+          <p:cNvSpPr>
+            <a:spLocks noGrp="1"/>
+          </p:cNvSpPr>
+          <p:nvPr>
+            <p:ph type="body" sz="quarter" idx="12" hasCustomPrompt="1"/>
+          </p:nvPr>
+        </p:nvSpPr>
+        <p:spPr>
+          <a:xfrm>
+            <a:off x="671758" y="1730667"/>
+            <a:ext cx="8184662" cy="411171"/>
+          </a:xfrm>
+          <a:prstGeom prst="rect">
+            <a:avLst/>
+          </a:prstGeom>
+        </p:spPr>
+        <p:txBody>
+          <a:bodyPr>
+            <a:noAutofit/>
+          </a:bodyPr>
+          <a:lstStyle>
+            <a:lvl1pPr marL="0" indent="0">
+              <a:lnSpc>
+                <a:spcPct val="90000"/>
+              </a:lnSpc>
+              <a:buNone/>
+              <a:defRPr sz="1800" b="0" i="0" baseline="0">
+                <a:solidFill>
+                  <a:srgbClr val="4B2E83"/>
+                </a:solidFill>
+                <a:latin typeface="Uni Sans Regular"/>
+                <a:cs typeface="Uni Sans Regular"/>
+              </a:defRPr>
+            </a:lvl1pPr>
+            <a:lvl2pPr marL="342900" indent="0">
+              <a:buNone/>
+              <a:defRPr b="0" i="0">
+                <a:solidFill>
+                  <a:srgbClr val="E8D3A2"/>
+                </a:solidFill>
+                <a:latin typeface="Encode Sans Normal Black"/>
+                <a:cs typeface="Encode Sans Normal Black"/>
+              </a:defRPr>
+            </a:lvl2pPr>
+            <a:lvl3pPr marL="685800" indent="0">
+              <a:buNone/>
+              <a:defRPr b="0" i="0">
+                <a:solidFill>
+                  <a:srgbClr val="E8D3A2"/>
+                </a:solidFill>
+                <a:latin typeface="Encode Sans Normal Black"/>
+                <a:cs typeface="Encode Sans Normal Black"/>
+              </a:defRPr>
+            </a:lvl3pPr>
+            <a:lvl4pPr marL="1028700" indent="0">
+              <a:buNone/>
+              <a:defRPr b="0" i="0">
+                <a:solidFill>
+                  <a:srgbClr val="E8D3A2"/>
+                </a:solidFill>
+                <a:latin typeface="Encode Sans Normal Black"/>
+                <a:cs typeface="Encode Sans Normal Black"/>
+              </a:defRPr>
+            </a:lvl4pPr>
+            <a:lvl5pPr marL="1371600" indent="0">
+              <a:buNone/>
+              <a:defRPr b="0" i="0">
+                <a:solidFill>
+                  <a:srgbClr val="E8D3A2"/>
+                </a:solidFill>
+                <a:latin typeface="Encode Sans Normal Black"/>
+                <a:cs typeface="Encode Sans Normal Black"/>
+              </a:defRPr>
+            </a:lvl5pPr>
+          </a:lstStyle>
+          <a:p>
+            <a:pPr lvl="0"/>
+            <a:r>
+              <a:rPr lang="en-US" dirty="0"/>
+              <a:t>SUB-HEADER HERE (UNI SANS LIGHT, 24 PT.)</a:t>
+            </a:r>
+          </a:p>
+        </p:txBody>
+      </p:sp>
+      <p:pic>
+        <p:nvPicPr>
+          <p:cNvPr id="9" name="Picture 8" descr="Wordmark_center_Purple_HEX.png"/>
+          <p:cNvPicPr>
+            <a:picLocks noChangeAspect="1"/>
+          </p:cNvPicPr>
+          <p:nvPr/>
+        </p:nvPicPr>
+        <p:blipFill>
+          <a:blip r:embed="rId2">
+            <a:extLst>
+              <a:ext uri="{28A0092B-C50C-407E-A947-70E740481C1C}">
+                <a14:useLocalDpi xmlns:a14="http://schemas.microsoft.com/office/drawing/2010/main" val="0"/>
+              </a:ext>
+            </a:extLst>
+          </a:blip>
+          <a:stretch>
+            <a:fillRect/>
+          </a:stretch>
+        </p:blipFill>
+        <p:spPr>
+          <a:xfrm>
+            <a:off x="6382157" y="6487457"/>
+            <a:ext cx="2425295" cy="163374"/>
+          </a:xfrm>
+          <a:prstGeom prst="rect">
+            <a:avLst/>
+          </a:prstGeom>
+        </p:spPr>
+      </p:pic>
+      <p:pic>
+        <p:nvPicPr>
+          <p:cNvPr id="8" name="Picture 7" descr="Bar_RtAngle_7502_RGB.png"/>
+          <p:cNvPicPr>
+            <a:picLocks noChangeAspect="1"/>
+          </p:cNvPicPr>
+          <p:nvPr/>
+        </p:nvPicPr>
+        <p:blipFill>
+          <a:blip r:embed="rId3">
+            <a:extLst>
+              <a:ext uri="{28A0092B-C50C-407E-A947-70E740481C1C}">
+                <a14:useLocalDpi xmlns:a14="http://schemas.microsoft.com/office/drawing/2010/main" val="0"/>
+              </a:ext>
+            </a:extLst>
+          </a:blip>
+          <a:stretch>
+            <a:fillRect/>
+          </a:stretch>
+        </p:blipFill>
+        <p:spPr>
+          <a:xfrm>
+            <a:off x="784225" y="1437805"/>
+            <a:ext cx="1358184" cy="67050"/>
+          </a:xfrm>
+          <a:prstGeom prst="rect">
+            <a:avLst/>
+          </a:prstGeom>
+        </p:spPr>
+      </p:pic>
+      <p:sp>
+        <p:nvSpPr>
+          <p:cNvPr id="2" name="Title 1"/>
+          <p:cNvSpPr>
+            <a:spLocks noGrp="1"/>
+          </p:cNvSpPr>
+          <p:nvPr>
+            <p:ph type="title" hasCustomPrompt="1"/>
+          </p:nvPr>
+        </p:nvSpPr>
+        <p:spPr>
+          <a:xfrm>
+            <a:off x="671756" y="371511"/>
+            <a:ext cx="8184663" cy="991998"/>
+          </a:xfrm>
+          <a:prstGeom prst="rect">
+            <a:avLst/>
+          </a:prstGeom>
+        </p:spPr>
+        <p:txBody>
+          <a:bodyPr anchor="b"/>
+          <a:lstStyle>
+            <a:lvl1pPr algn="l">
+              <a:defRPr sz="2250" b="1" i="0">
+                <a:solidFill>
+                  <a:srgbClr val="4B2E83"/>
+                </a:solidFill>
+                <a:latin typeface="Encode Sans Normal Black" charset="0"/>
+                <a:ea typeface="Encode Sans Normal Black" charset="0"/>
+                <a:cs typeface="Encode Sans Normal Black" charset="0"/>
+              </a:defRPr>
+            </a:lvl1pPr>
+          </a:lstStyle>
+          <a:p>
+            <a:pPr lvl="0"/>
+            <a:r>
+              <a:rPr lang="en-US" dirty="0"/>
+              <a:t>HEADER HERE </a:t>
+            </a:r>
+            <a:br>
+              <a:rPr lang="en-US" dirty="0"/>
+            </a:br>
+            <a:r>
+              <a:rPr lang="en-US" dirty="0"/>
+              <a:t>(ENCODE NORMAL BLACK, 30 PT.)</a:t>
+            </a:r>
+          </a:p>
+        </p:txBody>
+      </p:sp>
+    </p:spTree>
+    <p:extLst>
+      <p:ext uri="{BB962C8B-B14F-4D97-AF65-F5344CB8AC3E}">
+        <p14:creationId xmlns:p14="http://schemas.microsoft.com/office/powerpoint/2010/main" val="1608832504"/>
+      </p:ext>
+    </p:extLst>
+  </p:cSld>
+  <p:clrMapOvr>
+    <a:masterClrMapping/>
+  </p:clrMapOvr>
+</p:sldLayout>
+</file>
+
+<file path=ppt/slideLayouts/slideLayout20.xml><?xml version="1.0" encoding="utf-8"?>
 <p:sldLayout xmlns:a="http://schemas.openxmlformats.org/drawingml/2006/main" xmlns:r="http://schemas.openxmlformats.org/officeDocument/2006/relationships" xmlns:p="http://schemas.openxmlformats.org/presentationml/2006/main" preserve="1">
   <p:cSld name="Header + Graphic">
     <p:spTree>
@@ -3226,7 +3043,7 @@
 </p:sldLayout>
 </file>
 
-<file path=ppt/slideLayouts/slideLayout22.xml><?xml version="1.0" encoding="utf-8"?>
+<file path=ppt/slideLayouts/slideLayout21.xml><?xml version="1.0" encoding="utf-8"?>
 <p:sldLayout xmlns:a="http://schemas.openxmlformats.org/drawingml/2006/main" xmlns:r="http://schemas.openxmlformats.org/officeDocument/2006/relationships" xmlns:p="http://schemas.openxmlformats.org/presentationml/2006/main" preserve="1">
   <p:cSld name="1_Title Slide">
     <p:bg>
@@ -3353,7 +3170,7 @@
 </p:sldLayout>
 </file>
 
-<file path=ppt/slideLayouts/slideLayout23.xml><?xml version="1.0" encoding="utf-8"?>
+<file path=ppt/slideLayouts/slideLayout22.xml><?xml version="1.0" encoding="utf-8"?>
 <p:sldLayout xmlns:a="http://schemas.openxmlformats.org/drawingml/2006/main" xmlns:r="http://schemas.openxmlformats.org/officeDocument/2006/relationships" xmlns:p="http://schemas.openxmlformats.org/presentationml/2006/main" preserve="1">
   <p:cSld name="Header + Subheader + Content">
     <p:spTree>
@@ -3685,7 +3502,7 @@
 </p:sldLayout>
 </file>
 
-<file path=ppt/slideLayouts/slideLayout24.xml><?xml version="1.0" encoding="utf-8"?>
+<file path=ppt/slideLayouts/slideLayout23.xml><?xml version="1.0" encoding="utf-8"?>
 <p:sldLayout xmlns:a="http://schemas.openxmlformats.org/drawingml/2006/main" xmlns:r="http://schemas.openxmlformats.org/officeDocument/2006/relationships" xmlns:p="http://schemas.openxmlformats.org/presentationml/2006/main" preserve="1">
   <p:cSld name="Header + Content">
     <p:bg>
@@ -3944,7 +3761,7 @@
 </p:sldLayout>
 </file>
 
-<file path=ppt/slideLayouts/slideLayout25.xml><?xml version="1.0" encoding="utf-8"?>
+<file path=ppt/slideLayouts/slideLayout24.xml><?xml version="1.0" encoding="utf-8"?>
 <p:sldLayout xmlns:a="http://schemas.openxmlformats.org/drawingml/2006/main" xmlns:r="http://schemas.openxmlformats.org/officeDocument/2006/relationships" xmlns:p="http://schemas.openxmlformats.org/presentationml/2006/main" preserve="1">
   <p:cSld name="Header + Graphic">
     <p:bg>
@@ -4135,7 +3952,7 @@
 </p:sldLayout>
 </file>
 
-<file path=ppt/slideLayouts/slideLayout26.xml><?xml version="1.0" encoding="utf-8"?>
+<file path=ppt/slideLayouts/slideLayout25.xml><?xml version="1.0" encoding="utf-8"?>
 <p:sldLayout xmlns:a="http://schemas.openxmlformats.org/drawingml/2006/main" xmlns:r="http://schemas.openxmlformats.org/officeDocument/2006/relationships" xmlns:p="http://schemas.openxmlformats.org/presentationml/2006/main" type="title" preserve="1">
   <p:cSld name="2_Title Slide">
     <p:spTree>
@@ -4323,7 +4140,7 @@
 </p:sldLayout>
 </file>
 
-<file path=ppt/slideLayouts/slideLayout27.xml><?xml version="1.0" encoding="utf-8"?>
+<file path=ppt/slideLayouts/slideLayout26.xml><?xml version="1.0" encoding="utf-8"?>
 <p:sldLayout xmlns:a="http://schemas.openxmlformats.org/drawingml/2006/main" xmlns:r="http://schemas.openxmlformats.org/officeDocument/2006/relationships" xmlns:p="http://schemas.openxmlformats.org/presentationml/2006/main" preserve="1">
   <p:cSld name="1_Title Slide">
     <p:spTree>
@@ -4496,7 +4313,7 @@
 </p:sldLayout>
 </file>
 
-<file path=ppt/slideLayouts/slideLayout28.xml><?xml version="1.0" encoding="utf-8"?>
+<file path=ppt/slideLayouts/slideLayout27.xml><?xml version="1.0" encoding="utf-8"?>
 <p:sldLayout xmlns:a="http://schemas.openxmlformats.org/drawingml/2006/main" xmlns:r="http://schemas.openxmlformats.org/officeDocument/2006/relationships" xmlns:p="http://schemas.openxmlformats.org/presentationml/2006/main" preserve="1">
   <p:cSld name="Header + SubHeader + Content">
     <p:spTree>
@@ -4831,7 +4648,7 @@
 </p:sldLayout>
 </file>
 
-<file path=ppt/slideLayouts/slideLayout29.xml><?xml version="1.0" encoding="utf-8"?>
+<file path=ppt/slideLayouts/slideLayout28.xml><?xml version="1.0" encoding="utf-8"?>
 <p:sldLayout xmlns:a="http://schemas.openxmlformats.org/drawingml/2006/main" xmlns:r="http://schemas.openxmlformats.org/officeDocument/2006/relationships" xmlns:p="http://schemas.openxmlformats.org/presentationml/2006/main" preserve="1">
   <p:cSld name="Header + Content">
     <p:spTree>
@@ -5079,221 +4896,7 @@
 </p:sldLayout>
 </file>
 
-<file path=ppt/slideLayouts/slideLayout3.xml><?xml version="1.0" encoding="utf-8"?>
-<p:sldLayout xmlns:a="http://schemas.openxmlformats.org/drawingml/2006/main" xmlns:r="http://schemas.openxmlformats.org/officeDocument/2006/relationships" xmlns:p="http://schemas.openxmlformats.org/presentationml/2006/main" preserve="1">
-  <p:cSld name="Header + Content">
-    <p:spTree>
-      <p:nvGrpSpPr>
-        <p:cNvPr id="1" name=""/>
-        <p:cNvGrpSpPr/>
-        <p:nvPr/>
-      </p:nvGrpSpPr>
-      <p:grpSpPr>
-        <a:xfrm>
-          <a:off x="0" y="0"/>
-          <a:ext cx="0" cy="0"/>
-          <a:chOff x="0" y="0"/>
-          <a:chExt cx="0" cy="0"/>
-        </a:xfrm>
-      </p:grpSpPr>
-      <p:sp>
-        <p:nvSpPr>
-          <p:cNvPr id="6" name="Text Placeholder 9"/>
-          <p:cNvSpPr>
-            <a:spLocks noGrp="1"/>
-          </p:cNvSpPr>
-          <p:nvPr>
-            <p:ph type="body" sz="quarter" idx="11" hasCustomPrompt="1"/>
-          </p:nvPr>
-        </p:nvSpPr>
-        <p:spPr>
-          <a:xfrm>
-            <a:off x="314634" y="1231554"/>
-            <a:ext cx="8540884" cy="4285625"/>
-          </a:xfrm>
-          <a:prstGeom prst="rect">
-            <a:avLst/>
-          </a:prstGeom>
-        </p:spPr>
-        <p:txBody>
-          <a:bodyPr/>
-          <a:lstStyle>
-            <a:lvl1pPr marL="257175" indent="-257175">
-              <a:buFont typeface="Lucida Grande"/>
-              <a:buChar char="&gt;"/>
-              <a:defRPr sz="2800" b="1" i="0" baseline="0">
-                <a:solidFill>
-                  <a:srgbClr val="4B2E83"/>
-                </a:solidFill>
-                <a:latin typeface="Open Sans"/>
-                <a:cs typeface="Open Sans"/>
-              </a:defRPr>
-            </a:lvl1pPr>
-            <a:lvl2pPr>
-              <a:defRPr sz="2400" b="1" i="0" baseline="0">
-                <a:solidFill>
-                  <a:srgbClr val="4B2E83"/>
-                </a:solidFill>
-                <a:latin typeface="Open Sans"/>
-                <a:cs typeface="Open Sans"/>
-              </a:defRPr>
-            </a:lvl2pPr>
-            <a:lvl3pPr marL="857250" indent="-171450">
-              <a:buSzPct val="100000"/>
-              <a:buFont typeface="Lucida Grande"/>
-              <a:buChar char="&gt;"/>
-              <a:defRPr sz="2400" b="1" i="0" baseline="0">
-                <a:solidFill>
-                  <a:srgbClr val="4B2E83"/>
-                </a:solidFill>
-                <a:latin typeface="Open Sans"/>
-                <a:cs typeface="Open Sans"/>
-              </a:defRPr>
-            </a:lvl3pPr>
-            <a:lvl4pPr>
-              <a:defRPr sz="1800" b="1" i="0" baseline="0">
-                <a:solidFill>
-                  <a:srgbClr val="4B2E83"/>
-                </a:solidFill>
-                <a:latin typeface="Open Sans"/>
-                <a:cs typeface="Open Sans"/>
-              </a:defRPr>
-            </a:lvl4pPr>
-            <a:lvl5pPr marL="1543050" indent="-171450">
-              <a:buFont typeface="Lucida Grande"/>
-              <a:buChar char="&gt;"/>
-              <a:defRPr sz="1400" b="1" i="0" baseline="0">
-                <a:solidFill>
-                  <a:srgbClr val="4B2E83"/>
-                </a:solidFill>
-                <a:latin typeface="Open Sans"/>
-                <a:cs typeface="Open Sans"/>
-              </a:defRPr>
-            </a:lvl5pPr>
-          </a:lstStyle>
-          <a:p>
-            <a:pPr lvl="0"/>
-            <a:r>
-              <a:rPr lang="en-US" dirty="0"/>
-              <a:t>Content here (Open Sans Bold, 24 pt.)</a:t>
-            </a:r>
-          </a:p>
-          <a:p>
-            <a:pPr lvl="1"/>
-            <a:r>
-              <a:rPr lang="en-US" dirty="0"/>
-              <a:t>Second level (Open Sans Bold, 20)</a:t>
-            </a:r>
-          </a:p>
-          <a:p>
-            <a:pPr lvl="2"/>
-            <a:r>
-              <a:rPr lang="en-US" dirty="0"/>
-              <a:t>Third level (Open Sans Bold, 18)</a:t>
-            </a:r>
-          </a:p>
-          <a:p>
-            <a:pPr lvl="3"/>
-            <a:r>
-              <a:rPr lang="en-US" dirty="0"/>
-              <a:t>Fourth level (Open Sans Bold, 16)</a:t>
-            </a:r>
-          </a:p>
-          <a:p>
-            <a:pPr lvl="4"/>
-            <a:r>
-              <a:rPr lang="en-US" dirty="0"/>
-              <a:t>Fifth level (Open Sans Bold, 14)</a:t>
-            </a:r>
-          </a:p>
-        </p:txBody>
-      </p:sp>
-      <p:sp>
-        <p:nvSpPr>
-          <p:cNvPr id="2" name="Title 1"/>
-          <p:cNvSpPr>
-            <a:spLocks noGrp="1"/>
-          </p:cNvSpPr>
-          <p:nvPr>
-            <p:ph type="title" hasCustomPrompt="1"/>
-          </p:nvPr>
-        </p:nvSpPr>
-        <p:spPr>
-          <a:xfrm>
-            <a:off x="314634" y="291660"/>
-            <a:ext cx="8540883" cy="590278"/>
-          </a:xfrm>
-          <a:prstGeom prst="rect">
-            <a:avLst/>
-          </a:prstGeom>
-        </p:spPr>
-        <p:txBody>
-          <a:bodyPr anchor="b"/>
-          <a:lstStyle>
-            <a:lvl1pPr algn="ctr">
-              <a:defRPr sz="4000" b="1" i="0">
-                <a:solidFill>
-                  <a:schemeClr val="bg1"/>
-                </a:solidFill>
-                <a:latin typeface="Encode Sans Normal Black" charset="0"/>
-                <a:ea typeface="Encode Sans Normal Black" charset="0"/>
-                <a:cs typeface="Encode Sans Normal Black" charset="0"/>
-              </a:defRPr>
-            </a:lvl1pPr>
-          </a:lstStyle>
-          <a:p>
-            <a:pPr lvl="0"/>
-            <a:r>
-              <a:rPr lang="en-US" dirty="0"/>
-              <a:t>HEADER HERE</a:t>
-            </a:r>
-          </a:p>
-        </p:txBody>
-      </p:sp>
-      <p:pic>
-        <p:nvPicPr>
-          <p:cNvPr id="8" name="Picture 7">
-            <a:extLst>
-              <a:ext uri="{FF2B5EF4-FFF2-40B4-BE49-F238E27FC236}">
-                <a16:creationId xmlns:a16="http://schemas.microsoft.com/office/drawing/2014/main" id="{C322EE24-9388-420D-B9A1-2D16BDAF8E8C}"/>
-              </a:ext>
-            </a:extLst>
-          </p:cNvPr>
-          <p:cNvPicPr>
-            <a:picLocks noChangeAspect="1"/>
-          </p:cNvPicPr>
-          <p:nvPr/>
-        </p:nvPicPr>
-        <p:blipFill>
-          <a:blip r:embed="rId2"/>
-          <a:stretch>
-            <a:fillRect/>
-          </a:stretch>
-        </p:blipFill>
-        <p:spPr>
-          <a:xfrm>
-            <a:off x="10418" y="6496635"/>
-            <a:ext cx="2312743" cy="242838"/>
-          </a:xfrm>
-          <a:prstGeom prst="rect">
-            <a:avLst/>
-          </a:prstGeom>
-        </p:spPr>
-      </p:pic>
-    </p:spTree>
-    <p:extLst>
-      <p:ext uri="{BB962C8B-B14F-4D97-AF65-F5344CB8AC3E}">
-        <p14:creationId xmlns:p14="http://schemas.microsoft.com/office/powerpoint/2010/main" val="3804242130"/>
-      </p:ext>
-    </p:extLst>
-  </p:cSld>
-  <p:clrMapOvr>
-    <a:masterClrMapping/>
-  </p:clrMapOvr>
-</p:sldLayout>
-</file>
-
-<file path=ppt/slideLayouts/slideLayout30.xml><?xml version="1.0" encoding="utf-8"?>
+<file path=ppt/slideLayouts/slideLayout29.xml><?xml version="1.0" encoding="utf-8"?>
 <p:sldLayout xmlns:a="http://schemas.openxmlformats.org/drawingml/2006/main" xmlns:r="http://schemas.openxmlformats.org/officeDocument/2006/relationships" xmlns:p="http://schemas.openxmlformats.org/presentationml/2006/main" preserve="1">
   <p:cSld name="Header + Graphic">
     <p:spTree>
@@ -5470,6 +5073,220 @@
     <p:extLst>
       <p:ext uri="{BB962C8B-B14F-4D97-AF65-F5344CB8AC3E}">
         <p14:creationId xmlns:p14="http://schemas.microsoft.com/office/powerpoint/2010/main" val="1060784164"/>
+      </p:ext>
+    </p:extLst>
+  </p:cSld>
+  <p:clrMapOvr>
+    <a:masterClrMapping/>
+  </p:clrMapOvr>
+</p:sldLayout>
+</file>
+
+<file path=ppt/slideLayouts/slideLayout3.xml><?xml version="1.0" encoding="utf-8"?>
+<p:sldLayout xmlns:a="http://schemas.openxmlformats.org/drawingml/2006/main" xmlns:r="http://schemas.openxmlformats.org/officeDocument/2006/relationships" xmlns:p="http://schemas.openxmlformats.org/presentationml/2006/main" preserve="1">
+  <p:cSld name="Header + Content">
+    <p:spTree>
+      <p:nvGrpSpPr>
+        <p:cNvPr id="1" name=""/>
+        <p:cNvGrpSpPr/>
+        <p:nvPr/>
+      </p:nvGrpSpPr>
+      <p:grpSpPr>
+        <a:xfrm>
+          <a:off x="0" y="0"/>
+          <a:ext cx="0" cy="0"/>
+          <a:chOff x="0" y="0"/>
+          <a:chExt cx="0" cy="0"/>
+        </a:xfrm>
+      </p:grpSpPr>
+      <p:sp>
+        <p:nvSpPr>
+          <p:cNvPr id="6" name="Text Placeholder 9"/>
+          <p:cNvSpPr>
+            <a:spLocks noGrp="1"/>
+          </p:cNvSpPr>
+          <p:nvPr>
+            <p:ph type="body" sz="quarter" idx="11" hasCustomPrompt="1"/>
+          </p:nvPr>
+        </p:nvSpPr>
+        <p:spPr>
+          <a:xfrm>
+            <a:off x="314634" y="1231554"/>
+            <a:ext cx="8540884" cy="4285625"/>
+          </a:xfrm>
+          <a:prstGeom prst="rect">
+            <a:avLst/>
+          </a:prstGeom>
+        </p:spPr>
+        <p:txBody>
+          <a:bodyPr/>
+          <a:lstStyle>
+            <a:lvl1pPr marL="257175" indent="-257175">
+              <a:buFont typeface="Lucida Grande"/>
+              <a:buChar char="&gt;"/>
+              <a:defRPr sz="2800" b="1" i="0" baseline="0">
+                <a:solidFill>
+                  <a:srgbClr val="4B2E83"/>
+                </a:solidFill>
+                <a:latin typeface="Open Sans"/>
+                <a:cs typeface="Open Sans"/>
+              </a:defRPr>
+            </a:lvl1pPr>
+            <a:lvl2pPr>
+              <a:defRPr sz="2400" b="1" i="0" baseline="0">
+                <a:solidFill>
+                  <a:srgbClr val="4B2E83"/>
+                </a:solidFill>
+                <a:latin typeface="Open Sans"/>
+                <a:cs typeface="Open Sans"/>
+              </a:defRPr>
+            </a:lvl2pPr>
+            <a:lvl3pPr marL="857250" indent="-171450">
+              <a:buSzPct val="100000"/>
+              <a:buFont typeface="Lucida Grande"/>
+              <a:buChar char="&gt;"/>
+              <a:defRPr sz="2400" b="1" i="0" baseline="0">
+                <a:solidFill>
+                  <a:srgbClr val="4B2E83"/>
+                </a:solidFill>
+                <a:latin typeface="Open Sans"/>
+                <a:cs typeface="Open Sans"/>
+              </a:defRPr>
+            </a:lvl3pPr>
+            <a:lvl4pPr>
+              <a:defRPr sz="1800" b="1" i="0" baseline="0">
+                <a:solidFill>
+                  <a:srgbClr val="4B2E83"/>
+                </a:solidFill>
+                <a:latin typeface="Open Sans"/>
+                <a:cs typeface="Open Sans"/>
+              </a:defRPr>
+            </a:lvl4pPr>
+            <a:lvl5pPr marL="1543050" indent="-171450">
+              <a:buFont typeface="Lucida Grande"/>
+              <a:buChar char="&gt;"/>
+              <a:defRPr sz="1400" b="1" i="0" baseline="0">
+                <a:solidFill>
+                  <a:srgbClr val="4B2E83"/>
+                </a:solidFill>
+                <a:latin typeface="Open Sans"/>
+                <a:cs typeface="Open Sans"/>
+              </a:defRPr>
+            </a:lvl5pPr>
+          </a:lstStyle>
+          <a:p>
+            <a:pPr lvl="0"/>
+            <a:r>
+              <a:rPr lang="en-US" dirty="0"/>
+              <a:t>Content here (Open Sans Bold, 24 pt.)</a:t>
+            </a:r>
+          </a:p>
+          <a:p>
+            <a:pPr lvl="1"/>
+            <a:r>
+              <a:rPr lang="en-US" dirty="0"/>
+              <a:t>Second level (Open Sans Bold, 20)</a:t>
+            </a:r>
+          </a:p>
+          <a:p>
+            <a:pPr lvl="2"/>
+            <a:r>
+              <a:rPr lang="en-US" dirty="0"/>
+              <a:t>Third level (Open Sans Bold, 18)</a:t>
+            </a:r>
+          </a:p>
+          <a:p>
+            <a:pPr lvl="3"/>
+            <a:r>
+              <a:rPr lang="en-US" dirty="0"/>
+              <a:t>Fourth level (Open Sans Bold, 16)</a:t>
+            </a:r>
+          </a:p>
+          <a:p>
+            <a:pPr lvl="4"/>
+            <a:r>
+              <a:rPr lang="en-US" dirty="0"/>
+              <a:t>Fifth level (Open Sans Bold, 14)</a:t>
+            </a:r>
+          </a:p>
+        </p:txBody>
+      </p:sp>
+      <p:sp>
+        <p:nvSpPr>
+          <p:cNvPr id="2" name="Title 1"/>
+          <p:cNvSpPr>
+            <a:spLocks noGrp="1"/>
+          </p:cNvSpPr>
+          <p:nvPr>
+            <p:ph type="title" hasCustomPrompt="1"/>
+          </p:nvPr>
+        </p:nvSpPr>
+        <p:spPr>
+          <a:xfrm>
+            <a:off x="314634" y="291660"/>
+            <a:ext cx="8540883" cy="590278"/>
+          </a:xfrm>
+          <a:prstGeom prst="rect">
+            <a:avLst/>
+          </a:prstGeom>
+        </p:spPr>
+        <p:txBody>
+          <a:bodyPr anchor="b"/>
+          <a:lstStyle>
+            <a:lvl1pPr algn="ctr">
+              <a:defRPr sz="4000" b="1" i="0">
+                <a:solidFill>
+                  <a:schemeClr val="bg1"/>
+                </a:solidFill>
+                <a:latin typeface="Encode Sans Normal Black" charset="0"/>
+                <a:ea typeface="Encode Sans Normal Black" charset="0"/>
+                <a:cs typeface="Encode Sans Normal Black" charset="0"/>
+              </a:defRPr>
+            </a:lvl1pPr>
+          </a:lstStyle>
+          <a:p>
+            <a:pPr lvl="0"/>
+            <a:r>
+              <a:rPr lang="en-US" dirty="0"/>
+              <a:t>HEADER HERE</a:t>
+            </a:r>
+          </a:p>
+        </p:txBody>
+      </p:sp>
+      <p:pic>
+        <p:nvPicPr>
+          <p:cNvPr id="8" name="Picture 7">
+            <a:extLst>
+              <a:ext uri="{FF2B5EF4-FFF2-40B4-BE49-F238E27FC236}">
+                <a16:creationId xmlns:a16="http://schemas.microsoft.com/office/drawing/2014/main" id="{C322EE24-9388-420D-B9A1-2D16BDAF8E8C}"/>
+              </a:ext>
+            </a:extLst>
+          </p:cNvPr>
+          <p:cNvPicPr>
+            <a:picLocks noChangeAspect="1"/>
+          </p:cNvPicPr>
+          <p:nvPr/>
+        </p:nvPicPr>
+        <p:blipFill>
+          <a:blip r:embed="rId2"/>
+          <a:stretch>
+            <a:fillRect/>
+          </a:stretch>
+        </p:blipFill>
+        <p:spPr>
+          <a:xfrm>
+            <a:off x="10418" y="6496635"/>
+            <a:ext cx="2312743" cy="242838"/>
+          </a:xfrm>
+          <a:prstGeom prst="rect">
+            <a:avLst/>
+          </a:prstGeom>
+        </p:spPr>
+      </p:pic>
+    </p:spTree>
+    <p:extLst>
+      <p:ext uri="{BB962C8B-B14F-4D97-AF65-F5344CB8AC3E}">
+        <p14:creationId xmlns:p14="http://schemas.microsoft.com/office/powerpoint/2010/main" val="3804242130"/>
       </p:ext>
     </p:extLst>
   </p:cSld>
@@ -7323,7 +7140,7 @@
           <p:nvPr/>
         </p:nvPicPr>
         <p:blipFill>
-          <a:blip r:embed="rId9">
+          <a:blip r:embed="rId8">
             <a:extLst>
               <a:ext uri="{28A0092B-C50C-407E-A947-70E740481C1C}">
                 <a14:useLocalDpi xmlns:a14="http://schemas.microsoft.com/office/drawing/2010/main" val="0"/>
@@ -7359,7 +7176,6 @@
     <p:sldLayoutId id="2147483682" r:id="rId4"/>
     <p:sldLayoutId id="2147483683" r:id="rId5"/>
     <p:sldLayoutId id="2147483705" r:id="rId6"/>
-    <p:sldLayoutId id="2147483707" r:id="rId7"/>
   </p:sldLayoutIdLst>
   <p:txStyles>
     <p:titleStyle>
@@ -8790,959 +8606,6 @@
 <file path=ppt/slides/slide1.xml><?xml version="1.0" encoding="utf-8"?>
 <p:sld xmlns:a="http://schemas.openxmlformats.org/drawingml/2006/main" xmlns:r="http://schemas.openxmlformats.org/officeDocument/2006/relationships" xmlns:p="http://schemas.openxmlformats.org/presentationml/2006/main">
   <p:cSld>
-    <p:spTree>
-      <p:nvGrpSpPr>
-        <p:cNvPr id="1" name=""/>
-        <p:cNvGrpSpPr/>
-        <p:nvPr/>
-      </p:nvGrpSpPr>
-      <p:grpSpPr>
-        <a:xfrm>
-          <a:off x="0" y="0"/>
-          <a:ext cx="0" cy="0"/>
-          <a:chOff x="0" y="0"/>
-          <a:chExt cx="0" cy="0"/>
-        </a:xfrm>
-      </p:grpSpPr>
-      <p:sp>
-        <p:nvSpPr>
-          <p:cNvPr id="2" name="Title 1">
-            <a:extLst>
-              <a:ext uri="{FF2B5EF4-FFF2-40B4-BE49-F238E27FC236}">
-                <a16:creationId xmlns:a16="http://schemas.microsoft.com/office/drawing/2014/main" id="{29F57B69-B10D-4CCD-A9B4-587931204693}"/>
-              </a:ext>
-            </a:extLst>
-          </p:cNvPr>
-          <p:cNvSpPr>
-            <a:spLocks noGrp="1"/>
-          </p:cNvSpPr>
-          <p:nvPr>
-            <p:ph type="title"/>
-          </p:nvPr>
-        </p:nvSpPr>
-        <p:spPr>
-          <a:xfrm>
-            <a:off x="1382486" y="189730"/>
-            <a:ext cx="7761514" cy="724090"/>
-          </a:xfrm>
-        </p:spPr>
-        <p:txBody>
-          <a:bodyPr>
-            <a:normAutofit fontScale="90000"/>
-          </a:bodyPr>
-          <a:lstStyle/>
-          <a:p>
-            <a:r>
-              <a:rPr lang="en-US" dirty="0"/>
-              <a:t>SELEC: Machine Learning-Driven Selection of Battery Electrolytes </a:t>
-            </a:r>
-          </a:p>
-        </p:txBody>
-      </p:sp>
-      <p:sp>
-        <p:nvSpPr>
-          <p:cNvPr id="4" name="TextBox 3">
-            <a:extLst>
-              <a:ext uri="{FF2B5EF4-FFF2-40B4-BE49-F238E27FC236}">
-                <a16:creationId xmlns:a16="http://schemas.microsoft.com/office/drawing/2014/main" id="{FAF4EF6C-3B13-4CC4-A2AE-62C8E1012CFC}"/>
-              </a:ext>
-            </a:extLst>
-          </p:cNvPr>
-          <p:cNvSpPr txBox="1"/>
-          <p:nvPr/>
-        </p:nvSpPr>
-        <p:spPr>
-          <a:xfrm>
-            <a:off x="3526971" y="6550223"/>
-            <a:ext cx="6803572" cy="307777"/>
-          </a:xfrm>
-          <a:prstGeom prst="rect">
-            <a:avLst/>
-          </a:prstGeom>
-          <a:noFill/>
-        </p:spPr>
-        <p:txBody>
-          <a:bodyPr wrap="square" rtlCol="0">
-            <a:spAutoFit/>
-          </a:bodyPr>
-          <a:lstStyle/>
-          <a:p>
-            <a:r>
-              <a:rPr lang="en-US" sz="1400" dirty="0">
-                <a:solidFill>
-                  <a:schemeClr val="bg2"/>
-                </a:solidFill>
-                <a:latin typeface="Arial" panose="020B0604020202020204" pitchFamily="34" charset="0"/>
-                <a:cs typeface="Arial" panose="020B0604020202020204" pitchFamily="34" charset="0"/>
-              </a:rPr>
-              <a:t>Rose Lee, Karen Li, Bella Wu, Shuyan Zhao</a:t>
-            </a:r>
-          </a:p>
-        </p:txBody>
-      </p:sp>
-    </p:spTree>
-    <p:extLst>
-      <p:ext uri="{BB962C8B-B14F-4D97-AF65-F5344CB8AC3E}">
-        <p14:creationId xmlns:p14="http://schemas.microsoft.com/office/powerpoint/2010/main" val="3372869848"/>
-      </p:ext>
-    </p:extLst>
-  </p:cSld>
-  <p:clrMapOvr>
-    <a:masterClrMapping/>
-  </p:clrMapOvr>
-</p:sld>
-</file>
-
-<file path=ppt/slides/slide2.xml><?xml version="1.0" encoding="utf-8"?>
-<p:sld xmlns:a="http://schemas.openxmlformats.org/drawingml/2006/main" xmlns:r="http://schemas.openxmlformats.org/officeDocument/2006/relationships" xmlns:p="http://schemas.openxmlformats.org/presentationml/2006/main">
-  <p:cSld>
-    <p:spTree>
-      <p:nvGrpSpPr>
-        <p:cNvPr id="1" name=""/>
-        <p:cNvGrpSpPr/>
-        <p:nvPr/>
-      </p:nvGrpSpPr>
-      <p:grpSpPr>
-        <a:xfrm>
-          <a:off x="0" y="0"/>
-          <a:ext cx="0" cy="0"/>
-          <a:chOff x="0" y="0"/>
-          <a:chExt cx="0" cy="0"/>
-        </a:xfrm>
-      </p:grpSpPr>
-      <p:sp>
-        <p:nvSpPr>
-          <p:cNvPr id="2" name="Title 1">
-            <a:extLst>
-              <a:ext uri="{FF2B5EF4-FFF2-40B4-BE49-F238E27FC236}">
-                <a16:creationId xmlns:a16="http://schemas.microsoft.com/office/drawing/2014/main" id="{46989990-D3B1-41AB-A7A4-DEF575FB16F1}"/>
-              </a:ext>
-            </a:extLst>
-          </p:cNvPr>
-          <p:cNvSpPr>
-            <a:spLocks noGrp="1"/>
-          </p:cNvSpPr>
-          <p:nvPr>
-            <p:ph type="title"/>
-          </p:nvPr>
-        </p:nvSpPr>
-        <p:spPr>
-          <a:xfrm>
-            <a:off x="1901884" y="172424"/>
-            <a:ext cx="6079589" cy="659267"/>
-          </a:xfrm>
-        </p:spPr>
-        <p:txBody>
-          <a:bodyPr>
-            <a:normAutofit fontScale="90000"/>
-          </a:bodyPr>
-          <a:lstStyle/>
-          <a:p>
-            <a:r>
-              <a:rPr lang="en-US" sz="2400" dirty="0">
-                <a:solidFill>
-                  <a:schemeClr val="tx1"/>
-                </a:solidFill>
-                <a:latin typeface="Arial" panose="020B0604020202020204" pitchFamily="34" charset="0"/>
-                <a:cs typeface="Arial" panose="020B0604020202020204" pitchFamily="34" charset="0"/>
-              </a:rPr>
-              <a:t>SELEC: Selection of Battery Electrolytes Driven by Machine Learning</a:t>
-            </a:r>
-          </a:p>
-        </p:txBody>
-      </p:sp>
-      <p:sp>
-        <p:nvSpPr>
-          <p:cNvPr id="5" name="Title 1">
-            <a:extLst>
-              <a:ext uri="{FF2B5EF4-FFF2-40B4-BE49-F238E27FC236}">
-                <a16:creationId xmlns:a16="http://schemas.microsoft.com/office/drawing/2014/main" id="{ADF12C7D-3C12-485D-AD98-BE362BF0EE7A}"/>
-              </a:ext>
-            </a:extLst>
-          </p:cNvPr>
-          <p:cNvSpPr txBox="1">
-            <a:spLocks/>
-          </p:cNvSpPr>
-          <p:nvPr/>
-        </p:nvSpPr>
-        <p:spPr>
-          <a:xfrm>
-            <a:off x="1952428" y="735196"/>
-            <a:ext cx="6079589" cy="336199"/>
-          </a:xfrm>
-          <a:prstGeom prst="rect">
-            <a:avLst/>
-          </a:prstGeom>
-        </p:spPr>
-        <p:txBody>
-          <a:bodyPr anchor="b"/>
-          <a:lstStyle>
-            <a:lvl1pPr algn="l" defTabSz="342900" rtl="0" eaLnBrk="1" latinLnBrk="0" hangingPunct="1">
-              <a:spcBef>
-                <a:spcPct val="0"/>
-              </a:spcBef>
-              <a:buNone/>
-              <a:defRPr sz="3750" b="1" i="0" kern="1200">
-                <a:solidFill>
-                  <a:schemeClr val="tx2"/>
-                </a:solidFill>
-                <a:latin typeface="Encode Sans Normal Black" charset="0"/>
-                <a:ea typeface="Encode Sans Normal Black" charset="0"/>
-                <a:cs typeface="Encode Sans Normal Black" charset="0"/>
-              </a:defRPr>
-            </a:lvl1pPr>
-          </a:lstStyle>
-          <a:p>
-            <a:r>
-              <a:rPr lang="en-US" sz="1400" b="0" dirty="0">
-                <a:solidFill>
-                  <a:schemeClr val="accent3"/>
-                </a:solidFill>
-                <a:latin typeface="Arial" panose="020B0604020202020204" pitchFamily="34" charset="0"/>
-                <a:cs typeface="Arial" panose="020B0604020202020204" pitchFamily="34" charset="0"/>
-              </a:rPr>
-              <a:t>Rose Lee, Karen Li, Bella Wu, Shuyan Zhao</a:t>
-            </a:r>
-          </a:p>
-        </p:txBody>
-      </p:sp>
-      <p:sp>
-        <p:nvSpPr>
-          <p:cNvPr id="3" name="Rectangle 2">
-            <a:extLst>
-              <a:ext uri="{FF2B5EF4-FFF2-40B4-BE49-F238E27FC236}">
-                <a16:creationId xmlns:a16="http://schemas.microsoft.com/office/drawing/2014/main" id="{1E5917BC-777A-4C29-8BD0-40C2AF35B113}"/>
-              </a:ext>
-            </a:extLst>
-          </p:cNvPr>
-          <p:cNvSpPr/>
-          <p:nvPr/>
-        </p:nvSpPr>
-        <p:spPr>
-          <a:xfrm>
-            <a:off x="283969" y="1312843"/>
-            <a:ext cx="2612571" cy="2667323"/>
-          </a:xfrm>
-          <a:prstGeom prst="rect">
-            <a:avLst/>
-          </a:prstGeom>
-          <a:solidFill>
-            <a:schemeClr val="accent3"/>
-          </a:solidFill>
-          <a:ln>
-            <a:noFill/>
-          </a:ln>
-          <a:effectLst/>
-        </p:spPr>
-        <p:style>
-          <a:lnRef idx="1">
-            <a:schemeClr val="accent1"/>
-          </a:lnRef>
-          <a:fillRef idx="3">
-            <a:schemeClr val="accent1"/>
-          </a:fillRef>
-          <a:effectRef idx="2">
-            <a:schemeClr val="accent1"/>
-          </a:effectRef>
-          <a:fontRef idx="minor">
-            <a:schemeClr val="lt1"/>
-          </a:fontRef>
-        </p:style>
-        <p:txBody>
-          <a:bodyPr rtlCol="0" anchor="ctr"/>
-          <a:lstStyle/>
-          <a:p>
-            <a:pPr algn="ctr"/>
-            <a:endParaRPr lang="en-US"/>
-          </a:p>
-        </p:txBody>
-      </p:sp>
-      <p:sp>
-        <p:nvSpPr>
-          <p:cNvPr id="6" name="Rectangle 5">
-            <a:extLst>
-              <a:ext uri="{FF2B5EF4-FFF2-40B4-BE49-F238E27FC236}">
-                <a16:creationId xmlns:a16="http://schemas.microsoft.com/office/drawing/2014/main" id="{43ED87FA-5166-4AFB-BA66-219B218049CD}"/>
-              </a:ext>
-            </a:extLst>
-          </p:cNvPr>
-          <p:cNvSpPr/>
-          <p:nvPr/>
-        </p:nvSpPr>
-        <p:spPr>
-          <a:xfrm>
-            <a:off x="3116621" y="1312843"/>
-            <a:ext cx="2789582" cy="5276608"/>
-          </a:xfrm>
-          <a:prstGeom prst="rect">
-            <a:avLst/>
-          </a:prstGeom>
-          <a:solidFill>
-            <a:schemeClr val="accent3"/>
-          </a:solidFill>
-          <a:ln>
-            <a:noFill/>
-          </a:ln>
-          <a:effectLst/>
-        </p:spPr>
-        <p:style>
-          <a:lnRef idx="1">
-            <a:schemeClr val="accent1"/>
-          </a:lnRef>
-          <a:fillRef idx="3">
-            <a:schemeClr val="accent1"/>
-          </a:fillRef>
-          <a:effectRef idx="2">
-            <a:schemeClr val="accent1"/>
-          </a:effectRef>
-          <a:fontRef idx="minor">
-            <a:schemeClr val="lt1"/>
-          </a:fontRef>
-        </p:style>
-        <p:txBody>
-          <a:bodyPr rtlCol="0" anchor="ctr"/>
-          <a:lstStyle/>
-          <a:p>
-            <a:pPr algn="ctr"/>
-            <a:endParaRPr lang="en-US"/>
-          </a:p>
-        </p:txBody>
-      </p:sp>
-      <p:sp>
-        <p:nvSpPr>
-          <p:cNvPr id="7" name="Rectangle 6">
-            <a:extLst>
-              <a:ext uri="{FF2B5EF4-FFF2-40B4-BE49-F238E27FC236}">
-                <a16:creationId xmlns:a16="http://schemas.microsoft.com/office/drawing/2014/main" id="{F1231369-87D0-46D2-92ED-DAC361982E09}"/>
-              </a:ext>
-            </a:extLst>
-          </p:cNvPr>
-          <p:cNvSpPr/>
-          <p:nvPr/>
-        </p:nvSpPr>
-        <p:spPr>
-          <a:xfrm>
-            <a:off x="6126284" y="1312843"/>
-            <a:ext cx="2789582" cy="3253518"/>
-          </a:xfrm>
-          <a:prstGeom prst="rect">
-            <a:avLst/>
-          </a:prstGeom>
-          <a:solidFill>
-            <a:schemeClr val="accent3"/>
-          </a:solidFill>
-          <a:ln>
-            <a:noFill/>
-          </a:ln>
-          <a:effectLst/>
-        </p:spPr>
-        <p:style>
-          <a:lnRef idx="1">
-            <a:schemeClr val="accent1"/>
-          </a:lnRef>
-          <a:fillRef idx="3">
-            <a:schemeClr val="accent1"/>
-          </a:fillRef>
-          <a:effectRef idx="2">
-            <a:schemeClr val="accent1"/>
-          </a:effectRef>
-          <a:fontRef idx="minor">
-            <a:schemeClr val="lt1"/>
-          </a:fontRef>
-        </p:style>
-        <p:txBody>
-          <a:bodyPr rtlCol="0" anchor="ctr"/>
-          <a:lstStyle/>
-          <a:p>
-            <a:pPr algn="ctr"/>
-            <a:endParaRPr lang="en-US"/>
-          </a:p>
-        </p:txBody>
-      </p:sp>
-      <p:sp>
-        <p:nvSpPr>
-          <p:cNvPr id="8" name="Rectangle 7">
-            <a:extLst>
-              <a:ext uri="{FF2B5EF4-FFF2-40B4-BE49-F238E27FC236}">
-                <a16:creationId xmlns:a16="http://schemas.microsoft.com/office/drawing/2014/main" id="{AAF56AB0-5621-4A63-97CA-BCEDEBA14711}"/>
-              </a:ext>
-            </a:extLst>
-          </p:cNvPr>
-          <p:cNvSpPr/>
-          <p:nvPr/>
-        </p:nvSpPr>
-        <p:spPr>
-          <a:xfrm>
-            <a:off x="283969" y="4163076"/>
-            <a:ext cx="2612571" cy="2426375"/>
-          </a:xfrm>
-          <a:prstGeom prst="rect">
-            <a:avLst/>
-          </a:prstGeom>
-          <a:solidFill>
-            <a:schemeClr val="accent3"/>
-          </a:solidFill>
-          <a:ln>
-            <a:noFill/>
-          </a:ln>
-          <a:effectLst/>
-        </p:spPr>
-        <p:style>
-          <a:lnRef idx="1">
-            <a:schemeClr val="accent1"/>
-          </a:lnRef>
-          <a:fillRef idx="3">
-            <a:schemeClr val="accent1"/>
-          </a:fillRef>
-          <a:effectRef idx="2">
-            <a:schemeClr val="accent1"/>
-          </a:effectRef>
-          <a:fontRef idx="minor">
-            <a:schemeClr val="lt1"/>
-          </a:fontRef>
-        </p:style>
-        <p:txBody>
-          <a:bodyPr rtlCol="0" anchor="ctr"/>
-          <a:lstStyle/>
-          <a:p>
-            <a:pPr algn="ctr"/>
-            <a:endParaRPr lang="en-US"/>
-          </a:p>
-        </p:txBody>
-      </p:sp>
-      <p:sp>
-        <p:nvSpPr>
-          <p:cNvPr id="9" name="Rectangle 8">
-            <a:extLst>
-              <a:ext uri="{FF2B5EF4-FFF2-40B4-BE49-F238E27FC236}">
-                <a16:creationId xmlns:a16="http://schemas.microsoft.com/office/drawing/2014/main" id="{014C10B3-99BA-4AA0-9D3E-361CEA5EFDEB}"/>
-              </a:ext>
-            </a:extLst>
-          </p:cNvPr>
-          <p:cNvSpPr/>
-          <p:nvPr/>
-        </p:nvSpPr>
-        <p:spPr>
-          <a:xfrm>
-            <a:off x="6126284" y="4760652"/>
-            <a:ext cx="2789582" cy="1828799"/>
-          </a:xfrm>
-          <a:prstGeom prst="rect">
-            <a:avLst/>
-          </a:prstGeom>
-          <a:solidFill>
-            <a:schemeClr val="accent3"/>
-          </a:solidFill>
-          <a:ln>
-            <a:noFill/>
-          </a:ln>
-          <a:effectLst/>
-        </p:spPr>
-        <p:style>
-          <a:lnRef idx="1">
-            <a:schemeClr val="accent1"/>
-          </a:lnRef>
-          <a:fillRef idx="3">
-            <a:schemeClr val="accent1"/>
-          </a:fillRef>
-          <a:effectRef idx="2">
-            <a:schemeClr val="accent1"/>
-          </a:effectRef>
-          <a:fontRef idx="minor">
-            <a:schemeClr val="lt1"/>
-          </a:fontRef>
-        </p:style>
-        <p:txBody>
-          <a:bodyPr rtlCol="0" anchor="ctr"/>
-          <a:lstStyle/>
-          <a:p>
-            <a:pPr algn="ctr"/>
-            <a:endParaRPr lang="en-US"/>
-          </a:p>
-        </p:txBody>
-      </p:sp>
-      <p:pic>
-        <p:nvPicPr>
-          <p:cNvPr id="4" name="Picture 3" descr="Logo&#10;&#10;Description automatically generated">
-            <a:extLst>
-              <a:ext uri="{FF2B5EF4-FFF2-40B4-BE49-F238E27FC236}">
-                <a16:creationId xmlns:a16="http://schemas.microsoft.com/office/drawing/2014/main" id="{3D1CB8D8-0351-4A8D-8892-895765B77071}"/>
-              </a:ext>
-            </a:extLst>
-          </p:cNvPr>
-          <p:cNvPicPr>
-            <a:picLocks noChangeAspect="1"/>
-          </p:cNvPicPr>
-          <p:nvPr/>
-        </p:nvPicPr>
-        <p:blipFill>
-          <a:blip r:embed="rId3">
-            <a:extLst>
-              <a:ext uri="{28A0092B-C50C-407E-A947-70E740481C1C}">
-                <a14:useLocalDpi xmlns:a14="http://schemas.microsoft.com/office/drawing/2010/main" val="0"/>
-              </a:ext>
-            </a:extLst>
-          </a:blip>
-          <a:stretch>
-            <a:fillRect/>
-          </a:stretch>
-        </p:blipFill>
-        <p:spPr>
-          <a:xfrm>
-            <a:off x="716704" y="1727276"/>
-            <a:ext cx="1616322" cy="1066773"/>
-          </a:xfrm>
-          <a:prstGeom prst="rect">
-            <a:avLst/>
-          </a:prstGeom>
-        </p:spPr>
-      </p:pic>
-    </p:spTree>
-    <p:extLst>
-      <p:ext uri="{BB962C8B-B14F-4D97-AF65-F5344CB8AC3E}">
-        <p14:creationId xmlns:p14="http://schemas.microsoft.com/office/powerpoint/2010/main" val="2015364404"/>
-      </p:ext>
-    </p:extLst>
-  </p:cSld>
-  <p:clrMapOvr>
-    <a:masterClrMapping/>
-  </p:clrMapOvr>
-  <p:extLst>
-    <p:ext uri="{6950BFC3-D8DA-4A85-94F7-54DA5524770B}">
-      <p188:commentRel xmlns:p188="http://schemas.microsoft.com/office/powerpoint/2018/8/main" r:id="rId2"/>
-    </p:ext>
-  </p:extLst>
-</p:sld>
-</file>
-
-<file path=ppt/slides/slide3.xml><?xml version="1.0" encoding="utf-8"?>
-<p:sld xmlns:a="http://schemas.openxmlformats.org/drawingml/2006/main" xmlns:r="http://schemas.openxmlformats.org/officeDocument/2006/relationships" xmlns:p="http://schemas.openxmlformats.org/presentationml/2006/main">
-  <p:cSld>
-    <p:bg>
-      <p:bgPr>
-        <a:solidFill>
-          <a:srgbClr val="5271FF"/>
-        </a:solidFill>
-        <a:effectLst/>
-      </p:bgPr>
-    </p:bg>
-    <p:spTree>
-      <p:nvGrpSpPr>
-        <p:cNvPr id="1" name=""/>
-        <p:cNvGrpSpPr/>
-        <p:nvPr/>
-      </p:nvGrpSpPr>
-      <p:grpSpPr>
-        <a:xfrm>
-          <a:off x="0" y="0"/>
-          <a:ext cx="0" cy="0"/>
-          <a:chOff x="0" y="0"/>
-          <a:chExt cx="0" cy="0"/>
-        </a:xfrm>
-      </p:grpSpPr>
-      <p:sp>
-        <p:nvSpPr>
-          <p:cNvPr id="2" name="Title 1">
-            <a:extLst>
-              <a:ext uri="{FF2B5EF4-FFF2-40B4-BE49-F238E27FC236}">
-                <a16:creationId xmlns:a16="http://schemas.microsoft.com/office/drawing/2014/main" id="{46989990-D3B1-41AB-A7A4-DEF575FB16F1}"/>
-              </a:ext>
-            </a:extLst>
-          </p:cNvPr>
-          <p:cNvSpPr>
-            <a:spLocks noGrp="1"/>
-          </p:cNvSpPr>
-          <p:nvPr>
-            <p:ph type="title"/>
-          </p:nvPr>
-        </p:nvSpPr>
-        <p:spPr>
-          <a:xfrm>
-            <a:off x="1901884" y="172424"/>
-            <a:ext cx="6079589" cy="659267"/>
-          </a:xfrm>
-        </p:spPr>
-        <p:txBody>
-          <a:bodyPr>
-            <a:normAutofit fontScale="90000"/>
-          </a:bodyPr>
-          <a:lstStyle/>
-          <a:p>
-            <a:r>
-              <a:rPr lang="en-US" sz="2400" dirty="0">
-                <a:solidFill>
-                  <a:srgbClr val="FFBD59"/>
-                </a:solidFill>
-                <a:latin typeface="Arial" panose="020B0604020202020204" pitchFamily="34" charset="0"/>
-                <a:cs typeface="Arial" panose="020B0604020202020204" pitchFamily="34" charset="0"/>
-              </a:rPr>
-              <a:t>SELEC: Selection of Battery Electrolytes Driven by Machine Learning</a:t>
-            </a:r>
-          </a:p>
-        </p:txBody>
-      </p:sp>
-      <p:sp>
-        <p:nvSpPr>
-          <p:cNvPr id="5" name="Title 1">
-            <a:extLst>
-              <a:ext uri="{FF2B5EF4-FFF2-40B4-BE49-F238E27FC236}">
-                <a16:creationId xmlns:a16="http://schemas.microsoft.com/office/drawing/2014/main" id="{ADF12C7D-3C12-485D-AD98-BE362BF0EE7A}"/>
-              </a:ext>
-            </a:extLst>
-          </p:cNvPr>
-          <p:cNvSpPr txBox="1">
-            <a:spLocks/>
-          </p:cNvSpPr>
-          <p:nvPr/>
-        </p:nvSpPr>
-        <p:spPr>
-          <a:xfrm>
-            <a:off x="1952428" y="735196"/>
-            <a:ext cx="6079589" cy="336199"/>
-          </a:xfrm>
-          <a:prstGeom prst="rect">
-            <a:avLst/>
-          </a:prstGeom>
-        </p:spPr>
-        <p:txBody>
-          <a:bodyPr anchor="b"/>
-          <a:lstStyle>
-            <a:lvl1pPr algn="l" defTabSz="342900" rtl="0" eaLnBrk="1" latinLnBrk="0" hangingPunct="1">
-              <a:spcBef>
-                <a:spcPct val="0"/>
-              </a:spcBef>
-              <a:buNone/>
-              <a:defRPr sz="3750" b="1" i="0" kern="1200">
-                <a:solidFill>
-                  <a:schemeClr val="tx2"/>
-                </a:solidFill>
-                <a:latin typeface="Encode Sans Normal Black" charset="0"/>
-                <a:ea typeface="Encode Sans Normal Black" charset="0"/>
-                <a:cs typeface="Encode Sans Normal Black" charset="0"/>
-              </a:defRPr>
-            </a:lvl1pPr>
-          </a:lstStyle>
-          <a:p>
-            <a:r>
-              <a:rPr lang="en-US" sz="1400" b="0" dirty="0">
-                <a:solidFill>
-                  <a:schemeClr val="accent3"/>
-                </a:solidFill>
-                <a:latin typeface="Arial" panose="020B0604020202020204" pitchFamily="34" charset="0"/>
-                <a:cs typeface="Arial" panose="020B0604020202020204" pitchFamily="34" charset="0"/>
-              </a:rPr>
-              <a:t>Rose Lee, Karen Li, Bella Wu, Shuyan Zhao</a:t>
-            </a:r>
-          </a:p>
-        </p:txBody>
-      </p:sp>
-      <p:sp>
-        <p:nvSpPr>
-          <p:cNvPr id="3" name="Rectangle 2">
-            <a:extLst>
-              <a:ext uri="{FF2B5EF4-FFF2-40B4-BE49-F238E27FC236}">
-                <a16:creationId xmlns:a16="http://schemas.microsoft.com/office/drawing/2014/main" id="{1E5917BC-777A-4C29-8BD0-40C2AF35B113}"/>
-              </a:ext>
-            </a:extLst>
-          </p:cNvPr>
-          <p:cNvSpPr/>
-          <p:nvPr/>
-        </p:nvSpPr>
-        <p:spPr>
-          <a:xfrm>
-            <a:off x="283968" y="1312843"/>
-            <a:ext cx="2612571" cy="2667323"/>
-          </a:xfrm>
-          <a:prstGeom prst="rect">
-            <a:avLst/>
-          </a:prstGeom>
-          <a:solidFill>
-            <a:schemeClr val="accent3"/>
-          </a:solidFill>
-          <a:ln>
-            <a:noFill/>
-          </a:ln>
-          <a:effectLst/>
-        </p:spPr>
-        <p:style>
-          <a:lnRef idx="1">
-            <a:schemeClr val="accent1"/>
-          </a:lnRef>
-          <a:fillRef idx="3">
-            <a:schemeClr val="accent1"/>
-          </a:fillRef>
-          <a:effectRef idx="2">
-            <a:schemeClr val="accent1"/>
-          </a:effectRef>
-          <a:fontRef idx="minor">
-            <a:schemeClr val="lt1"/>
-          </a:fontRef>
-        </p:style>
-        <p:txBody>
-          <a:bodyPr rtlCol="0" anchor="ctr"/>
-          <a:lstStyle/>
-          <a:p>
-            <a:pPr algn="ctr"/>
-            <a:endParaRPr lang="en-US"/>
-          </a:p>
-        </p:txBody>
-      </p:sp>
-      <p:sp>
-        <p:nvSpPr>
-          <p:cNvPr id="6" name="Rectangle 5">
-            <a:extLst>
-              <a:ext uri="{FF2B5EF4-FFF2-40B4-BE49-F238E27FC236}">
-                <a16:creationId xmlns:a16="http://schemas.microsoft.com/office/drawing/2014/main" id="{43ED87FA-5166-4AFB-BA66-219B218049CD}"/>
-              </a:ext>
-            </a:extLst>
-          </p:cNvPr>
-          <p:cNvSpPr/>
-          <p:nvPr/>
-        </p:nvSpPr>
-        <p:spPr>
-          <a:xfrm>
-            <a:off x="3116621" y="1312843"/>
-            <a:ext cx="2789582" cy="5276608"/>
-          </a:xfrm>
-          <a:prstGeom prst="rect">
-            <a:avLst/>
-          </a:prstGeom>
-          <a:solidFill>
-            <a:schemeClr val="accent3"/>
-          </a:solidFill>
-          <a:ln>
-            <a:noFill/>
-          </a:ln>
-          <a:effectLst/>
-        </p:spPr>
-        <p:style>
-          <a:lnRef idx="1">
-            <a:schemeClr val="accent1"/>
-          </a:lnRef>
-          <a:fillRef idx="3">
-            <a:schemeClr val="accent1"/>
-          </a:fillRef>
-          <a:effectRef idx="2">
-            <a:schemeClr val="accent1"/>
-          </a:effectRef>
-          <a:fontRef idx="minor">
-            <a:schemeClr val="lt1"/>
-          </a:fontRef>
-        </p:style>
-        <p:txBody>
-          <a:bodyPr rtlCol="0" anchor="ctr"/>
-          <a:lstStyle/>
-          <a:p>
-            <a:pPr algn="ctr"/>
-            <a:endParaRPr lang="en-US"/>
-          </a:p>
-        </p:txBody>
-      </p:sp>
-      <p:sp>
-        <p:nvSpPr>
-          <p:cNvPr id="7" name="Rectangle 6">
-            <a:extLst>
-              <a:ext uri="{FF2B5EF4-FFF2-40B4-BE49-F238E27FC236}">
-                <a16:creationId xmlns:a16="http://schemas.microsoft.com/office/drawing/2014/main" id="{F1231369-87D0-46D2-92ED-DAC361982E09}"/>
-              </a:ext>
-            </a:extLst>
-          </p:cNvPr>
-          <p:cNvSpPr/>
-          <p:nvPr/>
-        </p:nvSpPr>
-        <p:spPr>
-          <a:xfrm>
-            <a:off x="6126284" y="1312843"/>
-            <a:ext cx="2789582" cy="3253518"/>
-          </a:xfrm>
-          <a:prstGeom prst="rect">
-            <a:avLst/>
-          </a:prstGeom>
-          <a:solidFill>
-            <a:schemeClr val="accent3"/>
-          </a:solidFill>
-          <a:ln>
-            <a:noFill/>
-          </a:ln>
-          <a:effectLst/>
-        </p:spPr>
-        <p:style>
-          <a:lnRef idx="1">
-            <a:schemeClr val="accent1"/>
-          </a:lnRef>
-          <a:fillRef idx="3">
-            <a:schemeClr val="accent1"/>
-          </a:fillRef>
-          <a:effectRef idx="2">
-            <a:schemeClr val="accent1"/>
-          </a:effectRef>
-          <a:fontRef idx="minor">
-            <a:schemeClr val="lt1"/>
-          </a:fontRef>
-        </p:style>
-        <p:txBody>
-          <a:bodyPr rtlCol="0" anchor="ctr"/>
-          <a:lstStyle/>
-          <a:p>
-            <a:pPr algn="ctr"/>
-            <a:endParaRPr lang="en-US"/>
-          </a:p>
-        </p:txBody>
-      </p:sp>
-      <p:sp>
-        <p:nvSpPr>
-          <p:cNvPr id="8" name="Rectangle 7">
-            <a:extLst>
-              <a:ext uri="{FF2B5EF4-FFF2-40B4-BE49-F238E27FC236}">
-                <a16:creationId xmlns:a16="http://schemas.microsoft.com/office/drawing/2014/main" id="{AAF56AB0-5621-4A63-97CA-BCEDEBA14711}"/>
-              </a:ext>
-            </a:extLst>
-          </p:cNvPr>
-          <p:cNvSpPr/>
-          <p:nvPr/>
-        </p:nvSpPr>
-        <p:spPr>
-          <a:xfrm>
-            <a:off x="283969" y="4163076"/>
-            <a:ext cx="2612571" cy="2426375"/>
-          </a:xfrm>
-          <a:prstGeom prst="rect">
-            <a:avLst/>
-          </a:prstGeom>
-          <a:solidFill>
-            <a:schemeClr val="accent3"/>
-          </a:solidFill>
-          <a:ln>
-            <a:noFill/>
-          </a:ln>
-          <a:effectLst/>
-        </p:spPr>
-        <p:style>
-          <a:lnRef idx="1">
-            <a:schemeClr val="accent1"/>
-          </a:lnRef>
-          <a:fillRef idx="3">
-            <a:schemeClr val="accent1"/>
-          </a:fillRef>
-          <a:effectRef idx="2">
-            <a:schemeClr val="accent1"/>
-          </a:effectRef>
-          <a:fontRef idx="minor">
-            <a:schemeClr val="lt1"/>
-          </a:fontRef>
-        </p:style>
-        <p:txBody>
-          <a:bodyPr rtlCol="0" anchor="ctr"/>
-          <a:lstStyle/>
-          <a:p>
-            <a:pPr algn="ctr"/>
-            <a:endParaRPr lang="en-US"/>
-          </a:p>
-        </p:txBody>
-      </p:sp>
-      <p:sp>
-        <p:nvSpPr>
-          <p:cNvPr id="9" name="Rectangle 8">
-            <a:extLst>
-              <a:ext uri="{FF2B5EF4-FFF2-40B4-BE49-F238E27FC236}">
-                <a16:creationId xmlns:a16="http://schemas.microsoft.com/office/drawing/2014/main" id="{014C10B3-99BA-4AA0-9D3E-361CEA5EFDEB}"/>
-              </a:ext>
-            </a:extLst>
-          </p:cNvPr>
-          <p:cNvSpPr/>
-          <p:nvPr/>
-        </p:nvSpPr>
-        <p:spPr>
-          <a:xfrm>
-            <a:off x="6126284" y="4760652"/>
-            <a:ext cx="2789582" cy="1828799"/>
-          </a:xfrm>
-          <a:prstGeom prst="rect">
-            <a:avLst/>
-          </a:prstGeom>
-          <a:solidFill>
-            <a:schemeClr val="accent3"/>
-          </a:solidFill>
-          <a:ln>
-            <a:noFill/>
-          </a:ln>
-          <a:effectLst/>
-        </p:spPr>
-        <p:style>
-          <a:lnRef idx="1">
-            <a:schemeClr val="accent1"/>
-          </a:lnRef>
-          <a:fillRef idx="3">
-            <a:schemeClr val="accent1"/>
-          </a:fillRef>
-          <a:effectRef idx="2">
-            <a:schemeClr val="accent1"/>
-          </a:effectRef>
-          <a:fontRef idx="minor">
-            <a:schemeClr val="lt1"/>
-          </a:fontRef>
-        </p:style>
-        <p:txBody>
-          <a:bodyPr rtlCol="0" anchor="ctr"/>
-          <a:lstStyle/>
-          <a:p>
-            <a:pPr algn="ctr"/>
-            <a:endParaRPr lang="en-US"/>
-          </a:p>
-        </p:txBody>
-      </p:sp>
-      <p:pic>
-        <p:nvPicPr>
-          <p:cNvPr id="4" name="Picture 3" descr="Logo&#10;&#10;Description automatically generated">
-            <a:extLst>
-              <a:ext uri="{FF2B5EF4-FFF2-40B4-BE49-F238E27FC236}">
-                <a16:creationId xmlns:a16="http://schemas.microsoft.com/office/drawing/2014/main" id="{3D1CB8D8-0351-4A8D-8892-895765B77071}"/>
-              </a:ext>
-            </a:extLst>
-          </p:cNvPr>
-          <p:cNvPicPr>
-            <a:picLocks noChangeAspect="1"/>
-          </p:cNvPicPr>
-          <p:nvPr/>
-        </p:nvPicPr>
-        <p:blipFill>
-          <a:blip r:embed="rId2">
-            <a:extLst>
-              <a:ext uri="{28A0092B-C50C-407E-A947-70E740481C1C}">
-                <a14:useLocalDpi xmlns:a14="http://schemas.microsoft.com/office/drawing/2010/main" val="0"/>
-              </a:ext>
-            </a:extLst>
-          </a:blip>
-          <a:stretch>
-            <a:fillRect/>
-          </a:stretch>
-        </p:blipFill>
-        <p:spPr>
-          <a:xfrm>
-            <a:off x="306748" y="1394463"/>
-            <a:ext cx="1799888" cy="1187926"/>
-          </a:xfrm>
-          <a:prstGeom prst="rect">
-            <a:avLst/>
-          </a:prstGeom>
-        </p:spPr>
-      </p:pic>
-    </p:spTree>
-    <p:extLst>
-      <p:ext uri="{BB962C8B-B14F-4D97-AF65-F5344CB8AC3E}">
-        <p14:creationId xmlns:p14="http://schemas.microsoft.com/office/powerpoint/2010/main" val="2605660968"/>
-      </p:ext>
-    </p:extLst>
-  </p:cSld>
-  <p:clrMapOvr>
-    <a:masterClrMapping/>
-  </p:clrMapOvr>
-</p:sld>
-</file>
-
-<file path=ppt/slides/slide4.xml><?xml version="1.0" encoding="utf-8"?>
-<p:sld xmlns:a="http://schemas.openxmlformats.org/drawingml/2006/main" xmlns:r="http://schemas.openxmlformats.org/officeDocument/2006/relationships" xmlns:p="http://schemas.openxmlformats.org/presentationml/2006/main">
-  <p:cSld>
     <p:bg>
       <p:bgPr>
         <a:solidFill>
@@ -10154,7 +9017,7 @@
           <a:lstStyle/>
           <a:p>
             <a:pPr algn="ctr"/>
-            <a:endParaRPr lang="en-US"/>
+            <a:endParaRPr lang="en-US" dirty="0"/>
           </a:p>
         </p:txBody>
       </p:sp>
@@ -10366,7 +9229,7 @@
           <a:lstStyle/>
           <a:p>
             <a:pPr algn="ctr"/>
-            <a:endParaRPr lang="en-US"/>
+            <a:endParaRPr lang="en-US" dirty="0"/>
           </a:p>
         </p:txBody>
       </p:sp>
@@ -11223,8 +10086,8 @@
         </p:nvGrpSpPr>
         <p:grpSpPr>
           <a:xfrm>
-            <a:off x="1798764" y="5666221"/>
-            <a:ext cx="1115828" cy="812402"/>
+            <a:off x="1751734" y="4094516"/>
+            <a:ext cx="1271333" cy="1074151"/>
             <a:chOff x="1796166" y="5553924"/>
             <a:chExt cx="1139427" cy="886744"/>
           </a:xfrm>
@@ -11322,7 +10185,7 @@
                 <a:lstStyle/>
                 <a:p>
                   <a:pPr algn="ctr"/>
-                  <a:endParaRPr lang="en-US"/>
+                  <a:endParaRPr lang="en-US" dirty="0"/>
                 </a:p>
               </p:txBody>
             </p:sp>
@@ -11434,7 +10297,7 @@
                 <a:lstStyle/>
                 <a:p>
                   <a:pPr algn="ctr"/>
-                  <a:endParaRPr lang="en-US"/>
+                  <a:endParaRPr lang="en-US" dirty="0"/>
                 </a:p>
               </p:txBody>
             </p:sp>
@@ -11709,7 +10572,7 @@
               <a:r>
                 <a:rPr lang="en-US" sz="700" dirty="0">
                   <a:solidFill>
-                    <a:srgbClr val="545454"/>
+                    <a:srgbClr val="FFBD59"/>
                   </a:solidFill>
                   <a:latin typeface="Arial" panose="020B0604020202020204" pitchFamily="34" charset="0"/>
                   <a:cs typeface="Arial" panose="020B0604020202020204" pitchFamily="34" charset="0"/>
@@ -11719,53 +10582,6 @@
             </a:p>
           </p:txBody>
         </p:sp>
-        <p:cxnSp>
-          <p:nvCxnSpPr>
-            <p:cNvPr id="38" name="Straight Arrow Connector 37">
-              <a:extLst>
-                <a:ext uri="{FF2B5EF4-FFF2-40B4-BE49-F238E27FC236}">
-                  <a16:creationId xmlns:a16="http://schemas.microsoft.com/office/drawing/2014/main" id="{E2083C35-50E2-465A-BC40-C1F7ADCBD3D6}"/>
-                </a:ext>
-              </a:extLst>
-            </p:cNvPr>
-            <p:cNvCxnSpPr>
-              <a:cxnSpLocks/>
-            </p:cNvCxnSpPr>
-            <p:nvPr/>
-          </p:nvCxnSpPr>
-          <p:spPr>
-            <a:xfrm>
-              <a:off x="2559099" y="5710228"/>
-              <a:ext cx="3513" cy="180207"/>
-            </a:xfrm>
-            <a:prstGeom prst="straightConnector1">
-              <a:avLst/>
-            </a:prstGeom>
-            <a:ln>
-              <a:solidFill>
-                <a:schemeClr val="accent4">
-                  <a:lumMod val="50000"/>
-                </a:schemeClr>
-              </a:solidFill>
-              <a:tailEnd type="triangle"/>
-            </a:ln>
-            <a:effectLst/>
-          </p:spPr>
-          <p:style>
-            <a:lnRef idx="2">
-              <a:schemeClr val="accent1"/>
-            </a:lnRef>
-            <a:fillRef idx="0">
-              <a:schemeClr val="accent1"/>
-            </a:fillRef>
-            <a:effectRef idx="1">
-              <a:schemeClr val="accent1"/>
-            </a:effectRef>
-            <a:fontRef idx="minor">
-              <a:schemeClr val="tx1"/>
-            </a:fontRef>
-          </p:style>
-        </p:cxnSp>
       </p:grpSp>
       <p:grpSp>
         <p:nvGrpSpPr>
@@ -12325,8 +11141,8 @@
             </p:nvSpPr>
             <p:spPr>
               <a:xfrm>
-                <a:off x="902647" y="4521935"/>
-                <a:ext cx="1430329" cy="365519"/>
+                <a:off x="902647" y="4567721"/>
+                <a:ext cx="1430329" cy="387439"/>
               </a:xfrm>
               <a:prstGeom prst="rect">
                 <a:avLst/>
@@ -12368,12 +11184,12 @@
                 <a:r>
                   <a:rPr lang="en-US" sz="750" b="0" dirty="0">
                     <a:solidFill>
-                      <a:srgbClr val="545454"/>
+                      <a:srgbClr val="FF5757"/>
                     </a:solidFill>
                     <a:latin typeface="Arial" panose="020B0604020202020204" pitchFamily="34" charset="0"/>
                     <a:cs typeface="Arial" panose="020B0604020202020204" pitchFamily="34" charset="0"/>
                   </a:rPr>
-                  <a:t>Convert categorical data into numerical values </a:t>
+                  <a:t>Scale numerical data </a:t>
                 </a:r>
               </a:p>
             </p:txBody>
@@ -12936,10 +11752,10 @@
       </p:sp>
       <p:sp>
         <p:nvSpPr>
-          <p:cNvPr id="86" name="Title 1">
+          <p:cNvPr id="87" name="Title 1">
             <a:extLst>
               <a:ext uri="{FF2B5EF4-FFF2-40B4-BE49-F238E27FC236}">
-                <a16:creationId xmlns:a16="http://schemas.microsoft.com/office/drawing/2014/main" id="{14F5C84B-E901-4137-B75C-8E20D578800D}"/>
+                <a16:creationId xmlns:a16="http://schemas.microsoft.com/office/drawing/2014/main" id="{026CF976-B140-4D37-97C4-FEF92C17637E}"/>
               </a:ext>
             </a:extLst>
           </p:cNvPr>
@@ -12950,8 +11766,8 @@
         </p:nvSpPr>
         <p:spPr>
           <a:xfrm>
-            <a:off x="1661717" y="4104892"/>
-            <a:ext cx="1117194" cy="1633927"/>
+            <a:off x="3149834" y="2240522"/>
+            <a:ext cx="2781524" cy="584801"/>
           </a:xfrm>
           <a:prstGeom prst="rect">
             <a:avLst/>
@@ -12978,188 +11794,35 @@
           <a:p>
             <a:pPr algn="just"/>
             <a:r>
-              <a:rPr lang="en-US" sz="850" b="0" dirty="0">
+              <a:rPr lang="en-US" sz="750" b="0" dirty="0">
                 <a:solidFill>
                   <a:srgbClr val="545454"/>
                 </a:solidFill>
-                <a:highlight>
-                  <a:srgbClr val="FFFF00"/>
-                </a:highlight>
                 <a:latin typeface="Arial" panose="020B0604020202020204" pitchFamily="34" charset="0"/>
                 <a:cs typeface="Arial" panose="020B0604020202020204" pitchFamily="34" charset="0"/>
               </a:rPr>
-              <a:t>Placeholder for example of encoder (or even text! Any content will really do! If no content, I’ll center the flow chart</a:t>
+              <a:t>Five different regression models </a:t>
+            </a:r>
+            <a:r>
+              <a:rPr lang="en-US" sz="750" b="0" dirty="0">
+                <a:solidFill>
+                  <a:srgbClr val="FF5757"/>
+                </a:solidFill>
+                <a:latin typeface="Arial" panose="020B0604020202020204" pitchFamily="34" charset="0"/>
+                <a:cs typeface="Arial" panose="020B0604020202020204" pitchFamily="34" charset="0"/>
+              </a:rPr>
+              <a:t>was fitted and tested to a training and validation set prior to a train and testing set, with the loss function being root mean squared error (RMSE). </a:t>
             </a:r>
           </a:p>
           <a:p>
             <a:pPr algn="just"/>
-            <a:endParaRPr lang="en-US" sz="850" b="0" dirty="0">
-              <a:solidFill>
-                <a:srgbClr val="545454"/>
-              </a:solidFill>
-              <a:highlight>
-                <a:srgbClr val="FFFF00"/>
-              </a:highlight>
-              <a:latin typeface="Arial" panose="020B0604020202020204" pitchFamily="34" charset="0"/>
-              <a:cs typeface="Arial" panose="020B0604020202020204" pitchFamily="34" charset="0"/>
-            </a:endParaRPr>
-          </a:p>
-          <a:p>
-            <a:pPr algn="just"/>
-            <a:r>
-              <a:rPr lang="en-US" sz="850" b="0" dirty="0">
-                <a:solidFill>
-                  <a:srgbClr val="545454"/>
-                </a:solidFill>
-                <a:highlight>
-                  <a:srgbClr val="FFFF00"/>
-                </a:highlight>
-                <a:latin typeface="Arial" panose="020B0604020202020204" pitchFamily="34" charset="0"/>
-                <a:cs typeface="Arial" panose="020B0604020202020204" pitchFamily="34" charset="0"/>
-              </a:rPr>
-              <a:t>Can we have a quick </a:t>
-            </a:r>
-            <a:r>
-              <a:rPr lang="en-US" sz="850" b="0" dirty="0" err="1">
-                <a:solidFill>
-                  <a:srgbClr val="545454"/>
-                </a:solidFill>
-                <a:highlight>
-                  <a:srgbClr val="FFFF00"/>
-                </a:highlight>
-                <a:latin typeface="Arial" panose="020B0604020202020204" pitchFamily="34" charset="0"/>
-                <a:cs typeface="Arial" panose="020B0604020202020204" pitchFamily="34" charset="0"/>
-              </a:rPr>
-              <a:t>schpeal</a:t>
-            </a:r>
-            <a:r>
-              <a:rPr lang="en-US" sz="850" b="0" dirty="0">
-                <a:solidFill>
-                  <a:srgbClr val="545454"/>
-                </a:solidFill>
-                <a:highlight>
-                  <a:srgbClr val="FFFF00"/>
-                </a:highlight>
-                <a:latin typeface="Arial" panose="020B0604020202020204" pitchFamily="34" charset="0"/>
-                <a:cs typeface="Arial" panose="020B0604020202020204" pitchFamily="34" charset="0"/>
-              </a:rPr>
-              <a:t> about design space here?</a:t>
-            </a:r>
-          </a:p>
-          <a:p>
-            <a:pPr algn="just"/>
-            <a:r>
-              <a:rPr lang="en-US" sz="850" b="0" dirty="0">
-                <a:solidFill>
-                  <a:srgbClr val="545454"/>
-                </a:solidFill>
-                <a:highlight>
-                  <a:srgbClr val="FFFF00"/>
-                </a:highlight>
-                <a:latin typeface="Arial" panose="020B0604020202020204" pitchFamily="34" charset="0"/>
-                <a:cs typeface="Arial" panose="020B0604020202020204" pitchFamily="34" charset="0"/>
-              </a:rPr>
-              <a:t> </a:t>
-            </a:r>
-          </a:p>
-        </p:txBody>
-      </p:sp>
-      <p:sp>
-        <p:nvSpPr>
-          <p:cNvPr id="87" name="Title 1">
-            <a:extLst>
-              <a:ext uri="{FF2B5EF4-FFF2-40B4-BE49-F238E27FC236}">
-                <a16:creationId xmlns:a16="http://schemas.microsoft.com/office/drawing/2014/main" id="{026CF976-B140-4D37-97C4-FEF92C17637E}"/>
-              </a:ext>
-            </a:extLst>
-          </p:cNvPr>
-          <p:cNvSpPr txBox="1">
-            <a:spLocks/>
-          </p:cNvSpPr>
-          <p:nvPr/>
-        </p:nvSpPr>
-        <p:spPr>
-          <a:xfrm>
-            <a:off x="3149834" y="2249400"/>
-            <a:ext cx="2781524" cy="1249172"/>
-          </a:xfrm>
-          <a:prstGeom prst="rect">
-            <a:avLst/>
-          </a:prstGeom>
-        </p:spPr>
-        <p:txBody>
-          <a:bodyPr anchor="t"/>
-          <a:lstStyle>
-            <a:lvl1pPr algn="l" defTabSz="342900" rtl="0" eaLnBrk="1" latinLnBrk="0" hangingPunct="1">
-              <a:spcBef>
-                <a:spcPct val="0"/>
-              </a:spcBef>
-              <a:buNone/>
-              <a:defRPr sz="3750" b="1" i="0" kern="1200">
-                <a:solidFill>
-                  <a:schemeClr val="tx2"/>
-                </a:solidFill>
-                <a:latin typeface="Encode Sans Normal Black" charset="0"/>
-                <a:ea typeface="Encode Sans Normal Black" charset="0"/>
-                <a:cs typeface="Encode Sans Normal Black" charset="0"/>
-              </a:defRPr>
-            </a:lvl1pPr>
-          </a:lstStyle>
-          <a:p>
-            <a:pPr algn="just"/>
-            <a:r>
-              <a:rPr lang="en-US" sz="700" b="0" dirty="0">
-                <a:solidFill>
-                  <a:srgbClr val="545454"/>
-                </a:solidFill>
-                <a:latin typeface="Arial" panose="020B0604020202020204" pitchFamily="34" charset="0"/>
-                <a:cs typeface="Arial" panose="020B0604020202020204" pitchFamily="34" charset="0"/>
-              </a:rPr>
-              <a:t>To find the right fit for SELEC, five different regression models (k-NN, decision tree, random forest, support vector, Gaussian process) were compared. Each model was fitted and tested to a training and validation set prior to a training and testing set, with the loss function being root mean squared error (RMSE).</a:t>
-            </a:r>
-          </a:p>
-          <a:p>
-            <a:pPr algn="just"/>
-            <a:endParaRPr lang="en-US" sz="700" b="0" dirty="0">
+            <a:endParaRPr lang="en-US" sz="750" b="0" dirty="0">
               <a:solidFill>
                 <a:srgbClr val="545454"/>
               </a:solidFill>
               <a:latin typeface="Arial" panose="020B0604020202020204" pitchFamily="34" charset="0"/>
               <a:cs typeface="Arial" panose="020B0604020202020204" pitchFamily="34" charset="0"/>
             </a:endParaRPr>
-          </a:p>
-          <a:p>
-            <a:pPr algn="just"/>
-            <a:r>
-              <a:rPr lang="en-US" sz="700" b="0" dirty="0">
-                <a:solidFill>
-                  <a:srgbClr val="545454"/>
-                </a:solidFill>
-                <a:latin typeface="Arial" panose="020B0604020202020204" pitchFamily="34" charset="0"/>
-                <a:cs typeface="Arial" panose="020B0604020202020204" pitchFamily="34" charset="0"/>
-              </a:rPr>
-              <a:t>The </a:t>
-            </a:r>
-            <a:r>
-              <a:rPr lang="en-US" sz="700" dirty="0">
-                <a:solidFill>
-                  <a:srgbClr val="545454"/>
-                </a:solidFill>
-                <a:latin typeface="Arial" panose="020B0604020202020204" pitchFamily="34" charset="0"/>
-                <a:cs typeface="Arial" panose="020B0604020202020204" pitchFamily="34" charset="0"/>
-              </a:rPr>
-              <a:t>k-NN model </a:t>
-            </a:r>
-            <a:r>
-              <a:rPr lang="en-US" sz="700" b="0" dirty="0">
-                <a:solidFill>
-                  <a:srgbClr val="545454"/>
-                </a:solidFill>
-                <a:latin typeface="Arial" panose="020B0604020202020204" pitchFamily="34" charset="0"/>
-                <a:cs typeface="Arial" panose="020B0604020202020204" pitchFamily="34" charset="0"/>
-              </a:rPr>
-              <a:t>displayed the best results for most performance metrics. The validation and test RMSE are similar, indicating the model is not overfitting.</a:t>
-            </a:r>
           </a:p>
         </p:txBody>
       </p:sp>
@@ -13180,7 +11843,7 @@
         <p:spPr>
           <a:xfrm>
             <a:off x="6145759" y="4443791"/>
-            <a:ext cx="2713356" cy="742498"/>
+            <a:ext cx="2713356" cy="830858"/>
           </a:xfrm>
           <a:prstGeom prst="rect">
             <a:avLst/>
@@ -13214,12 +11877,32 @@
                 <a:latin typeface="Arial" panose="020B0604020202020204" pitchFamily="34" charset="0"/>
                 <a:cs typeface="Arial" panose="020B0604020202020204" pitchFamily="34" charset="0"/>
               </a:rPr>
-              <a:t>A program to compare battery electrolytes based on predicted battery performance gauged by capacity and efficiency was created. Open-source data was processed through one hot encoding, a k-NN model was developed and optimized, and results were presented on a GUI. </a:t>
+              <a:t>A program to compare battery electrolytes based on predicted battery performance gauged by capacity</a:t>
             </a:r>
             <a:r>
               <a:rPr lang="en-US" sz="700" b="0" dirty="0">
                 <a:solidFill>
+                  <a:srgbClr val="FF0000"/>
+                </a:solidFill>
+                <a:latin typeface="Arial" panose="020B0604020202020204" pitchFamily="34" charset="0"/>
+                <a:cs typeface="Arial" panose="020B0604020202020204" pitchFamily="34" charset="0"/>
+              </a:rPr>
+              <a:t>, energy,</a:t>
+            </a:r>
+            <a:r>
+              <a:rPr lang="en-US" sz="700" b="0" dirty="0">
+                <a:solidFill>
                   <a:srgbClr val="545454"/>
+                </a:solidFill>
+                <a:latin typeface="Arial" panose="020B0604020202020204" pitchFamily="34" charset="0"/>
+                <a:cs typeface="Arial" panose="020B0604020202020204" pitchFamily="34" charset="0"/>
+              </a:rPr>
+              <a:t> and efficiency was created. Open-source data was processed for a optimized k-NN regression model, and results were presented on a GUI. </a:t>
+            </a:r>
+            <a:r>
+              <a:rPr lang="en-US" sz="700" b="0" dirty="0">
+                <a:solidFill>
+                  <a:srgbClr val="FF0000"/>
                 </a:solidFill>
                 <a:highlight>
                   <a:srgbClr val="FFFF00"/>
@@ -13227,7 +11910,7 @@
                 <a:latin typeface="Arial" panose="020B0604020202020204" pitchFamily="34" charset="0"/>
                 <a:cs typeface="Arial" panose="020B0604020202020204" pitchFamily="34" charset="0"/>
               </a:rPr>
-              <a:t>[add specific numbers here, ex: RMSE]</a:t>
+              <a:t>Most of the validation RMSE and test RMSE are similar for the  k-NN model. Predictor seems to overestimate charge and energy values and underestimates efficiency values. </a:t>
             </a:r>
           </a:p>
         </p:txBody>
@@ -13334,8 +12017,8 @@
         </p:nvGrpSpPr>
         <p:grpSpPr>
           <a:xfrm>
-            <a:off x="3341122" y="3266436"/>
-            <a:ext cx="2461756" cy="1218377"/>
+            <a:off x="3178496" y="2660284"/>
+            <a:ext cx="1795694" cy="888728"/>
             <a:chOff x="3186331" y="2796680"/>
             <a:chExt cx="2715058" cy="1343741"/>
           </a:xfrm>
@@ -13376,6 +12059,11 @@
               <a:avLst/>
             </a:prstGeom>
             <a:noFill/>
+            <a:ln>
+              <a:solidFill>
+                <a:srgbClr val="00B050"/>
+              </a:solidFill>
+            </a:ln>
             <a:extLst>
               <a:ext uri="{909E8E84-426E-40DD-AFC4-6F175D3DCCD1}">
                 <a14:hiddenFill xmlns:a14="http://schemas.microsoft.com/office/drawing/2010/main">
@@ -13481,91 +12169,12 @@
             <a:r>
               <a:rPr lang="en-US" sz="850" dirty="0">
                 <a:solidFill>
-                  <a:srgbClr val="4B2E84"/>
+                  <a:srgbClr val="FF0000"/>
                 </a:solidFill>
                 <a:latin typeface="Arial" panose="020B0604020202020204" pitchFamily="34" charset="0"/>
                 <a:cs typeface="Arial" panose="020B0604020202020204" pitchFamily="34" charset="0"/>
               </a:rPr>
-              <a:t>Technology Review</a:t>
-            </a:r>
-          </a:p>
-        </p:txBody>
-      </p:sp>
-      <p:sp>
-        <p:nvSpPr>
-          <p:cNvPr id="74" name="Title 1">
-            <a:extLst>
-              <a:ext uri="{FF2B5EF4-FFF2-40B4-BE49-F238E27FC236}">
-                <a16:creationId xmlns:a16="http://schemas.microsoft.com/office/drawing/2014/main" id="{AA574F7D-951D-48B1-97E7-A458CFD30E28}"/>
-              </a:ext>
-            </a:extLst>
-          </p:cNvPr>
-          <p:cNvSpPr txBox="1">
-            <a:spLocks/>
-          </p:cNvSpPr>
-          <p:nvPr/>
-        </p:nvSpPr>
-        <p:spPr>
-          <a:xfrm>
-            <a:off x="3143090" y="4618382"/>
-            <a:ext cx="2757468" cy="417166"/>
-          </a:xfrm>
-          <a:prstGeom prst="rect">
-            <a:avLst/>
-          </a:prstGeom>
-        </p:spPr>
-        <p:txBody>
-          <a:bodyPr anchor="t"/>
-          <a:lstStyle>
-            <a:lvl1pPr algn="l" defTabSz="342900" rtl="0" eaLnBrk="1" latinLnBrk="0" hangingPunct="1">
-              <a:spcBef>
-                <a:spcPct val="0"/>
-              </a:spcBef>
-              <a:buNone/>
-              <a:defRPr sz="3750" b="1" i="0" kern="1200">
-                <a:solidFill>
-                  <a:schemeClr val="tx2"/>
-                </a:solidFill>
-                <a:latin typeface="Encode Sans Normal Black" charset="0"/>
-                <a:ea typeface="Encode Sans Normal Black" charset="0"/>
-                <a:cs typeface="Encode Sans Normal Black" charset="0"/>
-              </a:defRPr>
-            </a:lvl1pPr>
-          </a:lstStyle>
-          <a:p>
-            <a:pPr algn="just"/>
-            <a:r>
-              <a:rPr lang="en-US" sz="700" dirty="0" err="1">
-                <a:solidFill>
-                  <a:srgbClr val="545454"/>
-                </a:solidFill>
-                <a:latin typeface="Arial" panose="020B0604020202020204" pitchFamily="34" charset="0"/>
-                <a:cs typeface="Arial" panose="020B0604020202020204" pitchFamily="34" charset="0"/>
-              </a:rPr>
-              <a:t>GridSearchCV</a:t>
-            </a:r>
-            <a:r>
-              <a:rPr lang="en-US" sz="700" b="0" dirty="0">
-                <a:solidFill>
-                  <a:srgbClr val="545454"/>
-                </a:solidFill>
-                <a:latin typeface="Arial" panose="020B0604020202020204" pitchFamily="34" charset="0"/>
-                <a:cs typeface="Arial" panose="020B0604020202020204" pitchFamily="34" charset="0"/>
-              </a:rPr>
-              <a:t> was used to find the best hyperparameters for each metric. </a:t>
-            </a:r>
-            <a:r>
-              <a:rPr lang="en-US" sz="700" b="0" dirty="0">
-                <a:solidFill>
-                  <a:srgbClr val="545454"/>
-                </a:solidFill>
-                <a:highlight>
-                  <a:srgbClr val="FFFF00"/>
-                </a:highlight>
-                <a:latin typeface="Arial" panose="020B0604020202020204" pitchFamily="34" charset="0"/>
-                <a:cs typeface="Arial" panose="020B0604020202020204" pitchFamily="34" charset="0"/>
-              </a:rPr>
-              <a:t>[two methods used, statement here, will highlight info on table]</a:t>
+              <a:t>Machine Learning Models</a:t>
             </a:r>
           </a:p>
         </p:txBody>
@@ -13586,7 +12195,7 @@
         </p:nvSpPr>
         <p:spPr>
           <a:xfrm>
-            <a:off x="3145794" y="4462835"/>
+            <a:off x="3145794" y="4403994"/>
             <a:ext cx="2670437" cy="201124"/>
           </a:xfrm>
           <a:prstGeom prst="rect">
@@ -13621,7 +12230,7 @@
                 <a:latin typeface="Arial" panose="020B0604020202020204" pitchFamily="34" charset="0"/>
                 <a:cs typeface="Arial" panose="020B0604020202020204" pitchFamily="34" charset="0"/>
               </a:rPr>
-              <a:t>Hyperparameter Optimization</a:t>
+              <a:t>K-NN Regression Predictions</a:t>
             </a:r>
           </a:p>
         </p:txBody>
@@ -13710,14 +12319,14 @@
           <p:nvPr>
             <p:extLst>
               <p:ext uri="{D42A27DB-BD31-4B8C-83A1-F6EECF244321}">
-                <p14:modId xmlns:p14="http://schemas.microsoft.com/office/powerpoint/2010/main" val="1393230773"/>
+                <p14:modId xmlns:p14="http://schemas.microsoft.com/office/powerpoint/2010/main" val="82637912"/>
               </p:ext>
             </p:extLst>
           </p:nvPr>
         </p:nvGraphicFramePr>
         <p:xfrm>
-          <a:off x="3093379" y="5029868"/>
-          <a:ext cx="2914311" cy="1558290"/>
+          <a:off x="3096680" y="4806399"/>
+          <a:ext cx="2914311" cy="555126"/>
         </p:xfrm>
         <a:graphic>
           <a:graphicData uri="http://schemas.openxmlformats.org/drawingml/2006/table">
@@ -13776,7 +12385,7 @@
                   </a:extLst>
                 </a:gridCol>
               </a:tblGrid>
-              <a:tr h="321403">
+              <a:tr h="120041">
                 <a:tc>
                   <a:txBody>
                     <a:bodyPr/>
@@ -13791,7 +12400,7 @@
                         </a:spcAft>
                       </a:pPr>
                       <a:r>
-                        <a:rPr lang="en-US" sz="450" b="1" i="0" u="none" strike="noStrike" dirty="0">
+                        <a:rPr lang="en-US" sz="400" b="1" i="0" u="none" strike="noStrike" dirty="0">
                           <a:solidFill>
                             <a:srgbClr val="000000"/>
                           </a:solidFill>
@@ -13800,12 +12409,12 @@
                         </a:rPr>
                         <a:t>k-NN Regression</a:t>
                       </a:r>
-                      <a:endParaRPr lang="en-US" sz="450" dirty="0">
+                      <a:endParaRPr lang="en-US" sz="400" dirty="0">
                         <a:effectLst/>
                       </a:endParaRPr>
                     </a:p>
                   </a:txBody>
-                  <a:tcPr marL="66675" marR="66675" marT="66675" marB="66675" anchor="ctr">
+                  <a:tcPr marL="0" marR="0" marT="0" marB="0" anchor="ctr">
                     <a:lnL w="12700" cap="flat" cmpd="sng" algn="ctr">
                       <a:noFill/>
                       <a:prstDash val="solid"/>
@@ -13867,7 +12476,7 @@
                         </a:spcAft>
                       </a:pPr>
                       <a:r>
-                        <a:rPr lang="en-US" sz="450" b="1" i="0" u="none" strike="noStrike" dirty="0">
+                        <a:rPr lang="en-US" sz="400" b="1" i="0" u="none" strike="noStrike" dirty="0">
                           <a:solidFill>
                             <a:srgbClr val="000000"/>
                           </a:solidFill>
@@ -13876,12 +12485,12 @@
                         </a:rPr>
                         <a:t>Charge Capacity (Ah)</a:t>
                       </a:r>
-                      <a:endParaRPr lang="en-US" sz="450" dirty="0">
+                      <a:endParaRPr lang="en-US" sz="400" dirty="0">
                         <a:effectLst/>
                       </a:endParaRPr>
                     </a:p>
                   </a:txBody>
-                  <a:tcPr marL="66675" marR="66675" marT="66675" marB="66675" anchor="ctr">
+                  <a:tcPr marL="0" marR="0" marT="0" marB="0" anchor="ctr">
                     <a:lnL w="12700" cap="flat" cmpd="sng" algn="ctr">
                       <a:solidFill>
                         <a:srgbClr val="545454"/>
@@ -13939,7 +12548,7 @@
                         </a:spcAft>
                       </a:pPr>
                       <a:r>
-                        <a:rPr lang="en-US" sz="450" b="1" i="0" u="none" strike="noStrike" dirty="0">
+                        <a:rPr lang="en-US" sz="400" b="1" i="0" u="none" strike="noStrike" dirty="0">
                           <a:solidFill>
                             <a:srgbClr val="000000"/>
                           </a:solidFill>
@@ -13948,12 +12557,12 @@
                         </a:rPr>
                         <a:t>Discharge Capacity (Ah)</a:t>
                       </a:r>
-                      <a:endParaRPr lang="en-US" sz="450" dirty="0">
+                      <a:endParaRPr lang="en-US" sz="400" dirty="0">
                         <a:effectLst/>
                       </a:endParaRPr>
                     </a:p>
                   </a:txBody>
-                  <a:tcPr marL="66675" marR="66675" marT="66675" marB="66675" anchor="ctr">
+                  <a:tcPr marL="0" marR="0" marT="0" marB="0" anchor="ctr">
                     <a:lnL w="12700" cmpd="sng">
                       <a:noFill/>
                     </a:lnL>
@@ -14005,7 +12614,7 @@
                         </a:spcAft>
                       </a:pPr>
                       <a:r>
-                        <a:rPr lang="en-US" sz="450" b="1" i="0" u="none" strike="noStrike" dirty="0">
+                        <a:rPr lang="en-US" sz="400" b="1" i="0" u="none" strike="noStrike" dirty="0">
                           <a:solidFill>
                             <a:srgbClr val="000000"/>
                           </a:solidFill>
@@ -14015,7 +12624,7 @@
                         <a:t>Charge Energy (</a:t>
                       </a:r>
                       <a:r>
-                        <a:rPr lang="en-US" sz="450" b="1" i="0" u="none" strike="noStrike" dirty="0" err="1">
+                        <a:rPr lang="en-US" sz="400" b="1" i="0" u="none" strike="noStrike" dirty="0" err="1">
                           <a:solidFill>
                             <a:srgbClr val="000000"/>
                           </a:solidFill>
@@ -14025,7 +12634,7 @@
                         <a:t>Wh</a:t>
                       </a:r>
                       <a:r>
-                        <a:rPr lang="en-US" sz="450" b="1" i="0" u="none" strike="noStrike" dirty="0">
+                        <a:rPr lang="en-US" sz="400" b="1" i="0" u="none" strike="noStrike" dirty="0">
                           <a:solidFill>
                             <a:srgbClr val="000000"/>
                           </a:solidFill>
@@ -14034,12 +12643,12 @@
                         </a:rPr>
                         <a:t>)</a:t>
                       </a:r>
-                      <a:endParaRPr lang="en-US" sz="450" dirty="0">
+                      <a:endParaRPr lang="en-US" sz="400" dirty="0">
                         <a:effectLst/>
                       </a:endParaRPr>
                     </a:p>
                   </a:txBody>
-                  <a:tcPr marL="66675" marR="66675" marT="66675" marB="66675" anchor="ctr">
+                  <a:tcPr marL="0" marR="0" marT="0" marB="0" anchor="ctr">
                     <a:lnL w="12700" cmpd="sng">
                       <a:noFill/>
                     </a:lnL>
@@ -14091,7 +12700,7 @@
                         </a:spcAft>
                       </a:pPr>
                       <a:r>
-                        <a:rPr lang="en-US" sz="450" b="1" i="0" u="none" strike="noStrike" dirty="0">
+                        <a:rPr lang="en-US" sz="400" b="1" i="0" u="none" strike="noStrike" dirty="0">
                           <a:solidFill>
                             <a:srgbClr val="000000"/>
                           </a:solidFill>
@@ -14101,7 +12710,7 @@
                         <a:t>Discharge Energy (</a:t>
                       </a:r>
                       <a:r>
-                        <a:rPr lang="en-US" sz="450" b="1" i="0" u="none" strike="noStrike" dirty="0" err="1">
+                        <a:rPr lang="en-US" sz="400" b="1" i="0" u="none" strike="noStrike" dirty="0" err="1">
                           <a:solidFill>
                             <a:srgbClr val="000000"/>
                           </a:solidFill>
@@ -14111,7 +12720,7 @@
                         <a:t>Wh</a:t>
                       </a:r>
                       <a:r>
-                        <a:rPr lang="en-US" sz="450" b="1" i="0" u="none" strike="noStrike" dirty="0">
+                        <a:rPr lang="en-US" sz="400" b="1" i="0" u="none" strike="noStrike" dirty="0">
                           <a:solidFill>
                             <a:srgbClr val="000000"/>
                           </a:solidFill>
@@ -14120,12 +12729,12 @@
                         </a:rPr>
                         <a:t>)</a:t>
                       </a:r>
-                      <a:endParaRPr lang="en-US" sz="450" dirty="0">
+                      <a:endParaRPr lang="en-US" sz="400" dirty="0">
                         <a:effectLst/>
                       </a:endParaRPr>
                     </a:p>
                   </a:txBody>
-                  <a:tcPr marL="66675" marR="66675" marT="66675" marB="66675" anchor="ctr">
+                  <a:tcPr marL="0" marR="0" marT="0" marB="0" anchor="ctr">
                     <a:lnL w="12700" cmpd="sng">
                       <a:noFill/>
                     </a:lnL>
@@ -14177,7 +12786,7 @@
                         </a:spcAft>
                       </a:pPr>
                       <a:r>
-                        <a:rPr lang="en-US" sz="450" b="1" i="0" u="none" strike="noStrike" dirty="0">
+                        <a:rPr lang="en-US" sz="400" b="1" i="0" u="none" strike="noStrike" dirty="0">
                           <a:solidFill>
                             <a:srgbClr val="000000"/>
                           </a:solidFill>
@@ -14186,12 +12795,12 @@
                         </a:rPr>
                         <a:t>Coulombic Efficiency (%)</a:t>
                       </a:r>
-                      <a:endParaRPr lang="en-US" sz="450" dirty="0">
+                      <a:endParaRPr lang="en-US" sz="400" dirty="0">
                         <a:effectLst/>
                       </a:endParaRPr>
                     </a:p>
                   </a:txBody>
-                  <a:tcPr marL="66675" marR="66675" marT="66675" marB="66675" anchor="ctr">
+                  <a:tcPr marL="0" marR="0" marT="0" marB="0" anchor="ctr">
                     <a:lnL w="12700" cmpd="sng">
                       <a:noFill/>
                     </a:lnL>
@@ -14243,7 +12852,7 @@
                         </a:spcAft>
                       </a:pPr>
                       <a:r>
-                        <a:rPr lang="en-US" sz="450" b="1" i="0" u="none" strike="noStrike" dirty="0">
+                        <a:rPr lang="en-US" sz="400" b="1" i="0" u="none" strike="noStrike" dirty="0">
                           <a:solidFill>
                             <a:srgbClr val="000000"/>
                           </a:solidFill>
@@ -14252,12 +12861,12 @@
                         </a:rPr>
                         <a:t>Energy Efficiency (%)</a:t>
                       </a:r>
-                      <a:endParaRPr lang="en-US" sz="450" dirty="0">
+                      <a:endParaRPr lang="en-US" sz="400" dirty="0">
                         <a:effectLst/>
                       </a:endParaRPr>
                     </a:p>
                   </a:txBody>
-                  <a:tcPr marL="66675" marR="66675" marT="66675" marB="66675" anchor="ctr">
+                  <a:tcPr marL="0" marR="0" marT="0" marB="0" anchor="ctr">
                     <a:lnL w="12700" cmpd="sng">
                       <a:noFill/>
                     </a:lnL>
@@ -14305,7 +12914,7 @@
                   </a:ext>
                 </a:extLst>
               </a:tr>
-              <a:tr h="343071">
+              <a:tr h="120271">
                 <a:tc>
                   <a:txBody>
                     <a:bodyPr/>
@@ -14320,7 +12929,7 @@
                         </a:spcAft>
                       </a:pPr>
                       <a:r>
-                        <a:rPr lang="en-US" sz="500" b="1" i="0" u="none" strike="noStrike" dirty="0">
+                        <a:rPr lang="en-US" sz="400" b="1" i="0" u="none" strike="noStrike" dirty="0">
                           <a:solidFill>
                             <a:srgbClr val="000000"/>
                           </a:solidFill>
@@ -14329,12 +12938,12 @@
                         </a:rPr>
                         <a:t>Hyper parameter Algorithm</a:t>
                       </a:r>
-                      <a:endParaRPr lang="en-US" sz="500" dirty="0">
+                      <a:endParaRPr lang="en-US" sz="400" dirty="0">
                         <a:effectLst/>
                       </a:endParaRPr>
                     </a:p>
                   </a:txBody>
-                  <a:tcPr marL="66675" marR="66675" marT="66675" marB="66675" anchor="ctr">
+                  <a:tcPr marL="0" marR="0" marT="0" marB="0" anchor="ctr">
                     <a:lnL w="12700" cmpd="sng">
                       <a:noFill/>
                     </a:lnL>
@@ -14386,7 +12995,7 @@
                         </a:spcAft>
                       </a:pPr>
                       <a:r>
-                        <a:rPr lang="en-US" sz="600" b="0" i="0" u="none" strike="noStrike" dirty="0">
+                        <a:rPr lang="en-US" sz="500" b="0" i="0" u="none" strike="noStrike" dirty="0">
                           <a:solidFill>
                             <a:srgbClr val="000000"/>
                           </a:solidFill>
@@ -14395,12 +13004,12 @@
                         </a:rPr>
                         <a:t>auto</a:t>
                       </a:r>
-                      <a:endParaRPr lang="en-US" sz="600" dirty="0">
+                      <a:endParaRPr lang="en-US" sz="500" dirty="0">
                         <a:effectLst/>
                       </a:endParaRPr>
                     </a:p>
                   </a:txBody>
-                  <a:tcPr marL="66675" marR="66675" marT="66675" marB="66675" anchor="ctr">
+                  <a:tcPr marL="0" marR="0" marT="0" marB="0" anchor="ctr">
                     <a:lnL w="12700" cap="flat" cmpd="sng" algn="ctr">
                       <a:solidFill>
                         <a:srgbClr val="545454"/>
@@ -14452,7 +13061,7 @@
                         </a:spcAft>
                       </a:pPr>
                       <a:r>
-                        <a:rPr lang="en-US" sz="600" b="0" i="0" u="none" strike="noStrike" dirty="0">
+                        <a:rPr lang="en-US" sz="500" b="0" i="0" u="none" strike="noStrike" dirty="0">
                           <a:solidFill>
                             <a:srgbClr val="000000"/>
                           </a:solidFill>
@@ -14461,12 +13070,12 @@
                         </a:rPr>
                         <a:t>auto </a:t>
                       </a:r>
-                      <a:endParaRPr lang="en-US" sz="600" dirty="0">
+                      <a:endParaRPr lang="en-US" sz="500" dirty="0">
                         <a:effectLst/>
                       </a:endParaRPr>
                     </a:p>
                   </a:txBody>
-                  <a:tcPr marL="66675" marR="66675" marT="66675" marB="66675" anchor="ctr">
+                  <a:tcPr marL="0" marR="0" marT="0" marB="0" anchor="ctr">
                     <a:lnL w="12700" cmpd="sng">
                       <a:noFill/>
                     </a:lnL>
@@ -14512,7 +13121,7 @@
                         </a:spcAft>
                       </a:pPr>
                       <a:r>
-                        <a:rPr lang="en-US" sz="600" b="0" i="0" u="none" strike="noStrike" dirty="0">
+                        <a:rPr lang="en-US" sz="500" b="0" i="0" u="none" strike="noStrike" dirty="0">
                           <a:solidFill>
                             <a:srgbClr val="000000"/>
                           </a:solidFill>
@@ -14521,12 +13130,12 @@
                         </a:rPr>
                         <a:t>auto</a:t>
                       </a:r>
-                      <a:endParaRPr lang="en-US" sz="600" dirty="0">
+                      <a:endParaRPr lang="en-US" sz="500" dirty="0">
                         <a:effectLst/>
                       </a:endParaRPr>
                     </a:p>
                   </a:txBody>
-                  <a:tcPr marL="66675" marR="66675" marT="66675" marB="66675" anchor="ctr">
+                  <a:tcPr marL="0" marR="0" marT="0" marB="0" anchor="ctr">
                     <a:lnL w="12700" cmpd="sng">
                       <a:noFill/>
                     </a:lnL>
@@ -14572,7 +13181,7 @@
                         </a:spcAft>
                       </a:pPr>
                       <a:r>
-                        <a:rPr lang="en-US" sz="600" b="0" i="0" u="none" strike="noStrike" dirty="0">
+                        <a:rPr lang="en-US" sz="500" b="0" i="0" u="none" strike="noStrike" dirty="0">
                           <a:solidFill>
                             <a:srgbClr val="000000"/>
                           </a:solidFill>
@@ -14581,12 +13190,12 @@
                         </a:rPr>
                         <a:t>auto</a:t>
                       </a:r>
-                      <a:endParaRPr lang="en-US" sz="600" dirty="0">
+                      <a:endParaRPr lang="en-US" sz="500" dirty="0">
                         <a:effectLst/>
                       </a:endParaRPr>
                     </a:p>
                   </a:txBody>
-                  <a:tcPr marL="66675" marR="66675" marT="66675" marB="66675" anchor="ctr">
+                  <a:tcPr marL="0" marR="0" marT="0" marB="0" anchor="ctr">
                     <a:lnL w="12700" cmpd="sng">
                       <a:noFill/>
                     </a:lnL>
@@ -14632,21 +13241,21 @@
                         </a:spcAft>
                       </a:pPr>
                       <a:r>
-                        <a:rPr lang="en-US" sz="600" b="0" i="0" u="none" strike="noStrike" dirty="0" err="1">
+                        <a:rPr lang="en-US" sz="500" b="0" i="0" u="none" strike="noStrike" dirty="0">
                           <a:solidFill>
                             <a:srgbClr val="000000"/>
                           </a:solidFill>
                           <a:effectLst/>
                           <a:latin typeface="Arial" panose="020B0604020202020204" pitchFamily="34" charset="0"/>
                         </a:rPr>
-                        <a:t>ball_tree</a:t>
+                        <a:t>ball tree</a:t>
                       </a:r>
-                      <a:endParaRPr lang="en-US" sz="600" dirty="0">
+                      <a:endParaRPr lang="en-US" sz="500" dirty="0">
                         <a:effectLst/>
                       </a:endParaRPr>
                     </a:p>
                   </a:txBody>
-                  <a:tcPr marL="66675" marR="66675" marT="66675" marB="66675" anchor="ctr">
+                  <a:tcPr marL="0" marR="0" marT="0" marB="0" anchor="ctr">
                     <a:lnL w="12700" cmpd="sng">
                       <a:noFill/>
                     </a:lnL>
@@ -14692,7 +13301,7 @@
                         </a:spcAft>
                       </a:pPr>
                       <a:r>
-                        <a:rPr lang="en-US" sz="600" b="0" i="0" u="none" strike="noStrike" dirty="0">
+                        <a:rPr lang="en-US" sz="500" b="0" i="0" u="none" strike="noStrike" dirty="0">
                           <a:solidFill>
                             <a:srgbClr val="000000"/>
                           </a:solidFill>
@@ -14701,12 +13310,12 @@
                         </a:rPr>
                         <a:t>auto</a:t>
                       </a:r>
-                      <a:endParaRPr lang="en-US" sz="600" dirty="0">
+                      <a:endParaRPr lang="en-US" sz="500" dirty="0">
                         <a:effectLst/>
                       </a:endParaRPr>
                     </a:p>
                   </a:txBody>
-                  <a:tcPr marL="66675" marR="66675" marT="66675" marB="66675" anchor="ctr">
+                  <a:tcPr marL="0" marR="0" marT="0" marB="0" anchor="ctr">
                     <a:lnL w="12700" cmpd="sng">
                       <a:noFill/>
                     </a:lnL>
@@ -14744,7 +13353,7 @@
                   </a:ext>
                 </a:extLst>
               </a:tr>
-              <a:tr h="229029">
+              <a:tr h="103762">
                 <a:tc>
                   <a:txBody>
                     <a:bodyPr/>
@@ -14768,7 +13377,7 @@
                         <a:defRPr/>
                       </a:pPr>
                       <a:r>
-                        <a:rPr lang="en-US" sz="500" b="1" i="0" u="none" strike="noStrike" dirty="0">
+                        <a:rPr lang="en-US" sz="400" b="1" i="0" u="none" strike="noStrike" dirty="0">
                           <a:solidFill>
                             <a:srgbClr val="000000"/>
                           </a:solidFill>
@@ -14778,7 +13387,7 @@
                         </a:rPr>
                         <a:t>n-neighbors</a:t>
                       </a:r>
-                      <a:endParaRPr lang="en-US" sz="500" dirty="0">
+                      <a:endParaRPr lang="en-US" sz="400" dirty="0">
                         <a:solidFill>
                           <a:srgbClr val="000000"/>
                         </a:solidFill>
@@ -14788,7 +13397,7 @@
                       </a:endParaRPr>
                     </a:p>
                   </a:txBody>
-                  <a:tcPr marL="66675" marR="66675" marT="66675" marB="66675" anchor="ctr">
+                  <a:tcPr marL="0" marR="0" marT="0" marB="0" anchor="ctr">
                     <a:lnL w="12700" cmpd="sng">
                       <a:noFill/>
                     </a:lnL>
@@ -14834,7 +13443,7 @@
                         </a:spcAft>
                       </a:pPr>
                       <a:r>
-                        <a:rPr lang="en-US" sz="600" b="0" i="0" u="none" strike="noStrike" dirty="0">
+                        <a:rPr lang="en-US" sz="500" b="0" i="0" u="none" strike="noStrike" dirty="0">
                           <a:solidFill>
                             <a:srgbClr val="000000"/>
                           </a:solidFill>
@@ -14844,7 +13453,7 @@
                         </a:rPr>
                         <a:t>11</a:t>
                       </a:r>
-                      <a:endParaRPr lang="en-US" sz="600" dirty="0">
+                      <a:endParaRPr lang="en-US" sz="500" dirty="0">
                         <a:solidFill>
                           <a:srgbClr val="000000"/>
                         </a:solidFill>
@@ -14854,7 +13463,7 @@
                       </a:endParaRPr>
                     </a:p>
                   </a:txBody>
-                  <a:tcPr marL="66675" marR="66675" marT="66675" marB="66675" anchor="ctr">
+                  <a:tcPr marL="0" marR="0" marT="0" marB="0" anchor="ctr">
                     <a:lnL w="12700" cap="flat" cmpd="sng" algn="ctr">
                       <a:solidFill>
                         <a:srgbClr val="545454"/>
@@ -14900,7 +13509,7 @@
                         </a:spcAft>
                       </a:pPr>
                       <a:r>
-                        <a:rPr lang="en-US" sz="600" b="0" i="0" u="none" strike="noStrike" dirty="0">
+                        <a:rPr lang="en-US" sz="500" b="0" i="0" u="none" strike="noStrike" dirty="0">
                           <a:solidFill>
                             <a:srgbClr val="000000"/>
                           </a:solidFill>
@@ -14910,7 +13519,7 @@
                         </a:rPr>
                         <a:t>11</a:t>
                       </a:r>
-                      <a:endParaRPr lang="en-US" sz="600" dirty="0">
+                      <a:endParaRPr lang="en-US" sz="500" dirty="0">
                         <a:solidFill>
                           <a:srgbClr val="000000"/>
                         </a:solidFill>
@@ -14920,7 +13529,7 @@
                       </a:endParaRPr>
                     </a:p>
                   </a:txBody>
-                  <a:tcPr marL="66675" marR="66675" marT="66675" marB="66675" anchor="ctr">
+                  <a:tcPr marL="0" marR="0" marT="0" marB="0" anchor="ctr">
                     <a:lnL w="12700" cmpd="sng">
                       <a:noFill/>
                     </a:lnL>
@@ -14960,7 +13569,7 @@
                         </a:spcAft>
                       </a:pPr>
                       <a:r>
-                        <a:rPr lang="en-US" sz="600" b="0" i="0" u="none" strike="noStrike" dirty="0">
+                        <a:rPr lang="en-US" sz="500" b="0" i="0" u="none" strike="noStrike" dirty="0">
                           <a:solidFill>
                             <a:srgbClr val="000000"/>
                           </a:solidFill>
@@ -14970,7 +13579,7 @@
                         </a:rPr>
                         <a:t>11</a:t>
                       </a:r>
-                      <a:endParaRPr lang="en-US" sz="600" dirty="0">
+                      <a:endParaRPr lang="en-US" sz="500" dirty="0">
                         <a:solidFill>
                           <a:srgbClr val="000000"/>
                         </a:solidFill>
@@ -14980,7 +13589,7 @@
                       </a:endParaRPr>
                     </a:p>
                   </a:txBody>
-                  <a:tcPr marL="66675" marR="66675" marT="66675" marB="66675" anchor="ctr">
+                  <a:tcPr marL="0" marR="0" marT="0" marB="0" anchor="ctr">
                     <a:lnL w="12700" cmpd="sng">
                       <a:noFill/>
                     </a:lnL>
@@ -15020,7 +13629,7 @@
                         </a:spcAft>
                       </a:pPr>
                       <a:r>
-                        <a:rPr lang="en-US" sz="600" dirty="0">
+                        <a:rPr lang="en-US" sz="500" dirty="0">
                           <a:solidFill>
                             <a:srgbClr val="000000"/>
                           </a:solidFill>
@@ -15032,7 +13641,7 @@
                       </a:r>
                     </a:p>
                   </a:txBody>
-                  <a:tcPr marL="66675" marR="66675" marT="66675" marB="66675" anchor="ctr">
+                  <a:tcPr marL="0" marR="0" marT="0" marB="0" anchor="ctr">
                     <a:lnL w="12700" cmpd="sng">
                       <a:noFill/>
                     </a:lnL>
@@ -15072,7 +13681,7 @@
                         </a:spcAft>
                       </a:pPr>
                       <a:r>
-                        <a:rPr lang="en-US" sz="600" dirty="0">
+                        <a:rPr lang="en-US" sz="500" dirty="0">
                           <a:solidFill>
                             <a:srgbClr val="000000"/>
                           </a:solidFill>
@@ -15084,7 +13693,7 @@
                       </a:r>
                     </a:p>
                   </a:txBody>
-                  <a:tcPr marL="66675" marR="66675" marT="66675" marB="66675" anchor="ctr">
+                  <a:tcPr marL="0" marR="0" marT="0" marB="0" anchor="ctr">
                     <a:lnL w="12700" cmpd="sng">
                       <a:noFill/>
                     </a:lnL>
@@ -15124,7 +13733,7 @@
                         </a:spcAft>
                       </a:pPr>
                       <a:r>
-                        <a:rPr lang="en-US" sz="600" dirty="0">
+                        <a:rPr lang="en-US" sz="500" dirty="0">
                           <a:solidFill>
                             <a:srgbClr val="000000"/>
                           </a:solidFill>
@@ -15136,7 +13745,7 @@
                       </a:r>
                     </a:p>
                   </a:txBody>
-                  <a:tcPr marL="66675" marR="66675" marT="66675" marB="66675" anchor="ctr">
+                  <a:tcPr marL="0" marR="0" marT="0" marB="0" anchor="ctr">
                     <a:lnL w="12700" cmpd="sng">
                       <a:noFill/>
                     </a:lnL>
@@ -15168,7 +13777,7 @@
                   </a:ext>
                 </a:extLst>
               </a:tr>
-              <a:tr h="270845">
+              <a:tr h="103762">
                 <a:tc>
                   <a:txBody>
                     <a:bodyPr/>
@@ -15183,7 +13792,7 @@
                         </a:spcAft>
                       </a:pPr>
                       <a:r>
-                        <a:rPr lang="en-US" sz="500" b="1" i="0" u="none" strike="noStrike" dirty="0">
+                        <a:rPr lang="en-US" sz="400" b="1" i="0" u="none" strike="noStrike" dirty="0">
                           <a:solidFill>
                             <a:srgbClr val="000000"/>
                           </a:solidFill>
@@ -15192,12 +13801,12 @@
                         </a:rPr>
                         <a:t>Validation RMSE</a:t>
                       </a:r>
-                      <a:endParaRPr lang="en-US" sz="500" dirty="0">
+                      <a:endParaRPr lang="en-US" sz="400" dirty="0">
                         <a:effectLst/>
                       </a:endParaRPr>
                     </a:p>
                   </a:txBody>
-                  <a:tcPr marL="66675" marR="66675" marT="66675" marB="66675" anchor="ctr">
+                  <a:tcPr marL="0" marR="0" marT="0" marB="0" anchor="ctr">
                     <a:lnL w="12700" cmpd="sng">
                       <a:noFill/>
                     </a:lnL>
@@ -15243,21 +13852,24 @@
                         </a:spcAft>
                       </a:pPr>
                       <a:r>
-                        <a:rPr lang="en-US" sz="600" b="0" i="0" u="none" strike="noStrike" dirty="0">
+                        <a:rPr lang="en-US" sz="500" b="0" i="0" u="none" strike="noStrike" dirty="0">
                           <a:solidFill>
-                            <a:srgbClr val="000000"/>
+                            <a:srgbClr val="FF0000"/>
                           </a:solidFill>
                           <a:effectLst/>
                           <a:latin typeface="Arial" panose="020B0604020202020204" pitchFamily="34" charset="0"/>
                         </a:rPr>
-                        <a:t>0.5440</a:t>
+                        <a:t>0.544</a:t>
                       </a:r>
-                      <a:endParaRPr lang="en-US" sz="600" dirty="0">
+                      <a:endParaRPr lang="en-US" sz="500" dirty="0">
+                        <a:solidFill>
+                          <a:srgbClr val="FF0000"/>
+                        </a:solidFill>
                         <a:effectLst/>
                       </a:endParaRPr>
                     </a:p>
                   </a:txBody>
-                  <a:tcPr marL="66675" marR="66675" marT="66675" marB="66675" anchor="ctr">
+                  <a:tcPr marL="0" marR="0" marT="0" marB="0" anchor="ctr">
                     <a:lnL w="12700" cap="flat" cmpd="sng" algn="ctr">
                       <a:solidFill>
                         <a:srgbClr val="545454"/>
@@ -15303,21 +13915,24 @@
                         </a:spcAft>
                       </a:pPr>
                       <a:r>
-                        <a:rPr lang="en-US" sz="600" b="0" i="0" u="none" strike="noStrike" dirty="0">
+                        <a:rPr lang="en-US" sz="500" b="0" i="0" u="none" strike="noStrike" dirty="0">
                           <a:solidFill>
-                            <a:srgbClr val="000000"/>
+                            <a:srgbClr val="FF0000"/>
                           </a:solidFill>
                           <a:effectLst/>
                           <a:latin typeface="Arial" panose="020B0604020202020204" pitchFamily="34" charset="0"/>
                         </a:rPr>
-                        <a:t>0.5424</a:t>
+                        <a:t>0.542</a:t>
                       </a:r>
-                      <a:endParaRPr lang="en-US" sz="600" dirty="0">
+                      <a:endParaRPr lang="en-US" sz="500" dirty="0">
+                        <a:solidFill>
+                          <a:srgbClr val="FF0000"/>
+                        </a:solidFill>
                         <a:effectLst/>
                       </a:endParaRPr>
                     </a:p>
                   </a:txBody>
-                  <a:tcPr marL="66675" marR="66675" marT="66675" marB="66675" anchor="ctr">
+                  <a:tcPr marL="0" marR="0" marT="0" marB="0" anchor="ctr">
                     <a:lnL w="12700" cmpd="sng">
                       <a:noFill/>
                     </a:lnL>
@@ -15357,21 +13972,24 @@
                         </a:spcAft>
                       </a:pPr>
                       <a:r>
-                        <a:rPr lang="en-US" sz="600" b="0" i="0" u="none" strike="noStrike" dirty="0">
+                        <a:rPr lang="en-US" sz="500" b="0" i="0" u="none" strike="noStrike" dirty="0">
                           <a:solidFill>
-                            <a:srgbClr val="000000"/>
+                            <a:srgbClr val="FF0000"/>
                           </a:solidFill>
                           <a:effectLst/>
                           <a:latin typeface="Arial" panose="020B0604020202020204" pitchFamily="34" charset="0"/>
                         </a:rPr>
-                        <a:t>2.0969</a:t>
+                        <a:t>2.097</a:t>
                       </a:r>
-                      <a:endParaRPr lang="en-US" sz="600" dirty="0">
+                      <a:endParaRPr lang="en-US" sz="500" dirty="0">
+                        <a:solidFill>
+                          <a:srgbClr val="FF0000"/>
+                        </a:solidFill>
                         <a:effectLst/>
                       </a:endParaRPr>
                     </a:p>
                   </a:txBody>
-                  <a:tcPr marL="66675" marR="66675" marT="66675" marB="66675" anchor="ctr">
+                  <a:tcPr marL="0" marR="0" marT="0" marB="0" anchor="ctr">
                     <a:lnL w="12700" cmpd="sng">
                       <a:noFill/>
                     </a:lnL>
@@ -15411,21 +14029,24 @@
                         </a:spcAft>
                       </a:pPr>
                       <a:r>
-                        <a:rPr lang="en-US" sz="600" b="0" i="0" u="none" strike="noStrike" dirty="0">
+                        <a:rPr lang="en-US" sz="500" b="0" i="0" u="none" strike="noStrike" dirty="0">
                           <a:solidFill>
-                            <a:srgbClr val="000000"/>
+                            <a:srgbClr val="FF0000"/>
                           </a:solidFill>
                           <a:effectLst/>
                           <a:latin typeface="Arial" panose="020B0604020202020204" pitchFamily="34" charset="0"/>
                         </a:rPr>
-                        <a:t>1.8568</a:t>
+                        <a:t>1.857</a:t>
                       </a:r>
-                      <a:endParaRPr lang="en-US" sz="600" dirty="0">
+                      <a:endParaRPr lang="en-US" sz="500" dirty="0">
+                        <a:solidFill>
+                          <a:srgbClr val="FF0000"/>
+                        </a:solidFill>
                         <a:effectLst/>
                       </a:endParaRPr>
                     </a:p>
                   </a:txBody>
-                  <a:tcPr marL="66675" marR="66675" marT="66675" marB="66675" anchor="ctr">
+                  <a:tcPr marL="0" marR="0" marT="0" marB="0" anchor="ctr">
                     <a:lnL w="12700" cmpd="sng">
                       <a:noFill/>
                     </a:lnL>
@@ -15465,21 +14086,24 @@
                         </a:spcAft>
                       </a:pPr>
                       <a:r>
-                        <a:rPr lang="en-US" sz="600" b="0" i="0" u="none" strike="noStrike" dirty="0">
+                        <a:rPr lang="en-US" sz="500" b="0" i="0" u="none" strike="noStrike" dirty="0">
                           <a:solidFill>
-                            <a:srgbClr val="000000"/>
+                            <a:srgbClr val="FF0000"/>
                           </a:solidFill>
                           <a:effectLst/>
                           <a:latin typeface="Arial" panose="020B0604020202020204" pitchFamily="34" charset="0"/>
                         </a:rPr>
-                        <a:t>0.5201</a:t>
+                        <a:t>0.520</a:t>
                       </a:r>
-                      <a:endParaRPr lang="en-US" sz="600" dirty="0">
+                      <a:endParaRPr lang="en-US" sz="500" dirty="0">
+                        <a:solidFill>
+                          <a:srgbClr val="FF0000"/>
+                        </a:solidFill>
                         <a:effectLst/>
                       </a:endParaRPr>
                     </a:p>
                   </a:txBody>
-                  <a:tcPr marL="66675" marR="66675" marT="66675" marB="66675" anchor="ctr">
+                  <a:tcPr marL="0" marR="0" marT="0" marB="0" anchor="ctr">
                     <a:lnL w="12700" cmpd="sng">
                       <a:noFill/>
                     </a:lnL>
@@ -15519,21 +14143,24 @@
                         </a:spcAft>
                       </a:pPr>
                       <a:r>
-                        <a:rPr lang="en-US" sz="600" b="0" i="0" u="none" strike="noStrike" dirty="0">
+                        <a:rPr lang="en-US" sz="500" b="0" i="0" u="none" strike="noStrike" dirty="0">
                           <a:solidFill>
-                            <a:srgbClr val="000000"/>
+                            <a:srgbClr val="FF0000"/>
                           </a:solidFill>
                           <a:effectLst/>
                           <a:latin typeface="Arial" panose="020B0604020202020204" pitchFamily="34" charset="0"/>
                         </a:rPr>
-                        <a:t>2.1423</a:t>
+                        <a:t>2.142</a:t>
                       </a:r>
-                      <a:endParaRPr lang="en-US" sz="600" dirty="0">
+                      <a:endParaRPr lang="en-US" sz="500" dirty="0">
+                        <a:solidFill>
+                          <a:srgbClr val="FF0000"/>
+                        </a:solidFill>
                         <a:effectLst/>
                       </a:endParaRPr>
                     </a:p>
                   </a:txBody>
-                  <a:tcPr marL="66675" marR="66675" marT="66675" marB="66675" anchor="ctr">
+                  <a:tcPr marL="0" marR="0" marT="0" marB="0" anchor="ctr">
                     <a:lnL w="12700" cmpd="sng">
                       <a:noFill/>
                     </a:lnL>
@@ -15565,7 +14192,7 @@
                   </a:ext>
                 </a:extLst>
               </a:tr>
-              <a:tr h="270845">
+              <a:tr h="103762">
                 <a:tc>
                   <a:txBody>
                     <a:bodyPr/>
@@ -15580,7 +14207,7 @@
                         </a:spcAft>
                       </a:pPr>
                       <a:r>
-                        <a:rPr lang="en-US" sz="500" b="1" i="0" u="none" strike="noStrike" dirty="0">
+                        <a:rPr lang="en-US" sz="400" b="1" i="0" u="none" strike="noStrike" dirty="0">
                           <a:solidFill>
                             <a:srgbClr val="000000"/>
                           </a:solidFill>
@@ -15589,12 +14216,12 @@
                         </a:rPr>
                         <a:t>Test RMSE</a:t>
                       </a:r>
-                      <a:endParaRPr lang="en-US" sz="500" dirty="0">
+                      <a:endParaRPr lang="en-US" sz="400" dirty="0">
                         <a:effectLst/>
                       </a:endParaRPr>
                     </a:p>
                   </a:txBody>
-                  <a:tcPr marL="66675" marR="66675" marT="66675" marB="66675" anchor="ctr">
+                  <a:tcPr marL="0" marR="0" marT="0" marB="0" anchor="ctr">
                     <a:lnL w="12700" cmpd="sng">
                       <a:noFill/>
                     </a:lnL>
@@ -15646,21 +14273,24 @@
                         </a:spcAft>
                       </a:pPr>
                       <a:r>
-                        <a:rPr lang="en-US" sz="600" b="0" i="0" u="none" strike="noStrike" dirty="0">
+                        <a:rPr lang="en-US" sz="500" b="0" i="0" u="none" strike="noStrike" dirty="0">
                           <a:solidFill>
-                            <a:srgbClr val="000000"/>
+                            <a:srgbClr val="FF0000"/>
                           </a:solidFill>
                           <a:effectLst/>
                           <a:latin typeface="Arial" panose="020B0604020202020204" pitchFamily="34" charset="0"/>
                         </a:rPr>
-                        <a:t>0.5378</a:t>
+                        <a:t>0.538</a:t>
                       </a:r>
-                      <a:endParaRPr lang="en-US" sz="600" dirty="0">
+                      <a:endParaRPr lang="en-US" sz="500" dirty="0">
+                        <a:solidFill>
+                          <a:srgbClr val="FF0000"/>
+                        </a:solidFill>
                         <a:effectLst/>
                       </a:endParaRPr>
                     </a:p>
                   </a:txBody>
-                  <a:tcPr marL="66675" marR="66675" marT="66675" marB="66675" anchor="ctr">
+                  <a:tcPr marL="0" marR="0" marT="0" marB="0" anchor="ctr">
                     <a:lnL w="12700" cap="flat" cmpd="sng" algn="ctr">
                       <a:solidFill>
                         <a:srgbClr val="545454"/>
@@ -15712,21 +14342,24 @@
                         </a:spcAft>
                       </a:pPr>
                       <a:r>
-                        <a:rPr lang="en-US" sz="600" b="0" i="0" u="none" strike="noStrike" dirty="0">
+                        <a:rPr lang="en-US" sz="500" b="0" i="0" u="none" strike="noStrike" dirty="0">
                           <a:solidFill>
-                            <a:srgbClr val="000000"/>
+                            <a:srgbClr val="FF0000"/>
                           </a:solidFill>
                           <a:effectLst/>
                           <a:latin typeface="Arial" panose="020B0604020202020204" pitchFamily="34" charset="0"/>
                         </a:rPr>
-                        <a:t>0.5390</a:t>
+                        <a:t>0.539</a:t>
                       </a:r>
-                      <a:endParaRPr lang="en-US" sz="600" dirty="0">
+                      <a:endParaRPr lang="en-US" sz="500" dirty="0">
+                        <a:solidFill>
+                          <a:srgbClr val="FF0000"/>
+                        </a:solidFill>
                         <a:effectLst/>
                       </a:endParaRPr>
                     </a:p>
                   </a:txBody>
-                  <a:tcPr marL="66675" marR="66675" marT="66675" marB="66675" anchor="ctr">
+                  <a:tcPr marL="0" marR="0" marT="0" marB="0" anchor="ctr">
                     <a:lnL w="12700" cmpd="sng">
                       <a:noFill/>
                     </a:lnL>
@@ -15772,21 +14405,24 @@
                         </a:spcAft>
                       </a:pPr>
                       <a:r>
-                        <a:rPr lang="en-US" sz="600" b="0" i="0" u="none" strike="noStrike" dirty="0">
+                        <a:rPr lang="en-US" sz="500" b="0" i="0" u="none" strike="noStrike" dirty="0">
                           <a:solidFill>
-                            <a:srgbClr val="000000"/>
+                            <a:srgbClr val="FF0000"/>
                           </a:solidFill>
                           <a:effectLst/>
                           <a:latin typeface="Arial" panose="020B0604020202020204" pitchFamily="34" charset="0"/>
                         </a:rPr>
-                        <a:t>2.1046</a:t>
+                        <a:t>2.105</a:t>
                       </a:r>
-                      <a:endParaRPr lang="en-US" sz="600" dirty="0">
+                      <a:endParaRPr lang="en-US" sz="500" dirty="0">
+                        <a:solidFill>
+                          <a:srgbClr val="FF0000"/>
+                        </a:solidFill>
                         <a:effectLst/>
                       </a:endParaRPr>
                     </a:p>
                   </a:txBody>
-                  <a:tcPr marL="66675" marR="66675" marT="66675" marB="66675" anchor="ctr">
+                  <a:tcPr marL="0" marR="0" marT="0" marB="0" anchor="ctr">
                     <a:lnL w="12700" cmpd="sng">
                       <a:noFill/>
                     </a:lnL>
@@ -15832,21 +14468,24 @@
                         </a:spcAft>
                       </a:pPr>
                       <a:r>
-                        <a:rPr lang="en-US" sz="600" b="0" i="0" u="none" strike="noStrike" dirty="0">
+                        <a:rPr lang="en-US" sz="500" b="0" i="0" u="none" strike="noStrike" dirty="0">
                           <a:solidFill>
-                            <a:srgbClr val="000000"/>
+                            <a:srgbClr val="FF0000"/>
                           </a:solidFill>
                           <a:effectLst/>
                           <a:latin typeface="Arial" panose="020B0604020202020204" pitchFamily="34" charset="0"/>
                         </a:rPr>
-                        <a:t>1.8581</a:t>
+                        <a:t>1.858</a:t>
                       </a:r>
-                      <a:endParaRPr lang="en-US" sz="600" dirty="0">
+                      <a:endParaRPr lang="en-US" sz="500" dirty="0">
+                        <a:solidFill>
+                          <a:srgbClr val="FF0000"/>
+                        </a:solidFill>
                         <a:effectLst/>
                       </a:endParaRPr>
                     </a:p>
                   </a:txBody>
-                  <a:tcPr marL="66675" marR="66675" marT="66675" marB="66675" anchor="ctr">
+                  <a:tcPr marL="0" marR="0" marT="0" marB="0" anchor="ctr">
                     <a:lnL w="12700" cmpd="sng">
                       <a:noFill/>
                     </a:lnL>
@@ -15892,21 +14531,24 @@
                         </a:spcAft>
                       </a:pPr>
                       <a:r>
-                        <a:rPr lang="en-US" sz="600" b="0" i="0" u="none" strike="noStrike" dirty="0">
+                        <a:rPr lang="en-US" sz="500" b="0" i="0" u="none" strike="noStrike" dirty="0">
                           <a:solidFill>
-                            <a:srgbClr val="000000"/>
+                            <a:srgbClr val="FF0000"/>
                           </a:solidFill>
                           <a:effectLst/>
                           <a:latin typeface="Arial" panose="020B0604020202020204" pitchFamily="34" charset="0"/>
                         </a:rPr>
-                        <a:t>1.3717</a:t>
+                        <a:t>1.372</a:t>
                       </a:r>
-                      <a:endParaRPr lang="en-US" sz="600" dirty="0">
+                      <a:endParaRPr lang="en-US" sz="500" dirty="0">
+                        <a:solidFill>
+                          <a:srgbClr val="FF0000"/>
+                        </a:solidFill>
                         <a:effectLst/>
                       </a:endParaRPr>
                     </a:p>
                   </a:txBody>
-                  <a:tcPr marL="66675" marR="66675" marT="66675" marB="66675" anchor="ctr">
+                  <a:tcPr marL="0" marR="0" marT="0" marB="0" anchor="ctr">
                     <a:lnL w="12700" cmpd="sng">
                       <a:noFill/>
                     </a:lnL>
@@ -15952,21 +14594,24 @@
                         </a:spcAft>
                       </a:pPr>
                       <a:r>
-                        <a:rPr lang="en-US" sz="600" b="0" i="0" u="none" strike="noStrike" dirty="0">
+                        <a:rPr lang="en-US" sz="500" b="0" i="0" u="none" strike="noStrike" dirty="0">
                           <a:solidFill>
-                            <a:srgbClr val="000000"/>
+                            <a:srgbClr val="FF0000"/>
                           </a:solidFill>
                           <a:effectLst/>
                           <a:latin typeface="Arial" panose="020B0604020202020204" pitchFamily="34" charset="0"/>
                         </a:rPr>
-                        <a:t>2.8914</a:t>
+                        <a:t>2.891</a:t>
                       </a:r>
-                      <a:endParaRPr lang="en-US" sz="600" dirty="0">
+                      <a:endParaRPr lang="en-US" sz="500" dirty="0">
+                        <a:solidFill>
+                          <a:srgbClr val="FF0000"/>
+                        </a:solidFill>
                         <a:effectLst/>
                       </a:endParaRPr>
                     </a:p>
                   </a:txBody>
-                  <a:tcPr marL="66675" marR="66675" marT="66675" marB="66675" anchor="ctr">
+                  <a:tcPr marL="0" marR="0" marT="0" marB="0" anchor="ctr">
                     <a:lnL w="12700" cmpd="sng">
                       <a:noFill/>
                     </a:lnL>
@@ -16024,8 +14669,8 @@
         </p:nvSpPr>
         <p:spPr>
           <a:xfrm>
-            <a:off x="6163562" y="5283560"/>
-            <a:ext cx="2706286" cy="565724"/>
+            <a:off x="6163562" y="5341290"/>
+            <a:ext cx="2706286" cy="507993"/>
           </a:xfrm>
           <a:prstGeom prst="rect">
             <a:avLst/>
@@ -16115,7 +14760,7 @@
         </p:nvSpPr>
         <p:spPr>
           <a:xfrm>
-            <a:off x="6142360" y="5119089"/>
+            <a:off x="6142360" y="5209521"/>
             <a:ext cx="2670437" cy="201124"/>
           </a:xfrm>
           <a:prstGeom prst="rect">
@@ -16152,6 +14797,3997 @@
               </a:rPr>
               <a:t>Future Implementations</a:t>
             </a:r>
+          </a:p>
+        </p:txBody>
+      </p:sp>
+      <p:sp>
+        <p:nvSpPr>
+          <p:cNvPr id="77" name="Title 1">
+            <a:extLst>
+              <a:ext uri="{FF2B5EF4-FFF2-40B4-BE49-F238E27FC236}">
+                <a16:creationId xmlns:a16="http://schemas.microsoft.com/office/drawing/2014/main" id="{21049A26-37F9-4A21-8C5E-54F7E963DD0C}"/>
+              </a:ext>
+            </a:extLst>
+          </p:cNvPr>
+          <p:cNvSpPr txBox="1">
+            <a:spLocks/>
+          </p:cNvSpPr>
+          <p:nvPr/>
+        </p:nvSpPr>
+        <p:spPr>
+          <a:xfrm>
+            <a:off x="3143090" y="4532606"/>
+            <a:ext cx="2757468" cy="417166"/>
+          </a:xfrm>
+          <a:prstGeom prst="rect">
+            <a:avLst/>
+          </a:prstGeom>
+        </p:spPr>
+        <p:txBody>
+          <a:bodyPr anchor="t"/>
+          <a:lstStyle>
+            <a:lvl1pPr algn="l" defTabSz="342900" rtl="0" eaLnBrk="1" latinLnBrk="0" hangingPunct="1">
+              <a:spcBef>
+                <a:spcPct val="0"/>
+              </a:spcBef>
+              <a:buNone/>
+              <a:defRPr sz="3750" b="1" i="0" kern="1200">
+                <a:solidFill>
+                  <a:schemeClr val="tx2"/>
+                </a:solidFill>
+                <a:latin typeface="Encode Sans Normal Black" charset="0"/>
+                <a:ea typeface="Encode Sans Normal Black" charset="0"/>
+                <a:cs typeface="Encode Sans Normal Black" charset="0"/>
+              </a:defRPr>
+            </a:lvl1pPr>
+          </a:lstStyle>
+          <a:p>
+            <a:pPr algn="just"/>
+            <a:r>
+              <a:rPr lang="en-US" sz="750" b="0" dirty="0" err="1">
+                <a:solidFill>
+                  <a:srgbClr val="FF0000"/>
+                </a:solidFill>
+                <a:latin typeface="Arial" panose="020B0604020202020204" pitchFamily="34" charset="0"/>
+                <a:cs typeface="Arial" panose="020B0604020202020204" pitchFamily="34" charset="0"/>
+              </a:rPr>
+              <a:t>GridSearchCV</a:t>
+            </a:r>
+            <a:r>
+              <a:rPr lang="en-US" sz="750" b="0" dirty="0">
+                <a:solidFill>
+                  <a:srgbClr val="FF0000"/>
+                </a:solidFill>
+                <a:latin typeface="Arial" panose="020B0604020202020204" pitchFamily="34" charset="0"/>
+                <a:cs typeface="Arial" panose="020B0604020202020204" pitchFamily="34" charset="0"/>
+              </a:rPr>
+              <a:t> showed consistent results while searching for the best hyperparameters for each metric.</a:t>
+            </a:r>
+            <a:endParaRPr lang="en-US" sz="750" b="0" dirty="0">
+              <a:solidFill>
+                <a:srgbClr val="FF0000"/>
+              </a:solidFill>
+              <a:highlight>
+                <a:srgbClr val="FFFF00"/>
+              </a:highlight>
+              <a:latin typeface="Arial" panose="020B0604020202020204" pitchFamily="34" charset="0"/>
+              <a:cs typeface="Arial" panose="020B0604020202020204" pitchFamily="34" charset="0"/>
+            </a:endParaRPr>
+          </a:p>
+        </p:txBody>
+      </p:sp>
+      <p:graphicFrame>
+        <p:nvGraphicFramePr>
+          <p:cNvPr id="79" name="Table 6">
+            <a:extLst>
+              <a:ext uri="{FF2B5EF4-FFF2-40B4-BE49-F238E27FC236}">
+                <a16:creationId xmlns:a16="http://schemas.microsoft.com/office/drawing/2014/main" id="{E7FBBCB7-2A7D-454B-B868-3EA86351D476}"/>
+              </a:ext>
+            </a:extLst>
+          </p:cNvPr>
+          <p:cNvGraphicFramePr>
+            <a:graphicFrameLocks noGrp="1"/>
+          </p:cNvGraphicFramePr>
+          <p:nvPr>
+            <p:extLst>
+              <p:ext uri="{D42A27DB-BD31-4B8C-83A1-F6EECF244321}">
+                <p14:modId xmlns:p14="http://schemas.microsoft.com/office/powerpoint/2010/main" val="1456898367"/>
+              </p:ext>
+            </p:extLst>
+          </p:nvPr>
+        </p:nvGraphicFramePr>
+        <p:xfrm>
+          <a:off x="1757317" y="5293702"/>
+          <a:ext cx="404531" cy="1106501"/>
+        </p:xfrm>
+        <a:graphic>
+          <a:graphicData uri="http://schemas.openxmlformats.org/drawingml/2006/table">
+            <a:tbl>
+              <a:tblPr firstRow="1" bandRow="1">
+                <a:tableStyleId>{2D5ABB26-0587-4C30-8999-92F81FD0307C}</a:tableStyleId>
+              </a:tblPr>
+              <a:tblGrid>
+                <a:gridCol w="404531">
+                  <a:extLst>
+                    <a:ext uri="{9D8B030D-6E8A-4147-A177-3AD203B41FA5}">
+                      <a16:colId xmlns:a16="http://schemas.microsoft.com/office/drawing/2014/main" val="4016396407"/>
+                    </a:ext>
+                  </a:extLst>
+                </a:gridCol>
+              </a:tblGrid>
+              <a:tr h="270959">
+                <a:tc>
+                  <a:txBody>
+                    <a:bodyPr/>
+                    <a:lstStyle/>
+                    <a:p>
+                      <a:pPr algn="ctr"/>
+                      <a:r>
+                        <a:rPr lang="en-US" sz="800" dirty="0">
+                          <a:solidFill>
+                            <a:srgbClr val="000000"/>
+                          </a:solidFill>
+                          <a:latin typeface="Arial" panose="020B0604020202020204" pitchFamily="34" charset="0"/>
+                          <a:cs typeface="Arial" panose="020B0604020202020204" pitchFamily="34" charset="0"/>
+                        </a:rPr>
+                        <a:t>Cathode</a:t>
+                      </a:r>
+                    </a:p>
+                  </a:txBody>
+                  <a:tcPr marL="0" marR="0" marT="0" marB="0" anchor="ctr">
+                    <a:lnL w="12700" cap="flat" cmpd="sng" algn="ctr">
+                      <a:solidFill>
+                        <a:srgbClr val="000000"/>
+                      </a:solidFill>
+                      <a:prstDash val="solid"/>
+                      <a:round/>
+                      <a:headEnd type="none" w="med" len="med"/>
+                      <a:tailEnd type="none" w="med" len="med"/>
+                    </a:lnL>
+                    <a:lnR w="12700" cap="flat" cmpd="sng" algn="ctr">
+                      <a:solidFill>
+                        <a:srgbClr val="000000"/>
+                      </a:solidFill>
+                      <a:prstDash val="solid"/>
+                      <a:round/>
+                      <a:headEnd type="none" w="med" len="med"/>
+                      <a:tailEnd type="none" w="med" len="med"/>
+                    </a:lnR>
+                    <a:lnT w="12700" cap="flat" cmpd="sng" algn="ctr">
+                      <a:solidFill>
+                        <a:srgbClr val="000000"/>
+                      </a:solidFill>
+                      <a:prstDash val="solid"/>
+                      <a:round/>
+                      <a:headEnd type="none" w="med" len="med"/>
+                      <a:tailEnd type="none" w="med" len="med"/>
+                    </a:lnT>
+                    <a:lnB w="12700" cap="flat" cmpd="sng" algn="ctr">
+                      <a:solidFill>
+                        <a:srgbClr val="000000"/>
+                      </a:solidFill>
+                      <a:prstDash val="solid"/>
+                      <a:round/>
+                      <a:headEnd type="none" w="med" len="med"/>
+                      <a:tailEnd type="none" w="med" len="med"/>
+                    </a:lnB>
+                  </a:tcPr>
+                </a:tc>
+                <a:extLst>
+                  <a:ext uri="{0D108BD9-81ED-4DB2-BD59-A6C34878D82A}">
+                    <a16:rowId xmlns:a16="http://schemas.microsoft.com/office/drawing/2014/main" val="3056599753"/>
+                  </a:ext>
+                </a:extLst>
+              </a:tr>
+              <a:tr h="278514">
+                <a:tc>
+                  <a:txBody>
+                    <a:bodyPr/>
+                    <a:lstStyle/>
+                    <a:p>
+                      <a:pPr algn="ctr"/>
+                      <a:r>
+                        <a:rPr lang="en-US" sz="800" dirty="0">
+                          <a:solidFill>
+                            <a:srgbClr val="000000"/>
+                          </a:solidFill>
+                          <a:latin typeface="Arial" panose="020B0604020202020204" pitchFamily="34" charset="0"/>
+                          <a:cs typeface="Arial" panose="020B0604020202020204" pitchFamily="34" charset="0"/>
+                        </a:rPr>
+                        <a:t>LFP</a:t>
+                      </a:r>
+                    </a:p>
+                  </a:txBody>
+                  <a:tcPr marL="0" marR="0" marT="0" marB="0" anchor="ctr">
+                    <a:lnL w="12700" cap="flat" cmpd="sng" algn="ctr">
+                      <a:solidFill>
+                        <a:srgbClr val="000000"/>
+                      </a:solidFill>
+                      <a:prstDash val="solid"/>
+                      <a:round/>
+                      <a:headEnd type="none" w="med" len="med"/>
+                      <a:tailEnd type="none" w="med" len="med"/>
+                    </a:lnL>
+                    <a:lnR w="12700" cap="flat" cmpd="sng" algn="ctr">
+                      <a:solidFill>
+                        <a:srgbClr val="000000"/>
+                      </a:solidFill>
+                      <a:prstDash val="solid"/>
+                      <a:round/>
+                      <a:headEnd type="none" w="med" len="med"/>
+                      <a:tailEnd type="none" w="med" len="med"/>
+                    </a:lnR>
+                    <a:lnT w="12700" cap="flat" cmpd="sng" algn="ctr">
+                      <a:solidFill>
+                        <a:srgbClr val="000000"/>
+                      </a:solidFill>
+                      <a:prstDash val="solid"/>
+                      <a:round/>
+                      <a:headEnd type="none" w="med" len="med"/>
+                      <a:tailEnd type="none" w="med" len="med"/>
+                    </a:lnT>
+                  </a:tcPr>
+                </a:tc>
+                <a:extLst>
+                  <a:ext uri="{0D108BD9-81ED-4DB2-BD59-A6C34878D82A}">
+                    <a16:rowId xmlns:a16="http://schemas.microsoft.com/office/drawing/2014/main" val="702592369"/>
+                  </a:ext>
+                </a:extLst>
+              </a:tr>
+              <a:tr h="278514">
+                <a:tc>
+                  <a:txBody>
+                    <a:bodyPr/>
+                    <a:lstStyle/>
+                    <a:p>
+                      <a:pPr algn="ctr"/>
+                      <a:r>
+                        <a:rPr lang="en-US" sz="800" dirty="0">
+                          <a:solidFill>
+                            <a:srgbClr val="000000"/>
+                          </a:solidFill>
+                          <a:latin typeface="Arial" panose="020B0604020202020204" pitchFamily="34" charset="0"/>
+                          <a:cs typeface="Arial" panose="020B0604020202020204" pitchFamily="34" charset="0"/>
+                        </a:rPr>
+                        <a:t>NCA</a:t>
+                      </a:r>
+                    </a:p>
+                  </a:txBody>
+                  <a:tcPr marL="0" marR="0" marT="0" marB="0" anchor="ctr">
+                    <a:lnL w="12700" cap="flat" cmpd="sng" algn="ctr">
+                      <a:solidFill>
+                        <a:srgbClr val="000000"/>
+                      </a:solidFill>
+                      <a:prstDash val="solid"/>
+                      <a:round/>
+                      <a:headEnd type="none" w="med" len="med"/>
+                      <a:tailEnd type="none" w="med" len="med"/>
+                    </a:lnL>
+                    <a:lnR w="12700" cap="flat" cmpd="sng" algn="ctr">
+                      <a:solidFill>
+                        <a:srgbClr val="000000"/>
+                      </a:solidFill>
+                      <a:prstDash val="solid"/>
+                      <a:round/>
+                      <a:headEnd type="none" w="med" len="med"/>
+                      <a:tailEnd type="none" w="med" len="med"/>
+                    </a:lnR>
+                  </a:tcPr>
+                </a:tc>
+                <a:extLst>
+                  <a:ext uri="{0D108BD9-81ED-4DB2-BD59-A6C34878D82A}">
+                    <a16:rowId xmlns:a16="http://schemas.microsoft.com/office/drawing/2014/main" val="505598518"/>
+                  </a:ext>
+                </a:extLst>
+              </a:tr>
+              <a:tr h="278514">
+                <a:tc>
+                  <a:txBody>
+                    <a:bodyPr/>
+                    <a:lstStyle/>
+                    <a:p>
+                      <a:pPr algn="ctr"/>
+                      <a:r>
+                        <a:rPr lang="en-US" sz="800" dirty="0">
+                          <a:solidFill>
+                            <a:srgbClr val="000000"/>
+                          </a:solidFill>
+                          <a:latin typeface="Arial" panose="020B0604020202020204" pitchFamily="34" charset="0"/>
+                          <a:cs typeface="Arial" panose="020B0604020202020204" pitchFamily="34" charset="0"/>
+                        </a:rPr>
+                        <a:t>NMC</a:t>
+                      </a:r>
+                    </a:p>
+                  </a:txBody>
+                  <a:tcPr marL="0" marR="0" marT="0" marB="0" anchor="ctr">
+                    <a:lnL w="12700" cap="flat" cmpd="sng" algn="ctr">
+                      <a:solidFill>
+                        <a:srgbClr val="000000"/>
+                      </a:solidFill>
+                      <a:prstDash val="solid"/>
+                      <a:round/>
+                      <a:headEnd type="none" w="med" len="med"/>
+                      <a:tailEnd type="none" w="med" len="med"/>
+                    </a:lnL>
+                    <a:lnR w="12700" cap="flat" cmpd="sng" algn="ctr">
+                      <a:solidFill>
+                        <a:srgbClr val="000000"/>
+                      </a:solidFill>
+                      <a:prstDash val="solid"/>
+                      <a:round/>
+                      <a:headEnd type="none" w="med" len="med"/>
+                      <a:tailEnd type="none" w="med" len="med"/>
+                    </a:lnR>
+                    <a:lnB w="12700" cap="flat" cmpd="sng" algn="ctr">
+                      <a:solidFill>
+                        <a:srgbClr val="000000"/>
+                      </a:solidFill>
+                      <a:prstDash val="solid"/>
+                      <a:round/>
+                      <a:headEnd type="none" w="med" len="med"/>
+                      <a:tailEnd type="none" w="med" len="med"/>
+                    </a:lnB>
+                  </a:tcPr>
+                </a:tc>
+                <a:extLst>
+                  <a:ext uri="{0D108BD9-81ED-4DB2-BD59-A6C34878D82A}">
+                    <a16:rowId xmlns:a16="http://schemas.microsoft.com/office/drawing/2014/main" val="641074146"/>
+                  </a:ext>
+                </a:extLst>
+              </a:tr>
+            </a:tbl>
+          </a:graphicData>
+        </a:graphic>
+      </p:graphicFrame>
+      <p:graphicFrame>
+        <p:nvGraphicFramePr>
+          <p:cNvPr id="80" name="Table 79">
+            <a:extLst>
+              <a:ext uri="{FF2B5EF4-FFF2-40B4-BE49-F238E27FC236}">
+                <a16:creationId xmlns:a16="http://schemas.microsoft.com/office/drawing/2014/main" id="{31638AC8-104C-4886-8410-D17969F1879F}"/>
+              </a:ext>
+            </a:extLst>
+          </p:cNvPr>
+          <p:cNvGraphicFramePr>
+            <a:graphicFrameLocks noGrp="1"/>
+          </p:cNvGraphicFramePr>
+          <p:nvPr>
+            <p:extLst>
+              <p:ext uri="{D42A27DB-BD31-4B8C-83A1-F6EECF244321}">
+                <p14:modId xmlns:p14="http://schemas.microsoft.com/office/powerpoint/2010/main" val="1678584379"/>
+              </p:ext>
+            </p:extLst>
+          </p:nvPr>
+        </p:nvGraphicFramePr>
+        <p:xfrm>
+          <a:off x="2319571" y="5293701"/>
+          <a:ext cx="634030" cy="1106501"/>
+        </p:xfrm>
+        <a:graphic>
+          <a:graphicData uri="http://schemas.openxmlformats.org/drawingml/2006/table">
+            <a:tbl>
+              <a:tblPr firstRow="1" bandRow="1">
+                <a:tableStyleId>{2D5ABB26-0587-4C30-8999-92F81FD0307C}</a:tableStyleId>
+              </a:tblPr>
+              <a:tblGrid>
+                <a:gridCol w="201687">
+                  <a:extLst>
+                    <a:ext uri="{9D8B030D-6E8A-4147-A177-3AD203B41FA5}">
+                      <a16:colId xmlns:a16="http://schemas.microsoft.com/office/drawing/2014/main" val="4016396407"/>
+                    </a:ext>
+                  </a:extLst>
+                </a:gridCol>
+                <a:gridCol w="221942">
+                  <a:extLst>
+                    <a:ext uri="{9D8B030D-6E8A-4147-A177-3AD203B41FA5}">
+                      <a16:colId xmlns:a16="http://schemas.microsoft.com/office/drawing/2014/main" val="100494556"/>
+                    </a:ext>
+                  </a:extLst>
+                </a:gridCol>
+                <a:gridCol w="210401">
+                  <a:extLst>
+                    <a:ext uri="{9D8B030D-6E8A-4147-A177-3AD203B41FA5}">
+                      <a16:colId xmlns:a16="http://schemas.microsoft.com/office/drawing/2014/main" val="1157288542"/>
+                    </a:ext>
+                  </a:extLst>
+                </a:gridCol>
+              </a:tblGrid>
+              <a:tr h="270959">
+                <a:tc>
+                  <a:txBody>
+                    <a:bodyPr/>
+                    <a:lstStyle/>
+                    <a:p>
+                      <a:pPr algn="ctr"/>
+                      <a:r>
+                        <a:rPr lang="en-US" sz="800" dirty="0">
+                          <a:solidFill>
+                            <a:srgbClr val="000000"/>
+                          </a:solidFill>
+                          <a:latin typeface="Arial" panose="020B0604020202020204" pitchFamily="34" charset="0"/>
+                          <a:cs typeface="Arial" panose="020B0604020202020204" pitchFamily="34" charset="0"/>
+                        </a:rPr>
+                        <a:t>C1</a:t>
+                      </a:r>
+                    </a:p>
+                  </a:txBody>
+                  <a:tcPr marL="0" marR="0" marT="0" marB="0" anchor="ctr">
+                    <a:lnL w="12700" cap="flat" cmpd="sng" algn="ctr">
+                      <a:solidFill>
+                        <a:srgbClr val="000000"/>
+                      </a:solidFill>
+                      <a:prstDash val="solid"/>
+                      <a:round/>
+                      <a:headEnd type="none" w="med" len="med"/>
+                      <a:tailEnd type="none" w="med" len="med"/>
+                    </a:lnL>
+                    <a:lnR w="12700" cap="flat" cmpd="sng" algn="ctr">
+                      <a:solidFill>
+                        <a:srgbClr val="000000"/>
+                      </a:solidFill>
+                      <a:prstDash val="solid"/>
+                      <a:round/>
+                      <a:headEnd type="none" w="med" len="med"/>
+                      <a:tailEnd type="none" w="med" len="med"/>
+                    </a:lnR>
+                    <a:lnT w="12700" cap="flat" cmpd="sng" algn="ctr">
+                      <a:solidFill>
+                        <a:srgbClr val="000000"/>
+                      </a:solidFill>
+                      <a:prstDash val="solid"/>
+                      <a:round/>
+                      <a:headEnd type="none" w="med" len="med"/>
+                      <a:tailEnd type="none" w="med" len="med"/>
+                    </a:lnT>
+                    <a:lnB w="12700" cap="flat" cmpd="sng" algn="ctr">
+                      <a:solidFill>
+                        <a:srgbClr val="000000"/>
+                      </a:solidFill>
+                      <a:prstDash val="solid"/>
+                      <a:round/>
+                      <a:headEnd type="none" w="med" len="med"/>
+                      <a:tailEnd type="none" w="med" len="med"/>
+                    </a:lnB>
+                  </a:tcPr>
+                </a:tc>
+                <a:tc>
+                  <a:txBody>
+                    <a:bodyPr/>
+                    <a:lstStyle/>
+                    <a:p>
+                      <a:pPr algn="ctr"/>
+                      <a:r>
+                        <a:rPr lang="en-US" sz="800" dirty="0">
+                          <a:solidFill>
+                            <a:srgbClr val="000000"/>
+                          </a:solidFill>
+                          <a:latin typeface="Arial" panose="020B0604020202020204" pitchFamily="34" charset="0"/>
+                          <a:cs typeface="Arial" panose="020B0604020202020204" pitchFamily="34" charset="0"/>
+                        </a:rPr>
+                        <a:t>C2</a:t>
+                      </a:r>
+                    </a:p>
+                  </a:txBody>
+                  <a:tcPr marL="0" marR="0" marT="0" marB="0" anchor="ctr">
+                    <a:lnL w="12700" cap="flat" cmpd="sng" algn="ctr">
+                      <a:solidFill>
+                        <a:srgbClr val="000000"/>
+                      </a:solidFill>
+                      <a:prstDash val="solid"/>
+                      <a:round/>
+                      <a:headEnd type="none" w="med" len="med"/>
+                      <a:tailEnd type="none" w="med" len="med"/>
+                    </a:lnL>
+                    <a:lnR w="12700" cap="flat" cmpd="sng" algn="ctr">
+                      <a:solidFill>
+                        <a:srgbClr val="000000"/>
+                      </a:solidFill>
+                      <a:prstDash val="solid"/>
+                      <a:round/>
+                      <a:headEnd type="none" w="med" len="med"/>
+                      <a:tailEnd type="none" w="med" len="med"/>
+                    </a:lnR>
+                    <a:lnT w="12700" cap="flat" cmpd="sng" algn="ctr">
+                      <a:solidFill>
+                        <a:srgbClr val="000000"/>
+                      </a:solidFill>
+                      <a:prstDash val="solid"/>
+                      <a:round/>
+                      <a:headEnd type="none" w="med" len="med"/>
+                      <a:tailEnd type="none" w="med" len="med"/>
+                    </a:lnT>
+                    <a:lnB w="12700" cap="flat" cmpd="sng" algn="ctr">
+                      <a:solidFill>
+                        <a:srgbClr val="000000"/>
+                      </a:solidFill>
+                      <a:prstDash val="solid"/>
+                      <a:round/>
+                      <a:headEnd type="none" w="med" len="med"/>
+                      <a:tailEnd type="none" w="med" len="med"/>
+                    </a:lnB>
+                  </a:tcPr>
+                </a:tc>
+                <a:tc>
+                  <a:txBody>
+                    <a:bodyPr/>
+                    <a:lstStyle/>
+                    <a:p>
+                      <a:pPr algn="ctr"/>
+                      <a:r>
+                        <a:rPr lang="en-US" sz="800" dirty="0">
+                          <a:solidFill>
+                            <a:srgbClr val="000000"/>
+                          </a:solidFill>
+                          <a:latin typeface="Arial" panose="020B0604020202020204" pitchFamily="34" charset="0"/>
+                          <a:cs typeface="Arial" panose="020B0604020202020204" pitchFamily="34" charset="0"/>
+                        </a:rPr>
+                        <a:t>C3</a:t>
+                      </a:r>
+                    </a:p>
+                  </a:txBody>
+                  <a:tcPr marL="0" marR="0" marT="0" marB="0" anchor="ctr">
+                    <a:lnL w="12700" cap="flat" cmpd="sng" algn="ctr">
+                      <a:solidFill>
+                        <a:srgbClr val="000000"/>
+                      </a:solidFill>
+                      <a:prstDash val="solid"/>
+                      <a:round/>
+                      <a:headEnd type="none" w="med" len="med"/>
+                      <a:tailEnd type="none" w="med" len="med"/>
+                    </a:lnL>
+                    <a:lnR w="12700" cap="flat" cmpd="sng" algn="ctr">
+                      <a:solidFill>
+                        <a:srgbClr val="000000"/>
+                      </a:solidFill>
+                      <a:prstDash val="solid"/>
+                      <a:round/>
+                      <a:headEnd type="none" w="med" len="med"/>
+                      <a:tailEnd type="none" w="med" len="med"/>
+                    </a:lnR>
+                    <a:lnT w="12700" cap="flat" cmpd="sng" algn="ctr">
+                      <a:solidFill>
+                        <a:srgbClr val="000000"/>
+                      </a:solidFill>
+                      <a:prstDash val="solid"/>
+                      <a:round/>
+                      <a:headEnd type="none" w="med" len="med"/>
+                      <a:tailEnd type="none" w="med" len="med"/>
+                    </a:lnT>
+                    <a:lnB w="12700" cap="flat" cmpd="sng" algn="ctr">
+                      <a:solidFill>
+                        <a:srgbClr val="000000"/>
+                      </a:solidFill>
+                      <a:prstDash val="solid"/>
+                      <a:round/>
+                      <a:headEnd type="none" w="med" len="med"/>
+                      <a:tailEnd type="none" w="med" len="med"/>
+                    </a:lnB>
+                  </a:tcPr>
+                </a:tc>
+                <a:extLst>
+                  <a:ext uri="{0D108BD9-81ED-4DB2-BD59-A6C34878D82A}">
+                    <a16:rowId xmlns:a16="http://schemas.microsoft.com/office/drawing/2014/main" val="3056599753"/>
+                  </a:ext>
+                </a:extLst>
+              </a:tr>
+              <a:tr h="278514">
+                <a:tc>
+                  <a:txBody>
+                    <a:bodyPr/>
+                    <a:lstStyle/>
+                    <a:p>
+                      <a:pPr algn="ctr"/>
+                      <a:r>
+                        <a:rPr lang="en-US" sz="800" dirty="0">
+                          <a:solidFill>
+                            <a:srgbClr val="000000"/>
+                          </a:solidFill>
+                          <a:latin typeface="Arial" panose="020B0604020202020204" pitchFamily="34" charset="0"/>
+                          <a:cs typeface="Arial" panose="020B0604020202020204" pitchFamily="34" charset="0"/>
+                        </a:rPr>
+                        <a:t>1</a:t>
+                      </a:r>
+                    </a:p>
+                  </a:txBody>
+                  <a:tcPr marL="0" marR="0" marT="0" marB="0" anchor="ctr">
+                    <a:lnL w="12700" cap="flat" cmpd="sng" algn="ctr">
+                      <a:solidFill>
+                        <a:srgbClr val="000000"/>
+                      </a:solidFill>
+                      <a:prstDash val="solid"/>
+                      <a:round/>
+                      <a:headEnd type="none" w="med" len="med"/>
+                      <a:tailEnd type="none" w="med" len="med"/>
+                    </a:lnL>
+                    <a:lnR w="12700" cap="flat" cmpd="sng" algn="ctr">
+                      <a:solidFill>
+                        <a:srgbClr val="000000"/>
+                      </a:solidFill>
+                      <a:prstDash val="solid"/>
+                      <a:round/>
+                      <a:headEnd type="none" w="med" len="med"/>
+                      <a:tailEnd type="none" w="med" len="med"/>
+                    </a:lnR>
+                    <a:lnT w="12700" cap="flat" cmpd="sng" algn="ctr">
+                      <a:solidFill>
+                        <a:srgbClr val="000000"/>
+                      </a:solidFill>
+                      <a:prstDash val="solid"/>
+                      <a:round/>
+                      <a:headEnd type="none" w="med" len="med"/>
+                      <a:tailEnd type="none" w="med" len="med"/>
+                    </a:lnT>
+                  </a:tcPr>
+                </a:tc>
+                <a:tc>
+                  <a:txBody>
+                    <a:bodyPr/>
+                    <a:lstStyle/>
+                    <a:p>
+                      <a:pPr algn="ctr"/>
+                      <a:r>
+                        <a:rPr lang="en-US" sz="800" dirty="0">
+                          <a:solidFill>
+                            <a:srgbClr val="000000"/>
+                          </a:solidFill>
+                          <a:latin typeface="Arial" panose="020B0604020202020204" pitchFamily="34" charset="0"/>
+                          <a:cs typeface="Arial" panose="020B0604020202020204" pitchFamily="34" charset="0"/>
+                        </a:rPr>
+                        <a:t>0</a:t>
+                      </a:r>
+                    </a:p>
+                  </a:txBody>
+                  <a:tcPr marL="0" marR="0" marT="0" marB="0" anchor="ctr">
+                    <a:lnL w="12700" cap="flat" cmpd="sng" algn="ctr">
+                      <a:solidFill>
+                        <a:srgbClr val="000000"/>
+                      </a:solidFill>
+                      <a:prstDash val="solid"/>
+                      <a:round/>
+                      <a:headEnd type="none" w="med" len="med"/>
+                      <a:tailEnd type="none" w="med" len="med"/>
+                    </a:lnL>
+                    <a:lnR w="12700" cap="flat" cmpd="sng" algn="ctr">
+                      <a:solidFill>
+                        <a:srgbClr val="000000"/>
+                      </a:solidFill>
+                      <a:prstDash val="solid"/>
+                      <a:round/>
+                      <a:headEnd type="none" w="med" len="med"/>
+                      <a:tailEnd type="none" w="med" len="med"/>
+                    </a:lnR>
+                    <a:lnT w="12700" cap="flat" cmpd="sng" algn="ctr">
+                      <a:solidFill>
+                        <a:srgbClr val="000000"/>
+                      </a:solidFill>
+                      <a:prstDash val="solid"/>
+                      <a:round/>
+                      <a:headEnd type="none" w="med" len="med"/>
+                      <a:tailEnd type="none" w="med" len="med"/>
+                    </a:lnT>
+                  </a:tcPr>
+                </a:tc>
+                <a:tc>
+                  <a:txBody>
+                    <a:bodyPr/>
+                    <a:lstStyle/>
+                    <a:p>
+                      <a:pPr algn="ctr"/>
+                      <a:r>
+                        <a:rPr lang="en-US" sz="800" dirty="0">
+                          <a:solidFill>
+                            <a:srgbClr val="000000"/>
+                          </a:solidFill>
+                          <a:latin typeface="Arial" panose="020B0604020202020204" pitchFamily="34" charset="0"/>
+                          <a:cs typeface="Arial" panose="020B0604020202020204" pitchFamily="34" charset="0"/>
+                        </a:rPr>
+                        <a:t>0</a:t>
+                      </a:r>
+                    </a:p>
+                  </a:txBody>
+                  <a:tcPr marL="0" marR="0" marT="0" marB="0" anchor="ctr">
+                    <a:lnL w="12700" cap="flat" cmpd="sng" algn="ctr">
+                      <a:solidFill>
+                        <a:srgbClr val="000000"/>
+                      </a:solidFill>
+                      <a:prstDash val="solid"/>
+                      <a:round/>
+                      <a:headEnd type="none" w="med" len="med"/>
+                      <a:tailEnd type="none" w="med" len="med"/>
+                    </a:lnL>
+                    <a:lnR w="12700" cap="flat" cmpd="sng" algn="ctr">
+                      <a:solidFill>
+                        <a:srgbClr val="000000"/>
+                      </a:solidFill>
+                      <a:prstDash val="solid"/>
+                      <a:round/>
+                      <a:headEnd type="none" w="med" len="med"/>
+                      <a:tailEnd type="none" w="med" len="med"/>
+                    </a:lnR>
+                    <a:lnT w="12700" cap="flat" cmpd="sng" algn="ctr">
+                      <a:solidFill>
+                        <a:srgbClr val="000000"/>
+                      </a:solidFill>
+                      <a:prstDash val="solid"/>
+                      <a:round/>
+                      <a:headEnd type="none" w="med" len="med"/>
+                      <a:tailEnd type="none" w="med" len="med"/>
+                    </a:lnT>
+                  </a:tcPr>
+                </a:tc>
+                <a:extLst>
+                  <a:ext uri="{0D108BD9-81ED-4DB2-BD59-A6C34878D82A}">
+                    <a16:rowId xmlns:a16="http://schemas.microsoft.com/office/drawing/2014/main" val="702592369"/>
+                  </a:ext>
+                </a:extLst>
+              </a:tr>
+              <a:tr h="278514">
+                <a:tc>
+                  <a:txBody>
+                    <a:bodyPr/>
+                    <a:lstStyle/>
+                    <a:p>
+                      <a:pPr algn="ctr"/>
+                      <a:r>
+                        <a:rPr lang="en-US" sz="800" dirty="0">
+                          <a:solidFill>
+                            <a:srgbClr val="000000"/>
+                          </a:solidFill>
+                          <a:latin typeface="Arial" panose="020B0604020202020204" pitchFamily="34" charset="0"/>
+                          <a:cs typeface="Arial" panose="020B0604020202020204" pitchFamily="34" charset="0"/>
+                        </a:rPr>
+                        <a:t>0</a:t>
+                      </a:r>
+                    </a:p>
+                  </a:txBody>
+                  <a:tcPr marL="0" marR="0" marT="0" marB="0" anchor="ctr">
+                    <a:lnL w="12700" cap="flat" cmpd="sng" algn="ctr">
+                      <a:solidFill>
+                        <a:srgbClr val="000000"/>
+                      </a:solidFill>
+                      <a:prstDash val="solid"/>
+                      <a:round/>
+                      <a:headEnd type="none" w="med" len="med"/>
+                      <a:tailEnd type="none" w="med" len="med"/>
+                    </a:lnL>
+                    <a:lnR w="12700" cap="flat" cmpd="sng" algn="ctr">
+                      <a:solidFill>
+                        <a:srgbClr val="000000"/>
+                      </a:solidFill>
+                      <a:prstDash val="solid"/>
+                      <a:round/>
+                      <a:headEnd type="none" w="med" len="med"/>
+                      <a:tailEnd type="none" w="med" len="med"/>
+                    </a:lnR>
+                  </a:tcPr>
+                </a:tc>
+                <a:tc>
+                  <a:txBody>
+                    <a:bodyPr/>
+                    <a:lstStyle/>
+                    <a:p>
+                      <a:pPr algn="ctr"/>
+                      <a:r>
+                        <a:rPr lang="en-US" sz="800" dirty="0">
+                          <a:solidFill>
+                            <a:srgbClr val="000000"/>
+                          </a:solidFill>
+                          <a:latin typeface="Arial" panose="020B0604020202020204" pitchFamily="34" charset="0"/>
+                          <a:cs typeface="Arial" panose="020B0604020202020204" pitchFamily="34" charset="0"/>
+                        </a:rPr>
+                        <a:t>1</a:t>
+                      </a:r>
+                    </a:p>
+                  </a:txBody>
+                  <a:tcPr marL="0" marR="0" marT="0" marB="0" anchor="ctr">
+                    <a:lnL w="12700" cap="flat" cmpd="sng" algn="ctr">
+                      <a:solidFill>
+                        <a:srgbClr val="000000"/>
+                      </a:solidFill>
+                      <a:prstDash val="solid"/>
+                      <a:round/>
+                      <a:headEnd type="none" w="med" len="med"/>
+                      <a:tailEnd type="none" w="med" len="med"/>
+                    </a:lnL>
+                    <a:lnR w="12700" cap="flat" cmpd="sng" algn="ctr">
+                      <a:solidFill>
+                        <a:srgbClr val="000000"/>
+                      </a:solidFill>
+                      <a:prstDash val="solid"/>
+                      <a:round/>
+                      <a:headEnd type="none" w="med" len="med"/>
+                      <a:tailEnd type="none" w="med" len="med"/>
+                    </a:lnR>
+                  </a:tcPr>
+                </a:tc>
+                <a:tc>
+                  <a:txBody>
+                    <a:bodyPr/>
+                    <a:lstStyle/>
+                    <a:p>
+                      <a:pPr algn="ctr"/>
+                      <a:r>
+                        <a:rPr lang="en-US" sz="800" dirty="0">
+                          <a:solidFill>
+                            <a:srgbClr val="000000"/>
+                          </a:solidFill>
+                          <a:latin typeface="Arial" panose="020B0604020202020204" pitchFamily="34" charset="0"/>
+                          <a:cs typeface="Arial" panose="020B0604020202020204" pitchFamily="34" charset="0"/>
+                        </a:rPr>
+                        <a:t>0</a:t>
+                      </a:r>
+                    </a:p>
+                  </a:txBody>
+                  <a:tcPr marL="0" marR="0" marT="0" marB="0" anchor="ctr">
+                    <a:lnL w="12700" cap="flat" cmpd="sng" algn="ctr">
+                      <a:solidFill>
+                        <a:srgbClr val="000000"/>
+                      </a:solidFill>
+                      <a:prstDash val="solid"/>
+                      <a:round/>
+                      <a:headEnd type="none" w="med" len="med"/>
+                      <a:tailEnd type="none" w="med" len="med"/>
+                    </a:lnL>
+                    <a:lnR w="12700" cap="flat" cmpd="sng" algn="ctr">
+                      <a:solidFill>
+                        <a:srgbClr val="000000"/>
+                      </a:solidFill>
+                      <a:prstDash val="solid"/>
+                      <a:round/>
+                      <a:headEnd type="none" w="med" len="med"/>
+                      <a:tailEnd type="none" w="med" len="med"/>
+                    </a:lnR>
+                  </a:tcPr>
+                </a:tc>
+                <a:extLst>
+                  <a:ext uri="{0D108BD9-81ED-4DB2-BD59-A6C34878D82A}">
+                    <a16:rowId xmlns:a16="http://schemas.microsoft.com/office/drawing/2014/main" val="505598518"/>
+                  </a:ext>
+                </a:extLst>
+              </a:tr>
+              <a:tr h="278514">
+                <a:tc>
+                  <a:txBody>
+                    <a:bodyPr/>
+                    <a:lstStyle/>
+                    <a:p>
+                      <a:pPr algn="ctr"/>
+                      <a:r>
+                        <a:rPr lang="en-US" sz="800" dirty="0">
+                          <a:solidFill>
+                            <a:srgbClr val="000000"/>
+                          </a:solidFill>
+                          <a:latin typeface="Arial" panose="020B0604020202020204" pitchFamily="34" charset="0"/>
+                          <a:cs typeface="Arial" panose="020B0604020202020204" pitchFamily="34" charset="0"/>
+                        </a:rPr>
+                        <a:t>0</a:t>
+                      </a:r>
+                    </a:p>
+                  </a:txBody>
+                  <a:tcPr marL="0" marR="0" marT="0" marB="0" anchor="ctr">
+                    <a:lnL w="12700" cap="flat" cmpd="sng" algn="ctr">
+                      <a:solidFill>
+                        <a:srgbClr val="000000"/>
+                      </a:solidFill>
+                      <a:prstDash val="solid"/>
+                      <a:round/>
+                      <a:headEnd type="none" w="med" len="med"/>
+                      <a:tailEnd type="none" w="med" len="med"/>
+                    </a:lnL>
+                    <a:lnR w="12700" cap="flat" cmpd="sng" algn="ctr">
+                      <a:solidFill>
+                        <a:srgbClr val="000000"/>
+                      </a:solidFill>
+                      <a:prstDash val="solid"/>
+                      <a:round/>
+                      <a:headEnd type="none" w="med" len="med"/>
+                      <a:tailEnd type="none" w="med" len="med"/>
+                    </a:lnR>
+                    <a:lnB w="12700" cap="flat" cmpd="sng" algn="ctr">
+                      <a:solidFill>
+                        <a:srgbClr val="000000"/>
+                      </a:solidFill>
+                      <a:prstDash val="solid"/>
+                      <a:round/>
+                      <a:headEnd type="none" w="med" len="med"/>
+                      <a:tailEnd type="none" w="med" len="med"/>
+                    </a:lnB>
+                  </a:tcPr>
+                </a:tc>
+                <a:tc>
+                  <a:txBody>
+                    <a:bodyPr/>
+                    <a:lstStyle/>
+                    <a:p>
+                      <a:pPr algn="ctr"/>
+                      <a:r>
+                        <a:rPr lang="en-US" sz="800" dirty="0">
+                          <a:solidFill>
+                            <a:srgbClr val="000000"/>
+                          </a:solidFill>
+                          <a:latin typeface="Arial" panose="020B0604020202020204" pitchFamily="34" charset="0"/>
+                          <a:cs typeface="Arial" panose="020B0604020202020204" pitchFamily="34" charset="0"/>
+                        </a:rPr>
+                        <a:t>0</a:t>
+                      </a:r>
+                    </a:p>
+                  </a:txBody>
+                  <a:tcPr marL="0" marR="0" marT="0" marB="0" anchor="ctr">
+                    <a:lnL w="12700" cap="flat" cmpd="sng" algn="ctr">
+                      <a:solidFill>
+                        <a:srgbClr val="000000"/>
+                      </a:solidFill>
+                      <a:prstDash val="solid"/>
+                      <a:round/>
+                      <a:headEnd type="none" w="med" len="med"/>
+                      <a:tailEnd type="none" w="med" len="med"/>
+                    </a:lnL>
+                    <a:lnR w="12700" cap="flat" cmpd="sng" algn="ctr">
+                      <a:solidFill>
+                        <a:srgbClr val="000000"/>
+                      </a:solidFill>
+                      <a:prstDash val="solid"/>
+                      <a:round/>
+                      <a:headEnd type="none" w="med" len="med"/>
+                      <a:tailEnd type="none" w="med" len="med"/>
+                    </a:lnR>
+                    <a:lnB w="12700" cap="flat" cmpd="sng" algn="ctr">
+                      <a:solidFill>
+                        <a:srgbClr val="000000"/>
+                      </a:solidFill>
+                      <a:prstDash val="solid"/>
+                      <a:round/>
+                      <a:headEnd type="none" w="med" len="med"/>
+                      <a:tailEnd type="none" w="med" len="med"/>
+                    </a:lnB>
+                  </a:tcPr>
+                </a:tc>
+                <a:tc>
+                  <a:txBody>
+                    <a:bodyPr/>
+                    <a:lstStyle/>
+                    <a:p>
+                      <a:pPr algn="ctr"/>
+                      <a:r>
+                        <a:rPr lang="en-US" sz="800" dirty="0">
+                          <a:solidFill>
+                            <a:srgbClr val="000000"/>
+                          </a:solidFill>
+                          <a:latin typeface="Arial" panose="020B0604020202020204" pitchFamily="34" charset="0"/>
+                          <a:cs typeface="Arial" panose="020B0604020202020204" pitchFamily="34" charset="0"/>
+                        </a:rPr>
+                        <a:t>1</a:t>
+                      </a:r>
+                    </a:p>
+                  </a:txBody>
+                  <a:tcPr marL="0" marR="0" marT="0" marB="0" anchor="ctr">
+                    <a:lnL w="12700" cap="flat" cmpd="sng" algn="ctr">
+                      <a:solidFill>
+                        <a:srgbClr val="000000"/>
+                      </a:solidFill>
+                      <a:prstDash val="solid"/>
+                      <a:round/>
+                      <a:headEnd type="none" w="med" len="med"/>
+                      <a:tailEnd type="none" w="med" len="med"/>
+                    </a:lnL>
+                    <a:lnR w="12700" cap="flat" cmpd="sng" algn="ctr">
+                      <a:solidFill>
+                        <a:srgbClr val="000000"/>
+                      </a:solidFill>
+                      <a:prstDash val="solid"/>
+                      <a:round/>
+                      <a:headEnd type="none" w="med" len="med"/>
+                      <a:tailEnd type="none" w="med" len="med"/>
+                    </a:lnR>
+                    <a:lnB w="12700" cap="flat" cmpd="sng" algn="ctr">
+                      <a:solidFill>
+                        <a:srgbClr val="000000"/>
+                      </a:solidFill>
+                      <a:prstDash val="solid"/>
+                      <a:round/>
+                      <a:headEnd type="none" w="med" len="med"/>
+                      <a:tailEnd type="none" w="med" len="med"/>
+                    </a:lnB>
+                  </a:tcPr>
+                </a:tc>
+                <a:extLst>
+                  <a:ext uri="{0D108BD9-81ED-4DB2-BD59-A6C34878D82A}">
+                    <a16:rowId xmlns:a16="http://schemas.microsoft.com/office/drawing/2014/main" val="641074146"/>
+                  </a:ext>
+                </a:extLst>
+              </a:tr>
+            </a:tbl>
+          </a:graphicData>
+        </a:graphic>
+      </p:graphicFrame>
+      <p:sp>
+        <p:nvSpPr>
+          <p:cNvPr id="12" name="Rectangle 11">
+            <a:extLst>
+              <a:ext uri="{FF2B5EF4-FFF2-40B4-BE49-F238E27FC236}">
+                <a16:creationId xmlns:a16="http://schemas.microsoft.com/office/drawing/2014/main" id="{50ADB1FB-613F-465A-8EF8-6B60954CFFC1}"/>
+              </a:ext>
+            </a:extLst>
+          </p:cNvPr>
+          <p:cNvSpPr/>
+          <p:nvPr/>
+        </p:nvSpPr>
+        <p:spPr>
+          <a:xfrm>
+            <a:off x="1754925" y="4355336"/>
+            <a:ext cx="925139" cy="346364"/>
+          </a:xfrm>
+          <a:prstGeom prst="rect">
+            <a:avLst/>
+          </a:prstGeom>
+          <a:noFill/>
+          <a:ln w="19050">
+            <a:solidFill>
+              <a:srgbClr val="D9CEEE"/>
+            </a:solidFill>
+          </a:ln>
+        </p:spPr>
+        <p:style>
+          <a:lnRef idx="1">
+            <a:schemeClr val="accent1"/>
+          </a:lnRef>
+          <a:fillRef idx="3">
+            <a:schemeClr val="accent1"/>
+          </a:fillRef>
+          <a:effectRef idx="2">
+            <a:schemeClr val="accent1"/>
+          </a:effectRef>
+          <a:fontRef idx="minor">
+            <a:schemeClr val="lt1"/>
+          </a:fontRef>
+        </p:style>
+        <p:txBody>
+          <a:bodyPr rtlCol="0" anchor="ctr"/>
+          <a:lstStyle/>
+          <a:p>
+            <a:pPr algn="ctr"/>
+            <a:endParaRPr lang="en-US"/>
+          </a:p>
+        </p:txBody>
+      </p:sp>
+      <p:cxnSp>
+        <p:nvCxnSpPr>
+          <p:cNvPr id="24" name="Straight Arrow Connector 23">
+            <a:extLst>
+              <a:ext uri="{FF2B5EF4-FFF2-40B4-BE49-F238E27FC236}">
+                <a16:creationId xmlns:a16="http://schemas.microsoft.com/office/drawing/2014/main" id="{478C28D7-5E91-4919-B518-DD0A2BA0C5E1}"/>
+              </a:ext>
+            </a:extLst>
+          </p:cNvPr>
+          <p:cNvCxnSpPr>
+            <a:cxnSpLocks/>
+          </p:cNvCxnSpPr>
+          <p:nvPr/>
+        </p:nvCxnSpPr>
+        <p:spPr>
+          <a:xfrm>
+            <a:off x="2604960" y="4247913"/>
+            <a:ext cx="0" cy="228600"/>
+          </a:xfrm>
+          <a:prstGeom prst="straightConnector1">
+            <a:avLst/>
+          </a:prstGeom>
+          <a:ln w="19050">
+            <a:solidFill>
+              <a:srgbClr val="000000"/>
+            </a:solidFill>
+            <a:tailEnd type="triangle"/>
+          </a:ln>
+        </p:spPr>
+        <p:style>
+          <a:lnRef idx="2">
+            <a:schemeClr val="dk1"/>
+          </a:lnRef>
+          <a:fillRef idx="0">
+            <a:schemeClr val="dk1"/>
+          </a:fillRef>
+          <a:effectRef idx="1">
+            <a:schemeClr val="dk1"/>
+          </a:effectRef>
+          <a:fontRef idx="minor">
+            <a:schemeClr val="tx1"/>
+          </a:fontRef>
+        </p:style>
+      </p:cxnSp>
+      <p:cxnSp>
+        <p:nvCxnSpPr>
+          <p:cNvPr id="91" name="Straight Arrow Connector 90">
+            <a:extLst>
+              <a:ext uri="{FF2B5EF4-FFF2-40B4-BE49-F238E27FC236}">
+                <a16:creationId xmlns:a16="http://schemas.microsoft.com/office/drawing/2014/main" id="{75FD28B2-58C7-4A1E-AD58-5C9BB7334FDC}"/>
+              </a:ext>
+            </a:extLst>
+          </p:cNvPr>
+          <p:cNvCxnSpPr>
+            <a:cxnSpLocks/>
+          </p:cNvCxnSpPr>
+          <p:nvPr/>
+        </p:nvCxnSpPr>
+        <p:spPr>
+          <a:xfrm>
+            <a:off x="2106150" y="4211972"/>
+            <a:ext cx="0" cy="148064"/>
+          </a:xfrm>
+          <a:prstGeom prst="straightConnector1">
+            <a:avLst/>
+          </a:prstGeom>
+          <a:ln w="19050">
+            <a:solidFill>
+              <a:srgbClr val="000000"/>
+            </a:solidFill>
+            <a:tailEnd type="triangle"/>
+          </a:ln>
+        </p:spPr>
+        <p:style>
+          <a:lnRef idx="2">
+            <a:schemeClr val="dk1"/>
+          </a:lnRef>
+          <a:fillRef idx="0">
+            <a:schemeClr val="dk1"/>
+          </a:fillRef>
+          <a:effectRef idx="1">
+            <a:schemeClr val="dk1"/>
+          </a:effectRef>
+          <a:fontRef idx="minor">
+            <a:schemeClr val="tx1"/>
+          </a:fontRef>
+        </p:style>
+      </p:cxnSp>
+      <p:sp>
+        <p:nvSpPr>
+          <p:cNvPr id="92" name="Title 1">
+            <a:extLst>
+              <a:ext uri="{FF2B5EF4-FFF2-40B4-BE49-F238E27FC236}">
+                <a16:creationId xmlns:a16="http://schemas.microsoft.com/office/drawing/2014/main" id="{B00CF1B1-DD8A-4091-B777-51B9D1E314F3}"/>
+              </a:ext>
+            </a:extLst>
+          </p:cNvPr>
+          <p:cNvSpPr txBox="1">
+            <a:spLocks/>
+          </p:cNvSpPr>
+          <p:nvPr/>
+        </p:nvSpPr>
+        <p:spPr>
+          <a:xfrm>
+            <a:off x="1757860" y="4051526"/>
+            <a:ext cx="694643" cy="234913"/>
+          </a:xfrm>
+          <a:prstGeom prst="rect">
+            <a:avLst/>
+          </a:prstGeom>
+        </p:spPr>
+        <p:txBody>
+          <a:bodyPr anchor="t"/>
+          <a:lstStyle>
+            <a:lvl1pPr algn="l" defTabSz="342900" rtl="0" eaLnBrk="1" latinLnBrk="0" hangingPunct="1">
+              <a:spcBef>
+                <a:spcPct val="0"/>
+              </a:spcBef>
+              <a:buNone/>
+              <a:defRPr sz="3750" b="1" i="0" kern="1200">
+                <a:solidFill>
+                  <a:schemeClr val="tx2"/>
+                </a:solidFill>
+                <a:latin typeface="Encode Sans Normal Black" charset="0"/>
+                <a:ea typeface="Encode Sans Normal Black" charset="0"/>
+                <a:cs typeface="Encode Sans Normal Black" charset="0"/>
+              </a:defRPr>
+            </a:lvl1pPr>
+          </a:lstStyle>
+          <a:p>
+            <a:pPr algn="ctr"/>
+            <a:r>
+              <a:rPr lang="en-US" sz="700" dirty="0">
+                <a:solidFill>
+                  <a:schemeClr val="bg1">
+                    <a:lumMod val="40000"/>
+                    <a:lumOff val="60000"/>
+                  </a:schemeClr>
+                </a:solidFill>
+                <a:latin typeface="Arial" panose="020B0604020202020204" pitchFamily="34" charset="0"/>
+                <a:cs typeface="Arial" panose="020B0604020202020204" pitchFamily="34" charset="0"/>
+              </a:rPr>
+              <a:t>Train</a:t>
+            </a:r>
+          </a:p>
+        </p:txBody>
+      </p:sp>
+      <p:cxnSp>
+        <p:nvCxnSpPr>
+          <p:cNvPr id="64" name="Straight Arrow Connector 63">
+            <a:extLst>
+              <a:ext uri="{FF2B5EF4-FFF2-40B4-BE49-F238E27FC236}">
+                <a16:creationId xmlns:a16="http://schemas.microsoft.com/office/drawing/2014/main" id="{1E0185A5-5FA0-4430-80CF-5E922CA15547}"/>
+              </a:ext>
+            </a:extLst>
+          </p:cNvPr>
+          <p:cNvCxnSpPr>
+            <a:cxnSpLocks/>
+          </p:cNvCxnSpPr>
+          <p:nvPr/>
+        </p:nvCxnSpPr>
+        <p:spPr>
+          <a:xfrm>
+            <a:off x="2169318" y="5967493"/>
+            <a:ext cx="141585" cy="0"/>
+          </a:xfrm>
+          <a:prstGeom prst="straightConnector1">
+            <a:avLst/>
+          </a:prstGeom>
+          <a:ln w="12700">
+            <a:solidFill>
+              <a:srgbClr val="000000"/>
+            </a:solidFill>
+            <a:tailEnd type="triangle"/>
+          </a:ln>
+        </p:spPr>
+        <p:style>
+          <a:lnRef idx="2">
+            <a:schemeClr val="accent1"/>
+          </a:lnRef>
+          <a:fillRef idx="0">
+            <a:schemeClr val="accent1"/>
+          </a:fillRef>
+          <a:effectRef idx="1">
+            <a:schemeClr val="accent1"/>
+          </a:effectRef>
+          <a:fontRef idx="minor">
+            <a:schemeClr val="tx1"/>
+          </a:fontRef>
+        </p:style>
+      </p:cxnSp>
+      <p:sp>
+        <p:nvSpPr>
+          <p:cNvPr id="93" name="Title 1">
+            <a:extLst>
+              <a:ext uri="{FF2B5EF4-FFF2-40B4-BE49-F238E27FC236}">
+                <a16:creationId xmlns:a16="http://schemas.microsoft.com/office/drawing/2014/main" id="{68E3B4B6-936C-412A-903E-36F6D7FEBCA2}"/>
+              </a:ext>
+            </a:extLst>
+          </p:cNvPr>
+          <p:cNvSpPr txBox="1">
+            <a:spLocks/>
+          </p:cNvSpPr>
+          <p:nvPr/>
+        </p:nvSpPr>
+        <p:spPr>
+          <a:xfrm>
+            <a:off x="4184802" y="3810136"/>
+            <a:ext cx="1187251" cy="241390"/>
+          </a:xfrm>
+          <a:prstGeom prst="rect">
+            <a:avLst/>
+          </a:prstGeom>
+        </p:spPr>
+        <p:txBody>
+          <a:bodyPr anchor="t"/>
+          <a:lstStyle>
+            <a:lvl1pPr algn="l" defTabSz="342900" rtl="0" eaLnBrk="1" latinLnBrk="0" hangingPunct="1">
+              <a:spcBef>
+                <a:spcPct val="0"/>
+              </a:spcBef>
+              <a:buNone/>
+              <a:defRPr sz="3750" b="1" i="0" kern="1200">
+                <a:solidFill>
+                  <a:schemeClr val="tx2"/>
+                </a:solidFill>
+                <a:latin typeface="Encode Sans Normal Black" charset="0"/>
+                <a:ea typeface="Encode Sans Normal Black" charset="0"/>
+                <a:cs typeface="Encode Sans Normal Black" charset="0"/>
+              </a:defRPr>
+            </a:lvl1pPr>
+          </a:lstStyle>
+          <a:p>
+            <a:pPr algn="just"/>
+            <a:r>
+              <a:rPr lang="en-US" sz="700" dirty="0">
+                <a:solidFill>
+                  <a:srgbClr val="FF0000"/>
+                </a:solidFill>
+                <a:latin typeface="Arial" panose="020B0604020202020204" pitchFamily="34" charset="0"/>
+                <a:cs typeface="Arial" panose="020B0604020202020204" pitchFamily="34" charset="0"/>
+              </a:rPr>
+              <a:t>Add the other  plots</a:t>
+            </a:r>
+            <a:endParaRPr lang="en-US" sz="700" b="0" dirty="0">
+              <a:solidFill>
+                <a:srgbClr val="FF0000"/>
+              </a:solidFill>
+              <a:highlight>
+                <a:srgbClr val="FFFF00"/>
+              </a:highlight>
+              <a:latin typeface="Arial" panose="020B0604020202020204" pitchFamily="34" charset="0"/>
+              <a:cs typeface="Arial" panose="020B0604020202020204" pitchFamily="34" charset="0"/>
+            </a:endParaRPr>
+          </a:p>
+        </p:txBody>
+      </p:sp>
+      <p:sp>
+        <p:nvSpPr>
+          <p:cNvPr id="94" name="Title 1">
+            <a:extLst>
+              <a:ext uri="{FF2B5EF4-FFF2-40B4-BE49-F238E27FC236}">
+                <a16:creationId xmlns:a16="http://schemas.microsoft.com/office/drawing/2014/main" id="{EB35B68A-72EF-42F2-9899-4D4080D13389}"/>
+              </a:ext>
+            </a:extLst>
+          </p:cNvPr>
+          <p:cNvSpPr txBox="1">
+            <a:spLocks/>
+          </p:cNvSpPr>
+          <p:nvPr/>
+        </p:nvSpPr>
+        <p:spPr>
+          <a:xfrm>
+            <a:off x="5101536" y="2824975"/>
+            <a:ext cx="663268" cy="241390"/>
+          </a:xfrm>
+          <a:prstGeom prst="rect">
+            <a:avLst/>
+          </a:prstGeom>
+        </p:spPr>
+        <p:txBody>
+          <a:bodyPr anchor="t"/>
+          <a:lstStyle>
+            <a:lvl1pPr algn="l" defTabSz="342900" rtl="0" eaLnBrk="1" latinLnBrk="0" hangingPunct="1">
+              <a:spcBef>
+                <a:spcPct val="0"/>
+              </a:spcBef>
+              <a:buNone/>
+              <a:defRPr sz="3750" b="1" i="0" kern="1200">
+                <a:solidFill>
+                  <a:schemeClr val="tx2"/>
+                </a:solidFill>
+                <a:latin typeface="Encode Sans Normal Black" charset="0"/>
+                <a:ea typeface="Encode Sans Normal Black" charset="0"/>
+                <a:cs typeface="Encode Sans Normal Black" charset="0"/>
+              </a:defRPr>
+            </a:lvl1pPr>
+          </a:lstStyle>
+          <a:p>
+            <a:pPr algn="just"/>
+            <a:r>
+              <a:rPr lang="en-US" sz="700" dirty="0">
+                <a:solidFill>
+                  <a:srgbClr val="FF0000"/>
+                </a:solidFill>
+                <a:latin typeface="Arial" panose="020B0604020202020204" pitchFamily="34" charset="0"/>
+                <a:cs typeface="Arial" panose="020B0604020202020204" pitchFamily="34" charset="0"/>
+              </a:rPr>
+              <a:t>Add the other  plots</a:t>
+            </a:r>
+            <a:endParaRPr lang="en-US" sz="700" b="0" dirty="0">
+              <a:solidFill>
+                <a:srgbClr val="FF0000"/>
+              </a:solidFill>
+              <a:highlight>
+                <a:srgbClr val="FFFF00"/>
+              </a:highlight>
+              <a:latin typeface="Arial" panose="020B0604020202020204" pitchFamily="34" charset="0"/>
+              <a:cs typeface="Arial" panose="020B0604020202020204" pitchFamily="34" charset="0"/>
+            </a:endParaRPr>
+          </a:p>
+        </p:txBody>
+      </p:sp>
+      <p:sp>
+        <p:nvSpPr>
+          <p:cNvPr id="95" name="Title 1">
+            <a:extLst>
+              <a:ext uri="{FF2B5EF4-FFF2-40B4-BE49-F238E27FC236}">
+                <a16:creationId xmlns:a16="http://schemas.microsoft.com/office/drawing/2014/main" id="{996BDFB5-A27E-404E-815D-F80A17205209}"/>
+              </a:ext>
+            </a:extLst>
+          </p:cNvPr>
+          <p:cNvSpPr txBox="1">
+            <a:spLocks/>
+          </p:cNvSpPr>
+          <p:nvPr/>
+        </p:nvSpPr>
+        <p:spPr>
+          <a:xfrm>
+            <a:off x="3155355" y="5372309"/>
+            <a:ext cx="2757468" cy="189070"/>
+          </a:xfrm>
+          <a:prstGeom prst="rect">
+            <a:avLst/>
+          </a:prstGeom>
+        </p:spPr>
+        <p:txBody>
+          <a:bodyPr anchor="t"/>
+          <a:lstStyle>
+            <a:lvl1pPr algn="l" defTabSz="342900" rtl="0" eaLnBrk="1" latinLnBrk="0" hangingPunct="1">
+              <a:spcBef>
+                <a:spcPct val="0"/>
+              </a:spcBef>
+              <a:buNone/>
+              <a:defRPr sz="3750" b="1" i="0" kern="1200">
+                <a:solidFill>
+                  <a:schemeClr val="tx2"/>
+                </a:solidFill>
+                <a:latin typeface="Encode Sans Normal Black" charset="0"/>
+                <a:ea typeface="Encode Sans Normal Black" charset="0"/>
+                <a:cs typeface="Encode Sans Normal Black" charset="0"/>
+              </a:defRPr>
+            </a:lvl1pPr>
+          </a:lstStyle>
+          <a:p>
+            <a:pPr algn="just"/>
+            <a:r>
+              <a:rPr lang="en-US" sz="750" b="0" dirty="0">
+                <a:solidFill>
+                  <a:srgbClr val="FF0000"/>
+                </a:solidFill>
+                <a:latin typeface="Arial" panose="020B0604020202020204" pitchFamily="34" charset="0"/>
+                <a:cs typeface="Arial" panose="020B0604020202020204" pitchFamily="34" charset="0"/>
+              </a:rPr>
+              <a:t>Results for battery performance metric predictions</a:t>
+            </a:r>
+            <a:endParaRPr lang="en-US" sz="750" b="0" dirty="0">
+              <a:solidFill>
+                <a:srgbClr val="FF0000"/>
+              </a:solidFill>
+              <a:highlight>
+                <a:srgbClr val="FFFF00"/>
+              </a:highlight>
+              <a:latin typeface="Arial" panose="020B0604020202020204" pitchFamily="34" charset="0"/>
+              <a:cs typeface="Arial" panose="020B0604020202020204" pitchFamily="34" charset="0"/>
+            </a:endParaRPr>
+          </a:p>
+        </p:txBody>
+      </p:sp>
+      <p:graphicFrame>
+        <p:nvGraphicFramePr>
+          <p:cNvPr id="84" name="Table 63">
+            <a:extLst>
+              <a:ext uri="{FF2B5EF4-FFF2-40B4-BE49-F238E27FC236}">
+                <a16:creationId xmlns:a16="http://schemas.microsoft.com/office/drawing/2014/main" id="{2B5CE76C-CD6D-42FF-874E-56F41D4A0DBD}"/>
+              </a:ext>
+            </a:extLst>
+          </p:cNvPr>
+          <p:cNvGraphicFramePr>
+            <a:graphicFrameLocks noGrp="1"/>
+          </p:cNvGraphicFramePr>
+          <p:nvPr>
+            <p:extLst>
+              <p:ext uri="{D42A27DB-BD31-4B8C-83A1-F6EECF244321}">
+                <p14:modId xmlns:p14="http://schemas.microsoft.com/office/powerpoint/2010/main" val="2340515064"/>
+              </p:ext>
+            </p:extLst>
+          </p:nvPr>
+        </p:nvGraphicFramePr>
+        <p:xfrm>
+          <a:off x="3094755" y="5538243"/>
+          <a:ext cx="2914311" cy="571635"/>
+        </p:xfrm>
+        <a:graphic>
+          <a:graphicData uri="http://schemas.openxmlformats.org/drawingml/2006/table">
+            <a:tbl>
+              <a:tblPr firstRow="1" bandRow="1">
+                <a:tableStyleId>{5C22544A-7EE6-4342-B048-85BDC9FD1C3A}</a:tableStyleId>
+              </a:tblPr>
+              <a:tblGrid>
+                <a:gridCol w="457519">
+                  <a:extLst>
+                    <a:ext uri="{9D8B030D-6E8A-4147-A177-3AD203B41FA5}">
+                      <a16:colId xmlns:a16="http://schemas.microsoft.com/office/drawing/2014/main" val="450626200"/>
+                    </a:ext>
+                  </a:extLst>
+                </a:gridCol>
+                <a:gridCol w="392542">
+                  <a:extLst>
+                    <a:ext uri="{9D8B030D-6E8A-4147-A177-3AD203B41FA5}">
+                      <a16:colId xmlns:a16="http://schemas.microsoft.com/office/drawing/2014/main" val="1639336887"/>
+                    </a:ext>
+                  </a:extLst>
+                </a:gridCol>
+                <a:gridCol w="422024">
+                  <a:extLst>
+                    <a:ext uri="{9D8B030D-6E8A-4147-A177-3AD203B41FA5}">
+                      <a16:colId xmlns:a16="http://schemas.microsoft.com/office/drawing/2014/main" val="1218308308"/>
+                    </a:ext>
+                  </a:extLst>
+                </a:gridCol>
+                <a:gridCol w="371243">
+                  <a:extLst>
+                    <a:ext uri="{9D8B030D-6E8A-4147-A177-3AD203B41FA5}">
+                      <a16:colId xmlns:a16="http://schemas.microsoft.com/office/drawing/2014/main" val="2282985911"/>
+                    </a:ext>
+                  </a:extLst>
+                </a:gridCol>
+                <a:gridCol w="415775">
+                  <a:extLst>
+                    <a:ext uri="{9D8B030D-6E8A-4147-A177-3AD203B41FA5}">
+                      <a16:colId xmlns:a16="http://schemas.microsoft.com/office/drawing/2014/main" val="828192895"/>
+                    </a:ext>
+                  </a:extLst>
+                </a:gridCol>
+                <a:gridCol w="433431">
+                  <a:extLst>
+                    <a:ext uri="{9D8B030D-6E8A-4147-A177-3AD203B41FA5}">
+                      <a16:colId xmlns:a16="http://schemas.microsoft.com/office/drawing/2014/main" val="2991921853"/>
+                    </a:ext>
+                  </a:extLst>
+                </a:gridCol>
+                <a:gridCol w="421777">
+                  <a:extLst>
+                    <a:ext uri="{9D8B030D-6E8A-4147-A177-3AD203B41FA5}">
+                      <a16:colId xmlns:a16="http://schemas.microsoft.com/office/drawing/2014/main" val="2899607104"/>
+                    </a:ext>
+                  </a:extLst>
+                </a:gridCol>
+              </a:tblGrid>
+              <a:tr h="120041">
+                <a:tc>
+                  <a:txBody>
+                    <a:bodyPr/>
+                    <a:lstStyle/>
+                    <a:p>
+                      <a:pPr algn="ctr" rtl="0" fontAlgn="ctr">
+                        <a:spcBef>
+                          <a:spcPts val="0"/>
+                        </a:spcBef>
+                        <a:spcAft>
+                          <a:spcPts val="0"/>
+                        </a:spcAft>
+                      </a:pPr>
+                      <a:r>
+                        <a:rPr lang="en-US" sz="400" b="1" i="0" u="none" strike="noStrike" dirty="0">
+                          <a:solidFill>
+                            <a:srgbClr val="FF0000"/>
+                          </a:solidFill>
+                          <a:effectLst/>
+                          <a:latin typeface="Arial" panose="020B0604020202020204" pitchFamily="34" charset="0"/>
+                        </a:rPr>
+                        <a:t>k-NN Regression</a:t>
+                      </a:r>
+                      <a:endParaRPr lang="en-US" sz="400" dirty="0">
+                        <a:solidFill>
+                          <a:srgbClr val="FF0000"/>
+                        </a:solidFill>
+                        <a:effectLst/>
+                      </a:endParaRPr>
+                    </a:p>
+                  </a:txBody>
+                  <a:tcPr marL="0" marR="0" marT="0" marB="0" anchor="ctr">
+                    <a:lnL w="12700" cap="flat" cmpd="sng" algn="ctr">
+                      <a:noFill/>
+                      <a:prstDash val="solid"/>
+                      <a:round/>
+                      <a:headEnd type="none" w="med" len="med"/>
+                      <a:tailEnd type="none" w="med" len="med"/>
+                    </a:lnL>
+                    <a:lnR w="12700" cap="flat" cmpd="sng" algn="ctr">
+                      <a:solidFill>
+                        <a:srgbClr val="545454"/>
+                      </a:solidFill>
+                      <a:prstDash val="solid"/>
+                      <a:round/>
+                      <a:headEnd type="none" w="med" len="med"/>
+                      <a:tailEnd type="none" w="med" len="med"/>
+                    </a:lnR>
+                    <a:lnT w="12700" cap="flat" cmpd="sng" algn="ctr">
+                      <a:solidFill>
+                        <a:srgbClr val="545454"/>
+                      </a:solidFill>
+                      <a:prstDash val="solid"/>
+                      <a:round/>
+                      <a:headEnd type="none" w="med" len="med"/>
+                      <a:tailEnd type="none" w="med" len="med"/>
+                    </a:lnT>
+                    <a:lnB w="12700" cap="flat" cmpd="sng" algn="ctr">
+                      <a:solidFill>
+                        <a:srgbClr val="545454"/>
+                      </a:solidFill>
+                      <a:prstDash val="solid"/>
+                      <a:round/>
+                      <a:headEnd type="none" w="med" len="med"/>
+                      <a:tailEnd type="none" w="med" len="med"/>
+                    </a:lnB>
+                    <a:lnTlToBr w="12700" cmpd="sng">
+                      <a:noFill/>
+                      <a:prstDash val="solid"/>
+                    </a:lnTlToBr>
+                    <a:lnBlToTr w="12700" cmpd="sng">
+                      <a:noFill/>
+                      <a:prstDash val="solid"/>
+                    </a:lnBlToTr>
+                    <a:solidFill>
+                      <a:schemeClr val="accent3"/>
+                    </a:solidFill>
+                  </a:tcPr>
+                </a:tc>
+                <a:tc>
+                  <a:txBody>
+                    <a:bodyPr/>
+                    <a:lstStyle/>
+                    <a:p>
+                      <a:pPr algn="ctr" rtl="0" fontAlgn="ctr">
+                        <a:spcBef>
+                          <a:spcPts val="0"/>
+                        </a:spcBef>
+                        <a:spcAft>
+                          <a:spcPts val="0"/>
+                        </a:spcAft>
+                      </a:pPr>
+                      <a:r>
+                        <a:rPr lang="en-US" sz="400" b="1" i="0" u="none" strike="noStrike" dirty="0">
+                          <a:solidFill>
+                            <a:srgbClr val="FF0000"/>
+                          </a:solidFill>
+                          <a:effectLst/>
+                          <a:latin typeface="Arial" panose="020B0604020202020204" pitchFamily="34" charset="0"/>
+                        </a:rPr>
+                        <a:t>Charge Capacity (Ah)</a:t>
+                      </a:r>
+                      <a:endParaRPr lang="en-US" sz="400" dirty="0">
+                        <a:solidFill>
+                          <a:srgbClr val="FF0000"/>
+                        </a:solidFill>
+                        <a:effectLst/>
+                      </a:endParaRPr>
+                    </a:p>
+                  </a:txBody>
+                  <a:tcPr marL="0" marR="0" marT="0" marB="0" anchor="ctr">
+                    <a:lnL w="12700" cap="flat" cmpd="sng" algn="ctr">
+                      <a:solidFill>
+                        <a:srgbClr val="545454"/>
+                      </a:solidFill>
+                      <a:prstDash val="solid"/>
+                      <a:round/>
+                      <a:headEnd type="none" w="med" len="med"/>
+                      <a:tailEnd type="none" w="med" len="med"/>
+                    </a:lnL>
+                    <a:lnR w="12700" cmpd="sng">
+                      <a:noFill/>
+                    </a:lnR>
+                    <a:lnT w="12700" cap="flat" cmpd="sng" algn="ctr">
+                      <a:solidFill>
+                        <a:srgbClr val="545454"/>
+                      </a:solidFill>
+                      <a:prstDash val="solid"/>
+                      <a:round/>
+                      <a:headEnd type="none" w="med" len="med"/>
+                      <a:tailEnd type="none" w="med" len="med"/>
+                    </a:lnT>
+                    <a:lnB w="12700" cap="flat" cmpd="sng" algn="ctr">
+                      <a:solidFill>
+                        <a:srgbClr val="545454"/>
+                      </a:solidFill>
+                      <a:prstDash val="solid"/>
+                      <a:round/>
+                      <a:headEnd type="none" w="med" len="med"/>
+                      <a:tailEnd type="none" w="med" len="med"/>
+                    </a:lnB>
+                    <a:lnTlToBr w="12700" cmpd="sng">
+                      <a:noFill/>
+                      <a:prstDash val="solid"/>
+                    </a:lnTlToBr>
+                    <a:lnBlToTr w="12700" cmpd="sng">
+                      <a:noFill/>
+                      <a:prstDash val="solid"/>
+                    </a:lnBlToTr>
+                    <a:solidFill>
+                      <a:schemeClr val="accent3"/>
+                    </a:solidFill>
+                  </a:tcPr>
+                </a:tc>
+                <a:tc>
+                  <a:txBody>
+                    <a:bodyPr/>
+                    <a:lstStyle/>
+                    <a:p>
+                      <a:pPr algn="ctr" rtl="0" fontAlgn="ctr">
+                        <a:spcBef>
+                          <a:spcPts val="0"/>
+                        </a:spcBef>
+                        <a:spcAft>
+                          <a:spcPts val="0"/>
+                        </a:spcAft>
+                      </a:pPr>
+                      <a:r>
+                        <a:rPr lang="en-US" sz="400" b="1" i="0" u="none" strike="noStrike" dirty="0">
+                          <a:solidFill>
+                            <a:srgbClr val="FF0000"/>
+                          </a:solidFill>
+                          <a:effectLst/>
+                          <a:latin typeface="Arial" panose="020B0604020202020204" pitchFamily="34" charset="0"/>
+                        </a:rPr>
+                        <a:t>Discharge Capacity (Ah)</a:t>
+                      </a:r>
+                      <a:endParaRPr lang="en-US" sz="400" dirty="0">
+                        <a:solidFill>
+                          <a:srgbClr val="FF0000"/>
+                        </a:solidFill>
+                        <a:effectLst/>
+                      </a:endParaRPr>
+                    </a:p>
+                  </a:txBody>
+                  <a:tcPr marL="0" marR="0" marT="0" marB="0" anchor="ctr">
+                    <a:lnL w="12700" cmpd="sng">
+                      <a:noFill/>
+                    </a:lnL>
+                    <a:lnR w="12700" cmpd="sng">
+                      <a:noFill/>
+                    </a:lnR>
+                    <a:lnT w="12700" cap="flat" cmpd="sng" algn="ctr">
+                      <a:solidFill>
+                        <a:srgbClr val="545454"/>
+                      </a:solidFill>
+                      <a:prstDash val="solid"/>
+                      <a:round/>
+                      <a:headEnd type="none" w="med" len="med"/>
+                      <a:tailEnd type="none" w="med" len="med"/>
+                    </a:lnT>
+                    <a:lnB w="12700" cap="flat" cmpd="sng" algn="ctr">
+                      <a:solidFill>
+                        <a:srgbClr val="545454"/>
+                      </a:solidFill>
+                      <a:prstDash val="solid"/>
+                      <a:round/>
+                      <a:headEnd type="none" w="med" len="med"/>
+                      <a:tailEnd type="none" w="med" len="med"/>
+                    </a:lnB>
+                    <a:lnTlToBr w="12700" cmpd="sng">
+                      <a:noFill/>
+                      <a:prstDash val="solid"/>
+                    </a:lnTlToBr>
+                    <a:lnBlToTr w="12700" cmpd="sng">
+                      <a:noFill/>
+                      <a:prstDash val="solid"/>
+                    </a:lnBlToTr>
+                    <a:solidFill>
+                      <a:schemeClr val="accent3"/>
+                    </a:solidFill>
+                  </a:tcPr>
+                </a:tc>
+                <a:tc>
+                  <a:txBody>
+                    <a:bodyPr/>
+                    <a:lstStyle/>
+                    <a:p>
+                      <a:pPr algn="ctr" rtl="0" fontAlgn="ctr">
+                        <a:spcBef>
+                          <a:spcPts val="0"/>
+                        </a:spcBef>
+                        <a:spcAft>
+                          <a:spcPts val="0"/>
+                        </a:spcAft>
+                      </a:pPr>
+                      <a:r>
+                        <a:rPr lang="en-US" sz="400" b="1" i="0" u="none" strike="noStrike" dirty="0">
+                          <a:solidFill>
+                            <a:srgbClr val="FF0000"/>
+                          </a:solidFill>
+                          <a:effectLst/>
+                          <a:latin typeface="Arial" panose="020B0604020202020204" pitchFamily="34" charset="0"/>
+                        </a:rPr>
+                        <a:t>Charge Energy (</a:t>
+                      </a:r>
+                      <a:r>
+                        <a:rPr lang="en-US" sz="400" b="1" i="0" u="none" strike="noStrike" dirty="0" err="1">
+                          <a:solidFill>
+                            <a:srgbClr val="FF0000"/>
+                          </a:solidFill>
+                          <a:effectLst/>
+                          <a:latin typeface="Arial" panose="020B0604020202020204" pitchFamily="34" charset="0"/>
+                        </a:rPr>
+                        <a:t>Wh</a:t>
+                      </a:r>
+                      <a:r>
+                        <a:rPr lang="en-US" sz="400" b="1" i="0" u="none" strike="noStrike" dirty="0">
+                          <a:solidFill>
+                            <a:srgbClr val="FF0000"/>
+                          </a:solidFill>
+                          <a:effectLst/>
+                          <a:latin typeface="Arial" panose="020B0604020202020204" pitchFamily="34" charset="0"/>
+                        </a:rPr>
+                        <a:t>)</a:t>
+                      </a:r>
+                      <a:endParaRPr lang="en-US" sz="400" dirty="0">
+                        <a:solidFill>
+                          <a:srgbClr val="FF0000"/>
+                        </a:solidFill>
+                        <a:effectLst/>
+                      </a:endParaRPr>
+                    </a:p>
+                  </a:txBody>
+                  <a:tcPr marL="0" marR="0" marT="0" marB="0" anchor="ctr">
+                    <a:lnL w="12700" cmpd="sng">
+                      <a:noFill/>
+                    </a:lnL>
+                    <a:lnR w="12700" cmpd="sng">
+                      <a:noFill/>
+                    </a:lnR>
+                    <a:lnT w="12700" cap="flat" cmpd="sng" algn="ctr">
+                      <a:solidFill>
+                        <a:srgbClr val="545454"/>
+                      </a:solidFill>
+                      <a:prstDash val="solid"/>
+                      <a:round/>
+                      <a:headEnd type="none" w="med" len="med"/>
+                      <a:tailEnd type="none" w="med" len="med"/>
+                    </a:lnT>
+                    <a:lnB w="12700" cap="flat" cmpd="sng" algn="ctr">
+                      <a:solidFill>
+                        <a:srgbClr val="545454"/>
+                      </a:solidFill>
+                      <a:prstDash val="solid"/>
+                      <a:round/>
+                      <a:headEnd type="none" w="med" len="med"/>
+                      <a:tailEnd type="none" w="med" len="med"/>
+                    </a:lnB>
+                    <a:lnTlToBr w="12700" cmpd="sng">
+                      <a:noFill/>
+                      <a:prstDash val="solid"/>
+                    </a:lnTlToBr>
+                    <a:lnBlToTr w="12700" cmpd="sng">
+                      <a:noFill/>
+                      <a:prstDash val="solid"/>
+                    </a:lnBlToTr>
+                    <a:solidFill>
+                      <a:schemeClr val="accent3"/>
+                    </a:solidFill>
+                  </a:tcPr>
+                </a:tc>
+                <a:tc>
+                  <a:txBody>
+                    <a:bodyPr/>
+                    <a:lstStyle/>
+                    <a:p>
+                      <a:pPr algn="ctr" rtl="0" fontAlgn="ctr">
+                        <a:spcBef>
+                          <a:spcPts val="0"/>
+                        </a:spcBef>
+                        <a:spcAft>
+                          <a:spcPts val="0"/>
+                        </a:spcAft>
+                      </a:pPr>
+                      <a:r>
+                        <a:rPr lang="en-US" sz="400" b="1" i="0" u="none" strike="noStrike" dirty="0">
+                          <a:solidFill>
+                            <a:srgbClr val="FF0000"/>
+                          </a:solidFill>
+                          <a:effectLst/>
+                          <a:latin typeface="Arial" panose="020B0604020202020204" pitchFamily="34" charset="0"/>
+                        </a:rPr>
+                        <a:t>Discharge Energy (</a:t>
+                      </a:r>
+                      <a:r>
+                        <a:rPr lang="en-US" sz="400" b="1" i="0" u="none" strike="noStrike" dirty="0" err="1">
+                          <a:solidFill>
+                            <a:srgbClr val="FF0000"/>
+                          </a:solidFill>
+                          <a:effectLst/>
+                          <a:latin typeface="Arial" panose="020B0604020202020204" pitchFamily="34" charset="0"/>
+                        </a:rPr>
+                        <a:t>Wh</a:t>
+                      </a:r>
+                      <a:r>
+                        <a:rPr lang="en-US" sz="400" b="1" i="0" u="none" strike="noStrike" dirty="0">
+                          <a:solidFill>
+                            <a:srgbClr val="FF0000"/>
+                          </a:solidFill>
+                          <a:effectLst/>
+                          <a:latin typeface="Arial" panose="020B0604020202020204" pitchFamily="34" charset="0"/>
+                        </a:rPr>
+                        <a:t>)</a:t>
+                      </a:r>
+                      <a:endParaRPr lang="en-US" sz="400" dirty="0">
+                        <a:solidFill>
+                          <a:srgbClr val="FF0000"/>
+                        </a:solidFill>
+                        <a:effectLst/>
+                      </a:endParaRPr>
+                    </a:p>
+                  </a:txBody>
+                  <a:tcPr marL="0" marR="0" marT="0" marB="0" anchor="ctr">
+                    <a:lnL w="12700" cmpd="sng">
+                      <a:noFill/>
+                    </a:lnL>
+                    <a:lnR w="12700" cmpd="sng">
+                      <a:noFill/>
+                    </a:lnR>
+                    <a:lnT w="12700" cap="flat" cmpd="sng" algn="ctr">
+                      <a:solidFill>
+                        <a:srgbClr val="545454"/>
+                      </a:solidFill>
+                      <a:prstDash val="solid"/>
+                      <a:round/>
+                      <a:headEnd type="none" w="med" len="med"/>
+                      <a:tailEnd type="none" w="med" len="med"/>
+                    </a:lnT>
+                    <a:lnB w="12700" cap="flat" cmpd="sng" algn="ctr">
+                      <a:solidFill>
+                        <a:srgbClr val="545454"/>
+                      </a:solidFill>
+                      <a:prstDash val="solid"/>
+                      <a:round/>
+                      <a:headEnd type="none" w="med" len="med"/>
+                      <a:tailEnd type="none" w="med" len="med"/>
+                    </a:lnB>
+                    <a:lnTlToBr w="12700" cmpd="sng">
+                      <a:noFill/>
+                      <a:prstDash val="solid"/>
+                    </a:lnTlToBr>
+                    <a:lnBlToTr w="12700" cmpd="sng">
+                      <a:noFill/>
+                      <a:prstDash val="solid"/>
+                    </a:lnBlToTr>
+                    <a:solidFill>
+                      <a:schemeClr val="accent3"/>
+                    </a:solidFill>
+                  </a:tcPr>
+                </a:tc>
+                <a:tc>
+                  <a:txBody>
+                    <a:bodyPr/>
+                    <a:lstStyle/>
+                    <a:p>
+                      <a:pPr algn="ctr" rtl="0" fontAlgn="ctr">
+                        <a:spcBef>
+                          <a:spcPts val="0"/>
+                        </a:spcBef>
+                        <a:spcAft>
+                          <a:spcPts val="0"/>
+                        </a:spcAft>
+                      </a:pPr>
+                      <a:r>
+                        <a:rPr lang="en-US" sz="400" b="1" i="0" u="none" strike="noStrike" dirty="0">
+                          <a:solidFill>
+                            <a:srgbClr val="FF0000"/>
+                          </a:solidFill>
+                          <a:effectLst/>
+                          <a:latin typeface="Arial" panose="020B0604020202020204" pitchFamily="34" charset="0"/>
+                        </a:rPr>
+                        <a:t>Coulombic Efficiency (%)</a:t>
+                      </a:r>
+                      <a:endParaRPr lang="en-US" sz="400" dirty="0">
+                        <a:solidFill>
+                          <a:srgbClr val="FF0000"/>
+                        </a:solidFill>
+                        <a:effectLst/>
+                      </a:endParaRPr>
+                    </a:p>
+                  </a:txBody>
+                  <a:tcPr marL="0" marR="0" marT="0" marB="0" anchor="ctr">
+                    <a:lnL w="12700" cmpd="sng">
+                      <a:noFill/>
+                    </a:lnL>
+                    <a:lnR w="12700" cmpd="sng">
+                      <a:noFill/>
+                    </a:lnR>
+                    <a:lnT w="12700" cap="flat" cmpd="sng" algn="ctr">
+                      <a:solidFill>
+                        <a:srgbClr val="545454"/>
+                      </a:solidFill>
+                      <a:prstDash val="solid"/>
+                      <a:round/>
+                      <a:headEnd type="none" w="med" len="med"/>
+                      <a:tailEnd type="none" w="med" len="med"/>
+                    </a:lnT>
+                    <a:lnB w="12700" cap="flat" cmpd="sng" algn="ctr">
+                      <a:solidFill>
+                        <a:srgbClr val="545454"/>
+                      </a:solidFill>
+                      <a:prstDash val="solid"/>
+                      <a:round/>
+                      <a:headEnd type="none" w="med" len="med"/>
+                      <a:tailEnd type="none" w="med" len="med"/>
+                    </a:lnB>
+                    <a:lnTlToBr w="12700" cmpd="sng">
+                      <a:noFill/>
+                      <a:prstDash val="solid"/>
+                    </a:lnTlToBr>
+                    <a:lnBlToTr w="12700" cmpd="sng">
+                      <a:noFill/>
+                      <a:prstDash val="solid"/>
+                    </a:lnBlToTr>
+                    <a:solidFill>
+                      <a:schemeClr val="accent3"/>
+                    </a:solidFill>
+                  </a:tcPr>
+                </a:tc>
+                <a:tc>
+                  <a:txBody>
+                    <a:bodyPr/>
+                    <a:lstStyle/>
+                    <a:p>
+                      <a:pPr algn="ctr" rtl="0" fontAlgn="ctr">
+                        <a:spcBef>
+                          <a:spcPts val="0"/>
+                        </a:spcBef>
+                        <a:spcAft>
+                          <a:spcPts val="0"/>
+                        </a:spcAft>
+                      </a:pPr>
+                      <a:r>
+                        <a:rPr lang="en-US" sz="400" b="1" i="0" u="none" strike="noStrike" dirty="0">
+                          <a:solidFill>
+                            <a:srgbClr val="FF0000"/>
+                          </a:solidFill>
+                          <a:effectLst/>
+                          <a:latin typeface="Arial" panose="020B0604020202020204" pitchFamily="34" charset="0"/>
+                        </a:rPr>
+                        <a:t>Energy Efficiency (%)</a:t>
+                      </a:r>
+                      <a:endParaRPr lang="en-US" sz="400" dirty="0">
+                        <a:solidFill>
+                          <a:srgbClr val="FF0000"/>
+                        </a:solidFill>
+                        <a:effectLst/>
+                      </a:endParaRPr>
+                    </a:p>
+                  </a:txBody>
+                  <a:tcPr marL="0" marR="0" marT="0" marB="0" anchor="ctr">
+                    <a:lnL w="12700" cmpd="sng">
+                      <a:noFill/>
+                    </a:lnL>
+                    <a:lnR w="12700" cap="flat" cmpd="sng" algn="ctr">
+                      <a:noFill/>
+                      <a:prstDash val="solid"/>
+                      <a:round/>
+                      <a:headEnd type="none" w="med" len="med"/>
+                      <a:tailEnd type="none" w="med" len="med"/>
+                    </a:lnR>
+                    <a:lnT w="12700" cap="flat" cmpd="sng" algn="ctr">
+                      <a:solidFill>
+                        <a:srgbClr val="545454"/>
+                      </a:solidFill>
+                      <a:prstDash val="solid"/>
+                      <a:round/>
+                      <a:headEnd type="none" w="med" len="med"/>
+                      <a:tailEnd type="none" w="med" len="med"/>
+                    </a:lnT>
+                    <a:lnB w="12700" cap="flat" cmpd="sng" algn="ctr">
+                      <a:solidFill>
+                        <a:srgbClr val="545454"/>
+                      </a:solidFill>
+                      <a:prstDash val="solid"/>
+                      <a:round/>
+                      <a:headEnd type="none" w="med" len="med"/>
+                      <a:tailEnd type="none" w="med" len="med"/>
+                    </a:lnB>
+                    <a:lnTlToBr w="12700" cmpd="sng">
+                      <a:noFill/>
+                      <a:prstDash val="solid"/>
+                    </a:lnTlToBr>
+                    <a:lnBlToTr w="12700" cmpd="sng">
+                      <a:noFill/>
+                      <a:prstDash val="solid"/>
+                    </a:lnBlToTr>
+                    <a:solidFill>
+                      <a:schemeClr val="accent3"/>
+                    </a:solidFill>
+                  </a:tcPr>
+                </a:tc>
+                <a:extLst>
+                  <a:ext uri="{0D108BD9-81ED-4DB2-BD59-A6C34878D82A}">
+                    <a16:rowId xmlns:a16="http://schemas.microsoft.com/office/drawing/2014/main" val="2772205661"/>
+                  </a:ext>
+                </a:extLst>
+              </a:tr>
+              <a:tr h="120271">
+                <a:tc>
+                  <a:txBody>
+                    <a:bodyPr/>
+                    <a:lstStyle/>
+                    <a:p>
+                      <a:pPr algn="ctr" rtl="0" fontAlgn="ctr">
+                        <a:spcBef>
+                          <a:spcPts val="0"/>
+                        </a:spcBef>
+                        <a:spcAft>
+                          <a:spcPts val="0"/>
+                        </a:spcAft>
+                      </a:pPr>
+                      <a:r>
+                        <a:rPr lang="en-US" sz="400" b="1" i="0" u="none" strike="noStrike" dirty="0">
+                          <a:solidFill>
+                            <a:srgbClr val="FF0000"/>
+                          </a:solidFill>
+                          <a:effectLst/>
+                          <a:latin typeface="Arial" panose="020B0604020202020204" pitchFamily="34" charset="0"/>
+                        </a:rPr>
+                        <a:t>Data set mean</a:t>
+                      </a:r>
+                      <a:endParaRPr lang="en-US" sz="400" dirty="0">
+                        <a:solidFill>
+                          <a:srgbClr val="FF0000"/>
+                        </a:solidFill>
+                        <a:effectLst/>
+                      </a:endParaRPr>
+                    </a:p>
+                  </a:txBody>
+                  <a:tcPr marL="0" marR="0" marT="0" marB="0" anchor="ctr">
+                    <a:lnL w="12700" cmpd="sng">
+                      <a:noFill/>
+                    </a:lnL>
+                    <a:lnR w="12700" cap="flat" cmpd="sng" algn="ctr">
+                      <a:solidFill>
+                        <a:srgbClr val="545454"/>
+                      </a:solidFill>
+                      <a:prstDash val="solid"/>
+                      <a:round/>
+                      <a:headEnd type="none" w="med" len="med"/>
+                      <a:tailEnd type="none" w="med" len="med"/>
+                    </a:lnR>
+                    <a:lnT w="12700" cap="flat" cmpd="sng" algn="ctr">
+                      <a:solidFill>
+                        <a:srgbClr val="545454"/>
+                      </a:solidFill>
+                      <a:prstDash val="solid"/>
+                      <a:round/>
+                      <a:headEnd type="none" w="med" len="med"/>
+                      <a:tailEnd type="none" w="med" len="med"/>
+                    </a:lnT>
+                    <a:lnB w="12700" cmpd="sng">
+                      <a:noFill/>
+                    </a:lnB>
+                    <a:lnTlToBr w="12700" cmpd="sng">
+                      <a:noFill/>
+                      <a:prstDash val="solid"/>
+                    </a:lnTlToBr>
+                    <a:lnBlToTr w="12700" cmpd="sng">
+                      <a:noFill/>
+                      <a:prstDash val="solid"/>
+                    </a:lnBlToTr>
+                    <a:solidFill>
+                      <a:schemeClr val="accent3"/>
+                    </a:solidFill>
+                  </a:tcPr>
+                </a:tc>
+                <a:tc>
+                  <a:txBody>
+                    <a:bodyPr/>
+                    <a:lstStyle/>
+                    <a:p>
+                      <a:pPr algn="ctr" rtl="0" fontAlgn="t">
+                        <a:spcBef>
+                          <a:spcPts val="0"/>
+                        </a:spcBef>
+                        <a:spcAft>
+                          <a:spcPts val="0"/>
+                        </a:spcAft>
+                      </a:pPr>
+                      <a:r>
+                        <a:rPr lang="en-US" sz="500" b="0" i="0" u="none" strike="noStrike" dirty="0">
+                          <a:solidFill>
+                            <a:srgbClr val="FF0000"/>
+                          </a:solidFill>
+                          <a:effectLst/>
+                          <a:latin typeface="Arial" panose="020B0604020202020204" pitchFamily="34" charset="0"/>
+                        </a:rPr>
+                        <a:t>1.479</a:t>
+                      </a:r>
+                      <a:endParaRPr lang="en-US" sz="500" dirty="0">
+                        <a:solidFill>
+                          <a:srgbClr val="FF0000"/>
+                        </a:solidFill>
+                        <a:effectLst/>
+                      </a:endParaRPr>
+                    </a:p>
+                  </a:txBody>
+                  <a:tcPr marL="0" marR="0" marT="0" marB="0" anchor="ctr">
+                    <a:lnL w="12700" cap="flat" cmpd="sng" algn="ctr">
+                      <a:solidFill>
+                        <a:srgbClr val="545454"/>
+                      </a:solidFill>
+                      <a:prstDash val="solid"/>
+                      <a:round/>
+                      <a:headEnd type="none" w="med" len="med"/>
+                      <a:tailEnd type="none" w="med" len="med"/>
+                    </a:lnL>
+                    <a:lnR w="12700" cmpd="sng">
+                      <a:noFill/>
+                    </a:lnR>
+                    <a:lnT w="12700" cap="flat" cmpd="sng" algn="ctr">
+                      <a:solidFill>
+                        <a:srgbClr val="545454"/>
+                      </a:solidFill>
+                      <a:prstDash val="solid"/>
+                      <a:round/>
+                      <a:headEnd type="none" w="med" len="med"/>
+                      <a:tailEnd type="none" w="med" len="med"/>
+                    </a:lnT>
+                    <a:lnB w="12700" cmpd="sng">
+                      <a:noFill/>
+                    </a:lnB>
+                    <a:lnTlToBr w="12700" cmpd="sng">
+                      <a:noFill/>
+                      <a:prstDash val="solid"/>
+                    </a:lnTlToBr>
+                    <a:lnBlToTr w="12700" cmpd="sng">
+                      <a:noFill/>
+                      <a:prstDash val="solid"/>
+                    </a:lnBlToTr>
+                    <a:solidFill>
+                      <a:schemeClr val="accent3"/>
+                    </a:solidFill>
+                  </a:tcPr>
+                </a:tc>
+                <a:tc>
+                  <a:txBody>
+                    <a:bodyPr/>
+                    <a:lstStyle/>
+                    <a:p>
+                      <a:pPr algn="ctr" rtl="0" fontAlgn="t">
+                        <a:spcBef>
+                          <a:spcPts val="0"/>
+                        </a:spcBef>
+                        <a:spcAft>
+                          <a:spcPts val="0"/>
+                        </a:spcAft>
+                      </a:pPr>
+                      <a:r>
+                        <a:rPr lang="en-US" sz="500" b="0" i="0" u="none" strike="noStrike" dirty="0">
+                          <a:solidFill>
+                            <a:srgbClr val="FF0000"/>
+                          </a:solidFill>
+                          <a:effectLst/>
+                          <a:latin typeface="Arial" panose="020B0604020202020204" pitchFamily="34" charset="0"/>
+                        </a:rPr>
+                        <a:t>1.479</a:t>
+                      </a:r>
+                      <a:endParaRPr lang="en-US" sz="500" dirty="0">
+                        <a:solidFill>
+                          <a:srgbClr val="FF0000"/>
+                        </a:solidFill>
+                        <a:effectLst/>
+                      </a:endParaRPr>
+                    </a:p>
+                  </a:txBody>
+                  <a:tcPr marL="0" marR="0" marT="0" marB="0" anchor="ctr">
+                    <a:lnL w="12700" cmpd="sng">
+                      <a:noFill/>
+                    </a:lnL>
+                    <a:lnR w="12700" cmpd="sng">
+                      <a:noFill/>
+                    </a:lnR>
+                    <a:lnT w="12700" cap="flat" cmpd="sng" algn="ctr">
+                      <a:solidFill>
+                        <a:srgbClr val="545454"/>
+                      </a:solidFill>
+                      <a:prstDash val="solid"/>
+                      <a:round/>
+                      <a:headEnd type="none" w="med" len="med"/>
+                      <a:tailEnd type="none" w="med" len="med"/>
+                    </a:lnT>
+                    <a:lnB w="12700" cmpd="sng">
+                      <a:noFill/>
+                    </a:lnB>
+                    <a:lnTlToBr w="12700" cmpd="sng">
+                      <a:noFill/>
+                      <a:prstDash val="solid"/>
+                    </a:lnTlToBr>
+                    <a:lnBlToTr w="12700" cmpd="sng">
+                      <a:noFill/>
+                      <a:prstDash val="solid"/>
+                    </a:lnBlToTr>
+                    <a:solidFill>
+                      <a:schemeClr val="accent3"/>
+                    </a:solidFill>
+                  </a:tcPr>
+                </a:tc>
+                <a:tc>
+                  <a:txBody>
+                    <a:bodyPr/>
+                    <a:lstStyle/>
+                    <a:p>
+                      <a:pPr algn="ctr" rtl="0" fontAlgn="t">
+                        <a:spcBef>
+                          <a:spcPts val="0"/>
+                        </a:spcBef>
+                        <a:spcAft>
+                          <a:spcPts val="0"/>
+                        </a:spcAft>
+                      </a:pPr>
+                      <a:r>
+                        <a:rPr lang="en-US" sz="500" b="0" i="0" u="none" strike="noStrike" dirty="0">
+                          <a:solidFill>
+                            <a:srgbClr val="FF0000"/>
+                          </a:solidFill>
+                          <a:effectLst/>
+                          <a:latin typeface="Arial" panose="020B0604020202020204" pitchFamily="34" charset="0"/>
+                        </a:rPr>
+                        <a:t>5.513</a:t>
+                      </a:r>
+                      <a:endParaRPr lang="en-US" sz="500" dirty="0">
+                        <a:solidFill>
+                          <a:srgbClr val="FF0000"/>
+                        </a:solidFill>
+                        <a:effectLst/>
+                      </a:endParaRPr>
+                    </a:p>
+                  </a:txBody>
+                  <a:tcPr marL="0" marR="0" marT="0" marB="0" anchor="ctr">
+                    <a:lnL w="12700" cmpd="sng">
+                      <a:noFill/>
+                    </a:lnL>
+                    <a:lnR w="12700" cmpd="sng">
+                      <a:noFill/>
+                    </a:lnR>
+                    <a:lnT w="12700" cap="flat" cmpd="sng" algn="ctr">
+                      <a:solidFill>
+                        <a:srgbClr val="545454"/>
+                      </a:solidFill>
+                      <a:prstDash val="solid"/>
+                      <a:round/>
+                      <a:headEnd type="none" w="med" len="med"/>
+                      <a:tailEnd type="none" w="med" len="med"/>
+                    </a:lnT>
+                    <a:lnB w="12700" cmpd="sng">
+                      <a:noFill/>
+                    </a:lnB>
+                    <a:lnTlToBr w="12700" cmpd="sng">
+                      <a:noFill/>
+                      <a:prstDash val="solid"/>
+                    </a:lnTlToBr>
+                    <a:lnBlToTr w="12700" cmpd="sng">
+                      <a:noFill/>
+                      <a:prstDash val="solid"/>
+                    </a:lnBlToTr>
+                    <a:solidFill>
+                      <a:schemeClr val="accent3"/>
+                    </a:solidFill>
+                  </a:tcPr>
+                </a:tc>
+                <a:tc>
+                  <a:txBody>
+                    <a:bodyPr/>
+                    <a:lstStyle/>
+                    <a:p>
+                      <a:pPr algn="ctr" rtl="0" fontAlgn="t">
+                        <a:spcBef>
+                          <a:spcPts val="0"/>
+                        </a:spcBef>
+                        <a:spcAft>
+                          <a:spcPts val="0"/>
+                        </a:spcAft>
+                      </a:pPr>
+                      <a:r>
+                        <a:rPr lang="en-US" sz="500" b="0" i="0" u="none" strike="noStrike" dirty="0">
+                          <a:solidFill>
+                            <a:srgbClr val="FF0000"/>
+                          </a:solidFill>
+                          <a:effectLst/>
+                          <a:latin typeface="Arial" panose="020B0604020202020204" pitchFamily="34" charset="0"/>
+                        </a:rPr>
+                        <a:t>4.826</a:t>
+                      </a:r>
+                      <a:endParaRPr lang="en-US" sz="500" dirty="0">
+                        <a:solidFill>
+                          <a:srgbClr val="FF0000"/>
+                        </a:solidFill>
+                        <a:effectLst/>
+                      </a:endParaRPr>
+                    </a:p>
+                  </a:txBody>
+                  <a:tcPr marL="0" marR="0" marT="0" marB="0" anchor="ctr">
+                    <a:lnL w="12700" cmpd="sng">
+                      <a:noFill/>
+                    </a:lnL>
+                    <a:lnR w="12700" cmpd="sng">
+                      <a:noFill/>
+                    </a:lnR>
+                    <a:lnT w="12700" cap="flat" cmpd="sng" algn="ctr">
+                      <a:solidFill>
+                        <a:srgbClr val="545454"/>
+                      </a:solidFill>
+                      <a:prstDash val="solid"/>
+                      <a:round/>
+                      <a:headEnd type="none" w="med" len="med"/>
+                      <a:tailEnd type="none" w="med" len="med"/>
+                    </a:lnT>
+                    <a:lnB w="12700" cmpd="sng">
+                      <a:noFill/>
+                    </a:lnB>
+                    <a:lnTlToBr w="12700" cmpd="sng">
+                      <a:noFill/>
+                      <a:prstDash val="solid"/>
+                    </a:lnTlToBr>
+                    <a:lnBlToTr w="12700" cmpd="sng">
+                      <a:noFill/>
+                      <a:prstDash val="solid"/>
+                    </a:lnBlToTr>
+                    <a:solidFill>
+                      <a:schemeClr val="accent3"/>
+                    </a:solidFill>
+                  </a:tcPr>
+                </a:tc>
+                <a:tc>
+                  <a:txBody>
+                    <a:bodyPr/>
+                    <a:lstStyle/>
+                    <a:p>
+                      <a:pPr algn="ctr" rtl="0" fontAlgn="t">
+                        <a:spcBef>
+                          <a:spcPts val="0"/>
+                        </a:spcBef>
+                        <a:spcAft>
+                          <a:spcPts val="0"/>
+                        </a:spcAft>
+                      </a:pPr>
+                      <a:r>
+                        <a:rPr lang="en-US" sz="500" b="0" i="0" u="none" strike="noStrike" dirty="0">
+                          <a:solidFill>
+                            <a:srgbClr val="FF0000"/>
+                          </a:solidFill>
+                          <a:effectLst/>
+                          <a:latin typeface="Arial" panose="020B0604020202020204" pitchFamily="34" charset="0"/>
+                        </a:rPr>
+                        <a:t>100.060</a:t>
+                      </a:r>
+                      <a:endParaRPr lang="en-US" sz="500" dirty="0">
+                        <a:solidFill>
+                          <a:srgbClr val="FF0000"/>
+                        </a:solidFill>
+                        <a:effectLst/>
+                      </a:endParaRPr>
+                    </a:p>
+                  </a:txBody>
+                  <a:tcPr marL="0" marR="0" marT="0" marB="0" anchor="ctr">
+                    <a:lnL w="12700" cmpd="sng">
+                      <a:noFill/>
+                    </a:lnL>
+                    <a:lnR w="12700" cmpd="sng">
+                      <a:noFill/>
+                    </a:lnR>
+                    <a:lnT w="12700" cap="flat" cmpd="sng" algn="ctr">
+                      <a:solidFill>
+                        <a:srgbClr val="545454"/>
+                      </a:solidFill>
+                      <a:prstDash val="solid"/>
+                      <a:round/>
+                      <a:headEnd type="none" w="med" len="med"/>
+                      <a:tailEnd type="none" w="med" len="med"/>
+                    </a:lnT>
+                    <a:lnB w="12700" cmpd="sng">
+                      <a:noFill/>
+                    </a:lnB>
+                    <a:lnTlToBr w="12700" cmpd="sng">
+                      <a:noFill/>
+                      <a:prstDash val="solid"/>
+                    </a:lnTlToBr>
+                    <a:lnBlToTr w="12700" cmpd="sng">
+                      <a:noFill/>
+                      <a:prstDash val="solid"/>
+                    </a:lnBlToTr>
+                    <a:solidFill>
+                      <a:schemeClr val="accent3"/>
+                    </a:solidFill>
+                  </a:tcPr>
+                </a:tc>
+                <a:tc>
+                  <a:txBody>
+                    <a:bodyPr/>
+                    <a:lstStyle/>
+                    <a:p>
+                      <a:pPr algn="ctr" rtl="0" fontAlgn="t">
+                        <a:spcBef>
+                          <a:spcPts val="0"/>
+                        </a:spcBef>
+                        <a:spcAft>
+                          <a:spcPts val="0"/>
+                        </a:spcAft>
+                      </a:pPr>
+                      <a:r>
+                        <a:rPr lang="en-US" sz="500" b="0" i="0" u="none" strike="noStrike" dirty="0">
+                          <a:solidFill>
+                            <a:srgbClr val="FF0000"/>
+                          </a:solidFill>
+                          <a:effectLst/>
+                          <a:latin typeface="Arial" panose="020B0604020202020204" pitchFamily="34" charset="0"/>
+                        </a:rPr>
+                        <a:t>90.044</a:t>
+                      </a:r>
+                      <a:endParaRPr lang="en-US" sz="500" dirty="0">
+                        <a:solidFill>
+                          <a:srgbClr val="FF0000"/>
+                        </a:solidFill>
+                        <a:effectLst/>
+                      </a:endParaRPr>
+                    </a:p>
+                  </a:txBody>
+                  <a:tcPr marL="0" marR="0" marT="0" marB="0" anchor="ctr">
+                    <a:lnL w="12700" cmpd="sng">
+                      <a:noFill/>
+                    </a:lnL>
+                    <a:lnR w="12700" cmpd="sng">
+                      <a:noFill/>
+                    </a:lnR>
+                    <a:lnT w="12700" cap="flat" cmpd="sng" algn="ctr">
+                      <a:solidFill>
+                        <a:srgbClr val="545454"/>
+                      </a:solidFill>
+                      <a:prstDash val="solid"/>
+                      <a:round/>
+                      <a:headEnd type="none" w="med" len="med"/>
+                      <a:tailEnd type="none" w="med" len="med"/>
+                    </a:lnT>
+                    <a:lnB w="12700" cmpd="sng">
+                      <a:noFill/>
+                    </a:lnB>
+                    <a:lnTlToBr w="12700" cmpd="sng">
+                      <a:noFill/>
+                      <a:prstDash val="solid"/>
+                    </a:lnTlToBr>
+                    <a:lnBlToTr w="12700" cmpd="sng">
+                      <a:noFill/>
+                      <a:prstDash val="solid"/>
+                    </a:lnBlToTr>
+                    <a:solidFill>
+                      <a:schemeClr val="accent3"/>
+                    </a:solidFill>
+                  </a:tcPr>
+                </a:tc>
+                <a:extLst>
+                  <a:ext uri="{0D108BD9-81ED-4DB2-BD59-A6C34878D82A}">
+                    <a16:rowId xmlns:a16="http://schemas.microsoft.com/office/drawing/2014/main" val="3387094887"/>
+                  </a:ext>
+                </a:extLst>
+              </a:tr>
+              <a:tr h="103762">
+                <a:tc>
+                  <a:txBody>
+                    <a:bodyPr/>
+                    <a:lstStyle/>
+                    <a:p>
+                      <a:pPr marL="0" marR="0" lvl="0" indent="0" algn="ctr" defTabSz="342900" rtl="0" eaLnBrk="1" fontAlgn="ctr" latinLnBrk="0" hangingPunct="1">
+                        <a:lnSpc>
+                          <a:spcPct val="100000"/>
+                        </a:lnSpc>
+                        <a:spcBef>
+                          <a:spcPts val="0"/>
+                        </a:spcBef>
+                        <a:spcAft>
+                          <a:spcPts val="0"/>
+                        </a:spcAft>
+                        <a:buClrTx/>
+                        <a:buSzTx/>
+                        <a:buFontTx/>
+                        <a:buNone/>
+                        <a:tabLst/>
+                        <a:defRPr/>
+                      </a:pPr>
+                      <a:r>
+                        <a:rPr lang="en-US" sz="400" b="1" i="0" u="none" strike="noStrike" dirty="0">
+                          <a:solidFill>
+                            <a:srgbClr val="FF0000"/>
+                          </a:solidFill>
+                          <a:effectLst/>
+                          <a:latin typeface="Arial" panose="020B0604020202020204" pitchFamily="34" charset="0"/>
+                          <a:cs typeface="Arial" panose="020B0604020202020204" pitchFamily="34" charset="0"/>
+                        </a:rPr>
+                        <a:t>Data set std</a:t>
+                      </a:r>
+                      <a:endParaRPr lang="en-US" sz="400" dirty="0">
+                        <a:solidFill>
+                          <a:srgbClr val="FF0000"/>
+                        </a:solidFill>
+                        <a:effectLst/>
+                        <a:latin typeface="Arial" panose="020B0604020202020204" pitchFamily="34" charset="0"/>
+                        <a:cs typeface="Arial" panose="020B0604020202020204" pitchFamily="34" charset="0"/>
+                      </a:endParaRPr>
+                    </a:p>
+                  </a:txBody>
+                  <a:tcPr marL="0" marR="0" marT="0" marB="0" anchor="ctr">
+                    <a:lnL w="12700" cmpd="sng">
+                      <a:noFill/>
+                    </a:lnL>
+                    <a:lnR w="12700" cap="flat" cmpd="sng" algn="ctr">
+                      <a:solidFill>
+                        <a:srgbClr val="545454"/>
+                      </a:solidFill>
+                      <a:prstDash val="solid"/>
+                      <a:round/>
+                      <a:headEnd type="none" w="med" len="med"/>
+                      <a:tailEnd type="none" w="med" len="med"/>
+                    </a:lnR>
+                    <a:lnT w="12700" cmpd="sng">
+                      <a:noFill/>
+                    </a:lnT>
+                    <a:lnB w="12700" cmpd="sng">
+                      <a:noFill/>
+                    </a:lnB>
+                    <a:lnTlToBr w="12700" cmpd="sng">
+                      <a:noFill/>
+                      <a:prstDash val="solid"/>
+                    </a:lnTlToBr>
+                    <a:lnBlToTr w="12700" cmpd="sng">
+                      <a:noFill/>
+                      <a:prstDash val="solid"/>
+                    </a:lnBlToTr>
+                    <a:solidFill>
+                      <a:schemeClr val="accent3"/>
+                    </a:solidFill>
+                  </a:tcPr>
+                </a:tc>
+                <a:tc>
+                  <a:txBody>
+                    <a:bodyPr/>
+                    <a:lstStyle/>
+                    <a:p>
+                      <a:pPr algn="ctr" rtl="0" fontAlgn="t">
+                        <a:spcBef>
+                          <a:spcPts val="0"/>
+                        </a:spcBef>
+                        <a:spcAft>
+                          <a:spcPts val="0"/>
+                        </a:spcAft>
+                      </a:pPr>
+                      <a:r>
+                        <a:rPr lang="en-US" sz="500" b="0" i="0" u="none" strike="noStrike" dirty="0">
+                          <a:solidFill>
+                            <a:srgbClr val="FF0000"/>
+                          </a:solidFill>
+                          <a:effectLst/>
+                          <a:latin typeface="Arial" panose="020B0604020202020204" pitchFamily="34" charset="0"/>
+                        </a:rPr>
+                        <a:t>0.688</a:t>
+                      </a:r>
+                      <a:endParaRPr lang="en-US" sz="500" dirty="0">
+                        <a:solidFill>
+                          <a:srgbClr val="FF0000"/>
+                        </a:solidFill>
+                        <a:effectLst/>
+                      </a:endParaRPr>
+                    </a:p>
+                  </a:txBody>
+                  <a:tcPr marL="0" marR="0" marT="0" marB="0" anchor="ctr">
+                    <a:lnL w="12700" cap="flat" cmpd="sng" algn="ctr">
+                      <a:solidFill>
+                        <a:srgbClr val="545454"/>
+                      </a:solidFill>
+                      <a:prstDash val="solid"/>
+                      <a:round/>
+                      <a:headEnd type="none" w="med" len="med"/>
+                      <a:tailEnd type="none" w="med" len="med"/>
+                    </a:lnL>
+                    <a:lnR w="12700" cmpd="sng">
+                      <a:noFill/>
+                    </a:lnR>
+                    <a:lnT w="12700" cmpd="sng">
+                      <a:noFill/>
+                    </a:lnT>
+                    <a:lnB w="12700" cmpd="sng">
+                      <a:noFill/>
+                    </a:lnB>
+                    <a:lnTlToBr w="12700" cmpd="sng">
+                      <a:noFill/>
+                      <a:prstDash val="solid"/>
+                    </a:lnTlToBr>
+                    <a:lnBlToTr w="12700" cmpd="sng">
+                      <a:noFill/>
+                      <a:prstDash val="solid"/>
+                    </a:lnBlToTr>
+                    <a:solidFill>
+                      <a:schemeClr val="accent3"/>
+                    </a:solidFill>
+                  </a:tcPr>
+                </a:tc>
+                <a:tc>
+                  <a:txBody>
+                    <a:bodyPr/>
+                    <a:lstStyle/>
+                    <a:p>
+                      <a:pPr algn="ctr" rtl="0" fontAlgn="t">
+                        <a:spcBef>
+                          <a:spcPts val="0"/>
+                        </a:spcBef>
+                        <a:spcAft>
+                          <a:spcPts val="0"/>
+                        </a:spcAft>
+                      </a:pPr>
+                      <a:r>
+                        <a:rPr lang="en-US" sz="500" b="0" i="0" u="none" strike="noStrike" dirty="0">
+                          <a:solidFill>
+                            <a:srgbClr val="FF0000"/>
+                          </a:solidFill>
+                          <a:effectLst/>
+                          <a:latin typeface="Arial" panose="020B0604020202020204" pitchFamily="34" charset="0"/>
+                        </a:rPr>
+                        <a:t>0.687</a:t>
+                      </a:r>
+                      <a:endParaRPr lang="en-US" sz="500" dirty="0">
+                        <a:solidFill>
+                          <a:srgbClr val="FF0000"/>
+                        </a:solidFill>
+                        <a:effectLst/>
+                      </a:endParaRPr>
+                    </a:p>
+                  </a:txBody>
+                  <a:tcPr marL="0" marR="0" marT="0" marB="0" anchor="ctr">
+                    <a:lnL w="12700" cmpd="sng">
+                      <a:noFill/>
+                    </a:lnL>
+                    <a:lnR w="12700" cmpd="sng">
+                      <a:noFill/>
+                    </a:lnR>
+                    <a:lnT w="12700" cmpd="sng">
+                      <a:noFill/>
+                    </a:lnT>
+                    <a:lnB w="12700" cmpd="sng">
+                      <a:noFill/>
+                    </a:lnB>
+                    <a:lnTlToBr w="12700" cmpd="sng">
+                      <a:noFill/>
+                      <a:prstDash val="solid"/>
+                    </a:lnTlToBr>
+                    <a:lnBlToTr w="12700" cmpd="sng">
+                      <a:noFill/>
+                      <a:prstDash val="solid"/>
+                    </a:lnBlToTr>
+                    <a:solidFill>
+                      <a:schemeClr val="accent3"/>
+                    </a:solidFill>
+                  </a:tcPr>
+                </a:tc>
+                <a:tc>
+                  <a:txBody>
+                    <a:bodyPr/>
+                    <a:lstStyle/>
+                    <a:p>
+                      <a:pPr algn="ctr" rtl="0" fontAlgn="t">
+                        <a:spcBef>
+                          <a:spcPts val="0"/>
+                        </a:spcBef>
+                        <a:spcAft>
+                          <a:spcPts val="0"/>
+                        </a:spcAft>
+                      </a:pPr>
+                      <a:r>
+                        <a:rPr lang="en-US" sz="500" b="0" i="0" u="none" strike="noStrike" dirty="0">
+                          <a:solidFill>
+                            <a:srgbClr val="FF0000"/>
+                          </a:solidFill>
+                          <a:effectLst/>
+                          <a:latin typeface="Arial" panose="020B0604020202020204" pitchFamily="34" charset="0"/>
+                        </a:rPr>
+                        <a:t>2.857</a:t>
+                      </a:r>
+                      <a:endParaRPr lang="en-US" sz="500" dirty="0">
+                        <a:solidFill>
+                          <a:srgbClr val="FF0000"/>
+                        </a:solidFill>
+                        <a:effectLst/>
+                      </a:endParaRPr>
+                    </a:p>
+                  </a:txBody>
+                  <a:tcPr marL="0" marR="0" marT="0" marB="0" anchor="ctr">
+                    <a:lnL w="12700" cmpd="sng">
+                      <a:noFill/>
+                    </a:lnL>
+                    <a:lnR w="12700" cmpd="sng">
+                      <a:noFill/>
+                    </a:lnR>
+                    <a:lnT w="12700" cmpd="sng">
+                      <a:noFill/>
+                    </a:lnT>
+                    <a:lnB w="12700" cmpd="sng">
+                      <a:noFill/>
+                    </a:lnB>
+                    <a:lnTlToBr w="12700" cmpd="sng">
+                      <a:noFill/>
+                      <a:prstDash val="solid"/>
+                    </a:lnTlToBr>
+                    <a:lnBlToTr w="12700" cmpd="sng">
+                      <a:noFill/>
+                      <a:prstDash val="solid"/>
+                    </a:lnBlToTr>
+                    <a:solidFill>
+                      <a:schemeClr val="accent3"/>
+                    </a:solidFill>
+                  </a:tcPr>
+                </a:tc>
+                <a:tc>
+                  <a:txBody>
+                    <a:bodyPr/>
+                    <a:lstStyle/>
+                    <a:p>
+                      <a:pPr algn="ctr" rtl="0" fontAlgn="t">
+                        <a:spcBef>
+                          <a:spcPts val="0"/>
+                        </a:spcBef>
+                        <a:spcAft>
+                          <a:spcPts val="0"/>
+                        </a:spcAft>
+                      </a:pPr>
+                      <a:r>
+                        <a:rPr lang="en-US" sz="500" b="0" i="0" u="none" strike="noStrike" dirty="0">
+                          <a:solidFill>
+                            <a:srgbClr val="FF0000"/>
+                          </a:solidFill>
+                          <a:effectLst/>
+                          <a:latin typeface="Arial" panose="020B0604020202020204" pitchFamily="34" charset="0"/>
+                        </a:rPr>
+                        <a:t>2.375</a:t>
+                      </a:r>
+                      <a:endParaRPr lang="en-US" sz="500" dirty="0">
+                        <a:solidFill>
+                          <a:srgbClr val="FF0000"/>
+                        </a:solidFill>
+                        <a:effectLst/>
+                      </a:endParaRPr>
+                    </a:p>
+                  </a:txBody>
+                  <a:tcPr marL="0" marR="0" marT="0" marB="0" anchor="ctr">
+                    <a:lnL w="12700" cmpd="sng">
+                      <a:noFill/>
+                    </a:lnL>
+                    <a:lnR w="12700" cmpd="sng">
+                      <a:noFill/>
+                    </a:lnR>
+                    <a:lnT w="12700" cmpd="sng">
+                      <a:noFill/>
+                    </a:lnT>
+                    <a:lnB w="12700" cmpd="sng">
+                      <a:noFill/>
+                    </a:lnB>
+                    <a:lnTlToBr w="12700" cmpd="sng">
+                      <a:noFill/>
+                      <a:prstDash val="solid"/>
+                    </a:lnTlToBr>
+                    <a:lnBlToTr w="12700" cmpd="sng">
+                      <a:noFill/>
+                      <a:prstDash val="solid"/>
+                    </a:lnBlToTr>
+                    <a:solidFill>
+                      <a:schemeClr val="accent3"/>
+                    </a:solidFill>
+                  </a:tcPr>
+                </a:tc>
+                <a:tc>
+                  <a:txBody>
+                    <a:bodyPr/>
+                    <a:lstStyle/>
+                    <a:p>
+                      <a:pPr algn="ctr" rtl="0" fontAlgn="t">
+                        <a:spcBef>
+                          <a:spcPts val="0"/>
+                        </a:spcBef>
+                        <a:spcAft>
+                          <a:spcPts val="0"/>
+                        </a:spcAft>
+                      </a:pPr>
+                      <a:r>
+                        <a:rPr lang="en-US" sz="500" b="0" i="0" u="none" strike="noStrike" dirty="0">
+                          <a:solidFill>
+                            <a:srgbClr val="FF0000"/>
+                          </a:solidFill>
+                          <a:effectLst/>
+                          <a:latin typeface="Arial" panose="020B0604020202020204" pitchFamily="34" charset="0"/>
+                        </a:rPr>
+                        <a:t>0.161</a:t>
+                      </a:r>
+                      <a:endParaRPr lang="en-US" sz="500" dirty="0">
+                        <a:solidFill>
+                          <a:srgbClr val="FF0000"/>
+                        </a:solidFill>
+                        <a:effectLst/>
+                      </a:endParaRPr>
+                    </a:p>
+                  </a:txBody>
+                  <a:tcPr marL="0" marR="0" marT="0" marB="0" anchor="ctr">
+                    <a:lnL w="12700" cmpd="sng">
+                      <a:noFill/>
+                    </a:lnL>
+                    <a:lnR w="12700" cmpd="sng">
+                      <a:noFill/>
+                    </a:lnR>
+                    <a:lnT w="12700" cmpd="sng">
+                      <a:noFill/>
+                    </a:lnT>
+                    <a:lnB w="12700" cmpd="sng">
+                      <a:noFill/>
+                    </a:lnB>
+                    <a:lnTlToBr w="12700" cmpd="sng">
+                      <a:noFill/>
+                      <a:prstDash val="solid"/>
+                    </a:lnTlToBr>
+                    <a:lnBlToTr w="12700" cmpd="sng">
+                      <a:noFill/>
+                      <a:prstDash val="solid"/>
+                    </a:lnBlToTr>
+                    <a:solidFill>
+                      <a:schemeClr val="accent3"/>
+                    </a:solidFill>
+                  </a:tcPr>
+                </a:tc>
+                <a:tc>
+                  <a:txBody>
+                    <a:bodyPr/>
+                    <a:lstStyle/>
+                    <a:p>
+                      <a:pPr algn="ctr" rtl="0" fontAlgn="t">
+                        <a:spcBef>
+                          <a:spcPts val="0"/>
+                        </a:spcBef>
+                        <a:spcAft>
+                          <a:spcPts val="0"/>
+                        </a:spcAft>
+                      </a:pPr>
+                      <a:r>
+                        <a:rPr lang="en-US" sz="500" b="0" i="0" u="none" strike="noStrike" dirty="0">
+                          <a:solidFill>
+                            <a:srgbClr val="FF0000"/>
+                          </a:solidFill>
+                          <a:effectLst/>
+                          <a:latin typeface="Arial" panose="020B0604020202020204" pitchFamily="34" charset="0"/>
+                        </a:rPr>
+                        <a:t>4.712</a:t>
+                      </a:r>
+                      <a:endParaRPr lang="en-US" sz="500" dirty="0">
+                        <a:solidFill>
+                          <a:srgbClr val="FF0000"/>
+                        </a:solidFill>
+                        <a:effectLst/>
+                      </a:endParaRPr>
+                    </a:p>
+                  </a:txBody>
+                  <a:tcPr marL="0" marR="0" marT="0" marB="0" anchor="ctr">
+                    <a:lnL w="12700" cmpd="sng">
+                      <a:noFill/>
+                    </a:lnL>
+                    <a:lnR w="12700" cmpd="sng">
+                      <a:noFill/>
+                    </a:lnR>
+                    <a:lnT w="12700" cmpd="sng">
+                      <a:noFill/>
+                    </a:lnT>
+                    <a:lnB w="12700" cmpd="sng">
+                      <a:noFill/>
+                    </a:lnB>
+                    <a:lnTlToBr w="12700" cmpd="sng">
+                      <a:noFill/>
+                      <a:prstDash val="solid"/>
+                    </a:lnTlToBr>
+                    <a:lnBlToTr w="12700" cmpd="sng">
+                      <a:noFill/>
+                      <a:prstDash val="solid"/>
+                    </a:lnBlToTr>
+                    <a:solidFill>
+                      <a:schemeClr val="accent3"/>
+                    </a:solidFill>
+                  </a:tcPr>
+                </a:tc>
+                <a:extLst>
+                  <a:ext uri="{0D108BD9-81ED-4DB2-BD59-A6C34878D82A}">
+                    <a16:rowId xmlns:a16="http://schemas.microsoft.com/office/drawing/2014/main" val="3421719422"/>
+                  </a:ext>
+                </a:extLst>
+              </a:tr>
+              <a:tr h="103762">
+                <a:tc>
+                  <a:txBody>
+                    <a:bodyPr/>
+                    <a:lstStyle/>
+                    <a:p>
+                      <a:pPr algn="ctr" rtl="0" fontAlgn="ctr">
+                        <a:spcBef>
+                          <a:spcPts val="0"/>
+                        </a:spcBef>
+                        <a:spcAft>
+                          <a:spcPts val="0"/>
+                        </a:spcAft>
+                      </a:pPr>
+                      <a:r>
+                        <a:rPr lang="en-US" sz="400" b="1" i="0" u="none" strike="noStrike" dirty="0">
+                          <a:solidFill>
+                            <a:srgbClr val="FF0000"/>
+                          </a:solidFill>
+                          <a:effectLst/>
+                          <a:latin typeface="Arial" panose="020B0604020202020204" pitchFamily="34" charset="0"/>
+                        </a:rPr>
+                        <a:t>Design space mean</a:t>
+                      </a:r>
+                      <a:endParaRPr lang="en-US" sz="400" dirty="0">
+                        <a:solidFill>
+                          <a:srgbClr val="FF0000"/>
+                        </a:solidFill>
+                        <a:effectLst/>
+                      </a:endParaRPr>
+                    </a:p>
+                  </a:txBody>
+                  <a:tcPr marL="0" marR="0" marT="0" marB="0" anchor="ctr">
+                    <a:lnL w="12700" cmpd="sng">
+                      <a:noFill/>
+                    </a:lnL>
+                    <a:lnR w="12700" cap="flat" cmpd="sng" algn="ctr">
+                      <a:solidFill>
+                        <a:srgbClr val="545454"/>
+                      </a:solidFill>
+                      <a:prstDash val="solid"/>
+                      <a:round/>
+                      <a:headEnd type="none" w="med" len="med"/>
+                      <a:tailEnd type="none" w="med" len="med"/>
+                    </a:lnR>
+                    <a:lnT w="12700" cmpd="sng">
+                      <a:noFill/>
+                    </a:lnT>
+                    <a:lnB w="12700" cmpd="sng">
+                      <a:noFill/>
+                    </a:lnB>
+                    <a:lnTlToBr w="12700" cmpd="sng">
+                      <a:noFill/>
+                      <a:prstDash val="solid"/>
+                    </a:lnTlToBr>
+                    <a:lnBlToTr w="12700" cmpd="sng">
+                      <a:noFill/>
+                      <a:prstDash val="solid"/>
+                    </a:lnBlToTr>
+                    <a:solidFill>
+                      <a:schemeClr val="accent3"/>
+                    </a:solidFill>
+                  </a:tcPr>
+                </a:tc>
+                <a:tc>
+                  <a:txBody>
+                    <a:bodyPr/>
+                    <a:lstStyle/>
+                    <a:p>
+                      <a:pPr algn="ctr" rtl="0" fontAlgn="t">
+                        <a:spcBef>
+                          <a:spcPts val="0"/>
+                        </a:spcBef>
+                        <a:spcAft>
+                          <a:spcPts val="0"/>
+                        </a:spcAft>
+                      </a:pPr>
+                      <a:r>
+                        <a:rPr lang="en-US" sz="500" b="0" i="0" u="none" strike="noStrike" dirty="0">
+                          <a:solidFill>
+                            <a:srgbClr val="FF0000"/>
+                          </a:solidFill>
+                          <a:effectLst/>
+                          <a:latin typeface="Arial" panose="020B0604020202020204" pitchFamily="34" charset="0"/>
+                        </a:rPr>
+                        <a:t>1.626</a:t>
+                      </a:r>
+                      <a:endParaRPr lang="en-US" sz="500" dirty="0">
+                        <a:solidFill>
+                          <a:srgbClr val="FF0000"/>
+                        </a:solidFill>
+                        <a:effectLst/>
+                      </a:endParaRPr>
+                    </a:p>
+                  </a:txBody>
+                  <a:tcPr marL="0" marR="0" marT="0" marB="0" anchor="ctr">
+                    <a:lnL w="12700" cap="flat" cmpd="sng" algn="ctr">
+                      <a:solidFill>
+                        <a:srgbClr val="545454"/>
+                      </a:solidFill>
+                      <a:prstDash val="solid"/>
+                      <a:round/>
+                      <a:headEnd type="none" w="med" len="med"/>
+                      <a:tailEnd type="none" w="med" len="med"/>
+                    </a:lnL>
+                    <a:lnR w="12700" cmpd="sng">
+                      <a:noFill/>
+                    </a:lnR>
+                    <a:lnT w="12700" cmpd="sng">
+                      <a:noFill/>
+                    </a:lnT>
+                    <a:lnB w="12700" cmpd="sng">
+                      <a:noFill/>
+                    </a:lnB>
+                    <a:lnTlToBr w="12700" cmpd="sng">
+                      <a:noFill/>
+                      <a:prstDash val="solid"/>
+                    </a:lnTlToBr>
+                    <a:lnBlToTr w="12700" cmpd="sng">
+                      <a:noFill/>
+                      <a:prstDash val="solid"/>
+                    </a:lnBlToTr>
+                    <a:solidFill>
+                      <a:schemeClr val="accent3"/>
+                    </a:solidFill>
+                  </a:tcPr>
+                </a:tc>
+                <a:tc>
+                  <a:txBody>
+                    <a:bodyPr/>
+                    <a:lstStyle/>
+                    <a:p>
+                      <a:pPr algn="ctr" rtl="0" fontAlgn="t">
+                        <a:spcBef>
+                          <a:spcPts val="0"/>
+                        </a:spcBef>
+                        <a:spcAft>
+                          <a:spcPts val="0"/>
+                        </a:spcAft>
+                      </a:pPr>
+                      <a:r>
+                        <a:rPr lang="en-US" sz="500" b="0" i="0" u="none" strike="noStrike" dirty="0">
+                          <a:solidFill>
+                            <a:srgbClr val="FF0000"/>
+                          </a:solidFill>
+                          <a:effectLst/>
+                          <a:latin typeface="Arial" panose="020B0604020202020204" pitchFamily="34" charset="0"/>
+                        </a:rPr>
+                        <a:t>1.627</a:t>
+                      </a:r>
+                      <a:endParaRPr lang="en-US" sz="500" dirty="0">
+                        <a:solidFill>
+                          <a:srgbClr val="FF0000"/>
+                        </a:solidFill>
+                        <a:effectLst/>
+                      </a:endParaRPr>
+                    </a:p>
+                  </a:txBody>
+                  <a:tcPr marL="0" marR="0" marT="0" marB="0" anchor="ctr">
+                    <a:lnL w="12700" cmpd="sng">
+                      <a:noFill/>
+                    </a:lnL>
+                    <a:lnR w="12700" cmpd="sng">
+                      <a:noFill/>
+                    </a:lnR>
+                    <a:lnT w="12700" cmpd="sng">
+                      <a:noFill/>
+                    </a:lnT>
+                    <a:lnB w="12700" cmpd="sng">
+                      <a:noFill/>
+                    </a:lnB>
+                    <a:lnTlToBr w="12700" cmpd="sng">
+                      <a:noFill/>
+                      <a:prstDash val="solid"/>
+                    </a:lnTlToBr>
+                    <a:lnBlToTr w="12700" cmpd="sng">
+                      <a:noFill/>
+                      <a:prstDash val="solid"/>
+                    </a:lnBlToTr>
+                    <a:solidFill>
+                      <a:schemeClr val="accent3"/>
+                    </a:solidFill>
+                  </a:tcPr>
+                </a:tc>
+                <a:tc>
+                  <a:txBody>
+                    <a:bodyPr/>
+                    <a:lstStyle/>
+                    <a:p>
+                      <a:pPr algn="ctr" rtl="0" fontAlgn="t">
+                        <a:spcBef>
+                          <a:spcPts val="0"/>
+                        </a:spcBef>
+                        <a:spcAft>
+                          <a:spcPts val="0"/>
+                        </a:spcAft>
+                      </a:pPr>
+                      <a:r>
+                        <a:rPr lang="en-US" sz="500" b="0" i="0" u="none" strike="noStrike" dirty="0">
+                          <a:solidFill>
+                            <a:srgbClr val="FF0000"/>
+                          </a:solidFill>
+                          <a:effectLst/>
+                          <a:latin typeface="Arial" panose="020B0604020202020204" pitchFamily="34" charset="0"/>
+                        </a:rPr>
+                        <a:t>6.153</a:t>
+                      </a:r>
+                      <a:endParaRPr lang="en-US" sz="500" dirty="0">
+                        <a:solidFill>
+                          <a:srgbClr val="FF0000"/>
+                        </a:solidFill>
+                        <a:effectLst/>
+                      </a:endParaRPr>
+                    </a:p>
+                  </a:txBody>
+                  <a:tcPr marL="0" marR="0" marT="0" marB="0" anchor="ctr">
+                    <a:lnL w="12700" cmpd="sng">
+                      <a:noFill/>
+                    </a:lnL>
+                    <a:lnR w="12700" cmpd="sng">
+                      <a:noFill/>
+                    </a:lnR>
+                    <a:lnT w="12700" cmpd="sng">
+                      <a:noFill/>
+                    </a:lnT>
+                    <a:lnB w="12700" cmpd="sng">
+                      <a:noFill/>
+                    </a:lnB>
+                    <a:lnTlToBr w="12700" cmpd="sng">
+                      <a:noFill/>
+                      <a:prstDash val="solid"/>
+                    </a:lnTlToBr>
+                    <a:lnBlToTr w="12700" cmpd="sng">
+                      <a:noFill/>
+                      <a:prstDash val="solid"/>
+                    </a:lnBlToTr>
+                    <a:solidFill>
+                      <a:schemeClr val="accent3"/>
+                    </a:solidFill>
+                  </a:tcPr>
+                </a:tc>
+                <a:tc>
+                  <a:txBody>
+                    <a:bodyPr/>
+                    <a:lstStyle/>
+                    <a:p>
+                      <a:pPr algn="ctr" rtl="0" fontAlgn="t">
+                        <a:spcBef>
+                          <a:spcPts val="0"/>
+                        </a:spcBef>
+                        <a:spcAft>
+                          <a:spcPts val="0"/>
+                        </a:spcAft>
+                      </a:pPr>
+                      <a:r>
+                        <a:rPr lang="en-US" sz="500" b="0" i="0" u="none" strike="noStrike" dirty="0">
+                          <a:solidFill>
+                            <a:srgbClr val="FF0000"/>
+                          </a:solidFill>
+                          <a:effectLst/>
+                          <a:latin typeface="Arial" panose="020B0604020202020204" pitchFamily="34" charset="0"/>
+                        </a:rPr>
+                        <a:t>5.324</a:t>
+                      </a:r>
+                      <a:endParaRPr lang="en-US" sz="500" dirty="0">
+                        <a:solidFill>
+                          <a:srgbClr val="FF0000"/>
+                        </a:solidFill>
+                        <a:effectLst/>
+                      </a:endParaRPr>
+                    </a:p>
+                  </a:txBody>
+                  <a:tcPr marL="0" marR="0" marT="0" marB="0" anchor="ctr">
+                    <a:lnL w="12700" cmpd="sng">
+                      <a:noFill/>
+                    </a:lnL>
+                    <a:lnR w="12700" cmpd="sng">
+                      <a:noFill/>
+                    </a:lnR>
+                    <a:lnT w="12700" cmpd="sng">
+                      <a:noFill/>
+                    </a:lnT>
+                    <a:lnB w="12700" cmpd="sng">
+                      <a:noFill/>
+                    </a:lnB>
+                    <a:lnTlToBr w="12700" cmpd="sng">
+                      <a:noFill/>
+                      <a:prstDash val="solid"/>
+                    </a:lnTlToBr>
+                    <a:lnBlToTr w="12700" cmpd="sng">
+                      <a:noFill/>
+                      <a:prstDash val="solid"/>
+                    </a:lnBlToTr>
+                    <a:solidFill>
+                      <a:schemeClr val="accent3"/>
+                    </a:solidFill>
+                  </a:tcPr>
+                </a:tc>
+                <a:tc>
+                  <a:txBody>
+                    <a:bodyPr/>
+                    <a:lstStyle/>
+                    <a:p>
+                      <a:pPr algn="ctr" rtl="0" fontAlgn="t">
+                        <a:spcBef>
+                          <a:spcPts val="0"/>
+                        </a:spcBef>
+                        <a:spcAft>
+                          <a:spcPts val="0"/>
+                        </a:spcAft>
+                      </a:pPr>
+                      <a:r>
+                        <a:rPr lang="en-US" sz="500" b="0" i="0" u="none" strike="noStrike" dirty="0">
+                          <a:solidFill>
+                            <a:srgbClr val="FF0000"/>
+                          </a:solidFill>
+                          <a:effectLst/>
+                          <a:latin typeface="Arial" panose="020B0604020202020204" pitchFamily="34" charset="0"/>
+                        </a:rPr>
+                        <a:t>100.044</a:t>
+                      </a:r>
+                      <a:endParaRPr lang="en-US" sz="500" dirty="0">
+                        <a:solidFill>
+                          <a:srgbClr val="FF0000"/>
+                        </a:solidFill>
+                        <a:effectLst/>
+                      </a:endParaRPr>
+                    </a:p>
+                  </a:txBody>
+                  <a:tcPr marL="0" marR="0" marT="0" marB="0" anchor="ctr">
+                    <a:lnL w="12700" cmpd="sng">
+                      <a:noFill/>
+                    </a:lnL>
+                    <a:lnR w="12700" cmpd="sng">
+                      <a:noFill/>
+                    </a:lnR>
+                    <a:lnT w="12700" cmpd="sng">
+                      <a:noFill/>
+                    </a:lnT>
+                    <a:lnB w="12700" cmpd="sng">
+                      <a:noFill/>
+                    </a:lnB>
+                    <a:lnTlToBr w="12700" cmpd="sng">
+                      <a:noFill/>
+                      <a:prstDash val="solid"/>
+                    </a:lnTlToBr>
+                    <a:lnBlToTr w="12700" cmpd="sng">
+                      <a:noFill/>
+                      <a:prstDash val="solid"/>
+                    </a:lnBlToTr>
+                    <a:solidFill>
+                      <a:schemeClr val="accent3"/>
+                    </a:solidFill>
+                  </a:tcPr>
+                </a:tc>
+                <a:tc>
+                  <a:txBody>
+                    <a:bodyPr/>
+                    <a:lstStyle/>
+                    <a:p>
+                      <a:pPr algn="ctr" rtl="0" fontAlgn="t">
+                        <a:spcBef>
+                          <a:spcPts val="0"/>
+                        </a:spcBef>
+                        <a:spcAft>
+                          <a:spcPts val="0"/>
+                        </a:spcAft>
+                      </a:pPr>
+                      <a:r>
+                        <a:rPr lang="en-US" sz="500" b="0" i="0" u="none" strike="noStrike" dirty="0">
+                          <a:solidFill>
+                            <a:srgbClr val="FF0000"/>
+                          </a:solidFill>
+                          <a:effectLst/>
+                          <a:latin typeface="Arial" panose="020B0604020202020204" pitchFamily="34" charset="0"/>
+                        </a:rPr>
+                        <a:t>89.406</a:t>
+                      </a:r>
+                      <a:endParaRPr lang="en-US" sz="500" dirty="0">
+                        <a:solidFill>
+                          <a:srgbClr val="FF0000"/>
+                        </a:solidFill>
+                        <a:effectLst/>
+                      </a:endParaRPr>
+                    </a:p>
+                  </a:txBody>
+                  <a:tcPr marL="0" marR="0" marT="0" marB="0" anchor="ctr">
+                    <a:lnL w="12700" cmpd="sng">
+                      <a:noFill/>
+                    </a:lnL>
+                    <a:lnR w="12700" cmpd="sng">
+                      <a:noFill/>
+                    </a:lnR>
+                    <a:lnT w="12700" cmpd="sng">
+                      <a:noFill/>
+                    </a:lnT>
+                    <a:lnB w="12700" cmpd="sng">
+                      <a:noFill/>
+                    </a:lnB>
+                    <a:lnTlToBr w="12700" cmpd="sng">
+                      <a:noFill/>
+                      <a:prstDash val="solid"/>
+                    </a:lnTlToBr>
+                    <a:lnBlToTr w="12700" cmpd="sng">
+                      <a:noFill/>
+                      <a:prstDash val="solid"/>
+                    </a:lnBlToTr>
+                    <a:solidFill>
+                      <a:schemeClr val="accent3"/>
+                    </a:solidFill>
+                  </a:tcPr>
+                </a:tc>
+                <a:extLst>
+                  <a:ext uri="{0D108BD9-81ED-4DB2-BD59-A6C34878D82A}">
+                    <a16:rowId xmlns:a16="http://schemas.microsoft.com/office/drawing/2014/main" val="4293330717"/>
+                  </a:ext>
+                </a:extLst>
+              </a:tr>
+              <a:tr h="103762">
+                <a:tc>
+                  <a:txBody>
+                    <a:bodyPr/>
+                    <a:lstStyle/>
+                    <a:p>
+                      <a:pPr algn="ctr" rtl="0" fontAlgn="ctr">
+                        <a:spcBef>
+                          <a:spcPts val="0"/>
+                        </a:spcBef>
+                        <a:spcAft>
+                          <a:spcPts val="0"/>
+                        </a:spcAft>
+                      </a:pPr>
+                      <a:r>
+                        <a:rPr lang="en-US" sz="400" b="1" i="0" u="none" strike="noStrike" dirty="0">
+                          <a:solidFill>
+                            <a:srgbClr val="FF0000"/>
+                          </a:solidFill>
+                          <a:effectLst/>
+                          <a:latin typeface="Arial" panose="020B0604020202020204" pitchFamily="34" charset="0"/>
+                        </a:rPr>
+                        <a:t>Design space std</a:t>
+                      </a:r>
+                      <a:endParaRPr lang="en-US" sz="400" dirty="0">
+                        <a:solidFill>
+                          <a:srgbClr val="FF0000"/>
+                        </a:solidFill>
+                        <a:effectLst/>
+                      </a:endParaRPr>
+                    </a:p>
+                  </a:txBody>
+                  <a:tcPr marL="0" marR="0" marT="0" marB="0" anchor="ctr">
+                    <a:lnL w="12700" cmpd="sng">
+                      <a:noFill/>
+                    </a:lnL>
+                    <a:lnR w="12700" cap="flat" cmpd="sng" algn="ctr">
+                      <a:solidFill>
+                        <a:srgbClr val="545454"/>
+                      </a:solidFill>
+                      <a:prstDash val="solid"/>
+                      <a:round/>
+                      <a:headEnd type="none" w="med" len="med"/>
+                      <a:tailEnd type="none" w="med" len="med"/>
+                    </a:lnR>
+                    <a:lnT w="12700" cmpd="sng">
+                      <a:noFill/>
+                    </a:lnT>
+                    <a:lnB w="12700" cap="flat" cmpd="sng" algn="ctr">
+                      <a:solidFill>
+                        <a:srgbClr val="545454"/>
+                      </a:solidFill>
+                      <a:prstDash val="solid"/>
+                      <a:round/>
+                      <a:headEnd type="none" w="med" len="med"/>
+                      <a:tailEnd type="none" w="med" len="med"/>
+                    </a:lnB>
+                    <a:lnTlToBr w="12700" cmpd="sng">
+                      <a:noFill/>
+                      <a:prstDash val="solid"/>
+                    </a:lnTlToBr>
+                    <a:lnBlToTr w="12700" cmpd="sng">
+                      <a:noFill/>
+                      <a:prstDash val="solid"/>
+                    </a:lnBlToTr>
+                    <a:solidFill>
+                      <a:schemeClr val="accent3"/>
+                    </a:solidFill>
+                  </a:tcPr>
+                </a:tc>
+                <a:tc>
+                  <a:txBody>
+                    <a:bodyPr/>
+                    <a:lstStyle/>
+                    <a:p>
+                      <a:pPr algn="ctr" rtl="0" fontAlgn="t">
+                        <a:spcBef>
+                          <a:spcPts val="0"/>
+                        </a:spcBef>
+                        <a:spcAft>
+                          <a:spcPts val="0"/>
+                        </a:spcAft>
+                      </a:pPr>
+                      <a:r>
+                        <a:rPr lang="en-US" sz="500" b="0" i="0" u="none" strike="noStrike" dirty="0">
+                          <a:solidFill>
+                            <a:srgbClr val="FF0000"/>
+                          </a:solidFill>
+                          <a:effectLst/>
+                          <a:latin typeface="Arial" panose="020B0604020202020204" pitchFamily="34" charset="0"/>
+                        </a:rPr>
+                        <a:t>0.875</a:t>
+                      </a:r>
+                      <a:endParaRPr lang="en-US" sz="500" dirty="0">
+                        <a:solidFill>
+                          <a:srgbClr val="FF0000"/>
+                        </a:solidFill>
+                        <a:effectLst/>
+                      </a:endParaRPr>
+                    </a:p>
+                  </a:txBody>
+                  <a:tcPr marL="0" marR="0" marT="0" marB="0" anchor="ctr">
+                    <a:lnL w="12700" cap="flat" cmpd="sng" algn="ctr">
+                      <a:solidFill>
+                        <a:srgbClr val="545454"/>
+                      </a:solidFill>
+                      <a:prstDash val="solid"/>
+                      <a:round/>
+                      <a:headEnd type="none" w="med" len="med"/>
+                      <a:tailEnd type="none" w="med" len="med"/>
+                    </a:lnL>
+                    <a:lnR w="12700" cmpd="sng">
+                      <a:noFill/>
+                    </a:lnR>
+                    <a:lnT w="12700" cmpd="sng">
+                      <a:noFill/>
+                    </a:lnT>
+                    <a:lnB w="12700" cap="flat" cmpd="sng" algn="ctr">
+                      <a:solidFill>
+                        <a:srgbClr val="545454"/>
+                      </a:solidFill>
+                      <a:prstDash val="solid"/>
+                      <a:round/>
+                      <a:headEnd type="none" w="med" len="med"/>
+                      <a:tailEnd type="none" w="med" len="med"/>
+                    </a:lnB>
+                    <a:lnTlToBr w="12700" cmpd="sng">
+                      <a:noFill/>
+                      <a:prstDash val="solid"/>
+                    </a:lnTlToBr>
+                    <a:lnBlToTr w="12700" cmpd="sng">
+                      <a:noFill/>
+                      <a:prstDash val="solid"/>
+                    </a:lnBlToTr>
+                    <a:solidFill>
+                      <a:schemeClr val="accent3"/>
+                    </a:solidFill>
+                  </a:tcPr>
+                </a:tc>
+                <a:tc>
+                  <a:txBody>
+                    <a:bodyPr/>
+                    <a:lstStyle/>
+                    <a:p>
+                      <a:pPr algn="ctr" rtl="0" fontAlgn="t">
+                        <a:spcBef>
+                          <a:spcPts val="0"/>
+                        </a:spcBef>
+                        <a:spcAft>
+                          <a:spcPts val="0"/>
+                        </a:spcAft>
+                      </a:pPr>
+                      <a:r>
+                        <a:rPr lang="en-US" sz="500" b="0" i="0" u="none" strike="noStrike" dirty="0">
+                          <a:solidFill>
+                            <a:srgbClr val="FF0000"/>
+                          </a:solidFill>
+                          <a:effectLst/>
+                          <a:latin typeface="Arial" panose="020B0604020202020204" pitchFamily="34" charset="0"/>
+                        </a:rPr>
+                        <a:t>0.875</a:t>
+                      </a:r>
+                      <a:endParaRPr lang="en-US" sz="500" dirty="0">
+                        <a:solidFill>
+                          <a:srgbClr val="FF0000"/>
+                        </a:solidFill>
+                        <a:effectLst/>
+                      </a:endParaRPr>
+                    </a:p>
+                  </a:txBody>
+                  <a:tcPr marL="0" marR="0" marT="0" marB="0" anchor="ctr">
+                    <a:lnL w="12700" cmpd="sng">
+                      <a:noFill/>
+                    </a:lnL>
+                    <a:lnR w="12700" cmpd="sng">
+                      <a:noFill/>
+                    </a:lnR>
+                    <a:lnT w="12700" cmpd="sng">
+                      <a:noFill/>
+                    </a:lnT>
+                    <a:lnB w="12700" cap="flat" cmpd="sng" algn="ctr">
+                      <a:solidFill>
+                        <a:srgbClr val="545454"/>
+                      </a:solidFill>
+                      <a:prstDash val="solid"/>
+                      <a:round/>
+                      <a:headEnd type="none" w="med" len="med"/>
+                      <a:tailEnd type="none" w="med" len="med"/>
+                    </a:lnB>
+                    <a:lnTlToBr w="12700" cmpd="sng">
+                      <a:noFill/>
+                      <a:prstDash val="solid"/>
+                    </a:lnTlToBr>
+                    <a:lnBlToTr w="12700" cmpd="sng">
+                      <a:noFill/>
+                      <a:prstDash val="solid"/>
+                    </a:lnBlToTr>
+                    <a:solidFill>
+                      <a:schemeClr val="accent3"/>
+                    </a:solidFill>
+                  </a:tcPr>
+                </a:tc>
+                <a:tc>
+                  <a:txBody>
+                    <a:bodyPr/>
+                    <a:lstStyle/>
+                    <a:p>
+                      <a:pPr algn="ctr" rtl="0" fontAlgn="t">
+                        <a:spcBef>
+                          <a:spcPts val="0"/>
+                        </a:spcBef>
+                        <a:spcAft>
+                          <a:spcPts val="0"/>
+                        </a:spcAft>
+                      </a:pPr>
+                      <a:r>
+                        <a:rPr lang="en-US" sz="500" b="0" i="0" u="none" strike="noStrike" dirty="0">
+                          <a:solidFill>
+                            <a:srgbClr val="FF0000"/>
+                          </a:solidFill>
+                          <a:effectLst/>
+                          <a:latin typeface="Arial" panose="020B0604020202020204" pitchFamily="34" charset="0"/>
+                        </a:rPr>
+                        <a:t>3.553</a:t>
+                      </a:r>
+                      <a:endParaRPr lang="en-US" sz="500" dirty="0">
+                        <a:solidFill>
+                          <a:srgbClr val="FF0000"/>
+                        </a:solidFill>
+                        <a:effectLst/>
+                      </a:endParaRPr>
+                    </a:p>
+                  </a:txBody>
+                  <a:tcPr marL="0" marR="0" marT="0" marB="0" anchor="ctr">
+                    <a:lnL w="12700" cmpd="sng">
+                      <a:noFill/>
+                    </a:lnL>
+                    <a:lnR w="12700" cmpd="sng">
+                      <a:noFill/>
+                    </a:lnR>
+                    <a:lnT w="12700" cmpd="sng">
+                      <a:noFill/>
+                    </a:lnT>
+                    <a:lnB w="12700" cap="flat" cmpd="sng" algn="ctr">
+                      <a:solidFill>
+                        <a:srgbClr val="545454"/>
+                      </a:solidFill>
+                      <a:prstDash val="solid"/>
+                      <a:round/>
+                      <a:headEnd type="none" w="med" len="med"/>
+                      <a:tailEnd type="none" w="med" len="med"/>
+                    </a:lnB>
+                    <a:lnTlToBr w="12700" cmpd="sng">
+                      <a:noFill/>
+                      <a:prstDash val="solid"/>
+                    </a:lnTlToBr>
+                    <a:lnBlToTr w="12700" cmpd="sng">
+                      <a:noFill/>
+                      <a:prstDash val="solid"/>
+                    </a:lnBlToTr>
+                    <a:solidFill>
+                      <a:schemeClr val="accent3"/>
+                    </a:solidFill>
+                  </a:tcPr>
+                </a:tc>
+                <a:tc>
+                  <a:txBody>
+                    <a:bodyPr/>
+                    <a:lstStyle/>
+                    <a:p>
+                      <a:pPr algn="ctr" rtl="0" fontAlgn="t">
+                        <a:spcBef>
+                          <a:spcPts val="0"/>
+                        </a:spcBef>
+                        <a:spcAft>
+                          <a:spcPts val="0"/>
+                        </a:spcAft>
+                      </a:pPr>
+                      <a:r>
+                        <a:rPr lang="en-US" sz="500" b="0" i="0" u="none" strike="noStrike" dirty="0">
+                          <a:solidFill>
+                            <a:srgbClr val="FF0000"/>
+                          </a:solidFill>
+                          <a:effectLst/>
+                          <a:latin typeface="Arial" panose="020B0604020202020204" pitchFamily="34" charset="0"/>
+                        </a:rPr>
+                        <a:t>2.968</a:t>
+                      </a:r>
+                      <a:endParaRPr lang="en-US" sz="500" dirty="0">
+                        <a:solidFill>
+                          <a:srgbClr val="FF0000"/>
+                        </a:solidFill>
+                        <a:effectLst/>
+                      </a:endParaRPr>
+                    </a:p>
+                  </a:txBody>
+                  <a:tcPr marL="0" marR="0" marT="0" marB="0" anchor="ctr">
+                    <a:lnL w="12700" cmpd="sng">
+                      <a:noFill/>
+                    </a:lnL>
+                    <a:lnR w="12700" cmpd="sng">
+                      <a:noFill/>
+                    </a:lnR>
+                    <a:lnT w="12700" cmpd="sng">
+                      <a:noFill/>
+                    </a:lnT>
+                    <a:lnB w="12700" cap="flat" cmpd="sng" algn="ctr">
+                      <a:solidFill>
+                        <a:srgbClr val="545454"/>
+                      </a:solidFill>
+                      <a:prstDash val="solid"/>
+                      <a:round/>
+                      <a:headEnd type="none" w="med" len="med"/>
+                      <a:tailEnd type="none" w="med" len="med"/>
+                    </a:lnB>
+                    <a:lnTlToBr w="12700" cmpd="sng">
+                      <a:noFill/>
+                      <a:prstDash val="solid"/>
+                    </a:lnTlToBr>
+                    <a:lnBlToTr w="12700" cmpd="sng">
+                      <a:noFill/>
+                      <a:prstDash val="solid"/>
+                    </a:lnBlToTr>
+                    <a:solidFill>
+                      <a:schemeClr val="accent3"/>
+                    </a:solidFill>
+                  </a:tcPr>
+                </a:tc>
+                <a:tc>
+                  <a:txBody>
+                    <a:bodyPr/>
+                    <a:lstStyle/>
+                    <a:p>
+                      <a:pPr algn="ctr" rtl="0" fontAlgn="t">
+                        <a:spcBef>
+                          <a:spcPts val="0"/>
+                        </a:spcBef>
+                        <a:spcAft>
+                          <a:spcPts val="0"/>
+                        </a:spcAft>
+                      </a:pPr>
+                      <a:r>
+                        <a:rPr lang="en-US" sz="500" b="0" i="0" u="none" strike="noStrike" dirty="0">
+                          <a:solidFill>
+                            <a:srgbClr val="FF0000"/>
+                          </a:solidFill>
+                          <a:effectLst/>
+                          <a:latin typeface="Arial" panose="020B0604020202020204" pitchFamily="34" charset="0"/>
+                        </a:rPr>
+                        <a:t>0.989</a:t>
+                      </a:r>
+                      <a:endParaRPr lang="en-US" sz="500" dirty="0">
+                        <a:solidFill>
+                          <a:srgbClr val="FF0000"/>
+                        </a:solidFill>
+                        <a:effectLst/>
+                      </a:endParaRPr>
+                    </a:p>
+                  </a:txBody>
+                  <a:tcPr marL="0" marR="0" marT="0" marB="0" anchor="ctr">
+                    <a:lnL w="12700" cmpd="sng">
+                      <a:noFill/>
+                    </a:lnL>
+                    <a:lnR w="12700" cmpd="sng">
+                      <a:noFill/>
+                    </a:lnR>
+                    <a:lnT w="12700" cmpd="sng">
+                      <a:noFill/>
+                    </a:lnT>
+                    <a:lnB w="12700" cap="flat" cmpd="sng" algn="ctr">
+                      <a:solidFill>
+                        <a:srgbClr val="545454"/>
+                      </a:solidFill>
+                      <a:prstDash val="solid"/>
+                      <a:round/>
+                      <a:headEnd type="none" w="med" len="med"/>
+                      <a:tailEnd type="none" w="med" len="med"/>
+                    </a:lnB>
+                    <a:lnTlToBr w="12700" cmpd="sng">
+                      <a:noFill/>
+                      <a:prstDash val="solid"/>
+                    </a:lnTlToBr>
+                    <a:lnBlToTr w="12700" cmpd="sng">
+                      <a:noFill/>
+                      <a:prstDash val="solid"/>
+                    </a:lnBlToTr>
+                    <a:solidFill>
+                      <a:schemeClr val="accent3"/>
+                    </a:solidFill>
+                  </a:tcPr>
+                </a:tc>
+                <a:tc>
+                  <a:txBody>
+                    <a:bodyPr/>
+                    <a:lstStyle/>
+                    <a:p>
+                      <a:pPr algn="ctr" rtl="0" fontAlgn="t">
+                        <a:spcBef>
+                          <a:spcPts val="0"/>
+                        </a:spcBef>
+                        <a:spcAft>
+                          <a:spcPts val="0"/>
+                        </a:spcAft>
+                      </a:pPr>
+                      <a:r>
+                        <a:rPr lang="en-US" sz="500" b="0" i="0" u="none" strike="noStrike" dirty="0">
+                          <a:solidFill>
+                            <a:srgbClr val="FF0000"/>
+                          </a:solidFill>
+                          <a:effectLst/>
+                          <a:latin typeface="Arial" panose="020B0604020202020204" pitchFamily="34" charset="0"/>
+                        </a:rPr>
+                        <a:t>5.848</a:t>
+                      </a:r>
+                      <a:endParaRPr lang="en-US" sz="500" dirty="0">
+                        <a:solidFill>
+                          <a:srgbClr val="FF0000"/>
+                        </a:solidFill>
+                        <a:effectLst/>
+                      </a:endParaRPr>
+                    </a:p>
+                  </a:txBody>
+                  <a:tcPr marL="0" marR="0" marT="0" marB="0" anchor="ctr">
+                    <a:lnL w="12700" cmpd="sng">
+                      <a:noFill/>
+                    </a:lnL>
+                    <a:lnR w="12700" cmpd="sng">
+                      <a:noFill/>
+                    </a:lnR>
+                    <a:lnT w="12700" cmpd="sng">
+                      <a:noFill/>
+                    </a:lnT>
+                    <a:lnB w="12700" cap="flat" cmpd="sng" algn="ctr">
+                      <a:solidFill>
+                        <a:srgbClr val="545454"/>
+                      </a:solidFill>
+                      <a:prstDash val="solid"/>
+                      <a:round/>
+                      <a:headEnd type="none" w="med" len="med"/>
+                      <a:tailEnd type="none" w="med" len="med"/>
+                    </a:lnB>
+                    <a:lnTlToBr w="12700" cmpd="sng">
+                      <a:noFill/>
+                      <a:prstDash val="solid"/>
+                    </a:lnTlToBr>
+                    <a:lnBlToTr w="12700" cmpd="sng">
+                      <a:noFill/>
+                      <a:prstDash val="solid"/>
+                    </a:lnBlToTr>
+                    <a:solidFill>
+                      <a:schemeClr val="accent3"/>
+                    </a:solidFill>
+                  </a:tcPr>
+                </a:tc>
+                <a:extLst>
+                  <a:ext uri="{0D108BD9-81ED-4DB2-BD59-A6C34878D82A}">
+                    <a16:rowId xmlns:a16="http://schemas.microsoft.com/office/drawing/2014/main" val="50052697"/>
+                  </a:ext>
+                </a:extLst>
+              </a:tr>
+            </a:tbl>
+          </a:graphicData>
+        </a:graphic>
+      </p:graphicFrame>
+      <p:sp>
+        <p:nvSpPr>
+          <p:cNvPr id="85" name="TextBox 84">
+            <a:extLst>
+              <a:ext uri="{FF2B5EF4-FFF2-40B4-BE49-F238E27FC236}">
+                <a16:creationId xmlns:a16="http://schemas.microsoft.com/office/drawing/2014/main" id="{910F9F81-2A50-4A31-B9FA-62C139822207}"/>
+              </a:ext>
+            </a:extLst>
+          </p:cNvPr>
+          <p:cNvSpPr txBox="1"/>
+          <p:nvPr/>
+        </p:nvSpPr>
+        <p:spPr>
+          <a:xfrm>
+            <a:off x="3005300" y="6095099"/>
+            <a:ext cx="3020017" cy="630942"/>
+          </a:xfrm>
+          <a:prstGeom prst="rect">
+            <a:avLst/>
+          </a:prstGeom>
+          <a:noFill/>
+        </p:spPr>
+        <p:txBody>
+          <a:bodyPr wrap="square">
+            <a:spAutoFit/>
+          </a:bodyPr>
+          <a:lstStyle/>
+          <a:p>
+            <a:pPr marL="57150" indent="-57150">
+              <a:buFont typeface="Arial" panose="020B0604020202020204" pitchFamily="34" charset="0"/>
+              <a:buChar char="•"/>
+            </a:pPr>
+            <a:r>
+              <a:rPr lang="en-US" sz="700" dirty="0">
+                <a:solidFill>
+                  <a:srgbClr val="FF5757"/>
+                </a:solidFill>
+                <a:latin typeface="Arial" panose="020B0604020202020204" pitchFamily="34" charset="0"/>
+                <a:cs typeface="Arial" panose="020B0604020202020204" pitchFamily="34" charset="0"/>
+              </a:rPr>
+              <a:t>Capacity has lowest RMSE, energy and efficiency had higher RMSEs</a:t>
+            </a:r>
+          </a:p>
+          <a:p>
+            <a:pPr marL="57150" indent="-57150">
+              <a:buFont typeface="Arial" panose="020B0604020202020204" pitchFamily="34" charset="0"/>
+              <a:buChar char="•"/>
+            </a:pPr>
+            <a:r>
+              <a:rPr lang="en-US" sz="700" dirty="0">
+                <a:solidFill>
+                  <a:srgbClr val="FF5757"/>
+                </a:solidFill>
+                <a:latin typeface="Arial" panose="020B0604020202020204" pitchFamily="34" charset="0"/>
+                <a:cs typeface="Arial" panose="020B0604020202020204" pitchFamily="34" charset="0"/>
+              </a:rPr>
+              <a:t>Coulombic efficiency had greatest difference between validation and test RMSE possible due to very similar values in the data set and possible high variance </a:t>
+            </a:r>
+          </a:p>
+          <a:p>
+            <a:pPr marL="57150" indent="-57150">
+              <a:buFont typeface="Arial" panose="020B0604020202020204" pitchFamily="34" charset="0"/>
+              <a:buChar char="•"/>
+            </a:pPr>
+            <a:r>
+              <a:rPr lang="en-US" sz="700" dirty="0">
+                <a:solidFill>
+                  <a:srgbClr val="FF5757"/>
+                </a:solidFill>
+                <a:highlight>
+                  <a:srgbClr val="FFFF00"/>
+                </a:highlight>
+                <a:latin typeface="Arial" panose="020B0604020202020204" pitchFamily="34" charset="0"/>
+                <a:cs typeface="Arial" panose="020B0604020202020204" pitchFamily="34" charset="0"/>
+              </a:rPr>
+              <a:t>[result on battery performance]</a:t>
+            </a:r>
+          </a:p>
+        </p:txBody>
+      </p:sp>
+      <p:sp>
+        <p:nvSpPr>
+          <p:cNvPr id="102" name="Title 1">
+            <a:extLst>
+              <a:ext uri="{FF2B5EF4-FFF2-40B4-BE49-F238E27FC236}">
+                <a16:creationId xmlns:a16="http://schemas.microsoft.com/office/drawing/2014/main" id="{C3B31FE3-CEBD-4A12-9A68-FD01150F57E1}"/>
+              </a:ext>
+            </a:extLst>
+          </p:cNvPr>
+          <p:cNvSpPr txBox="1">
+            <a:spLocks/>
+          </p:cNvSpPr>
+          <p:nvPr/>
+        </p:nvSpPr>
+        <p:spPr>
+          <a:xfrm>
+            <a:off x="4838066" y="6580164"/>
+            <a:ext cx="1187251" cy="241390"/>
+          </a:xfrm>
+          <a:prstGeom prst="rect">
+            <a:avLst/>
+          </a:prstGeom>
+        </p:spPr>
+        <p:txBody>
+          <a:bodyPr anchor="t"/>
+          <a:lstStyle>
+            <a:lvl1pPr algn="l" defTabSz="342900" rtl="0" eaLnBrk="1" latinLnBrk="0" hangingPunct="1">
+              <a:spcBef>
+                <a:spcPct val="0"/>
+              </a:spcBef>
+              <a:buNone/>
+              <a:defRPr sz="3750" b="1" i="0" kern="1200">
+                <a:solidFill>
+                  <a:schemeClr val="tx2"/>
+                </a:solidFill>
+                <a:latin typeface="Encode Sans Normal Black" charset="0"/>
+                <a:ea typeface="Encode Sans Normal Black" charset="0"/>
+                <a:cs typeface="Encode Sans Normal Black" charset="0"/>
+              </a:defRPr>
+            </a:lvl1pPr>
+          </a:lstStyle>
+          <a:p>
+            <a:pPr algn="just"/>
+            <a:r>
+              <a:rPr lang="en-US" sz="700" dirty="0">
+                <a:solidFill>
+                  <a:srgbClr val="FF0000"/>
+                </a:solidFill>
+                <a:highlight>
+                  <a:srgbClr val="FFFF00"/>
+                </a:highlight>
+                <a:latin typeface="Arial" panose="020B0604020202020204" pitchFamily="34" charset="0"/>
+                <a:cs typeface="Arial" panose="020B0604020202020204" pitchFamily="34" charset="0"/>
+              </a:rPr>
+              <a:t>White space here doesn’t match </a:t>
+            </a:r>
+            <a:endParaRPr lang="en-US" sz="700" b="0" dirty="0">
+              <a:solidFill>
+                <a:srgbClr val="FF0000"/>
+              </a:solidFill>
+              <a:highlight>
+                <a:srgbClr val="FFFF00"/>
+              </a:highlight>
+              <a:latin typeface="Arial" panose="020B0604020202020204" pitchFamily="34" charset="0"/>
+              <a:cs typeface="Arial" panose="020B0604020202020204" pitchFamily="34" charset="0"/>
+            </a:endParaRPr>
           </a:p>
         </p:txBody>
       </p:sp>
